--- a/Python_LFG/JDSZW1DE-19-Prezentacja.pptx
+++ b/Python_LFG/JDSZW1DE-19-Prezentacja.pptx
@@ -169,7 +169,7 @@
           <a:noFill/>
           <a:extLst>
             <a:ext uri="{909E8E84-426E-40dd-AFC4-6F175D3DCCD1}">
-              <a14:hiddenFill xmlns="" xmlns:a14="http://schemas.microsoft.com/office/drawing/2010/main">
+              <a14:hiddenFill xmlns:a14="http://schemas.microsoft.com/office/drawing/2010/main" xmlns="">
                 <a:solidFill>
                   <a:srgbClr val="FFFFFF"/>
                 </a:solidFill>
@@ -229,7 +229,7 @@
             </a:ln>
             <a:extLst>
               <a:ext uri="{91240B29-F687-4f45-9708-019B960494DF}">
-                <a14:hiddenLine xmlns="" xmlns:a14="http://schemas.microsoft.com/office/drawing/2010/main" w="9525">
+                <a14:hiddenLine xmlns:a14="http://schemas.microsoft.com/office/drawing/2010/main" xmlns="" w="9525">
                   <a:solidFill>
                     <a:srgbClr val="000000"/>
                   </a:solidFill>
@@ -319,7 +319,7 @@
             </a:ln>
             <a:extLst>
               <a:ext uri="{91240B29-F687-4f45-9708-019B960494DF}">
-                <a14:hiddenLine xmlns="" xmlns:a14="http://schemas.microsoft.com/office/drawing/2010/main" w="9525">
+                <a14:hiddenLine xmlns:a14="http://schemas.microsoft.com/office/drawing/2010/main" xmlns="" w="9525">
                   <a:solidFill>
                     <a:srgbClr val="000000"/>
                   </a:solidFill>
@@ -409,7 +409,7 @@
             </a:ln>
             <a:extLst>
               <a:ext uri="{91240B29-F687-4f45-9708-019B960494DF}">
-                <a14:hiddenLine xmlns="" xmlns:a14="http://schemas.microsoft.com/office/drawing/2010/main" w="9525">
+                <a14:hiddenLine xmlns:a14="http://schemas.microsoft.com/office/drawing/2010/main" xmlns="" w="9525">
                   <a:solidFill>
                     <a:srgbClr val="000000"/>
                   </a:solidFill>
@@ -443,7 +443,7 @@
             </a:ln>
             <a:extLst>
               <a:ext uri="{91240B29-F687-4f45-9708-019B960494DF}">
-                <a14:hiddenLine xmlns="" xmlns:a14="http://schemas.microsoft.com/office/drawing/2010/main" w="9525">
+                <a14:hiddenLine xmlns:a14="http://schemas.microsoft.com/office/drawing/2010/main" xmlns="" w="9525">
                   <a:solidFill>
                     <a:srgbClr val="000000"/>
                   </a:solidFill>
@@ -533,7 +533,7 @@
             </a:ln>
             <a:extLst>
               <a:ext uri="{91240B29-F687-4f45-9708-019B960494DF}">
-                <a14:hiddenLine xmlns="" xmlns:a14="http://schemas.microsoft.com/office/drawing/2010/main" w="9525">
+                <a14:hiddenLine xmlns:a14="http://schemas.microsoft.com/office/drawing/2010/main" xmlns="" w="9525">
                   <a:solidFill>
                     <a:srgbClr val="000000"/>
                   </a:solidFill>
@@ -595,7 +595,7 @@
             </a:ln>
             <a:extLst>
               <a:ext uri="{91240B29-F687-4f45-9708-019B960494DF}">
-                <a14:hiddenLine xmlns="" xmlns:a14="http://schemas.microsoft.com/office/drawing/2010/main" w="9525">
+                <a14:hiddenLine xmlns:a14="http://schemas.microsoft.com/office/drawing/2010/main" xmlns="" w="9525">
                   <a:solidFill>
                     <a:srgbClr val="000000"/>
                   </a:solidFill>
@@ -657,7 +657,7 @@
             </a:ln>
             <a:extLst>
               <a:ext uri="{91240B29-F687-4f45-9708-019B960494DF}">
-                <a14:hiddenLine xmlns="" xmlns:a14="http://schemas.microsoft.com/office/drawing/2010/main" w="9525">
+                <a14:hiddenLine xmlns:a14="http://schemas.microsoft.com/office/drawing/2010/main" xmlns="" w="9525">
                   <a:solidFill>
                     <a:srgbClr val="000000"/>
                   </a:solidFill>
@@ -747,7 +747,7 @@
             </a:ln>
             <a:extLst>
               <a:ext uri="{91240B29-F687-4f45-9708-019B960494DF}">
-                <a14:hiddenLine xmlns="" xmlns:a14="http://schemas.microsoft.com/office/drawing/2010/main" w="9525">
+                <a14:hiddenLine xmlns:a14="http://schemas.microsoft.com/office/drawing/2010/main" xmlns="" w="9525">
                   <a:solidFill>
                     <a:srgbClr val="000000"/>
                   </a:solidFill>
@@ -809,7 +809,7 @@
             </a:ln>
             <a:extLst>
               <a:ext uri="{91240B29-F687-4f45-9708-019B960494DF}">
-                <a14:hiddenLine xmlns="" xmlns:a14="http://schemas.microsoft.com/office/drawing/2010/main" w="9525">
+                <a14:hiddenLine xmlns:a14="http://schemas.microsoft.com/office/drawing/2010/main" xmlns="" w="9525">
                   <a:solidFill>
                     <a:srgbClr val="000000"/>
                   </a:solidFill>
@@ -871,7 +871,7 @@
             </a:ln>
             <a:extLst>
               <a:ext uri="{91240B29-F687-4f45-9708-019B960494DF}">
-                <a14:hiddenLine xmlns="" xmlns:a14="http://schemas.microsoft.com/office/drawing/2010/main" w="9525">
+                <a14:hiddenLine xmlns:a14="http://schemas.microsoft.com/office/drawing/2010/main" xmlns="" w="9525">
                   <a:solidFill>
                     <a:srgbClr val="000000"/>
                   </a:solidFill>
@@ -961,7 +961,7 @@
             </a:ln>
             <a:extLst>
               <a:ext uri="{91240B29-F687-4f45-9708-019B960494DF}">
-                <a14:hiddenLine xmlns="" xmlns:a14="http://schemas.microsoft.com/office/drawing/2010/main" w="9525">
+                <a14:hiddenLine xmlns:a14="http://schemas.microsoft.com/office/drawing/2010/main" xmlns="" w="9525">
                   <a:solidFill>
                     <a:srgbClr val="000000"/>
                   </a:solidFill>
@@ -1051,7 +1051,7 @@
             </a:ln>
             <a:extLst>
               <a:ext uri="{91240B29-F687-4f45-9708-019B960494DF}">
-                <a14:hiddenLine xmlns="" xmlns:a14="http://schemas.microsoft.com/office/drawing/2010/main" w="9525">
+                <a14:hiddenLine xmlns:a14="http://schemas.microsoft.com/office/drawing/2010/main" xmlns="" w="9525">
                   <a:solidFill>
                     <a:srgbClr val="000000"/>
                   </a:solidFill>
@@ -1113,7 +1113,7 @@
             </a:ln>
             <a:extLst>
               <a:ext uri="{91240B29-F687-4f45-9708-019B960494DF}">
-                <a14:hiddenLine xmlns="" xmlns:a14="http://schemas.microsoft.com/office/drawing/2010/main" w="9525">
+                <a14:hiddenLine xmlns:a14="http://schemas.microsoft.com/office/drawing/2010/main" xmlns="" w="9525">
                   <a:solidFill>
                     <a:srgbClr val="000000"/>
                   </a:solidFill>
@@ -1223,7 +1223,7 @@
             </a:ln>
             <a:extLst>
               <a:ext uri="{91240B29-F687-4f45-9708-019B960494DF}">
-                <a14:hiddenLine xmlns="" xmlns:a14="http://schemas.microsoft.com/office/drawing/2010/main" w="9525">
+                <a14:hiddenLine xmlns:a14="http://schemas.microsoft.com/office/drawing/2010/main" xmlns="" w="9525">
                   <a:solidFill>
                     <a:srgbClr val="000000"/>
                   </a:solidFill>
@@ -1285,7 +1285,7 @@
             </a:ln>
             <a:extLst>
               <a:ext uri="{91240B29-F687-4f45-9708-019B960494DF}">
-                <a14:hiddenLine xmlns="" xmlns:a14="http://schemas.microsoft.com/office/drawing/2010/main" w="9525">
+                <a14:hiddenLine xmlns:a14="http://schemas.microsoft.com/office/drawing/2010/main" xmlns="" w="9525">
                   <a:solidFill>
                     <a:srgbClr val="000000"/>
                   </a:solidFill>
@@ -1375,7 +1375,7 @@
             </a:ln>
             <a:extLst>
               <a:ext uri="{91240B29-F687-4f45-9708-019B960494DF}">
-                <a14:hiddenLine xmlns="" xmlns:a14="http://schemas.microsoft.com/office/drawing/2010/main" w="9525">
+                <a14:hiddenLine xmlns:a14="http://schemas.microsoft.com/office/drawing/2010/main" xmlns="" w="9525">
                   <a:solidFill>
                     <a:srgbClr val="000000"/>
                   </a:solidFill>
@@ -1465,7 +1465,7 @@
             </a:ln>
             <a:extLst>
               <a:ext uri="{91240B29-F687-4f45-9708-019B960494DF}">
-                <a14:hiddenLine xmlns="" xmlns:a14="http://schemas.microsoft.com/office/drawing/2010/main" w="9525">
+                <a14:hiddenLine xmlns:a14="http://schemas.microsoft.com/office/drawing/2010/main" xmlns="" w="9525">
                   <a:solidFill>
                     <a:srgbClr val="000000"/>
                   </a:solidFill>
@@ -1527,7 +1527,7 @@
             </a:ln>
             <a:extLst>
               <a:ext uri="{91240B29-F687-4f45-9708-019B960494DF}">
-                <a14:hiddenLine xmlns="" xmlns:a14="http://schemas.microsoft.com/office/drawing/2010/main" w="9525">
+                <a14:hiddenLine xmlns:a14="http://schemas.microsoft.com/office/drawing/2010/main" xmlns="" w="9525">
                   <a:solidFill>
                     <a:srgbClr val="000000"/>
                   </a:solidFill>
@@ -1617,7 +1617,7 @@
             </a:ln>
             <a:extLst>
               <a:ext uri="{91240B29-F687-4f45-9708-019B960494DF}">
-                <a14:hiddenLine xmlns="" xmlns:a14="http://schemas.microsoft.com/office/drawing/2010/main" w="9525">
+                <a14:hiddenLine xmlns:a14="http://schemas.microsoft.com/office/drawing/2010/main" xmlns="" w="9525">
                   <a:solidFill>
                     <a:srgbClr val="000000"/>
                   </a:solidFill>
@@ -1707,7 +1707,7 @@
             </a:ln>
             <a:extLst>
               <a:ext uri="{91240B29-F687-4f45-9708-019B960494DF}">
-                <a14:hiddenLine xmlns="" xmlns:a14="http://schemas.microsoft.com/office/drawing/2010/main" w="9525">
+                <a14:hiddenLine xmlns:a14="http://schemas.microsoft.com/office/drawing/2010/main" xmlns="" w="9525">
                   <a:solidFill>
                     <a:srgbClr val="000000"/>
                   </a:solidFill>
@@ -1763,7 +1763,7 @@
             </a:ln>
             <a:extLst>
               <a:ext uri="{91240B29-F687-4f45-9708-019B960494DF}">
-                <a14:hiddenLine xmlns="" xmlns:a14="http://schemas.microsoft.com/office/drawing/2010/main" w="9525">
+                <a14:hiddenLine xmlns:a14="http://schemas.microsoft.com/office/drawing/2010/main" xmlns="" w="9525">
                   <a:solidFill>
                     <a:srgbClr val="000000"/>
                   </a:solidFill>
@@ -1853,7 +1853,7 @@
             </a:ln>
             <a:extLst>
               <a:ext uri="{91240B29-F687-4f45-9708-019B960494DF}">
-                <a14:hiddenLine xmlns="" xmlns:a14="http://schemas.microsoft.com/office/drawing/2010/main" w="9525">
+                <a14:hiddenLine xmlns:a14="http://schemas.microsoft.com/office/drawing/2010/main" xmlns="" w="9525">
                   <a:solidFill>
                     <a:srgbClr val="000000"/>
                   </a:solidFill>
@@ -1909,7 +1909,7 @@
             </a:ln>
             <a:extLst>
               <a:ext uri="{91240B29-F687-4f45-9708-019B960494DF}">
-                <a14:hiddenLine xmlns="" xmlns:a14="http://schemas.microsoft.com/office/drawing/2010/main" w="9525">
+                <a14:hiddenLine xmlns:a14="http://schemas.microsoft.com/office/drawing/2010/main" xmlns="" w="9525">
                   <a:solidFill>
                     <a:srgbClr val="000000"/>
                   </a:solidFill>
@@ -1999,7 +1999,7 @@
             </a:ln>
             <a:extLst>
               <a:ext uri="{91240B29-F687-4f45-9708-019B960494DF}">
-                <a14:hiddenLine xmlns="" xmlns:a14="http://schemas.microsoft.com/office/drawing/2010/main" w="9525">
+                <a14:hiddenLine xmlns:a14="http://schemas.microsoft.com/office/drawing/2010/main" xmlns="" w="9525">
                   <a:solidFill>
                     <a:srgbClr val="000000"/>
                   </a:solidFill>
@@ -2067,7 +2067,7 @@
             </a:ln>
             <a:extLst>
               <a:ext uri="{91240B29-F687-4f45-9708-019B960494DF}">
-                <a14:hiddenLine xmlns="" xmlns:a14="http://schemas.microsoft.com/office/drawing/2010/main" w="9525">
+                <a14:hiddenLine xmlns:a14="http://schemas.microsoft.com/office/drawing/2010/main" xmlns="" w="9525">
                   <a:solidFill>
                     <a:srgbClr val="000000"/>
                   </a:solidFill>
@@ -2157,7 +2157,7 @@
             </a:ln>
             <a:extLst>
               <a:ext uri="{91240B29-F687-4f45-9708-019B960494DF}">
-                <a14:hiddenLine xmlns="" xmlns:a14="http://schemas.microsoft.com/office/drawing/2010/main" w="9525">
+                <a14:hiddenLine xmlns:a14="http://schemas.microsoft.com/office/drawing/2010/main" xmlns="" w="9525">
                   <a:solidFill>
                     <a:srgbClr val="000000"/>
                   </a:solidFill>
@@ -2225,7 +2225,7 @@
             </a:ln>
             <a:extLst>
               <a:ext uri="{91240B29-F687-4f45-9708-019B960494DF}">
-                <a14:hiddenLine xmlns="" xmlns:a14="http://schemas.microsoft.com/office/drawing/2010/main" w="9525">
+                <a14:hiddenLine xmlns:a14="http://schemas.microsoft.com/office/drawing/2010/main" xmlns="" w="9525">
                   <a:solidFill>
                     <a:srgbClr val="000000"/>
                   </a:solidFill>
@@ -2315,7 +2315,7 @@
             </a:ln>
             <a:extLst>
               <a:ext uri="{91240B29-F687-4f45-9708-019B960494DF}">
-                <a14:hiddenLine xmlns="" xmlns:a14="http://schemas.microsoft.com/office/drawing/2010/main" w="9525">
+                <a14:hiddenLine xmlns:a14="http://schemas.microsoft.com/office/drawing/2010/main" xmlns="" w="9525">
                   <a:solidFill>
                     <a:srgbClr val="000000"/>
                   </a:solidFill>
@@ -2349,7 +2349,7 @@
             </a:ln>
             <a:extLst>
               <a:ext uri="{91240B29-F687-4f45-9708-019B960494DF}">
-                <a14:hiddenLine xmlns="" xmlns:a14="http://schemas.microsoft.com/office/drawing/2010/main" w="9525">
+                <a14:hiddenLine xmlns:a14="http://schemas.microsoft.com/office/drawing/2010/main" xmlns="" w="9525">
                   <a:solidFill>
                     <a:srgbClr val="000000"/>
                   </a:solidFill>
@@ -2439,7 +2439,7 @@
             </a:ln>
             <a:extLst>
               <a:ext uri="{91240B29-F687-4f45-9708-019B960494DF}">
-                <a14:hiddenLine xmlns="" xmlns:a14="http://schemas.microsoft.com/office/drawing/2010/main" w="9525">
+                <a14:hiddenLine xmlns:a14="http://schemas.microsoft.com/office/drawing/2010/main" xmlns="" w="9525">
                   <a:solidFill>
                     <a:srgbClr val="000000"/>
                   </a:solidFill>
@@ -2501,7 +2501,7 @@
             </a:ln>
             <a:extLst>
               <a:ext uri="{91240B29-F687-4f45-9708-019B960494DF}">
-                <a14:hiddenLine xmlns="" xmlns:a14="http://schemas.microsoft.com/office/drawing/2010/main" w="9525">
+                <a14:hiddenLine xmlns:a14="http://schemas.microsoft.com/office/drawing/2010/main" xmlns="" w="9525">
                   <a:solidFill>
                     <a:srgbClr val="000000"/>
                   </a:solidFill>
@@ -2563,7 +2563,7 @@
             </a:ln>
             <a:extLst>
               <a:ext uri="{91240B29-F687-4f45-9708-019B960494DF}">
-                <a14:hiddenLine xmlns="" xmlns:a14="http://schemas.microsoft.com/office/drawing/2010/main" w="9525">
+                <a14:hiddenLine xmlns:a14="http://schemas.microsoft.com/office/drawing/2010/main" xmlns="" w="9525">
                   <a:solidFill>
                     <a:srgbClr val="000000"/>
                   </a:solidFill>
@@ -2653,7 +2653,7 @@
             </a:ln>
             <a:extLst>
               <a:ext uri="{91240B29-F687-4f45-9708-019B960494DF}">
-                <a14:hiddenLine xmlns="" xmlns:a14="http://schemas.microsoft.com/office/drawing/2010/main" w="9525">
+                <a14:hiddenLine xmlns:a14="http://schemas.microsoft.com/office/drawing/2010/main" xmlns="" w="9525">
                   <a:solidFill>
                     <a:srgbClr val="000000"/>
                   </a:solidFill>
@@ -2721,7 +2721,7 @@
             </a:ln>
             <a:extLst>
               <a:ext uri="{91240B29-F687-4f45-9708-019B960494DF}">
-                <a14:hiddenLine xmlns="" xmlns:a14="http://schemas.microsoft.com/office/drawing/2010/main" w="9525">
+                <a14:hiddenLine xmlns:a14="http://schemas.microsoft.com/office/drawing/2010/main" xmlns="" w="9525">
                   <a:solidFill>
                     <a:srgbClr val="000000"/>
                   </a:solidFill>
@@ -2783,7 +2783,7 @@
             </a:ln>
             <a:extLst>
               <a:ext uri="{91240B29-F687-4f45-9708-019B960494DF}">
-                <a14:hiddenLine xmlns="" xmlns:a14="http://schemas.microsoft.com/office/drawing/2010/main" w="9525">
+                <a14:hiddenLine xmlns:a14="http://schemas.microsoft.com/office/drawing/2010/main" xmlns="" w="9525">
                   <a:solidFill>
                     <a:srgbClr val="000000"/>
                   </a:solidFill>
@@ -2873,7 +2873,7 @@
             </a:ln>
             <a:extLst>
               <a:ext uri="{91240B29-F687-4f45-9708-019B960494DF}">
-                <a14:hiddenLine xmlns="" xmlns:a14="http://schemas.microsoft.com/office/drawing/2010/main" w="9525">
+                <a14:hiddenLine xmlns:a14="http://schemas.microsoft.com/office/drawing/2010/main" xmlns="" w="9525">
                   <a:solidFill>
                     <a:srgbClr val="000000"/>
                   </a:solidFill>
@@ -2935,7 +2935,7 @@
             </a:ln>
             <a:extLst>
               <a:ext uri="{91240B29-F687-4f45-9708-019B960494DF}">
-                <a14:hiddenLine xmlns="" xmlns:a14="http://schemas.microsoft.com/office/drawing/2010/main" w="9525">
+                <a14:hiddenLine xmlns:a14="http://schemas.microsoft.com/office/drawing/2010/main" xmlns="" w="9525">
                   <a:solidFill>
                     <a:srgbClr val="000000"/>
                   </a:solidFill>
@@ -3025,7 +3025,7 @@
             </a:ln>
             <a:extLst>
               <a:ext uri="{91240B29-F687-4f45-9708-019B960494DF}">
-                <a14:hiddenLine xmlns="" xmlns:a14="http://schemas.microsoft.com/office/drawing/2010/main" w="9525">
+                <a14:hiddenLine xmlns:a14="http://schemas.microsoft.com/office/drawing/2010/main" xmlns="" w="9525">
                   <a:solidFill>
                     <a:srgbClr val="000000"/>
                   </a:solidFill>
@@ -3087,7 +3087,7 @@
             </a:ln>
             <a:extLst>
               <a:ext uri="{91240B29-F687-4f45-9708-019B960494DF}">
-                <a14:hiddenLine xmlns="" xmlns:a14="http://schemas.microsoft.com/office/drawing/2010/main" w="9525">
+                <a14:hiddenLine xmlns:a14="http://schemas.microsoft.com/office/drawing/2010/main" xmlns="" w="9525">
                   <a:solidFill>
                     <a:srgbClr val="000000"/>
                   </a:solidFill>
@@ -3177,7 +3177,7 @@
             </a:ln>
             <a:extLst>
               <a:ext uri="{91240B29-F687-4f45-9708-019B960494DF}">
-                <a14:hiddenLine xmlns="" xmlns:a14="http://schemas.microsoft.com/office/drawing/2010/main" w="9525">
+                <a14:hiddenLine xmlns:a14="http://schemas.microsoft.com/office/drawing/2010/main" xmlns="" w="9525">
                   <a:solidFill>
                     <a:srgbClr val="000000"/>
                   </a:solidFill>
@@ -3211,7 +3211,7 @@
             </a:ln>
             <a:extLst>
               <a:ext uri="{91240B29-F687-4f45-9708-019B960494DF}">
-                <a14:hiddenLine xmlns="" xmlns:a14="http://schemas.microsoft.com/office/drawing/2010/main" w="9525">
+                <a14:hiddenLine xmlns:a14="http://schemas.microsoft.com/office/drawing/2010/main" xmlns="" w="9525">
                   <a:solidFill>
                     <a:srgbClr val="000000"/>
                   </a:solidFill>
@@ -3276,7 +3276,7 @@
             </a:ln>
             <a:extLst>
               <a:ext uri="{91240B29-F687-4f45-9708-019B960494DF}">
-                <a14:hiddenLine xmlns="" xmlns:a14="http://schemas.microsoft.com/office/drawing/2010/main" w="9525">
+                <a14:hiddenLine xmlns:a14="http://schemas.microsoft.com/office/drawing/2010/main" xmlns="" w="9525">
                   <a:solidFill>
                     <a:srgbClr val="000000"/>
                   </a:solidFill>
@@ -3366,7 +3366,7 @@
             </a:ln>
             <a:extLst>
               <a:ext uri="{91240B29-F687-4f45-9708-019B960494DF}">
-                <a14:hiddenLine xmlns="" xmlns:a14="http://schemas.microsoft.com/office/drawing/2010/main" w="9525">
+                <a14:hiddenLine xmlns:a14="http://schemas.microsoft.com/office/drawing/2010/main" xmlns="" w="9525">
                   <a:solidFill>
                     <a:srgbClr val="000000"/>
                   </a:solidFill>
@@ -3428,7 +3428,7 @@
             </a:ln>
             <a:extLst>
               <a:ext uri="{91240B29-F687-4f45-9708-019B960494DF}">
-                <a14:hiddenLine xmlns="" xmlns:a14="http://schemas.microsoft.com/office/drawing/2010/main" w="9525">
+                <a14:hiddenLine xmlns:a14="http://schemas.microsoft.com/office/drawing/2010/main" xmlns="" w="9525">
                   <a:solidFill>
                     <a:srgbClr val="000000"/>
                   </a:solidFill>
@@ -3518,7 +3518,7 @@
             </a:ln>
             <a:extLst>
               <a:ext uri="{91240B29-F687-4f45-9708-019B960494DF}">
-                <a14:hiddenLine xmlns="" xmlns:a14="http://schemas.microsoft.com/office/drawing/2010/main" w="9525">
+                <a14:hiddenLine xmlns:a14="http://schemas.microsoft.com/office/drawing/2010/main" xmlns="" w="9525">
                   <a:solidFill>
                     <a:srgbClr val="000000"/>
                   </a:solidFill>
@@ -3608,7 +3608,7 @@
             </a:ln>
             <a:extLst>
               <a:ext uri="{91240B29-F687-4f45-9708-019B960494DF}">
-                <a14:hiddenLine xmlns="" xmlns:a14="http://schemas.microsoft.com/office/drawing/2010/main" w="9525">
+                <a14:hiddenLine xmlns:a14="http://schemas.microsoft.com/office/drawing/2010/main" xmlns="" w="9525">
                   <a:solidFill>
                     <a:srgbClr val="000000"/>
                   </a:solidFill>
@@ -3673,7 +3673,7 @@
             </a:ln>
             <a:extLst>
               <a:ext uri="{91240B29-F687-4f45-9708-019B960494DF}">
-                <a14:hiddenLine xmlns="" xmlns:a14="http://schemas.microsoft.com/office/drawing/2010/main" w="9525">
+                <a14:hiddenLine xmlns:a14="http://schemas.microsoft.com/office/drawing/2010/main" xmlns="" w="9525">
                   <a:solidFill>
                     <a:srgbClr val="000000"/>
                   </a:solidFill>
@@ -3735,7 +3735,7 @@
             </a:ln>
             <a:extLst>
               <a:ext uri="{91240B29-F687-4f45-9708-019B960494DF}">
-                <a14:hiddenLine xmlns="" xmlns:a14="http://schemas.microsoft.com/office/drawing/2010/main" w="9525">
+                <a14:hiddenLine xmlns:a14="http://schemas.microsoft.com/office/drawing/2010/main" xmlns="" w="9525">
                   <a:solidFill>
                     <a:srgbClr val="000000"/>
                   </a:solidFill>
@@ -3825,7 +3825,7 @@
             </a:ln>
             <a:extLst>
               <a:ext uri="{91240B29-F687-4f45-9708-019B960494DF}">
-                <a14:hiddenLine xmlns="" xmlns:a14="http://schemas.microsoft.com/office/drawing/2010/main" w="9525">
+                <a14:hiddenLine xmlns:a14="http://schemas.microsoft.com/office/drawing/2010/main" xmlns="" w="9525">
                   <a:solidFill>
                     <a:srgbClr val="000000"/>
                   </a:solidFill>
@@ -3915,7 +3915,7 @@
             </a:ln>
             <a:extLst>
               <a:ext uri="{91240B29-F687-4f45-9708-019B960494DF}">
-                <a14:hiddenLine xmlns="" xmlns:a14="http://schemas.microsoft.com/office/drawing/2010/main" w="9525">
+                <a14:hiddenLine xmlns:a14="http://schemas.microsoft.com/office/drawing/2010/main" xmlns="" w="9525">
                   <a:solidFill>
                     <a:srgbClr val="000000"/>
                   </a:solidFill>
@@ -3977,7 +3977,7 @@
             </a:ln>
             <a:extLst>
               <a:ext uri="{91240B29-F687-4f45-9708-019B960494DF}">
-                <a14:hiddenLine xmlns="" xmlns:a14="http://schemas.microsoft.com/office/drawing/2010/main" w="9525">
+                <a14:hiddenLine xmlns:a14="http://schemas.microsoft.com/office/drawing/2010/main" xmlns="" w="9525">
                   <a:solidFill>
                     <a:srgbClr val="000000"/>
                   </a:solidFill>
@@ -4097,7 +4097,7 @@
             </a:ln>
             <a:extLst>
               <a:ext uri="{91240B29-F687-4f45-9708-019B960494DF}">
-                <a14:hiddenLine xmlns="" xmlns:a14="http://schemas.microsoft.com/office/drawing/2010/main" w="9525">
+                <a14:hiddenLine xmlns:a14="http://schemas.microsoft.com/office/drawing/2010/main" xmlns="" w="9525">
                   <a:solidFill>
                     <a:srgbClr val="000000"/>
                   </a:solidFill>
@@ -4165,7 +4165,7 @@
             </a:ln>
             <a:extLst>
               <a:ext uri="{91240B29-F687-4f45-9708-019B960494DF}">
-                <a14:hiddenLine xmlns="" xmlns:a14="http://schemas.microsoft.com/office/drawing/2010/main" w="9525">
+                <a14:hiddenLine xmlns:a14="http://schemas.microsoft.com/office/drawing/2010/main" xmlns="" w="9525">
                   <a:solidFill>
                     <a:srgbClr val="000000"/>
                   </a:solidFill>
@@ -4255,7 +4255,7 @@
             </a:ln>
             <a:extLst>
               <a:ext uri="{91240B29-F687-4f45-9708-019B960494DF}">
-                <a14:hiddenLine xmlns="" xmlns:a14="http://schemas.microsoft.com/office/drawing/2010/main" w="9525">
+                <a14:hiddenLine xmlns:a14="http://schemas.microsoft.com/office/drawing/2010/main" xmlns="" w="9525">
                   <a:solidFill>
                     <a:srgbClr val="000000"/>
                   </a:solidFill>
@@ -4395,7 +4395,7 @@
           <a:p>
             <a:fld id="{48A87A34-81AB-432B-8DAE-1953F412C126}" type="datetimeFigureOut">
               <a:rPr lang="en-US" dirty="0"/>
-              <a:t>6/23/2019</a:t>
+              <a:t>6/27/2019</a:t>
             </a:fld>
             <a:endParaRPr lang="en-US" dirty="0"/>
           </a:p>
@@ -4657,7 +4657,7 @@
           <a:p>
             <a:fld id="{48A87A34-81AB-432B-8DAE-1953F412C126}" type="datetimeFigureOut">
               <a:rPr lang="en-US" dirty="0"/>
-              <a:t>6/23/2019</a:t>
+              <a:t>6/27/2019</a:t>
             </a:fld>
             <a:endParaRPr lang="en-US" dirty="0"/>
           </a:p>
@@ -4848,7 +4848,7 @@
           <a:p>
             <a:fld id="{48A87A34-81AB-432B-8DAE-1953F412C126}" type="datetimeFigureOut">
               <a:rPr lang="en-US" dirty="0"/>
-              <a:t>6/23/2019</a:t>
+              <a:t>6/27/2019</a:t>
             </a:fld>
             <a:endParaRPr lang="en-US" dirty="0"/>
           </a:p>
@@ -5106,7 +5106,7 @@
           <a:p>
             <a:fld id="{48A87A34-81AB-432B-8DAE-1953F412C126}" type="datetimeFigureOut">
               <a:rPr lang="en-US" dirty="0"/>
-              <a:t>6/23/2019</a:t>
+              <a:t>6/27/2019</a:t>
             </a:fld>
             <a:endParaRPr lang="en-US" dirty="0"/>
           </a:p>
@@ -5535,7 +5535,7 @@
           <a:p>
             <a:fld id="{48A87A34-81AB-432B-8DAE-1953F412C126}" type="datetimeFigureOut">
               <a:rPr lang="en-US" dirty="0"/>
-              <a:t>6/23/2019</a:t>
+              <a:t>6/27/2019</a:t>
             </a:fld>
             <a:endParaRPr lang="en-US" dirty="0"/>
           </a:p>
@@ -6076,7 +6076,7 @@
           <a:p>
             <a:fld id="{48A87A34-81AB-432B-8DAE-1953F412C126}" type="datetimeFigureOut">
               <a:rPr lang="en-US" dirty="0"/>
-              <a:t>6/23/2019</a:t>
+              <a:t>6/27/2019</a:t>
             </a:fld>
             <a:endParaRPr lang="en-US" dirty="0"/>
           </a:p>
@@ -6791,7 +6791,7 @@
           <a:p>
             <a:fld id="{48A87A34-81AB-432B-8DAE-1953F412C126}" type="datetimeFigureOut">
               <a:rPr lang="en-US" dirty="0"/>
-              <a:t>6/23/2019</a:t>
+              <a:t>6/27/2019</a:t>
             </a:fld>
             <a:endParaRPr lang="en-US" dirty="0"/>
           </a:p>
@@ -6956,7 +6956,7 @@
           <a:p>
             <a:fld id="{48A87A34-81AB-432B-8DAE-1953F412C126}" type="datetimeFigureOut">
               <a:rPr lang="en-US" dirty="0"/>
-              <a:t>6/23/2019</a:t>
+              <a:t>6/27/2019</a:t>
             </a:fld>
             <a:endParaRPr lang="en-US" dirty="0"/>
           </a:p>
@@ -7131,7 +7131,7 @@
           <a:p>
             <a:fld id="{48A87A34-81AB-432B-8DAE-1953F412C126}" type="datetimeFigureOut">
               <a:rPr lang="en-US" dirty="0"/>
-              <a:t>6/23/2019</a:t>
+              <a:t>6/27/2019</a:t>
             </a:fld>
             <a:endParaRPr lang="en-US" dirty="0"/>
           </a:p>
@@ -7296,7 +7296,7 @@
           <a:p>
             <a:fld id="{48A87A34-81AB-432B-8DAE-1953F412C126}" type="datetimeFigureOut">
               <a:rPr lang="en-US" dirty="0"/>
-              <a:t>6/23/2019</a:t>
+              <a:t>6/27/2019</a:t>
             </a:fld>
             <a:endParaRPr lang="en-US" dirty="0"/>
           </a:p>
@@ -7541,7 +7541,7 @@
           <a:p>
             <a:fld id="{48A87A34-81AB-432B-8DAE-1953F412C126}" type="datetimeFigureOut">
               <a:rPr lang="en-US" dirty="0"/>
-              <a:t>6/23/2019</a:t>
+              <a:t>6/27/2019</a:t>
             </a:fld>
             <a:endParaRPr lang="en-US" dirty="0"/>
           </a:p>
@@ -7768,7 +7768,7 @@
           <a:p>
             <a:fld id="{48A87A34-81AB-432B-8DAE-1953F412C126}" type="datetimeFigureOut">
               <a:rPr lang="en-US" dirty="0"/>
-              <a:t>6/23/2019</a:t>
+              <a:t>6/27/2019</a:t>
             </a:fld>
             <a:endParaRPr lang="en-US" dirty="0"/>
           </a:p>
@@ -8144,7 +8144,7 @@
           <a:p>
             <a:fld id="{48A87A34-81AB-432B-8DAE-1953F412C126}" type="datetimeFigureOut">
               <a:rPr lang="en-US" dirty="0"/>
-              <a:t>6/23/2019</a:t>
+              <a:t>6/27/2019</a:t>
             </a:fld>
             <a:endParaRPr lang="en-US" dirty="0"/>
           </a:p>
@@ -8257,7 +8257,7 @@
           <a:p>
             <a:fld id="{48A87A34-81AB-432B-8DAE-1953F412C126}" type="datetimeFigureOut">
               <a:rPr lang="en-US" dirty="0"/>
-              <a:t>6/23/2019</a:t>
+              <a:t>6/27/2019</a:t>
             </a:fld>
             <a:endParaRPr lang="en-US" dirty="0"/>
           </a:p>
@@ -8347,7 +8347,7 @@
           <a:p>
             <a:fld id="{48A87A34-81AB-432B-8DAE-1953F412C126}" type="datetimeFigureOut">
               <a:rPr lang="en-US" dirty="0"/>
-              <a:t>6/23/2019</a:t>
+              <a:t>6/27/2019</a:t>
             </a:fld>
             <a:endParaRPr lang="en-US" dirty="0"/>
           </a:p>
@@ -8591,7 +8591,7 @@
           <a:p>
             <a:fld id="{48A87A34-81AB-432B-8DAE-1953F412C126}" type="datetimeFigureOut">
               <a:rPr lang="en-US" dirty="0"/>
-              <a:t>6/23/2019</a:t>
+              <a:t>6/27/2019</a:t>
             </a:fld>
             <a:endParaRPr lang="en-US" dirty="0"/>
           </a:p>
@@ -8866,7 +8866,7 @@
           <a:p>
             <a:fld id="{48A87A34-81AB-432B-8DAE-1953F412C126}" type="datetimeFigureOut">
               <a:rPr lang="en-US" dirty="0"/>
-              <a:t>6/23/2019</a:t>
+              <a:t>6/27/2019</a:t>
             </a:fld>
             <a:endParaRPr lang="en-US" dirty="0"/>
           </a:p>
@@ -8977,7 +8977,7 @@
           <a:noFill/>
           <a:extLst>
             <a:ext uri="{909E8E84-426E-40dd-AFC4-6F175D3DCCD1}">
-              <a14:hiddenFill xmlns="" xmlns:a14="http://schemas.microsoft.com/office/drawing/2010/main">
+              <a14:hiddenFill xmlns:a14="http://schemas.microsoft.com/office/drawing/2010/main" xmlns="">
                 <a:solidFill>
                   <a:srgbClr val="FFFFFF"/>
                 </a:solidFill>
@@ -9051,7 +9051,7 @@
               </a:ln>
               <a:extLst>
                 <a:ext uri="{91240B29-F687-4f45-9708-019B960494DF}">
-                  <a14:hiddenLine xmlns="" xmlns:a14="http://schemas.microsoft.com/office/drawing/2010/main" w="9525">
+                  <a14:hiddenLine xmlns:a14="http://schemas.microsoft.com/office/drawing/2010/main" xmlns="" w="9525">
                     <a:solidFill>
                       <a:srgbClr val="000000"/>
                     </a:solidFill>
@@ -9141,7 +9141,7 @@
               </a:ln>
               <a:extLst>
                 <a:ext uri="{91240B29-F687-4f45-9708-019B960494DF}">
-                  <a14:hiddenLine xmlns="" xmlns:a14="http://schemas.microsoft.com/office/drawing/2010/main" w="9525">
+                  <a14:hiddenLine xmlns:a14="http://schemas.microsoft.com/office/drawing/2010/main" xmlns="" w="9525">
                     <a:solidFill>
                       <a:srgbClr val="000000"/>
                     </a:solidFill>
@@ -9231,7 +9231,7 @@
               </a:ln>
               <a:extLst>
                 <a:ext uri="{91240B29-F687-4f45-9708-019B960494DF}">
-                  <a14:hiddenLine xmlns="" xmlns:a14="http://schemas.microsoft.com/office/drawing/2010/main" w="9525">
+                  <a14:hiddenLine xmlns:a14="http://schemas.microsoft.com/office/drawing/2010/main" xmlns="" w="9525">
                     <a:solidFill>
                       <a:srgbClr val="000000"/>
                     </a:solidFill>
@@ -9293,7 +9293,7 @@
               </a:ln>
               <a:extLst>
                 <a:ext uri="{91240B29-F687-4f45-9708-019B960494DF}">
-                  <a14:hiddenLine xmlns="" xmlns:a14="http://schemas.microsoft.com/office/drawing/2010/main" w="9525">
+                  <a14:hiddenLine xmlns:a14="http://schemas.microsoft.com/office/drawing/2010/main" xmlns="" w="9525">
                     <a:solidFill>
                       <a:srgbClr val="000000"/>
                     </a:solidFill>
@@ -9383,7 +9383,7 @@
               </a:ln>
               <a:extLst>
                 <a:ext uri="{91240B29-F687-4f45-9708-019B960494DF}">
-                  <a14:hiddenLine xmlns="" xmlns:a14="http://schemas.microsoft.com/office/drawing/2010/main" w="9525">
+                  <a14:hiddenLine xmlns:a14="http://schemas.microsoft.com/office/drawing/2010/main" xmlns="" w="9525">
                     <a:solidFill>
                       <a:srgbClr val="000000"/>
                     </a:solidFill>
@@ -9445,7 +9445,7 @@
               </a:ln>
               <a:extLst>
                 <a:ext uri="{91240B29-F687-4f45-9708-019B960494DF}">
-                  <a14:hiddenLine xmlns="" xmlns:a14="http://schemas.microsoft.com/office/drawing/2010/main" w="9525">
+                  <a14:hiddenLine xmlns:a14="http://schemas.microsoft.com/office/drawing/2010/main" xmlns="" w="9525">
                     <a:solidFill>
                       <a:srgbClr val="000000"/>
                     </a:solidFill>
@@ -9507,7 +9507,7 @@
               </a:ln>
               <a:extLst>
                 <a:ext uri="{91240B29-F687-4f45-9708-019B960494DF}">
-                  <a14:hiddenLine xmlns="" xmlns:a14="http://schemas.microsoft.com/office/drawing/2010/main" w="9525">
+                  <a14:hiddenLine xmlns:a14="http://schemas.microsoft.com/office/drawing/2010/main" xmlns="" w="9525">
                     <a:solidFill>
                       <a:srgbClr val="000000"/>
                     </a:solidFill>
@@ -9597,7 +9597,7 @@
               </a:ln>
               <a:extLst>
                 <a:ext uri="{91240B29-F687-4f45-9708-019B960494DF}">
-                  <a14:hiddenLine xmlns="" xmlns:a14="http://schemas.microsoft.com/office/drawing/2010/main" w="9525">
+                  <a14:hiddenLine xmlns:a14="http://schemas.microsoft.com/office/drawing/2010/main" xmlns="" w="9525">
                     <a:solidFill>
                       <a:srgbClr val="000000"/>
                     </a:solidFill>
@@ -9687,7 +9687,7 @@
               </a:ln>
               <a:extLst>
                 <a:ext uri="{91240B29-F687-4f45-9708-019B960494DF}">
-                  <a14:hiddenLine xmlns="" xmlns:a14="http://schemas.microsoft.com/office/drawing/2010/main" w="9525">
+                  <a14:hiddenLine xmlns:a14="http://schemas.microsoft.com/office/drawing/2010/main" xmlns="" w="9525">
                     <a:solidFill>
                       <a:srgbClr val="000000"/>
                     </a:solidFill>
@@ -9749,7 +9749,7 @@
               </a:ln>
               <a:extLst>
                 <a:ext uri="{91240B29-F687-4f45-9708-019B960494DF}">
-                  <a14:hiddenLine xmlns="" xmlns:a14="http://schemas.microsoft.com/office/drawing/2010/main" w="9525">
+                  <a14:hiddenLine xmlns:a14="http://schemas.microsoft.com/office/drawing/2010/main" xmlns="" w="9525">
                     <a:solidFill>
                       <a:srgbClr val="000000"/>
                     </a:solidFill>
@@ -9859,7 +9859,7 @@
               </a:ln>
               <a:extLst>
                 <a:ext uri="{91240B29-F687-4f45-9708-019B960494DF}">
-                  <a14:hiddenLine xmlns="" xmlns:a14="http://schemas.microsoft.com/office/drawing/2010/main" w="9525">
+                  <a14:hiddenLine xmlns:a14="http://schemas.microsoft.com/office/drawing/2010/main" xmlns="" w="9525">
                     <a:solidFill>
                       <a:srgbClr val="000000"/>
                     </a:solidFill>
@@ -9943,7 +9943,7 @@
               </a:ln>
               <a:extLst>
                 <a:ext uri="{91240B29-F687-4f45-9708-019B960494DF}">
-                  <a14:hiddenLine xmlns="" xmlns:a14="http://schemas.microsoft.com/office/drawing/2010/main" w="9525">
+                  <a14:hiddenLine xmlns:a14="http://schemas.microsoft.com/office/drawing/2010/main" xmlns="" w="9525">
                     <a:solidFill>
                       <a:srgbClr val="000000"/>
                     </a:solidFill>
@@ -10005,7 +10005,7 @@
               </a:ln>
               <a:extLst>
                 <a:ext uri="{91240B29-F687-4f45-9708-019B960494DF}">
-                  <a14:hiddenLine xmlns="" xmlns:a14="http://schemas.microsoft.com/office/drawing/2010/main" w="9525">
+                  <a14:hiddenLine xmlns:a14="http://schemas.microsoft.com/office/drawing/2010/main" xmlns="" w="9525">
                     <a:solidFill>
                       <a:srgbClr val="000000"/>
                     </a:solidFill>
@@ -10067,7 +10067,7 @@
               </a:ln>
               <a:extLst>
                 <a:ext uri="{91240B29-F687-4f45-9708-019B960494DF}">
-                  <a14:hiddenLine xmlns="" xmlns:a14="http://schemas.microsoft.com/office/drawing/2010/main" w="9525">
+                  <a14:hiddenLine xmlns:a14="http://schemas.microsoft.com/office/drawing/2010/main" xmlns="" w="9525">
                     <a:solidFill>
                       <a:srgbClr val="000000"/>
                     </a:solidFill>
@@ -10157,7 +10157,7 @@
               </a:ln>
               <a:extLst>
                 <a:ext uri="{91240B29-F687-4f45-9708-019B960494DF}">
-                  <a14:hiddenLine xmlns="" xmlns:a14="http://schemas.microsoft.com/office/drawing/2010/main" w="9525">
+                  <a14:hiddenLine xmlns:a14="http://schemas.microsoft.com/office/drawing/2010/main" xmlns="" w="9525">
                     <a:solidFill>
                       <a:srgbClr val="000000"/>
                     </a:solidFill>
@@ -10191,7 +10191,7 @@
               </a:ln>
               <a:extLst>
                 <a:ext uri="{91240B29-F687-4f45-9708-019B960494DF}">
-                  <a14:hiddenLine xmlns="" xmlns:a14="http://schemas.microsoft.com/office/drawing/2010/main" w="9525">
+                  <a14:hiddenLine xmlns:a14="http://schemas.microsoft.com/office/drawing/2010/main" xmlns="" w="9525">
                     <a:solidFill>
                       <a:srgbClr val="000000"/>
                     </a:solidFill>
@@ -10256,7 +10256,7 @@
               </a:ln>
               <a:extLst>
                 <a:ext uri="{91240B29-F687-4f45-9708-019B960494DF}">
-                  <a14:hiddenLine xmlns="" xmlns:a14="http://schemas.microsoft.com/office/drawing/2010/main" w="9525">
+                  <a14:hiddenLine xmlns:a14="http://schemas.microsoft.com/office/drawing/2010/main" xmlns="" w="9525">
                     <a:solidFill>
                       <a:srgbClr val="000000"/>
                     </a:solidFill>
@@ -10346,7 +10346,7 @@
               </a:ln>
               <a:extLst>
                 <a:ext uri="{91240B29-F687-4f45-9708-019B960494DF}">
-                  <a14:hiddenLine xmlns="" xmlns:a14="http://schemas.microsoft.com/office/drawing/2010/main" w="9525">
+                  <a14:hiddenLine xmlns:a14="http://schemas.microsoft.com/office/drawing/2010/main" xmlns="" w="9525">
                     <a:solidFill>
                       <a:srgbClr val="000000"/>
                     </a:solidFill>
@@ -10408,7 +10408,7 @@
               </a:ln>
               <a:extLst>
                 <a:ext uri="{91240B29-F687-4f45-9708-019B960494DF}">
-                  <a14:hiddenLine xmlns="" xmlns:a14="http://schemas.microsoft.com/office/drawing/2010/main" w="9525">
+                  <a14:hiddenLine xmlns:a14="http://schemas.microsoft.com/office/drawing/2010/main" xmlns="" w="9525">
                     <a:solidFill>
                       <a:srgbClr val="000000"/>
                     </a:solidFill>
@@ -10498,7 +10498,7 @@
               </a:ln>
               <a:extLst>
                 <a:ext uri="{91240B29-F687-4f45-9708-019B960494DF}">
-                  <a14:hiddenLine xmlns="" xmlns:a14="http://schemas.microsoft.com/office/drawing/2010/main" w="9525">
+                  <a14:hiddenLine xmlns:a14="http://schemas.microsoft.com/office/drawing/2010/main" xmlns="" w="9525">
                     <a:solidFill>
                       <a:srgbClr val="000000"/>
                     </a:solidFill>
@@ -10563,7 +10563,7 @@
               </a:ln>
               <a:extLst>
                 <a:ext uri="{91240B29-F687-4f45-9708-019B960494DF}">
-                  <a14:hiddenLine xmlns="" xmlns:a14="http://schemas.microsoft.com/office/drawing/2010/main" w="9525">
+                  <a14:hiddenLine xmlns:a14="http://schemas.microsoft.com/office/drawing/2010/main" xmlns="" w="9525">
                     <a:solidFill>
                       <a:srgbClr val="000000"/>
                     </a:solidFill>
@@ -10625,7 +10625,7 @@
               </a:ln>
               <a:extLst>
                 <a:ext uri="{91240B29-F687-4f45-9708-019B960494DF}">
-                  <a14:hiddenLine xmlns="" xmlns:a14="http://schemas.microsoft.com/office/drawing/2010/main" w="9525">
+                  <a14:hiddenLine xmlns:a14="http://schemas.microsoft.com/office/drawing/2010/main" xmlns="" w="9525">
                     <a:solidFill>
                       <a:srgbClr val="000000"/>
                     </a:solidFill>
@@ -10715,7 +10715,7 @@
               </a:ln>
               <a:extLst>
                 <a:ext uri="{91240B29-F687-4f45-9708-019B960494DF}">
-                  <a14:hiddenLine xmlns="" xmlns:a14="http://schemas.microsoft.com/office/drawing/2010/main" w="9525">
+                  <a14:hiddenLine xmlns:a14="http://schemas.microsoft.com/office/drawing/2010/main" xmlns="" w="9525">
                     <a:solidFill>
                       <a:srgbClr val="000000"/>
                     </a:solidFill>
@@ -10805,7 +10805,7 @@
               </a:ln>
               <a:extLst>
                 <a:ext uri="{91240B29-F687-4f45-9708-019B960494DF}">
-                  <a14:hiddenLine xmlns="" xmlns:a14="http://schemas.microsoft.com/office/drawing/2010/main" w="9525">
+                  <a14:hiddenLine xmlns:a14="http://schemas.microsoft.com/office/drawing/2010/main" xmlns="" w="9525">
                     <a:solidFill>
                       <a:srgbClr val="000000"/>
                     </a:solidFill>
@@ -10870,7 +10870,7 @@
               </a:ln>
               <a:extLst>
                 <a:ext uri="{91240B29-F687-4f45-9708-019B960494DF}">
-                  <a14:hiddenLine xmlns="" xmlns:a14="http://schemas.microsoft.com/office/drawing/2010/main" w="9525">
+                  <a14:hiddenLine xmlns:a14="http://schemas.microsoft.com/office/drawing/2010/main" xmlns="" w="9525">
                     <a:solidFill>
                       <a:srgbClr val="000000"/>
                     </a:solidFill>
@@ -10990,7 +10990,7 @@
               </a:ln>
               <a:extLst>
                 <a:ext uri="{91240B29-F687-4f45-9708-019B960494DF}">
-                  <a14:hiddenLine xmlns="" xmlns:a14="http://schemas.microsoft.com/office/drawing/2010/main" w="9525">
+                  <a14:hiddenLine xmlns:a14="http://schemas.microsoft.com/office/drawing/2010/main" xmlns="" w="9525">
                     <a:solidFill>
                       <a:srgbClr val="000000"/>
                     </a:solidFill>
@@ -11088,7 +11088,7 @@
               </a:ln>
               <a:extLst>
                 <a:ext uri="{91240B29-F687-4f45-9708-019B960494DF}">
-                  <a14:hiddenLine xmlns="" xmlns:a14="http://schemas.microsoft.com/office/drawing/2010/main" w="9525">
+                  <a14:hiddenLine xmlns:a14="http://schemas.microsoft.com/office/drawing/2010/main" xmlns="" w="9525">
                     <a:solidFill>
                       <a:srgbClr val="000000"/>
                     </a:solidFill>
@@ -11203,7 +11203,7 @@
               </a:ln>
               <a:extLst>
                 <a:ext uri="{91240B29-F687-4f45-9708-019B960494DF}">
-                  <a14:hiddenLine xmlns="" xmlns:a14="http://schemas.microsoft.com/office/drawing/2010/main" w="9525">
+                  <a14:hiddenLine xmlns:a14="http://schemas.microsoft.com/office/drawing/2010/main" xmlns="" w="9525">
                     <a:solidFill>
                       <a:srgbClr val="000000"/>
                     </a:solidFill>
@@ -11293,7 +11293,7 @@
               </a:ln>
               <a:extLst>
                 <a:ext uri="{91240B29-F687-4f45-9708-019B960494DF}">
-                  <a14:hiddenLine xmlns="" xmlns:a14="http://schemas.microsoft.com/office/drawing/2010/main" w="9525">
+                  <a14:hiddenLine xmlns:a14="http://schemas.microsoft.com/office/drawing/2010/main" xmlns="" w="9525">
                     <a:solidFill>
                       <a:srgbClr val="000000"/>
                     </a:solidFill>
@@ -11358,7 +11358,7 @@
               </a:ln>
               <a:extLst>
                 <a:ext uri="{91240B29-F687-4f45-9708-019B960494DF}">
-                  <a14:hiddenLine xmlns="" xmlns:a14="http://schemas.microsoft.com/office/drawing/2010/main" w="9525">
+                  <a14:hiddenLine xmlns:a14="http://schemas.microsoft.com/office/drawing/2010/main" xmlns="" w="9525">
                     <a:solidFill>
                       <a:srgbClr val="000000"/>
                     </a:solidFill>
@@ -11448,7 +11448,7 @@
               </a:ln>
               <a:extLst>
                 <a:ext uri="{91240B29-F687-4f45-9708-019B960494DF}">
-                  <a14:hiddenLine xmlns="" xmlns:a14="http://schemas.microsoft.com/office/drawing/2010/main" w="9525">
+                  <a14:hiddenLine xmlns:a14="http://schemas.microsoft.com/office/drawing/2010/main" xmlns="" w="9525">
                     <a:solidFill>
                       <a:srgbClr val="000000"/>
                     </a:solidFill>
@@ -11516,7 +11516,7 @@
               </a:ln>
               <a:extLst>
                 <a:ext uri="{91240B29-F687-4f45-9708-019B960494DF}">
-                  <a14:hiddenLine xmlns="" xmlns:a14="http://schemas.microsoft.com/office/drawing/2010/main" w="9525">
+                  <a14:hiddenLine xmlns:a14="http://schemas.microsoft.com/office/drawing/2010/main" xmlns="" w="9525">
                     <a:solidFill>
                       <a:srgbClr val="000000"/>
                     </a:solidFill>
@@ -11606,7 +11606,7 @@
               </a:ln>
               <a:extLst>
                 <a:ext uri="{91240B29-F687-4f45-9708-019B960494DF}">
-                  <a14:hiddenLine xmlns="" xmlns:a14="http://schemas.microsoft.com/office/drawing/2010/main" w="9525">
+                  <a14:hiddenLine xmlns:a14="http://schemas.microsoft.com/office/drawing/2010/main" xmlns="" w="9525">
                     <a:solidFill>
                       <a:srgbClr val="000000"/>
                     </a:solidFill>
@@ -11674,7 +11674,7 @@
               </a:ln>
               <a:extLst>
                 <a:ext uri="{91240B29-F687-4f45-9708-019B960494DF}">
-                  <a14:hiddenLine xmlns="" xmlns:a14="http://schemas.microsoft.com/office/drawing/2010/main" w="9525">
+                  <a14:hiddenLine xmlns:a14="http://schemas.microsoft.com/office/drawing/2010/main" xmlns="" w="9525">
                     <a:solidFill>
                       <a:srgbClr val="000000"/>
                     </a:solidFill>
@@ -11764,7 +11764,7 @@
               </a:ln>
               <a:extLst>
                 <a:ext uri="{91240B29-F687-4f45-9708-019B960494DF}">
-                  <a14:hiddenLine xmlns="" xmlns:a14="http://schemas.microsoft.com/office/drawing/2010/main" w="9525">
+                  <a14:hiddenLine xmlns:a14="http://schemas.microsoft.com/office/drawing/2010/main" xmlns="" w="9525">
                     <a:solidFill>
                       <a:srgbClr val="000000"/>
                     </a:solidFill>
@@ -11798,7 +11798,7 @@
               </a:ln>
               <a:extLst>
                 <a:ext uri="{91240B29-F687-4f45-9708-019B960494DF}">
-                  <a14:hiddenLine xmlns="" xmlns:a14="http://schemas.microsoft.com/office/drawing/2010/main" w="9525">
+                  <a14:hiddenLine xmlns:a14="http://schemas.microsoft.com/office/drawing/2010/main" xmlns="" w="9525">
                     <a:solidFill>
                       <a:srgbClr val="000000"/>
                     </a:solidFill>
@@ -11939,7 +11939,7 @@
             <a:fld id="{48A87A34-81AB-432B-8DAE-1953F412C126}" type="datetimeFigureOut">
               <a:rPr lang="en-US" dirty="0"/>
               <a:pPr/>
-              <a:t>6/23/2019</a:t>
+              <a:t>6/27/2019</a:t>
             </a:fld>
             <a:endParaRPr lang="en-US" dirty="0"/>
           </a:p>
@@ -12560,7 +12560,7 @@
           <a:p>
             <a:r>
               <a:rPr lang="pl-PL" dirty="0"/>
-              <a:t>Umownie wyrazem zerowym jest liczba 0, a wyrazami pierwszym jest 1 </a:t>
+              <a:t>Umownie wyrazem zerowym jest liczba 0, a wyrazem pierwszym jest 1 </a:t>
             </a:r>
           </a:p>
           <a:p>
@@ -12618,8 +12618,8 @@
         </p:nvSpPr>
         <p:spPr>
           <a:xfrm rot="9054781">
-            <a:off x="3436959" y="3901925"/>
-            <a:ext cx="2806220" cy="255967"/>
+            <a:off x="3447540" y="3993378"/>
+            <a:ext cx="2806220" cy="111099"/>
           </a:xfrm>
           <a:prstGeom prst="rightArrow">
             <a:avLst/>
@@ -12664,8 +12664,8 @@
         </p:nvSpPr>
         <p:spPr>
           <a:xfrm rot="9558263">
-            <a:off x="4322632" y="3866575"/>
-            <a:ext cx="3764926" cy="258619"/>
+            <a:off x="4348824" y="4010017"/>
+            <a:ext cx="3764926" cy="110391"/>
           </a:xfrm>
           <a:prstGeom prst="rightArrow">
             <a:avLst/>
@@ -13235,7 +13235,7 @@
                             </p:stCondLst>
                             <p:childTnLst>
                               <p:par>
-                                <p:cTn id="15" presetID="2" presetClass="entr" presetSubtype="4" fill="hold" grpId="0" nodeType="clickEffect">
+                                <p:cTn id="15" presetID="1" presetClass="exit" presetSubtype="0" fill="hold" grpId="1" nodeType="clickEffect">
                                   <p:stCondLst>
                                     <p:cond delay="0"/>
                                   </p:stCondLst>
@@ -13243,6 +13243,78 @@
                                     <p:set>
                                       <p:cBhvr>
                                         <p:cTn id="16" dur="1" fill="hold">
+                                          <p:stCondLst>
+                                            <p:cond delay="0"/>
+                                          </p:stCondLst>
+                                        </p:cTn>
+                                        <p:tgtEl>
+                                          <p:spTgt spid="11"/>
+                                        </p:tgtEl>
+                                        <p:attrNameLst>
+                                          <p:attrName>style.visibility</p:attrName>
+                                        </p:attrNameLst>
+                                      </p:cBhvr>
+                                      <p:to>
+                                        <p:strVal val="hidden"/>
+                                      </p:to>
+                                    </p:set>
+                                  </p:childTnLst>
+                                </p:cTn>
+                              </p:par>
+                              <p:par>
+                                <p:cTn id="17" presetID="1" presetClass="exit" presetSubtype="0" fill="hold" grpId="1" nodeType="withEffect">
+                                  <p:stCondLst>
+                                    <p:cond delay="0"/>
+                                  </p:stCondLst>
+                                  <p:childTnLst>
+                                    <p:set>
+                                      <p:cBhvr>
+                                        <p:cTn id="18" dur="1" fill="hold">
+                                          <p:stCondLst>
+                                            <p:cond delay="0"/>
+                                          </p:stCondLst>
+                                        </p:cTn>
+                                        <p:tgtEl>
+                                          <p:spTgt spid="12"/>
+                                        </p:tgtEl>
+                                        <p:attrNameLst>
+                                          <p:attrName>style.visibility</p:attrName>
+                                        </p:attrNameLst>
+                                      </p:cBhvr>
+                                      <p:to>
+                                        <p:strVal val="hidden"/>
+                                      </p:to>
+                                    </p:set>
+                                  </p:childTnLst>
+                                </p:cTn>
+                              </p:par>
+                            </p:childTnLst>
+                          </p:cTn>
+                        </p:par>
+                      </p:childTnLst>
+                    </p:cTn>
+                  </p:par>
+                  <p:par>
+                    <p:cTn id="19" fill="hold">
+                      <p:stCondLst>
+                        <p:cond delay="indefinite"/>
+                      </p:stCondLst>
+                      <p:childTnLst>
+                        <p:par>
+                          <p:cTn id="20" fill="hold">
+                            <p:stCondLst>
+                              <p:cond delay="0"/>
+                            </p:stCondLst>
+                            <p:childTnLst>
+                              <p:par>
+                                <p:cTn id="21" presetID="2" presetClass="entr" presetSubtype="4" fill="hold" grpId="0" nodeType="clickEffect">
+                                  <p:stCondLst>
+                                    <p:cond delay="0"/>
+                                  </p:stCondLst>
+                                  <p:childTnLst>
+                                    <p:set>
+                                      <p:cBhvr>
+                                        <p:cTn id="22" dur="1" fill="hold">
                                           <p:stCondLst>
                                             <p:cond delay="0"/>
                                           </p:stCondLst>
@@ -13260,7 +13332,7 @@
                                     </p:set>
                                     <p:anim calcmode="lin" valueType="num">
                                       <p:cBhvr additive="base">
-                                        <p:cTn id="17" dur="500" fill="hold"/>
+                                        <p:cTn id="23" dur="500" fill="hold"/>
                                         <p:tgtEl>
                                           <p:spTgt spid="15"/>
                                         </p:tgtEl>
@@ -13283,7 +13355,7 @@
                                     </p:anim>
                                     <p:anim calcmode="lin" valueType="num">
                                       <p:cBhvr additive="base">
-                                        <p:cTn id="18" dur="500" fill="hold"/>
+                                        <p:cTn id="24" dur="500" fill="hold"/>
                                         <p:tgtEl>
                                           <p:spTgt spid="15"/>
                                         </p:tgtEl>
@@ -13307,33 +13379,15 @@
                                   </p:childTnLst>
                                 </p:cTn>
                               </p:par>
-                            </p:childTnLst>
-                          </p:cTn>
-                        </p:par>
-                      </p:childTnLst>
-                    </p:cTn>
-                  </p:par>
-                  <p:par>
-                    <p:cTn id="19" fill="hold">
-                      <p:stCondLst>
-                        <p:cond delay="indefinite"/>
-                      </p:stCondLst>
-                      <p:childTnLst>
-                        <p:par>
-                          <p:cTn id="20" fill="hold">
-                            <p:stCondLst>
-                              <p:cond delay="0"/>
-                            </p:stCondLst>
-                            <p:childTnLst>
                               <p:par>
-                                <p:cTn id="21" presetID="10" presetClass="entr" presetSubtype="0" fill="hold" grpId="0" nodeType="clickEffect">
+                                <p:cTn id="25" presetID="10" presetClass="entr" presetSubtype="0" fill="hold" grpId="0" nodeType="withEffect">
                                   <p:stCondLst>
-                                    <p:cond delay="0"/>
+                                    <p:cond delay="500"/>
                                   </p:stCondLst>
                                   <p:childTnLst>
                                     <p:set>
                                       <p:cBhvr>
-                                        <p:cTn id="22" dur="1" fill="hold">
+                                        <p:cTn id="26" dur="1" fill="hold">
                                           <p:stCondLst>
                                             <p:cond delay="0"/>
                                           </p:stCondLst>
@@ -13351,7 +13405,7 @@
                                     </p:set>
                                     <p:animEffect transition="in" filter="fade">
                                       <p:cBhvr>
-                                        <p:cTn id="23" dur="500"/>
+                                        <p:cTn id="27" dur="500"/>
                                         <p:tgtEl>
                                           <p:spTgt spid="16"/>
                                         </p:tgtEl>
@@ -13360,33 +13414,15 @@
                                   </p:childTnLst>
                                 </p:cTn>
                               </p:par>
-                            </p:childTnLst>
-                          </p:cTn>
-                        </p:par>
-                      </p:childTnLst>
-                    </p:cTn>
-                  </p:par>
-                  <p:par>
-                    <p:cTn id="24" fill="hold">
-                      <p:stCondLst>
-                        <p:cond delay="indefinite"/>
-                      </p:stCondLst>
-                      <p:childTnLst>
-                        <p:par>
-                          <p:cTn id="25" fill="hold">
-                            <p:stCondLst>
-                              <p:cond delay="0"/>
-                            </p:stCondLst>
-                            <p:childTnLst>
                               <p:par>
-                                <p:cTn id="26" presetID="2" presetClass="entr" presetSubtype="4" fill="hold" nodeType="clickEffect">
+                                <p:cTn id="28" presetID="2" presetClass="entr" presetSubtype="4" fill="hold" nodeType="withEffect">
                                   <p:stCondLst>
-                                    <p:cond delay="0"/>
+                                    <p:cond delay="1000"/>
                                   </p:stCondLst>
                                   <p:childTnLst>
                                     <p:set>
                                       <p:cBhvr>
-                                        <p:cTn id="27" dur="1" fill="hold">
+                                        <p:cTn id="29" dur="1" fill="hold">
                                           <p:stCondLst>
                                             <p:cond delay="0"/>
                                           </p:stCondLst>
@@ -13404,7 +13440,7 @@
                                     </p:set>
                                     <p:anim calcmode="lin" valueType="num">
                                       <p:cBhvr additive="base">
-                                        <p:cTn id="28" dur="500" fill="hold"/>
+                                        <p:cTn id="30" dur="500" fill="hold"/>
                                         <p:tgtEl>
                                           <p:spTgt spid="19"/>
                                         </p:tgtEl>
@@ -13427,7 +13463,7 @@
                                     </p:anim>
                                     <p:anim calcmode="lin" valueType="num">
                                       <p:cBhvr additive="base">
-                                        <p:cTn id="29" dur="500" fill="hold"/>
+                                        <p:cTn id="31" dur="500" fill="hold"/>
                                         <p:tgtEl>
                                           <p:spTgt spid="19"/>
                                         </p:tgtEl>
@@ -13458,26 +13494,26 @@
                     </p:cTn>
                   </p:par>
                   <p:par>
-                    <p:cTn id="30" fill="hold">
+                    <p:cTn id="32" fill="hold">
                       <p:stCondLst>
                         <p:cond delay="indefinite"/>
                       </p:stCondLst>
                       <p:childTnLst>
                         <p:par>
-                          <p:cTn id="31" fill="hold">
+                          <p:cTn id="33" fill="hold">
                             <p:stCondLst>
                               <p:cond delay="0"/>
                             </p:stCondLst>
                             <p:childTnLst>
                               <p:par>
-                                <p:cTn id="32" presetID="2" presetClass="entr" presetSubtype="4" fill="hold" grpId="0" nodeType="clickEffect">
+                                <p:cTn id="34" presetID="2" presetClass="entr" presetSubtype="4" fill="hold" grpId="0" nodeType="clickEffect">
                                   <p:stCondLst>
                                     <p:cond delay="0"/>
                                   </p:stCondLst>
                                   <p:childTnLst>
                                     <p:set>
                                       <p:cBhvr>
-                                        <p:cTn id="33" dur="1" fill="hold">
+                                        <p:cTn id="35" dur="1" fill="hold">
                                           <p:stCondLst>
                                             <p:cond delay="0"/>
                                           </p:stCondLst>
@@ -13495,7 +13531,7 @@
                                     </p:set>
                                     <p:anim calcmode="lin" valueType="num">
                                       <p:cBhvr additive="base">
-                                        <p:cTn id="34" dur="500" fill="hold"/>
+                                        <p:cTn id="36" dur="500" fill="hold"/>
                                         <p:tgtEl>
                                           <p:spTgt spid="21"/>
                                         </p:tgtEl>
@@ -13518,7 +13554,7 @@
                                     </p:anim>
                                     <p:anim calcmode="lin" valueType="num">
                                       <p:cBhvr additive="base">
-                                        <p:cTn id="35" dur="500" fill="hold"/>
+                                        <p:cTn id="37" dur="500" fill="hold"/>
                                         <p:tgtEl>
                                           <p:spTgt spid="21"/>
                                         </p:tgtEl>
@@ -13542,28 +13578,10 @@
                                   </p:childTnLst>
                                 </p:cTn>
                               </p:par>
-                            </p:childTnLst>
-                          </p:cTn>
-                        </p:par>
-                      </p:childTnLst>
-                    </p:cTn>
-                  </p:par>
-                  <p:par>
-                    <p:cTn id="36" fill="hold">
-                      <p:stCondLst>
-                        <p:cond delay="indefinite"/>
-                      </p:stCondLst>
-                      <p:childTnLst>
-                        <p:par>
-                          <p:cTn id="37" fill="hold">
-                            <p:stCondLst>
-                              <p:cond delay="0"/>
-                            </p:stCondLst>
-                            <p:childTnLst>
                               <p:par>
-                                <p:cTn id="38" presetID="10" presetClass="entr" presetSubtype="0" fill="hold" grpId="0" nodeType="clickEffect">
+                                <p:cTn id="38" presetID="10" presetClass="entr" presetSubtype="0" fill="hold" grpId="0" nodeType="withEffect">
                                   <p:stCondLst>
-                                    <p:cond delay="0"/>
+                                    <p:cond delay="500"/>
                                   </p:stCondLst>
                                   <p:childTnLst>
                                     <p:set>
@@ -13595,33 +13613,15 @@
                                   </p:childTnLst>
                                 </p:cTn>
                               </p:par>
-                            </p:childTnLst>
-                          </p:cTn>
-                        </p:par>
-                      </p:childTnLst>
-                    </p:cTn>
-                  </p:par>
-                  <p:par>
-                    <p:cTn id="41" fill="hold">
-                      <p:stCondLst>
-                        <p:cond delay="indefinite"/>
-                      </p:stCondLst>
-                      <p:childTnLst>
-                        <p:par>
-                          <p:cTn id="42" fill="hold">
-                            <p:stCondLst>
-                              <p:cond delay="0"/>
-                            </p:stCondLst>
-                            <p:childTnLst>
                               <p:par>
-                                <p:cTn id="43" presetID="2" presetClass="entr" presetSubtype="4" fill="hold" nodeType="clickEffect">
+                                <p:cTn id="41" presetID="2" presetClass="entr" presetSubtype="4" fill="hold" nodeType="withEffect">
                                   <p:stCondLst>
-                                    <p:cond delay="0"/>
+                                    <p:cond delay="1000"/>
                                   </p:stCondLst>
                                   <p:childTnLst>
                                     <p:set>
                                       <p:cBhvr>
-                                        <p:cTn id="44" dur="1" fill="hold">
+                                        <p:cTn id="42" dur="1" fill="hold">
                                           <p:stCondLst>
                                             <p:cond delay="0"/>
                                           </p:stCondLst>
@@ -13639,7 +13639,7 @@
                                     </p:set>
                                     <p:anim calcmode="lin" valueType="num">
                                       <p:cBhvr additive="base">
-                                        <p:cTn id="45" dur="500" fill="hold"/>
+                                        <p:cTn id="43" dur="500" fill="hold"/>
                                         <p:tgtEl>
                                           <p:spTgt spid="26"/>
                                         </p:tgtEl>
@@ -13662,7 +13662,7 @@
                                     </p:anim>
                                     <p:anim calcmode="lin" valueType="num">
                                       <p:cBhvr additive="base">
-                                        <p:cTn id="46" dur="500" fill="hold"/>
+                                        <p:cTn id="44" dur="500" fill="hold"/>
                                         <p:tgtEl>
                                           <p:spTgt spid="26"/>
                                         </p:tgtEl>
@@ -13693,26 +13693,26 @@
                     </p:cTn>
                   </p:par>
                   <p:par>
-                    <p:cTn id="47" fill="hold">
+                    <p:cTn id="45" fill="hold">
                       <p:stCondLst>
                         <p:cond delay="indefinite"/>
                       </p:stCondLst>
                       <p:childTnLst>
                         <p:par>
-                          <p:cTn id="48" fill="hold">
+                          <p:cTn id="46" fill="hold">
                             <p:stCondLst>
                               <p:cond delay="0"/>
                             </p:stCondLst>
                             <p:childTnLst>
                               <p:par>
-                                <p:cTn id="49" presetID="2" presetClass="entr" presetSubtype="4" fill="hold" grpId="0" nodeType="clickEffect">
+                                <p:cTn id="47" presetID="2" presetClass="entr" presetSubtype="4" fill="hold" grpId="0" nodeType="clickEffect">
                                   <p:stCondLst>
                                     <p:cond delay="0"/>
                                   </p:stCondLst>
                                   <p:childTnLst>
                                     <p:set>
                                       <p:cBhvr>
-                                        <p:cTn id="50" dur="1" fill="hold">
+                                        <p:cTn id="48" dur="1" fill="hold">
                                           <p:stCondLst>
                                             <p:cond delay="0"/>
                                           </p:stCondLst>
@@ -13730,7 +13730,7 @@
                                     </p:set>
                                     <p:anim calcmode="lin" valueType="num">
                                       <p:cBhvr additive="base">
-                                        <p:cTn id="51" dur="500" fill="hold"/>
+                                        <p:cTn id="49" dur="500" fill="hold"/>
                                         <p:tgtEl>
                                           <p:spTgt spid="27"/>
                                         </p:tgtEl>
@@ -13753,7 +13753,7 @@
                                     </p:anim>
                                     <p:anim calcmode="lin" valueType="num">
                                       <p:cBhvr additive="base">
-                                        <p:cTn id="52" dur="500" fill="hold"/>
+                                        <p:cTn id="50" dur="500" fill="hold"/>
                                         <p:tgtEl>
                                           <p:spTgt spid="27"/>
                                         </p:tgtEl>
@@ -13777,33 +13777,15 @@
                                   </p:childTnLst>
                                 </p:cTn>
                               </p:par>
-                            </p:childTnLst>
-                          </p:cTn>
-                        </p:par>
-                      </p:childTnLst>
-                    </p:cTn>
-                  </p:par>
-                  <p:par>
-                    <p:cTn id="53" fill="hold">
-                      <p:stCondLst>
-                        <p:cond delay="indefinite"/>
-                      </p:stCondLst>
-                      <p:childTnLst>
-                        <p:par>
-                          <p:cTn id="54" fill="hold">
-                            <p:stCondLst>
-                              <p:cond delay="0"/>
-                            </p:stCondLst>
-                            <p:childTnLst>
                               <p:par>
-                                <p:cTn id="55" presetID="10" presetClass="entr" presetSubtype="0" fill="hold" grpId="0" nodeType="clickEffect">
+                                <p:cTn id="51" presetID="10" presetClass="entr" presetSubtype="0" fill="hold" grpId="0" nodeType="withEffect">
                                   <p:stCondLst>
-                                    <p:cond delay="0"/>
+                                    <p:cond delay="500"/>
                                   </p:stCondLst>
                                   <p:childTnLst>
                                     <p:set>
                                       <p:cBhvr>
-                                        <p:cTn id="56" dur="1" fill="hold">
+                                        <p:cTn id="52" dur="1" fill="hold">
                                           <p:stCondLst>
                                             <p:cond delay="0"/>
                                           </p:stCondLst>
@@ -13821,7 +13803,7 @@
                                     </p:set>
                                     <p:animEffect transition="in" filter="fade">
                                       <p:cBhvr>
-                                        <p:cTn id="57" dur="500"/>
+                                        <p:cTn id="53" dur="500"/>
                                         <p:tgtEl>
                                           <p:spTgt spid="29"/>
                                         </p:tgtEl>
@@ -13830,33 +13812,15 @@
                                   </p:childTnLst>
                                 </p:cTn>
                               </p:par>
-                            </p:childTnLst>
-                          </p:cTn>
-                        </p:par>
-                      </p:childTnLst>
-                    </p:cTn>
-                  </p:par>
-                  <p:par>
-                    <p:cTn id="58" fill="hold">
-                      <p:stCondLst>
-                        <p:cond delay="indefinite"/>
-                      </p:stCondLst>
-                      <p:childTnLst>
-                        <p:par>
-                          <p:cTn id="59" fill="hold">
-                            <p:stCondLst>
-                              <p:cond delay="0"/>
-                            </p:stCondLst>
-                            <p:childTnLst>
                               <p:par>
-                                <p:cTn id="60" presetID="2" presetClass="entr" presetSubtype="4" fill="hold" nodeType="clickEffect">
+                                <p:cTn id="54" presetID="2" presetClass="entr" presetSubtype="4" fill="hold" nodeType="withEffect">
                                   <p:stCondLst>
-                                    <p:cond delay="0"/>
+                                    <p:cond delay="1000"/>
                                   </p:stCondLst>
                                   <p:childTnLst>
                                     <p:set>
                                       <p:cBhvr>
-                                        <p:cTn id="61" dur="1" fill="hold">
+                                        <p:cTn id="55" dur="1" fill="hold">
                                           <p:stCondLst>
                                             <p:cond delay="0"/>
                                           </p:stCondLst>
@@ -13874,7 +13838,7 @@
                                     </p:set>
                                     <p:anim calcmode="lin" valueType="num">
                                       <p:cBhvr additive="base">
-                                        <p:cTn id="62" dur="500" fill="hold"/>
+                                        <p:cTn id="56" dur="500" fill="hold"/>
                                         <p:tgtEl>
                                           <p:spTgt spid="30"/>
                                         </p:tgtEl>
@@ -13897,7 +13861,7 @@
                                     </p:anim>
                                     <p:anim calcmode="lin" valueType="num">
                                       <p:cBhvr additive="base">
-                                        <p:cTn id="63" dur="500" fill="hold"/>
+                                        <p:cTn id="57" dur="500" fill="hold"/>
                                         <p:tgtEl>
                                           <p:spTgt spid="30"/>
                                         </p:tgtEl>
@@ -13950,7 +13914,9 @@
     </p:tnLst>
     <p:bldLst>
       <p:bldP spid="11" grpId="0" animBg="1"/>
+      <p:bldP spid="11" grpId="1" animBg="1"/>
       <p:bldP spid="12" grpId="0" animBg="1"/>
+      <p:bldP spid="12" grpId="1" animBg="1"/>
       <p:bldP spid="15" grpId="0" animBg="1"/>
       <p:bldP spid="16" grpId="0"/>
       <p:bldP spid="21" grpId="0" animBg="1"/>
@@ -14093,7 +14059,7 @@
           </a:prstGeom>
           <a:extLst>
             <a:ext uri="{909E8E84-426E-40dd-AFC4-6F175D3DCCD1}">
-              <a14:hiddenFill xmlns:a14="http://schemas.microsoft.com/office/drawing/2010/main" xmlns:p14="http://schemas.microsoft.com/office/powerpoint/2010/main" xmlns:a16="http://schemas.microsoft.com/office/drawing/2014/main" xmlns="">
+              <a14:hiddenFill xmlns="" xmlns:a16="http://schemas.microsoft.com/office/drawing/2014/main" xmlns:p14="http://schemas.microsoft.com/office/powerpoint/2010/main" xmlns:a14="http://schemas.microsoft.com/office/drawing/2010/main">
                 <a:solidFill>
                   <a:srgbClr val="FFFFFF"/>
                 </a:solidFill>
@@ -14217,7 +14183,7 @@
           <a:noFill/>
           <a:extLst>
             <a:ext uri="{909E8E84-426E-40dd-AFC4-6F175D3DCCD1}">
-              <a14:hiddenFill xmlns:a14="http://schemas.microsoft.com/office/drawing/2010/main" xmlns:p14="http://schemas.microsoft.com/office/powerpoint/2010/main" xmlns:a16="http://schemas.microsoft.com/office/drawing/2014/main" xmlns="">
+              <a14:hiddenFill xmlns="" xmlns:a16="http://schemas.microsoft.com/office/drawing/2014/main" xmlns:p14="http://schemas.microsoft.com/office/powerpoint/2010/main" xmlns:a14="http://schemas.microsoft.com/office/drawing/2010/main">
                 <a:solidFill>
                   <a:srgbClr val="FFFFFF"/>
                 </a:solidFill>
@@ -14349,7 +14315,7 @@
             </a:ln>
             <a:extLst>
               <a:ext uri="{91240B29-F687-4f45-9708-019B960494DF}">
-                <a14:hiddenLine xmlns:a14="http://schemas.microsoft.com/office/drawing/2010/main" xmlns:p14="http://schemas.microsoft.com/office/powerpoint/2010/main" xmlns:a16="http://schemas.microsoft.com/office/drawing/2014/main" xmlns="" w="9525">
+                <a14:hiddenLine xmlns="" xmlns:a16="http://schemas.microsoft.com/office/drawing/2014/main" xmlns:p14="http://schemas.microsoft.com/office/powerpoint/2010/main" xmlns:a14="http://schemas.microsoft.com/office/drawing/2010/main" w="9525">
                   <a:solidFill>
                     <a:srgbClr val="000000"/>
                   </a:solidFill>
@@ -14454,7 +14420,7 @@
             </a:ln>
             <a:extLst>
               <a:ext uri="{91240B29-F687-4f45-9708-019B960494DF}">
-                <a14:hiddenLine xmlns:a14="http://schemas.microsoft.com/office/drawing/2010/main" xmlns:p14="http://schemas.microsoft.com/office/powerpoint/2010/main" xmlns:a16="http://schemas.microsoft.com/office/drawing/2014/main" xmlns="" w="9525">
+                <a14:hiddenLine xmlns="" xmlns:a16="http://schemas.microsoft.com/office/drawing/2014/main" xmlns:p14="http://schemas.microsoft.com/office/powerpoint/2010/main" xmlns:a14="http://schemas.microsoft.com/office/drawing/2010/main" w="9525">
                   <a:solidFill>
                     <a:srgbClr val="000000"/>
                   </a:solidFill>
@@ -14559,7 +14525,7 @@
             </a:ln>
             <a:extLst>
               <a:ext uri="{91240B29-F687-4f45-9708-019B960494DF}">
-                <a14:hiddenLine xmlns:a14="http://schemas.microsoft.com/office/drawing/2010/main" xmlns:p14="http://schemas.microsoft.com/office/powerpoint/2010/main" xmlns:a16="http://schemas.microsoft.com/office/drawing/2014/main" xmlns="" w="9525">
+                <a14:hiddenLine xmlns="" xmlns:a16="http://schemas.microsoft.com/office/drawing/2014/main" xmlns:p14="http://schemas.microsoft.com/office/powerpoint/2010/main" xmlns:a14="http://schemas.microsoft.com/office/drawing/2010/main" w="9525">
                   <a:solidFill>
                     <a:srgbClr val="000000"/>
                   </a:solidFill>
@@ -14636,7 +14602,7 @@
             </a:ln>
             <a:extLst>
               <a:ext uri="{91240B29-F687-4f45-9708-019B960494DF}">
-                <a14:hiddenLine xmlns:a14="http://schemas.microsoft.com/office/drawing/2010/main" xmlns:p14="http://schemas.microsoft.com/office/powerpoint/2010/main" xmlns:a16="http://schemas.microsoft.com/office/drawing/2014/main" xmlns="" w="9525">
+                <a14:hiddenLine xmlns="" xmlns:a16="http://schemas.microsoft.com/office/drawing/2014/main" xmlns:p14="http://schemas.microsoft.com/office/powerpoint/2010/main" xmlns:a14="http://schemas.microsoft.com/office/drawing/2010/main" w="9525">
                   <a:solidFill>
                     <a:srgbClr val="000000"/>
                   </a:solidFill>
@@ -14741,7 +14707,7 @@
             </a:ln>
             <a:extLst>
               <a:ext uri="{91240B29-F687-4f45-9708-019B960494DF}">
-                <a14:hiddenLine xmlns:a14="http://schemas.microsoft.com/office/drawing/2010/main" xmlns:p14="http://schemas.microsoft.com/office/powerpoint/2010/main" xmlns:a16="http://schemas.microsoft.com/office/drawing/2014/main" xmlns="" w="9525">
+                <a14:hiddenLine xmlns="" xmlns:a16="http://schemas.microsoft.com/office/drawing/2014/main" xmlns:p14="http://schemas.microsoft.com/office/powerpoint/2010/main" xmlns:a14="http://schemas.microsoft.com/office/drawing/2010/main" w="9525">
                   <a:solidFill>
                     <a:srgbClr val="000000"/>
                   </a:solidFill>
@@ -14818,7 +14784,7 @@
             </a:ln>
             <a:extLst>
               <a:ext uri="{91240B29-F687-4f45-9708-019B960494DF}">
-                <a14:hiddenLine xmlns:a14="http://schemas.microsoft.com/office/drawing/2010/main" xmlns:p14="http://schemas.microsoft.com/office/powerpoint/2010/main" xmlns:a16="http://schemas.microsoft.com/office/drawing/2014/main" xmlns="" w="9525">
+                <a14:hiddenLine xmlns="" xmlns:a16="http://schemas.microsoft.com/office/drawing/2014/main" xmlns:p14="http://schemas.microsoft.com/office/powerpoint/2010/main" xmlns:a14="http://schemas.microsoft.com/office/drawing/2010/main" w="9525">
                   <a:solidFill>
                     <a:srgbClr val="000000"/>
                   </a:solidFill>
@@ -14895,7 +14861,7 @@
             </a:ln>
             <a:extLst>
               <a:ext uri="{91240B29-F687-4f45-9708-019B960494DF}">
-                <a14:hiddenLine xmlns:a14="http://schemas.microsoft.com/office/drawing/2010/main" xmlns:p14="http://schemas.microsoft.com/office/powerpoint/2010/main" xmlns:a16="http://schemas.microsoft.com/office/drawing/2014/main" xmlns="" w="9525">
+                <a14:hiddenLine xmlns="" xmlns:a16="http://schemas.microsoft.com/office/drawing/2014/main" xmlns:p14="http://schemas.microsoft.com/office/powerpoint/2010/main" xmlns:a14="http://schemas.microsoft.com/office/drawing/2010/main" w="9525">
                   <a:solidFill>
                     <a:srgbClr val="000000"/>
                   </a:solidFill>
@@ -15000,7 +14966,7 @@
             </a:ln>
             <a:extLst>
               <a:ext uri="{91240B29-F687-4f45-9708-019B960494DF}">
-                <a14:hiddenLine xmlns:a14="http://schemas.microsoft.com/office/drawing/2010/main" xmlns:p14="http://schemas.microsoft.com/office/powerpoint/2010/main" xmlns:a16="http://schemas.microsoft.com/office/drawing/2014/main" xmlns="" w="9525">
+                <a14:hiddenLine xmlns="" xmlns:a16="http://schemas.microsoft.com/office/drawing/2014/main" xmlns:p14="http://schemas.microsoft.com/office/powerpoint/2010/main" xmlns:a14="http://schemas.microsoft.com/office/drawing/2010/main" w="9525">
                   <a:solidFill>
                     <a:srgbClr val="000000"/>
                   </a:solidFill>
@@ -15105,7 +15071,7 @@
             </a:ln>
             <a:extLst>
               <a:ext uri="{91240B29-F687-4f45-9708-019B960494DF}">
-                <a14:hiddenLine xmlns:a14="http://schemas.microsoft.com/office/drawing/2010/main" xmlns:p14="http://schemas.microsoft.com/office/powerpoint/2010/main" xmlns:a16="http://schemas.microsoft.com/office/drawing/2014/main" xmlns="" w="9525">
+                <a14:hiddenLine xmlns="" xmlns:a16="http://schemas.microsoft.com/office/drawing/2014/main" xmlns:p14="http://schemas.microsoft.com/office/powerpoint/2010/main" xmlns:a14="http://schemas.microsoft.com/office/drawing/2010/main" w="9525">
                   <a:solidFill>
                     <a:srgbClr val="000000"/>
                   </a:solidFill>
@@ -15182,7 +15148,7 @@
             </a:ln>
             <a:extLst>
               <a:ext uri="{91240B29-F687-4f45-9708-019B960494DF}">
-                <a14:hiddenLine xmlns:a14="http://schemas.microsoft.com/office/drawing/2010/main" xmlns:p14="http://schemas.microsoft.com/office/powerpoint/2010/main" xmlns:a16="http://schemas.microsoft.com/office/drawing/2014/main" xmlns="" w="9525">
+                <a14:hiddenLine xmlns="" xmlns:a16="http://schemas.microsoft.com/office/drawing/2014/main" xmlns:p14="http://schemas.microsoft.com/office/powerpoint/2010/main" xmlns:a14="http://schemas.microsoft.com/office/drawing/2010/main" w="9525">
                   <a:solidFill>
                     <a:srgbClr val="000000"/>
                   </a:solidFill>
@@ -15307,7 +15273,7 @@
             </a:ln>
             <a:extLst>
               <a:ext uri="{91240B29-F687-4f45-9708-019B960494DF}">
-                <a14:hiddenLine xmlns:a14="http://schemas.microsoft.com/office/drawing/2010/main" xmlns:p14="http://schemas.microsoft.com/office/powerpoint/2010/main" xmlns:a16="http://schemas.microsoft.com/office/drawing/2014/main" xmlns="" w="9525">
+                <a14:hiddenLine xmlns="" xmlns:a16="http://schemas.microsoft.com/office/drawing/2014/main" xmlns:p14="http://schemas.microsoft.com/office/powerpoint/2010/main" xmlns:a14="http://schemas.microsoft.com/office/drawing/2010/main" w="9525">
                   <a:solidFill>
                     <a:srgbClr val="000000"/>
                   </a:solidFill>
@@ -15421,7 +15387,7 @@
             </a:ln>
             <a:extLst>
               <a:ext uri="{91240B29-F687-4f45-9708-019B960494DF}">
-                <a14:hiddenLine xmlns:a14="http://schemas.microsoft.com/office/drawing/2010/main" xmlns:p14="http://schemas.microsoft.com/office/powerpoint/2010/main" xmlns:a16="http://schemas.microsoft.com/office/drawing/2014/main" xmlns="" w="9525">
+                <a14:hiddenLine xmlns="" xmlns:a16="http://schemas.microsoft.com/office/drawing/2014/main" xmlns:p14="http://schemas.microsoft.com/office/powerpoint/2010/main" xmlns:a14="http://schemas.microsoft.com/office/drawing/2010/main" w="9525">
                   <a:solidFill>
                     <a:srgbClr val="000000"/>
                   </a:solidFill>
@@ -15498,7 +15464,7 @@
             </a:ln>
             <a:extLst>
               <a:ext uri="{91240B29-F687-4f45-9708-019B960494DF}">
-                <a14:hiddenLine xmlns:a14="http://schemas.microsoft.com/office/drawing/2010/main" xmlns:p14="http://schemas.microsoft.com/office/powerpoint/2010/main" xmlns:a16="http://schemas.microsoft.com/office/drawing/2014/main" xmlns="" w="9525">
+                <a14:hiddenLine xmlns="" xmlns:a16="http://schemas.microsoft.com/office/drawing/2014/main" xmlns:p14="http://schemas.microsoft.com/office/powerpoint/2010/main" xmlns:a14="http://schemas.microsoft.com/office/drawing/2010/main" w="9525">
                   <a:solidFill>
                     <a:srgbClr val="000000"/>
                   </a:solidFill>
@@ -15575,7 +15541,7 @@
             </a:ln>
             <a:extLst>
               <a:ext uri="{91240B29-F687-4f45-9708-019B960494DF}">
-                <a14:hiddenLine xmlns:a14="http://schemas.microsoft.com/office/drawing/2010/main" xmlns:p14="http://schemas.microsoft.com/office/powerpoint/2010/main" xmlns:a16="http://schemas.microsoft.com/office/drawing/2014/main" xmlns="" w="9525">
+                <a14:hiddenLine xmlns="" xmlns:a16="http://schemas.microsoft.com/office/drawing/2014/main" xmlns:p14="http://schemas.microsoft.com/office/powerpoint/2010/main" xmlns:a14="http://schemas.microsoft.com/office/drawing/2010/main" w="9525">
                   <a:solidFill>
                     <a:srgbClr val="000000"/>
                   </a:solidFill>
@@ -15680,7 +15646,7 @@
             </a:ln>
             <a:extLst>
               <a:ext uri="{91240B29-F687-4f45-9708-019B960494DF}">
-                <a14:hiddenLine xmlns:a14="http://schemas.microsoft.com/office/drawing/2010/main" xmlns:p14="http://schemas.microsoft.com/office/powerpoint/2010/main" xmlns:a16="http://schemas.microsoft.com/office/drawing/2014/main" xmlns="" w="9525">
+                <a14:hiddenLine xmlns="" xmlns:a16="http://schemas.microsoft.com/office/drawing/2014/main" xmlns:p14="http://schemas.microsoft.com/office/powerpoint/2010/main" xmlns:a14="http://schemas.microsoft.com/office/drawing/2010/main" w="9525">
                   <a:solidFill>
                     <a:srgbClr val="000000"/>
                   </a:solidFill>
@@ -15729,7 +15695,7 @@
             </a:ln>
             <a:extLst>
               <a:ext uri="{91240B29-F687-4f45-9708-019B960494DF}">
-                <a14:hiddenLine xmlns:a14="http://schemas.microsoft.com/office/drawing/2010/main" xmlns:p14="http://schemas.microsoft.com/office/powerpoint/2010/main" xmlns:a16="http://schemas.microsoft.com/office/drawing/2014/main" xmlns="" w="9525">
+                <a14:hiddenLine xmlns="" xmlns:a16="http://schemas.microsoft.com/office/drawing/2014/main" xmlns:p14="http://schemas.microsoft.com/office/powerpoint/2010/main" xmlns:a14="http://schemas.microsoft.com/office/drawing/2010/main" w="9525">
                   <a:solidFill>
                     <a:srgbClr val="000000"/>
                   </a:solidFill>
@@ -15809,7 +15775,7 @@
             </a:ln>
             <a:extLst>
               <a:ext uri="{91240B29-F687-4f45-9708-019B960494DF}">
-                <a14:hiddenLine xmlns:a14="http://schemas.microsoft.com/office/drawing/2010/main" xmlns:p14="http://schemas.microsoft.com/office/powerpoint/2010/main" xmlns:a16="http://schemas.microsoft.com/office/drawing/2014/main" xmlns="" w="9525">
+                <a14:hiddenLine xmlns="" xmlns:a16="http://schemas.microsoft.com/office/drawing/2014/main" xmlns:p14="http://schemas.microsoft.com/office/powerpoint/2010/main" xmlns:a14="http://schemas.microsoft.com/office/drawing/2010/main" w="9525">
                   <a:solidFill>
                     <a:srgbClr val="000000"/>
                   </a:solidFill>
@@ -15914,7 +15880,7 @@
             </a:ln>
             <a:extLst>
               <a:ext uri="{91240B29-F687-4f45-9708-019B960494DF}">
-                <a14:hiddenLine xmlns:a14="http://schemas.microsoft.com/office/drawing/2010/main" xmlns:p14="http://schemas.microsoft.com/office/powerpoint/2010/main" xmlns:a16="http://schemas.microsoft.com/office/drawing/2014/main" xmlns="" w="9525">
+                <a14:hiddenLine xmlns="" xmlns:a16="http://schemas.microsoft.com/office/drawing/2014/main" xmlns:p14="http://schemas.microsoft.com/office/powerpoint/2010/main" xmlns:a14="http://schemas.microsoft.com/office/drawing/2010/main" w="9525">
                   <a:solidFill>
                     <a:srgbClr val="000000"/>
                   </a:solidFill>
@@ -15991,7 +15957,7 @@
             </a:ln>
             <a:extLst>
               <a:ext uri="{91240B29-F687-4f45-9708-019B960494DF}">
-                <a14:hiddenLine xmlns:a14="http://schemas.microsoft.com/office/drawing/2010/main" xmlns:p14="http://schemas.microsoft.com/office/powerpoint/2010/main" xmlns:a16="http://schemas.microsoft.com/office/drawing/2014/main" xmlns="" w="9525">
+                <a14:hiddenLine xmlns="" xmlns:a16="http://schemas.microsoft.com/office/drawing/2014/main" xmlns:p14="http://schemas.microsoft.com/office/powerpoint/2010/main" xmlns:a14="http://schemas.microsoft.com/office/drawing/2010/main" w="9525">
                   <a:solidFill>
                     <a:srgbClr val="000000"/>
                   </a:solidFill>
@@ -16096,7 +16062,7 @@
             </a:ln>
             <a:extLst>
               <a:ext uri="{91240B29-F687-4f45-9708-019B960494DF}">
-                <a14:hiddenLine xmlns:a14="http://schemas.microsoft.com/office/drawing/2010/main" xmlns:p14="http://schemas.microsoft.com/office/powerpoint/2010/main" xmlns:a16="http://schemas.microsoft.com/office/drawing/2014/main" xmlns="" w="9525">
+                <a14:hiddenLine xmlns="" xmlns:a16="http://schemas.microsoft.com/office/drawing/2014/main" xmlns:p14="http://schemas.microsoft.com/office/powerpoint/2010/main" xmlns:a14="http://schemas.microsoft.com/office/drawing/2010/main" w="9525">
                   <a:solidFill>
                     <a:srgbClr val="000000"/>
                   </a:solidFill>
@@ -16176,7 +16142,7 @@
             </a:ln>
             <a:extLst>
               <a:ext uri="{91240B29-F687-4f45-9708-019B960494DF}">
-                <a14:hiddenLine xmlns:a14="http://schemas.microsoft.com/office/drawing/2010/main" xmlns:p14="http://schemas.microsoft.com/office/powerpoint/2010/main" xmlns:a16="http://schemas.microsoft.com/office/drawing/2014/main" xmlns="" w="9525">
+                <a14:hiddenLine xmlns="" xmlns:a16="http://schemas.microsoft.com/office/drawing/2014/main" xmlns:p14="http://schemas.microsoft.com/office/powerpoint/2010/main" xmlns:a14="http://schemas.microsoft.com/office/drawing/2010/main" w="9525">
                   <a:solidFill>
                     <a:srgbClr val="000000"/>
                   </a:solidFill>
@@ -16253,7 +16219,7 @@
             </a:ln>
             <a:extLst>
               <a:ext uri="{91240B29-F687-4f45-9708-019B960494DF}">
-                <a14:hiddenLine xmlns:a14="http://schemas.microsoft.com/office/drawing/2010/main" xmlns:p14="http://schemas.microsoft.com/office/powerpoint/2010/main" xmlns:a16="http://schemas.microsoft.com/office/drawing/2014/main" xmlns="" w="9525">
+                <a14:hiddenLine xmlns="" xmlns:a16="http://schemas.microsoft.com/office/drawing/2014/main" xmlns:p14="http://schemas.microsoft.com/office/powerpoint/2010/main" xmlns:a14="http://schemas.microsoft.com/office/drawing/2010/main" w="9525">
                   <a:solidFill>
                     <a:srgbClr val="000000"/>
                   </a:solidFill>
@@ -16358,7 +16324,7 @@
             </a:ln>
             <a:extLst>
               <a:ext uri="{91240B29-F687-4f45-9708-019B960494DF}">
-                <a14:hiddenLine xmlns:a14="http://schemas.microsoft.com/office/drawing/2010/main" xmlns:p14="http://schemas.microsoft.com/office/powerpoint/2010/main" xmlns:a16="http://schemas.microsoft.com/office/drawing/2014/main" xmlns="" w="9525">
+                <a14:hiddenLine xmlns="" xmlns:a16="http://schemas.microsoft.com/office/drawing/2014/main" xmlns:p14="http://schemas.microsoft.com/office/powerpoint/2010/main" xmlns:a14="http://schemas.microsoft.com/office/drawing/2010/main" w="9525">
                   <a:solidFill>
                     <a:srgbClr val="000000"/>
                   </a:solidFill>
@@ -16463,7 +16429,7 @@
             </a:ln>
             <a:extLst>
               <a:ext uri="{91240B29-F687-4f45-9708-019B960494DF}">
-                <a14:hiddenLine xmlns:a14="http://schemas.microsoft.com/office/drawing/2010/main" xmlns:p14="http://schemas.microsoft.com/office/powerpoint/2010/main" xmlns:a16="http://schemas.microsoft.com/office/drawing/2014/main" xmlns="" w="9525">
+                <a14:hiddenLine xmlns="" xmlns:a16="http://schemas.microsoft.com/office/drawing/2014/main" xmlns:p14="http://schemas.microsoft.com/office/powerpoint/2010/main" xmlns:a14="http://schemas.microsoft.com/office/drawing/2010/main" w="9525">
                   <a:solidFill>
                     <a:srgbClr val="000000"/>
                   </a:solidFill>
@@ -16543,7 +16509,7 @@
             </a:ln>
             <a:extLst>
               <a:ext uri="{91240B29-F687-4f45-9708-019B960494DF}">
-                <a14:hiddenLine xmlns:a14="http://schemas.microsoft.com/office/drawing/2010/main" xmlns:p14="http://schemas.microsoft.com/office/powerpoint/2010/main" xmlns:a16="http://schemas.microsoft.com/office/drawing/2014/main" xmlns="" w="9525">
+                <a14:hiddenLine xmlns="" xmlns:a16="http://schemas.microsoft.com/office/drawing/2014/main" xmlns:p14="http://schemas.microsoft.com/office/powerpoint/2010/main" xmlns:a14="http://schemas.microsoft.com/office/drawing/2010/main" w="9525">
                   <a:solidFill>
                     <a:srgbClr val="000000"/>
                   </a:solidFill>
@@ -16678,7 +16644,7 @@
             </a:ln>
             <a:extLst>
               <a:ext uri="{91240B29-F687-4f45-9708-019B960494DF}">
-                <a14:hiddenLine xmlns:a14="http://schemas.microsoft.com/office/drawing/2010/main" xmlns:p14="http://schemas.microsoft.com/office/powerpoint/2010/main" xmlns:a16="http://schemas.microsoft.com/office/drawing/2014/main" xmlns="" w="9525">
+                <a14:hiddenLine xmlns="" xmlns:a16="http://schemas.microsoft.com/office/drawing/2014/main" xmlns:p14="http://schemas.microsoft.com/office/powerpoint/2010/main" xmlns:a14="http://schemas.microsoft.com/office/drawing/2010/main" w="9525">
                   <a:solidFill>
                     <a:srgbClr val="000000"/>
                   </a:solidFill>
@@ -16755,6 +16721,9 @@
                     <p:cTn id="3" fill="hold">
                       <p:stCondLst>
                         <p:cond delay="indefinite"/>
+                        <p:cond evt="onBegin" delay="0">
+                          <p:tn val="2"/>
+                        </p:cond>
                       </p:stCondLst>
                       <p:childTnLst>
                         <p:par>
@@ -16764,9 +16733,9 @@
                             </p:stCondLst>
                             <p:childTnLst>
                               <p:par>
-                                <p:cTn id="5" presetID="10" presetClass="entr" presetSubtype="0" fill="hold" nodeType="clickEffect">
+                                <p:cTn id="5" presetID="10" presetClass="entr" presetSubtype="0" fill="hold" nodeType="withEffect">
                                   <p:stCondLst>
-                                    <p:cond delay="0"/>
+                                    <p:cond delay="750"/>
                                   </p:stCondLst>
                                   <p:childTnLst>
                                     <p:set>
@@ -16944,6 +16913,9 @@
                     <p:cTn id="3" fill="hold">
                       <p:stCondLst>
                         <p:cond delay="indefinite"/>
+                        <p:cond evt="onBegin" delay="0">
+                          <p:tn val="2"/>
+                        </p:cond>
                       </p:stCondLst>
                       <p:childTnLst>
                         <p:par>
@@ -16953,9 +16925,9 @@
                             </p:stCondLst>
                             <p:childTnLst>
                               <p:par>
-                                <p:cTn id="5" presetID="10" presetClass="entr" presetSubtype="0" fill="hold" nodeType="clickEffect">
+                                <p:cTn id="5" presetID="10" presetClass="entr" presetSubtype="0" fill="hold" nodeType="withEffect">
                                   <p:stCondLst>
-                                    <p:cond delay="0"/>
+                                    <p:cond delay="750"/>
                                   </p:stCondLst>
                                   <p:childTnLst>
                                     <p:set>
@@ -17149,7 +17121,7 @@
           </a:prstGeom>
           <a:extLst>
             <a:ext uri="{909E8E84-426E-40dd-AFC4-6F175D3DCCD1}">
-              <a14:hiddenFill xmlns:a14="http://schemas.microsoft.com/office/drawing/2010/main" xmlns:p14="http://schemas.microsoft.com/office/powerpoint/2010/main" xmlns:a16="http://schemas.microsoft.com/office/drawing/2014/main" xmlns="">
+              <a14:hiddenFill xmlns="" xmlns:a16="http://schemas.microsoft.com/office/drawing/2014/main" xmlns:p14="http://schemas.microsoft.com/office/powerpoint/2010/main" xmlns:a14="http://schemas.microsoft.com/office/drawing/2010/main">
                 <a:solidFill>
                   <a:srgbClr val="FFFFFF"/>
                 </a:solidFill>
@@ -17273,7 +17245,7 @@
           <a:noFill/>
           <a:extLst>
             <a:ext uri="{909E8E84-426E-40dd-AFC4-6F175D3DCCD1}">
-              <a14:hiddenFill xmlns:a14="http://schemas.microsoft.com/office/drawing/2010/main" xmlns:p14="http://schemas.microsoft.com/office/powerpoint/2010/main" xmlns:a16="http://schemas.microsoft.com/office/drawing/2014/main" xmlns="">
+              <a14:hiddenFill xmlns="" xmlns:a16="http://schemas.microsoft.com/office/drawing/2014/main" xmlns:p14="http://schemas.microsoft.com/office/powerpoint/2010/main" xmlns:a14="http://schemas.microsoft.com/office/drawing/2010/main">
                 <a:solidFill>
                   <a:srgbClr val="FFFFFF"/>
                 </a:solidFill>
@@ -17405,7 +17377,7 @@
             </a:ln>
             <a:extLst>
               <a:ext uri="{91240B29-F687-4f45-9708-019B960494DF}">
-                <a14:hiddenLine xmlns:a14="http://schemas.microsoft.com/office/drawing/2010/main" xmlns:p14="http://schemas.microsoft.com/office/powerpoint/2010/main" xmlns:a16="http://schemas.microsoft.com/office/drawing/2014/main" xmlns="" w="9525">
+                <a14:hiddenLine xmlns="" xmlns:a16="http://schemas.microsoft.com/office/drawing/2014/main" xmlns:p14="http://schemas.microsoft.com/office/powerpoint/2010/main" xmlns:a14="http://schemas.microsoft.com/office/drawing/2010/main" w="9525">
                   <a:solidFill>
                     <a:srgbClr val="000000"/>
                   </a:solidFill>
@@ -17510,7 +17482,7 @@
             </a:ln>
             <a:extLst>
               <a:ext uri="{91240B29-F687-4f45-9708-019B960494DF}">
-                <a14:hiddenLine xmlns:a14="http://schemas.microsoft.com/office/drawing/2010/main" xmlns:p14="http://schemas.microsoft.com/office/powerpoint/2010/main" xmlns:a16="http://schemas.microsoft.com/office/drawing/2014/main" xmlns="" w="9525">
+                <a14:hiddenLine xmlns="" xmlns:a16="http://schemas.microsoft.com/office/drawing/2014/main" xmlns:p14="http://schemas.microsoft.com/office/powerpoint/2010/main" xmlns:a14="http://schemas.microsoft.com/office/drawing/2010/main" w="9525">
                   <a:solidFill>
                     <a:srgbClr val="000000"/>
                   </a:solidFill>
@@ -17615,7 +17587,7 @@
             </a:ln>
             <a:extLst>
               <a:ext uri="{91240B29-F687-4f45-9708-019B960494DF}">
-                <a14:hiddenLine xmlns:a14="http://schemas.microsoft.com/office/drawing/2010/main" xmlns:p14="http://schemas.microsoft.com/office/powerpoint/2010/main" xmlns:a16="http://schemas.microsoft.com/office/drawing/2014/main" xmlns="" w="9525">
+                <a14:hiddenLine xmlns="" xmlns:a16="http://schemas.microsoft.com/office/drawing/2014/main" xmlns:p14="http://schemas.microsoft.com/office/powerpoint/2010/main" xmlns:a14="http://schemas.microsoft.com/office/drawing/2010/main" w="9525">
                   <a:solidFill>
                     <a:srgbClr val="000000"/>
                   </a:solidFill>
@@ -17692,7 +17664,7 @@
             </a:ln>
             <a:extLst>
               <a:ext uri="{91240B29-F687-4f45-9708-019B960494DF}">
-                <a14:hiddenLine xmlns:a14="http://schemas.microsoft.com/office/drawing/2010/main" xmlns:p14="http://schemas.microsoft.com/office/powerpoint/2010/main" xmlns:a16="http://schemas.microsoft.com/office/drawing/2014/main" xmlns="" w="9525">
+                <a14:hiddenLine xmlns="" xmlns:a16="http://schemas.microsoft.com/office/drawing/2014/main" xmlns:p14="http://schemas.microsoft.com/office/powerpoint/2010/main" xmlns:a14="http://schemas.microsoft.com/office/drawing/2010/main" w="9525">
                   <a:solidFill>
                     <a:srgbClr val="000000"/>
                   </a:solidFill>
@@ -17797,7 +17769,7 @@
             </a:ln>
             <a:extLst>
               <a:ext uri="{91240B29-F687-4f45-9708-019B960494DF}">
-                <a14:hiddenLine xmlns:a14="http://schemas.microsoft.com/office/drawing/2010/main" xmlns:p14="http://schemas.microsoft.com/office/powerpoint/2010/main" xmlns:a16="http://schemas.microsoft.com/office/drawing/2014/main" xmlns="" w="9525">
+                <a14:hiddenLine xmlns="" xmlns:a16="http://schemas.microsoft.com/office/drawing/2014/main" xmlns:p14="http://schemas.microsoft.com/office/powerpoint/2010/main" xmlns:a14="http://schemas.microsoft.com/office/drawing/2010/main" w="9525">
                   <a:solidFill>
                     <a:srgbClr val="000000"/>
                   </a:solidFill>
@@ -17874,7 +17846,7 @@
             </a:ln>
             <a:extLst>
               <a:ext uri="{91240B29-F687-4f45-9708-019B960494DF}">
-                <a14:hiddenLine xmlns:a14="http://schemas.microsoft.com/office/drawing/2010/main" xmlns:p14="http://schemas.microsoft.com/office/powerpoint/2010/main" xmlns:a16="http://schemas.microsoft.com/office/drawing/2014/main" xmlns="" w="9525">
+                <a14:hiddenLine xmlns="" xmlns:a16="http://schemas.microsoft.com/office/drawing/2014/main" xmlns:p14="http://schemas.microsoft.com/office/powerpoint/2010/main" xmlns:a14="http://schemas.microsoft.com/office/drawing/2010/main" w="9525">
                   <a:solidFill>
                     <a:srgbClr val="000000"/>
                   </a:solidFill>
@@ -17951,7 +17923,7 @@
             </a:ln>
             <a:extLst>
               <a:ext uri="{91240B29-F687-4f45-9708-019B960494DF}">
-                <a14:hiddenLine xmlns:a14="http://schemas.microsoft.com/office/drawing/2010/main" xmlns:p14="http://schemas.microsoft.com/office/powerpoint/2010/main" xmlns:a16="http://schemas.microsoft.com/office/drawing/2014/main" xmlns="" w="9525">
+                <a14:hiddenLine xmlns="" xmlns:a16="http://schemas.microsoft.com/office/drawing/2014/main" xmlns:p14="http://schemas.microsoft.com/office/powerpoint/2010/main" xmlns:a14="http://schemas.microsoft.com/office/drawing/2010/main" w="9525">
                   <a:solidFill>
                     <a:srgbClr val="000000"/>
                   </a:solidFill>
@@ -18056,7 +18028,7 @@
             </a:ln>
             <a:extLst>
               <a:ext uri="{91240B29-F687-4f45-9708-019B960494DF}">
-                <a14:hiddenLine xmlns:a14="http://schemas.microsoft.com/office/drawing/2010/main" xmlns:p14="http://schemas.microsoft.com/office/powerpoint/2010/main" xmlns:a16="http://schemas.microsoft.com/office/drawing/2014/main" xmlns="" w="9525">
+                <a14:hiddenLine xmlns="" xmlns:a16="http://schemas.microsoft.com/office/drawing/2014/main" xmlns:p14="http://schemas.microsoft.com/office/powerpoint/2010/main" xmlns:a14="http://schemas.microsoft.com/office/drawing/2010/main" w="9525">
                   <a:solidFill>
                     <a:srgbClr val="000000"/>
                   </a:solidFill>
@@ -18161,7 +18133,7 @@
             </a:ln>
             <a:extLst>
               <a:ext uri="{91240B29-F687-4f45-9708-019B960494DF}">
-                <a14:hiddenLine xmlns:a14="http://schemas.microsoft.com/office/drawing/2010/main" xmlns:p14="http://schemas.microsoft.com/office/powerpoint/2010/main" xmlns:a16="http://schemas.microsoft.com/office/drawing/2014/main" xmlns="" w="9525">
+                <a14:hiddenLine xmlns="" xmlns:a16="http://schemas.microsoft.com/office/drawing/2014/main" xmlns:p14="http://schemas.microsoft.com/office/powerpoint/2010/main" xmlns:a14="http://schemas.microsoft.com/office/drawing/2010/main" w="9525">
                   <a:solidFill>
                     <a:srgbClr val="000000"/>
                   </a:solidFill>
@@ -18238,7 +18210,7 @@
             </a:ln>
             <a:extLst>
               <a:ext uri="{91240B29-F687-4f45-9708-019B960494DF}">
-                <a14:hiddenLine xmlns:a14="http://schemas.microsoft.com/office/drawing/2010/main" xmlns:p14="http://schemas.microsoft.com/office/powerpoint/2010/main" xmlns:a16="http://schemas.microsoft.com/office/drawing/2014/main" xmlns="" w="9525">
+                <a14:hiddenLine xmlns="" xmlns:a16="http://schemas.microsoft.com/office/drawing/2014/main" xmlns:p14="http://schemas.microsoft.com/office/powerpoint/2010/main" xmlns:a14="http://schemas.microsoft.com/office/drawing/2010/main" w="9525">
                   <a:solidFill>
                     <a:srgbClr val="000000"/>
                   </a:solidFill>
@@ -18363,7 +18335,7 @@
             </a:ln>
             <a:extLst>
               <a:ext uri="{91240B29-F687-4f45-9708-019B960494DF}">
-                <a14:hiddenLine xmlns:a14="http://schemas.microsoft.com/office/drawing/2010/main" xmlns:p14="http://schemas.microsoft.com/office/powerpoint/2010/main" xmlns:a16="http://schemas.microsoft.com/office/drawing/2014/main" xmlns="" w="9525">
+                <a14:hiddenLine xmlns="" xmlns:a16="http://schemas.microsoft.com/office/drawing/2014/main" xmlns:p14="http://schemas.microsoft.com/office/powerpoint/2010/main" xmlns:a14="http://schemas.microsoft.com/office/drawing/2010/main" w="9525">
                   <a:solidFill>
                     <a:srgbClr val="000000"/>
                   </a:solidFill>
@@ -18477,7 +18449,7 @@
             </a:ln>
             <a:extLst>
               <a:ext uri="{91240B29-F687-4f45-9708-019B960494DF}">
-                <a14:hiddenLine xmlns:a14="http://schemas.microsoft.com/office/drawing/2010/main" xmlns:p14="http://schemas.microsoft.com/office/powerpoint/2010/main" xmlns:a16="http://schemas.microsoft.com/office/drawing/2014/main" xmlns="" w="9525">
+                <a14:hiddenLine xmlns="" xmlns:a16="http://schemas.microsoft.com/office/drawing/2014/main" xmlns:p14="http://schemas.microsoft.com/office/powerpoint/2010/main" xmlns:a14="http://schemas.microsoft.com/office/drawing/2010/main" w="9525">
                   <a:solidFill>
                     <a:srgbClr val="000000"/>
                   </a:solidFill>
@@ -18554,7 +18526,7 @@
             </a:ln>
             <a:extLst>
               <a:ext uri="{91240B29-F687-4f45-9708-019B960494DF}">
-                <a14:hiddenLine xmlns:a14="http://schemas.microsoft.com/office/drawing/2010/main" xmlns:p14="http://schemas.microsoft.com/office/powerpoint/2010/main" xmlns:a16="http://schemas.microsoft.com/office/drawing/2014/main" xmlns="" w="9525">
+                <a14:hiddenLine xmlns="" xmlns:a16="http://schemas.microsoft.com/office/drawing/2014/main" xmlns:p14="http://schemas.microsoft.com/office/powerpoint/2010/main" xmlns:a14="http://schemas.microsoft.com/office/drawing/2010/main" w="9525">
                   <a:solidFill>
                     <a:srgbClr val="000000"/>
                   </a:solidFill>
@@ -18631,7 +18603,7 @@
             </a:ln>
             <a:extLst>
               <a:ext uri="{91240B29-F687-4f45-9708-019B960494DF}">
-                <a14:hiddenLine xmlns:a14="http://schemas.microsoft.com/office/drawing/2010/main" xmlns:p14="http://schemas.microsoft.com/office/powerpoint/2010/main" xmlns:a16="http://schemas.microsoft.com/office/drawing/2014/main" xmlns="" w="9525">
+                <a14:hiddenLine xmlns="" xmlns:a16="http://schemas.microsoft.com/office/drawing/2014/main" xmlns:p14="http://schemas.microsoft.com/office/powerpoint/2010/main" xmlns:a14="http://schemas.microsoft.com/office/drawing/2010/main" w="9525">
                   <a:solidFill>
                     <a:srgbClr val="000000"/>
                   </a:solidFill>
@@ -18736,7 +18708,7 @@
             </a:ln>
             <a:extLst>
               <a:ext uri="{91240B29-F687-4f45-9708-019B960494DF}">
-                <a14:hiddenLine xmlns:a14="http://schemas.microsoft.com/office/drawing/2010/main" xmlns:p14="http://schemas.microsoft.com/office/powerpoint/2010/main" xmlns:a16="http://schemas.microsoft.com/office/drawing/2014/main" xmlns="" w="9525">
+                <a14:hiddenLine xmlns="" xmlns:a16="http://schemas.microsoft.com/office/drawing/2014/main" xmlns:p14="http://schemas.microsoft.com/office/powerpoint/2010/main" xmlns:a14="http://schemas.microsoft.com/office/drawing/2010/main" w="9525">
                   <a:solidFill>
                     <a:srgbClr val="000000"/>
                   </a:solidFill>
@@ -18785,7 +18757,7 @@
             </a:ln>
             <a:extLst>
               <a:ext uri="{91240B29-F687-4f45-9708-019B960494DF}">
-                <a14:hiddenLine xmlns:a14="http://schemas.microsoft.com/office/drawing/2010/main" xmlns:p14="http://schemas.microsoft.com/office/powerpoint/2010/main" xmlns:a16="http://schemas.microsoft.com/office/drawing/2014/main" xmlns="" w="9525">
+                <a14:hiddenLine xmlns="" xmlns:a16="http://schemas.microsoft.com/office/drawing/2014/main" xmlns:p14="http://schemas.microsoft.com/office/powerpoint/2010/main" xmlns:a14="http://schemas.microsoft.com/office/drawing/2010/main" w="9525">
                   <a:solidFill>
                     <a:srgbClr val="000000"/>
                   </a:solidFill>
@@ -18865,7 +18837,7 @@
             </a:ln>
             <a:extLst>
               <a:ext uri="{91240B29-F687-4f45-9708-019B960494DF}">
-                <a14:hiddenLine xmlns:a14="http://schemas.microsoft.com/office/drawing/2010/main" xmlns:p14="http://schemas.microsoft.com/office/powerpoint/2010/main" xmlns:a16="http://schemas.microsoft.com/office/drawing/2014/main" xmlns="" w="9525">
+                <a14:hiddenLine xmlns="" xmlns:a16="http://schemas.microsoft.com/office/drawing/2014/main" xmlns:p14="http://schemas.microsoft.com/office/powerpoint/2010/main" xmlns:a14="http://schemas.microsoft.com/office/drawing/2010/main" w="9525">
                   <a:solidFill>
                     <a:srgbClr val="000000"/>
                   </a:solidFill>
@@ -18970,7 +18942,7 @@
             </a:ln>
             <a:extLst>
               <a:ext uri="{91240B29-F687-4f45-9708-019B960494DF}">
-                <a14:hiddenLine xmlns:a14="http://schemas.microsoft.com/office/drawing/2010/main" xmlns:p14="http://schemas.microsoft.com/office/powerpoint/2010/main" xmlns:a16="http://schemas.microsoft.com/office/drawing/2014/main" xmlns="" w="9525">
+                <a14:hiddenLine xmlns="" xmlns:a16="http://schemas.microsoft.com/office/drawing/2014/main" xmlns:p14="http://schemas.microsoft.com/office/powerpoint/2010/main" xmlns:a14="http://schemas.microsoft.com/office/drawing/2010/main" w="9525">
                   <a:solidFill>
                     <a:srgbClr val="000000"/>
                   </a:solidFill>
@@ -19047,7 +19019,7 @@
             </a:ln>
             <a:extLst>
               <a:ext uri="{91240B29-F687-4f45-9708-019B960494DF}">
-                <a14:hiddenLine xmlns:a14="http://schemas.microsoft.com/office/drawing/2010/main" xmlns:p14="http://schemas.microsoft.com/office/powerpoint/2010/main" xmlns:a16="http://schemas.microsoft.com/office/drawing/2014/main" xmlns="" w="9525">
+                <a14:hiddenLine xmlns="" xmlns:a16="http://schemas.microsoft.com/office/drawing/2014/main" xmlns:p14="http://schemas.microsoft.com/office/powerpoint/2010/main" xmlns:a14="http://schemas.microsoft.com/office/drawing/2010/main" w="9525">
                   <a:solidFill>
                     <a:srgbClr val="000000"/>
                   </a:solidFill>
@@ -19152,7 +19124,7 @@
             </a:ln>
             <a:extLst>
               <a:ext uri="{91240B29-F687-4f45-9708-019B960494DF}">
-                <a14:hiddenLine xmlns:a14="http://schemas.microsoft.com/office/drawing/2010/main" xmlns:p14="http://schemas.microsoft.com/office/powerpoint/2010/main" xmlns:a16="http://schemas.microsoft.com/office/drawing/2014/main" xmlns="" w="9525">
+                <a14:hiddenLine xmlns="" xmlns:a16="http://schemas.microsoft.com/office/drawing/2014/main" xmlns:p14="http://schemas.microsoft.com/office/powerpoint/2010/main" xmlns:a14="http://schemas.microsoft.com/office/drawing/2010/main" w="9525">
                   <a:solidFill>
                     <a:srgbClr val="000000"/>
                   </a:solidFill>
@@ -19232,7 +19204,7 @@
             </a:ln>
             <a:extLst>
               <a:ext uri="{91240B29-F687-4f45-9708-019B960494DF}">
-                <a14:hiddenLine xmlns:a14="http://schemas.microsoft.com/office/drawing/2010/main" xmlns:p14="http://schemas.microsoft.com/office/powerpoint/2010/main" xmlns:a16="http://schemas.microsoft.com/office/drawing/2014/main" xmlns="" w="9525">
+                <a14:hiddenLine xmlns="" xmlns:a16="http://schemas.microsoft.com/office/drawing/2014/main" xmlns:p14="http://schemas.microsoft.com/office/powerpoint/2010/main" xmlns:a14="http://schemas.microsoft.com/office/drawing/2010/main" w="9525">
                   <a:solidFill>
                     <a:srgbClr val="000000"/>
                   </a:solidFill>
@@ -19309,7 +19281,7 @@
             </a:ln>
             <a:extLst>
               <a:ext uri="{91240B29-F687-4f45-9708-019B960494DF}">
-                <a14:hiddenLine xmlns:a14="http://schemas.microsoft.com/office/drawing/2010/main" xmlns:p14="http://schemas.microsoft.com/office/powerpoint/2010/main" xmlns:a16="http://schemas.microsoft.com/office/drawing/2014/main" xmlns="" w="9525">
+                <a14:hiddenLine xmlns="" xmlns:a16="http://schemas.microsoft.com/office/drawing/2014/main" xmlns:p14="http://schemas.microsoft.com/office/powerpoint/2010/main" xmlns:a14="http://schemas.microsoft.com/office/drawing/2010/main" w="9525">
                   <a:solidFill>
                     <a:srgbClr val="000000"/>
                   </a:solidFill>
@@ -19414,7 +19386,7 @@
             </a:ln>
             <a:extLst>
               <a:ext uri="{91240B29-F687-4f45-9708-019B960494DF}">
-                <a14:hiddenLine xmlns:a14="http://schemas.microsoft.com/office/drawing/2010/main" xmlns:p14="http://schemas.microsoft.com/office/powerpoint/2010/main" xmlns:a16="http://schemas.microsoft.com/office/drawing/2014/main" xmlns="" w="9525">
+                <a14:hiddenLine xmlns="" xmlns:a16="http://schemas.microsoft.com/office/drawing/2014/main" xmlns:p14="http://schemas.microsoft.com/office/powerpoint/2010/main" xmlns:a14="http://schemas.microsoft.com/office/drawing/2010/main" w="9525">
                   <a:solidFill>
                     <a:srgbClr val="000000"/>
                   </a:solidFill>
@@ -19519,7 +19491,7 @@
             </a:ln>
             <a:extLst>
               <a:ext uri="{91240B29-F687-4f45-9708-019B960494DF}">
-                <a14:hiddenLine xmlns:a14="http://schemas.microsoft.com/office/drawing/2010/main" xmlns:p14="http://schemas.microsoft.com/office/powerpoint/2010/main" xmlns:a16="http://schemas.microsoft.com/office/drawing/2014/main" xmlns="" w="9525">
+                <a14:hiddenLine xmlns="" xmlns:a16="http://schemas.microsoft.com/office/drawing/2014/main" xmlns:p14="http://schemas.microsoft.com/office/powerpoint/2010/main" xmlns:a14="http://schemas.microsoft.com/office/drawing/2010/main" w="9525">
                   <a:solidFill>
                     <a:srgbClr val="000000"/>
                   </a:solidFill>
@@ -19599,7 +19571,7 @@
             </a:ln>
             <a:extLst>
               <a:ext uri="{91240B29-F687-4f45-9708-019B960494DF}">
-                <a14:hiddenLine xmlns:a14="http://schemas.microsoft.com/office/drawing/2010/main" xmlns:p14="http://schemas.microsoft.com/office/powerpoint/2010/main" xmlns:a16="http://schemas.microsoft.com/office/drawing/2014/main" xmlns="" w="9525">
+                <a14:hiddenLine xmlns="" xmlns:a16="http://schemas.microsoft.com/office/drawing/2014/main" xmlns:p14="http://schemas.microsoft.com/office/powerpoint/2010/main" xmlns:a14="http://schemas.microsoft.com/office/drawing/2010/main" w="9525">
                   <a:solidFill>
                     <a:srgbClr val="000000"/>
                   </a:solidFill>
@@ -19734,7 +19706,7 @@
             </a:ln>
             <a:extLst>
               <a:ext uri="{91240B29-F687-4f45-9708-019B960494DF}">
-                <a14:hiddenLine xmlns:a14="http://schemas.microsoft.com/office/drawing/2010/main" xmlns:p14="http://schemas.microsoft.com/office/powerpoint/2010/main" xmlns:a16="http://schemas.microsoft.com/office/drawing/2014/main" xmlns="" w="9525">
+                <a14:hiddenLine xmlns="" xmlns:a16="http://schemas.microsoft.com/office/drawing/2014/main" xmlns:p14="http://schemas.microsoft.com/office/powerpoint/2010/main" xmlns:a14="http://schemas.microsoft.com/office/drawing/2010/main" w="9525">
                   <a:solidFill>
                     <a:srgbClr val="000000"/>
                   </a:solidFill>
@@ -19827,6 +19799,9 @@
                     <p:cTn id="3" fill="hold">
                       <p:stCondLst>
                         <p:cond delay="indefinite"/>
+                        <p:cond evt="onBegin" delay="0">
+                          <p:tn val="2"/>
+                        </p:cond>
                       </p:stCondLst>
                       <p:childTnLst>
                         <p:par>
@@ -19836,9 +19811,9 @@
                             </p:stCondLst>
                             <p:childTnLst>
                               <p:par>
-                                <p:cTn id="5" presetID="31" presetClass="entr" presetSubtype="0" fill="hold" nodeType="clickEffect">
+                                <p:cTn id="5" presetID="31" presetClass="entr" presetSubtype="0" fill="hold" nodeType="withEffect">
                                   <p:stCondLst>
-                                    <p:cond delay="0"/>
+                                    <p:cond delay="1250"/>
                                   </p:stCondLst>
                                   <p:childTnLst>
                                     <p:set>
@@ -20155,7 +20130,7 @@
             <a:noFill/>
             <a:extLst>
               <a:ext uri="{909E8E84-426E-40dd-AFC4-6F175D3DCCD1}">
-                <a14:hiddenFill xmlns:p14="http://schemas.microsoft.com/office/powerpoint/2010/main" xmlns:a14="http://schemas.microsoft.com/office/drawing/2010/main" xmlns:a16="http://schemas.microsoft.com/office/drawing/2014/main" xmlns="">
+                <a14:hiddenFill xmlns="" xmlns:a16="http://schemas.microsoft.com/office/drawing/2014/main" xmlns:a14="http://schemas.microsoft.com/office/drawing/2010/main" xmlns:p14="http://schemas.microsoft.com/office/powerpoint/2010/main">
                   <a:solidFill>
                     <a:srgbClr val="FFFFFF"/>
                   </a:solidFill>
@@ -20196,7 +20171,7 @@
             <a:pPr algn="ctr"/>
             <a:r>
               <a:rPr lang="pl-PL" sz="2800" i="1" dirty="0"/>
-              <a:t>A co to ten Opóźniony generator Fibonacciego???</a:t>
+              <a:t>A co to ten Opóźniony generator Fibonacciego i do czego potrzebny???</a:t>
             </a:r>
             <a:endParaRPr lang="pl-PL" sz="2800" dirty="0"/>
           </a:p>
@@ -20321,7 +20296,7 @@
             </a:ln>
             <a:extLst>
               <a:ext uri="{91240B29-F687-4f45-9708-019B960494DF}">
-                <a14:hiddenLine xmlns:p14="http://schemas.microsoft.com/office/powerpoint/2010/main" xmlns:a14="http://schemas.microsoft.com/office/drawing/2010/main" xmlns:a16="http://schemas.microsoft.com/office/drawing/2014/main" xmlns="" w="9525">
+                <a14:hiddenLine xmlns="" xmlns:a16="http://schemas.microsoft.com/office/drawing/2014/main" xmlns:a14="http://schemas.microsoft.com/office/drawing/2010/main" xmlns:p14="http://schemas.microsoft.com/office/powerpoint/2010/main" w="9525">
                   <a:solidFill>
                     <a:srgbClr val="000000"/>
                   </a:solidFill>
@@ -20426,7 +20401,7 @@
             </a:ln>
             <a:extLst>
               <a:ext uri="{91240B29-F687-4f45-9708-019B960494DF}">
-                <a14:hiddenLine xmlns:p14="http://schemas.microsoft.com/office/powerpoint/2010/main" xmlns:a14="http://schemas.microsoft.com/office/drawing/2010/main" xmlns:a16="http://schemas.microsoft.com/office/drawing/2014/main" xmlns="" w="9525">
+                <a14:hiddenLine xmlns="" xmlns:a16="http://schemas.microsoft.com/office/drawing/2014/main" xmlns:a14="http://schemas.microsoft.com/office/drawing/2010/main" xmlns:p14="http://schemas.microsoft.com/office/powerpoint/2010/main" w="9525">
                   <a:solidFill>
                     <a:srgbClr val="000000"/>
                   </a:solidFill>
@@ -20531,7 +20506,7 @@
             </a:ln>
             <a:extLst>
               <a:ext uri="{91240B29-F687-4f45-9708-019B960494DF}">
-                <a14:hiddenLine xmlns:p14="http://schemas.microsoft.com/office/powerpoint/2010/main" xmlns:a14="http://schemas.microsoft.com/office/drawing/2010/main" xmlns:a16="http://schemas.microsoft.com/office/drawing/2014/main" xmlns="" w="9525">
+                <a14:hiddenLine xmlns="" xmlns:a16="http://schemas.microsoft.com/office/drawing/2014/main" xmlns:a14="http://schemas.microsoft.com/office/drawing/2010/main" xmlns:p14="http://schemas.microsoft.com/office/powerpoint/2010/main" w="9525">
                   <a:solidFill>
                     <a:srgbClr val="000000"/>
                   </a:solidFill>
@@ -20580,7 +20555,7 @@
             </a:ln>
             <a:extLst>
               <a:ext uri="{91240B29-F687-4f45-9708-019B960494DF}">
-                <a14:hiddenLine xmlns:p14="http://schemas.microsoft.com/office/powerpoint/2010/main" xmlns:a14="http://schemas.microsoft.com/office/drawing/2010/main" xmlns:a16="http://schemas.microsoft.com/office/drawing/2014/main" xmlns="" w="9525">
+                <a14:hiddenLine xmlns="" xmlns:a16="http://schemas.microsoft.com/office/drawing/2014/main" xmlns:a14="http://schemas.microsoft.com/office/drawing/2010/main" xmlns:p14="http://schemas.microsoft.com/office/powerpoint/2010/main" w="9525">
                   <a:solidFill>
                     <a:srgbClr val="000000"/>
                   </a:solidFill>
@@ -20685,7 +20660,7 @@
             </a:ln>
             <a:extLst>
               <a:ext uri="{91240B29-F687-4f45-9708-019B960494DF}">
-                <a14:hiddenLine xmlns:p14="http://schemas.microsoft.com/office/powerpoint/2010/main" xmlns:a14="http://schemas.microsoft.com/office/drawing/2010/main" xmlns:a16="http://schemas.microsoft.com/office/drawing/2014/main" xmlns="" w="9525">
+                <a14:hiddenLine xmlns="" xmlns:a16="http://schemas.microsoft.com/office/drawing/2014/main" xmlns:a14="http://schemas.microsoft.com/office/drawing/2010/main" xmlns:p14="http://schemas.microsoft.com/office/powerpoint/2010/main" w="9525">
                   <a:solidFill>
                     <a:srgbClr val="000000"/>
                   </a:solidFill>
@@ -20762,7 +20737,7 @@
             </a:ln>
             <a:extLst>
               <a:ext uri="{91240B29-F687-4f45-9708-019B960494DF}">
-                <a14:hiddenLine xmlns:p14="http://schemas.microsoft.com/office/powerpoint/2010/main" xmlns:a14="http://schemas.microsoft.com/office/drawing/2010/main" xmlns:a16="http://schemas.microsoft.com/office/drawing/2014/main" xmlns="" w="9525">
+                <a14:hiddenLine xmlns="" xmlns:a16="http://schemas.microsoft.com/office/drawing/2014/main" xmlns:a14="http://schemas.microsoft.com/office/drawing/2010/main" xmlns:p14="http://schemas.microsoft.com/office/powerpoint/2010/main" w="9525">
                   <a:solidFill>
                     <a:srgbClr val="000000"/>
                   </a:solidFill>
@@ -20839,7 +20814,7 @@
             </a:ln>
             <a:extLst>
               <a:ext uri="{91240B29-F687-4f45-9708-019B960494DF}">
-                <a14:hiddenLine xmlns:p14="http://schemas.microsoft.com/office/powerpoint/2010/main" xmlns:a14="http://schemas.microsoft.com/office/drawing/2010/main" xmlns:a16="http://schemas.microsoft.com/office/drawing/2014/main" xmlns="" w="9525">
+                <a14:hiddenLine xmlns="" xmlns:a16="http://schemas.microsoft.com/office/drawing/2014/main" xmlns:a14="http://schemas.microsoft.com/office/drawing/2010/main" xmlns:p14="http://schemas.microsoft.com/office/powerpoint/2010/main" w="9525">
                   <a:solidFill>
                     <a:srgbClr val="000000"/>
                   </a:solidFill>
@@ -20944,7 +20919,7 @@
             </a:ln>
             <a:extLst>
               <a:ext uri="{91240B29-F687-4f45-9708-019B960494DF}">
-                <a14:hiddenLine xmlns:p14="http://schemas.microsoft.com/office/powerpoint/2010/main" xmlns:a14="http://schemas.microsoft.com/office/drawing/2010/main" xmlns:a16="http://schemas.microsoft.com/office/drawing/2014/main" xmlns="" w="9525">
+                <a14:hiddenLine xmlns="" xmlns:a16="http://schemas.microsoft.com/office/drawing/2014/main" xmlns:a14="http://schemas.microsoft.com/office/drawing/2010/main" xmlns:p14="http://schemas.microsoft.com/office/powerpoint/2010/main" w="9525">
                   <a:solidFill>
                     <a:srgbClr val="000000"/>
                   </a:solidFill>
@@ -21021,7 +20996,7 @@
             </a:ln>
             <a:extLst>
               <a:ext uri="{91240B29-F687-4f45-9708-019B960494DF}">
-                <a14:hiddenLine xmlns:p14="http://schemas.microsoft.com/office/powerpoint/2010/main" xmlns:a14="http://schemas.microsoft.com/office/drawing/2010/main" xmlns:a16="http://schemas.microsoft.com/office/drawing/2014/main" xmlns="" w="9525">
+                <a14:hiddenLine xmlns="" xmlns:a16="http://schemas.microsoft.com/office/drawing/2014/main" xmlns:a14="http://schemas.microsoft.com/office/drawing/2010/main" xmlns:p14="http://schemas.microsoft.com/office/powerpoint/2010/main" w="9525">
                   <a:solidFill>
                     <a:srgbClr val="000000"/>
                   </a:solidFill>
@@ -21098,7 +21073,7 @@
             </a:ln>
             <a:extLst>
               <a:ext uri="{91240B29-F687-4f45-9708-019B960494DF}">
-                <a14:hiddenLine xmlns:p14="http://schemas.microsoft.com/office/powerpoint/2010/main" xmlns:a14="http://schemas.microsoft.com/office/drawing/2010/main" xmlns:a16="http://schemas.microsoft.com/office/drawing/2014/main" xmlns="" w="9525">
+                <a14:hiddenLine xmlns="" xmlns:a16="http://schemas.microsoft.com/office/drawing/2014/main" xmlns:a14="http://schemas.microsoft.com/office/drawing/2010/main" xmlns:p14="http://schemas.microsoft.com/office/powerpoint/2010/main" w="9525">
                   <a:solidFill>
                     <a:srgbClr val="000000"/>
                   </a:solidFill>
@@ -21203,7 +21178,7 @@
             </a:ln>
             <a:extLst>
               <a:ext uri="{91240B29-F687-4f45-9708-019B960494DF}">
-                <a14:hiddenLine xmlns:p14="http://schemas.microsoft.com/office/powerpoint/2010/main" xmlns:a14="http://schemas.microsoft.com/office/drawing/2010/main" xmlns:a16="http://schemas.microsoft.com/office/drawing/2014/main" xmlns="" w="9525">
+                <a14:hiddenLine xmlns="" xmlns:a16="http://schemas.microsoft.com/office/drawing/2014/main" xmlns:a14="http://schemas.microsoft.com/office/drawing/2010/main" xmlns:p14="http://schemas.microsoft.com/office/powerpoint/2010/main" w="9525">
                   <a:solidFill>
                     <a:srgbClr val="000000"/>
                   </a:solidFill>
@@ -21308,7 +21283,7 @@
             </a:ln>
             <a:extLst>
               <a:ext uri="{91240B29-F687-4f45-9708-019B960494DF}">
-                <a14:hiddenLine xmlns:p14="http://schemas.microsoft.com/office/powerpoint/2010/main" xmlns:a14="http://schemas.microsoft.com/office/drawing/2010/main" xmlns:a16="http://schemas.microsoft.com/office/drawing/2014/main" xmlns="" w="9525">
+                <a14:hiddenLine xmlns="" xmlns:a16="http://schemas.microsoft.com/office/drawing/2014/main" xmlns:a14="http://schemas.microsoft.com/office/drawing/2010/main" xmlns:p14="http://schemas.microsoft.com/office/powerpoint/2010/main" w="9525">
                   <a:solidFill>
                     <a:srgbClr val="000000"/>
                   </a:solidFill>
@@ -21385,7 +21360,7 @@
             </a:ln>
             <a:extLst>
               <a:ext uri="{91240B29-F687-4f45-9708-019B960494DF}">
-                <a14:hiddenLine xmlns:p14="http://schemas.microsoft.com/office/powerpoint/2010/main" xmlns:a14="http://schemas.microsoft.com/office/drawing/2010/main" xmlns:a16="http://schemas.microsoft.com/office/drawing/2014/main" xmlns="" w="9525">
+                <a14:hiddenLine xmlns="" xmlns:a16="http://schemas.microsoft.com/office/drawing/2014/main" xmlns:a14="http://schemas.microsoft.com/office/drawing/2010/main" xmlns:p14="http://schemas.microsoft.com/office/powerpoint/2010/main" w="9525">
                   <a:solidFill>
                     <a:srgbClr val="000000"/>
                   </a:solidFill>
@@ -21510,7 +21485,7 @@
             </a:ln>
             <a:extLst>
               <a:ext uri="{91240B29-F687-4f45-9708-019B960494DF}">
-                <a14:hiddenLine xmlns:p14="http://schemas.microsoft.com/office/powerpoint/2010/main" xmlns:a14="http://schemas.microsoft.com/office/drawing/2010/main" xmlns:a16="http://schemas.microsoft.com/office/drawing/2014/main" xmlns="" w="9525">
+                <a14:hiddenLine xmlns="" xmlns:a16="http://schemas.microsoft.com/office/drawing/2014/main" xmlns:a14="http://schemas.microsoft.com/office/drawing/2010/main" xmlns:p14="http://schemas.microsoft.com/office/powerpoint/2010/main" w="9525">
                   <a:solidFill>
                     <a:srgbClr val="000000"/>
                   </a:solidFill>
@@ -21587,7 +21562,7 @@
             </a:ln>
             <a:extLst>
               <a:ext uri="{91240B29-F687-4f45-9708-019B960494DF}">
-                <a14:hiddenLine xmlns:p14="http://schemas.microsoft.com/office/powerpoint/2010/main" xmlns:a14="http://schemas.microsoft.com/office/drawing/2010/main" xmlns:a16="http://schemas.microsoft.com/office/drawing/2014/main" xmlns="" w="9525">
+                <a14:hiddenLine xmlns="" xmlns:a16="http://schemas.microsoft.com/office/drawing/2014/main" xmlns:a14="http://schemas.microsoft.com/office/drawing/2010/main" xmlns:p14="http://schemas.microsoft.com/office/powerpoint/2010/main" w="9525">
                   <a:solidFill>
                     <a:srgbClr val="000000"/>
                   </a:solidFill>
@@ -21692,7 +21667,7 @@
             </a:ln>
             <a:extLst>
               <a:ext uri="{91240B29-F687-4f45-9708-019B960494DF}">
-                <a14:hiddenLine xmlns:p14="http://schemas.microsoft.com/office/powerpoint/2010/main" xmlns:a14="http://schemas.microsoft.com/office/drawing/2010/main" xmlns:a16="http://schemas.microsoft.com/office/drawing/2014/main" xmlns="" w="9525">
+                <a14:hiddenLine xmlns="" xmlns:a16="http://schemas.microsoft.com/office/drawing/2014/main" xmlns:a14="http://schemas.microsoft.com/office/drawing/2010/main" xmlns:p14="http://schemas.microsoft.com/office/powerpoint/2010/main" w="9525">
                   <a:solidFill>
                     <a:srgbClr val="000000"/>
                   </a:solidFill>
@@ -21797,7 +21772,7 @@
             </a:ln>
             <a:extLst>
               <a:ext uri="{91240B29-F687-4f45-9708-019B960494DF}">
-                <a14:hiddenLine xmlns:p14="http://schemas.microsoft.com/office/powerpoint/2010/main" xmlns:a14="http://schemas.microsoft.com/office/drawing/2010/main" xmlns:a16="http://schemas.microsoft.com/office/drawing/2014/main" xmlns="" w="9525">
+                <a14:hiddenLine xmlns="" xmlns:a16="http://schemas.microsoft.com/office/drawing/2014/main" xmlns:a14="http://schemas.microsoft.com/office/drawing/2010/main" xmlns:p14="http://schemas.microsoft.com/office/powerpoint/2010/main" w="9525">
                   <a:solidFill>
                     <a:srgbClr val="000000"/>
                   </a:solidFill>
@@ -21874,7 +21849,7 @@
             </a:ln>
             <a:extLst>
               <a:ext uri="{91240B29-F687-4f45-9708-019B960494DF}">
-                <a14:hiddenLine xmlns:p14="http://schemas.microsoft.com/office/powerpoint/2010/main" xmlns:a14="http://schemas.microsoft.com/office/drawing/2010/main" xmlns:a16="http://schemas.microsoft.com/office/drawing/2014/main" xmlns="" w="9525">
+                <a14:hiddenLine xmlns="" xmlns:a16="http://schemas.microsoft.com/office/drawing/2014/main" xmlns:a14="http://schemas.microsoft.com/office/drawing/2010/main" xmlns:p14="http://schemas.microsoft.com/office/powerpoint/2010/main" w="9525">
                   <a:solidFill>
                     <a:srgbClr val="000000"/>
                   </a:solidFill>
@@ -21979,7 +21954,7 @@
             </a:ln>
             <a:extLst>
               <a:ext uri="{91240B29-F687-4f45-9708-019B960494DF}">
-                <a14:hiddenLine xmlns:p14="http://schemas.microsoft.com/office/powerpoint/2010/main" xmlns:a14="http://schemas.microsoft.com/office/drawing/2010/main" xmlns:a16="http://schemas.microsoft.com/office/drawing/2014/main" xmlns="" w="9525">
+                <a14:hiddenLine xmlns="" xmlns:a16="http://schemas.microsoft.com/office/drawing/2014/main" xmlns:a14="http://schemas.microsoft.com/office/drawing/2010/main" xmlns:p14="http://schemas.microsoft.com/office/powerpoint/2010/main" w="9525">
                   <a:solidFill>
                     <a:srgbClr val="000000"/>
                   </a:solidFill>
@@ -22084,7 +22059,7 @@
             </a:ln>
             <a:extLst>
               <a:ext uri="{91240B29-F687-4f45-9708-019B960494DF}">
-                <a14:hiddenLine xmlns:p14="http://schemas.microsoft.com/office/powerpoint/2010/main" xmlns:a14="http://schemas.microsoft.com/office/drawing/2010/main" xmlns:a16="http://schemas.microsoft.com/office/drawing/2014/main" xmlns="" w="9525">
+                <a14:hiddenLine xmlns="" xmlns:a16="http://schemas.microsoft.com/office/drawing/2014/main" xmlns:a14="http://schemas.microsoft.com/office/drawing/2010/main" xmlns:p14="http://schemas.microsoft.com/office/powerpoint/2010/main" w="9525">
                   <a:solidFill>
                     <a:srgbClr val="000000"/>
                   </a:solidFill>
@@ -22155,7 +22130,7 @@
             </a:ln>
             <a:extLst>
               <a:ext uri="{91240B29-F687-4f45-9708-019B960494DF}">
-                <a14:hiddenLine xmlns:p14="http://schemas.microsoft.com/office/powerpoint/2010/main" xmlns:a14="http://schemas.microsoft.com/office/drawing/2010/main" xmlns:a16="http://schemas.microsoft.com/office/drawing/2014/main" xmlns="" w="9525">
+                <a14:hiddenLine xmlns="" xmlns:a16="http://schemas.microsoft.com/office/drawing/2014/main" xmlns:a14="http://schemas.microsoft.com/office/drawing/2010/main" xmlns:p14="http://schemas.microsoft.com/office/powerpoint/2010/main" w="9525">
                   <a:solidFill>
                     <a:srgbClr val="000000"/>
                   </a:solidFill>
@@ -22260,7 +22235,7 @@
             </a:ln>
             <a:extLst>
               <a:ext uri="{91240B29-F687-4f45-9708-019B960494DF}">
-                <a14:hiddenLine xmlns:p14="http://schemas.microsoft.com/office/powerpoint/2010/main" xmlns:a14="http://schemas.microsoft.com/office/drawing/2010/main" xmlns:a16="http://schemas.microsoft.com/office/drawing/2014/main" xmlns="" w="9525">
+                <a14:hiddenLine xmlns="" xmlns:a16="http://schemas.microsoft.com/office/drawing/2014/main" xmlns:a14="http://schemas.microsoft.com/office/drawing/2010/main" xmlns:p14="http://schemas.microsoft.com/office/powerpoint/2010/main" w="9525">
                   <a:solidFill>
                     <a:srgbClr val="000000"/>
                   </a:solidFill>
@@ -22331,7 +22306,7 @@
             </a:ln>
             <a:extLst>
               <a:ext uri="{91240B29-F687-4f45-9708-019B960494DF}">
-                <a14:hiddenLine xmlns:p14="http://schemas.microsoft.com/office/powerpoint/2010/main" xmlns:a14="http://schemas.microsoft.com/office/drawing/2010/main" xmlns:a16="http://schemas.microsoft.com/office/drawing/2014/main" xmlns="" w="9525">
+                <a14:hiddenLine xmlns="" xmlns:a16="http://schemas.microsoft.com/office/drawing/2014/main" xmlns:a14="http://schemas.microsoft.com/office/drawing/2010/main" xmlns:p14="http://schemas.microsoft.com/office/powerpoint/2010/main" w="9525">
                   <a:solidFill>
                     <a:srgbClr val="000000"/>
                   </a:solidFill>
@@ -22436,7 +22411,7 @@
             </a:ln>
             <a:extLst>
               <a:ext uri="{91240B29-F687-4f45-9708-019B960494DF}">
-                <a14:hiddenLine xmlns:p14="http://schemas.microsoft.com/office/powerpoint/2010/main" xmlns:a14="http://schemas.microsoft.com/office/drawing/2010/main" xmlns:a16="http://schemas.microsoft.com/office/drawing/2014/main" xmlns="" w="9525">
+                <a14:hiddenLine xmlns="" xmlns:a16="http://schemas.microsoft.com/office/drawing/2014/main" xmlns:a14="http://schemas.microsoft.com/office/drawing/2010/main" xmlns:p14="http://schemas.microsoft.com/office/powerpoint/2010/main" w="9525">
                   <a:solidFill>
                     <a:srgbClr val="000000"/>
                   </a:solidFill>
@@ -22519,7 +22494,7 @@
             </a:ln>
             <a:extLst>
               <a:ext uri="{91240B29-F687-4f45-9708-019B960494DF}">
-                <a14:hiddenLine xmlns:p14="http://schemas.microsoft.com/office/powerpoint/2010/main" xmlns:a14="http://schemas.microsoft.com/office/drawing/2010/main" xmlns:a16="http://schemas.microsoft.com/office/drawing/2014/main" xmlns="" w="9525">
+                <a14:hiddenLine xmlns="" xmlns:a16="http://schemas.microsoft.com/office/drawing/2014/main" xmlns:a14="http://schemas.microsoft.com/office/drawing/2010/main" xmlns:p14="http://schemas.microsoft.com/office/powerpoint/2010/main" w="9525">
                   <a:solidFill>
                     <a:srgbClr val="000000"/>
                   </a:solidFill>
@@ -22624,7 +22599,7 @@
             </a:ln>
             <a:extLst>
               <a:ext uri="{91240B29-F687-4f45-9708-019B960494DF}">
-                <a14:hiddenLine xmlns:p14="http://schemas.microsoft.com/office/powerpoint/2010/main" xmlns:a14="http://schemas.microsoft.com/office/drawing/2010/main" xmlns:a16="http://schemas.microsoft.com/office/drawing/2014/main" xmlns="" w="9525">
+                <a14:hiddenLine xmlns="" xmlns:a16="http://schemas.microsoft.com/office/drawing/2014/main" xmlns:a14="http://schemas.microsoft.com/office/drawing/2010/main" xmlns:p14="http://schemas.microsoft.com/office/powerpoint/2010/main" w="9525">
                   <a:solidFill>
                     <a:srgbClr val="000000"/>
                   </a:solidFill>
@@ -22707,7 +22682,7 @@
             </a:ln>
             <a:extLst>
               <a:ext uri="{91240B29-F687-4f45-9708-019B960494DF}">
-                <a14:hiddenLine xmlns:p14="http://schemas.microsoft.com/office/powerpoint/2010/main" xmlns:a14="http://schemas.microsoft.com/office/drawing/2010/main" xmlns:a16="http://schemas.microsoft.com/office/drawing/2014/main" xmlns="" w="9525">
+                <a14:hiddenLine xmlns="" xmlns:a16="http://schemas.microsoft.com/office/drawing/2014/main" xmlns:a14="http://schemas.microsoft.com/office/drawing/2010/main" xmlns:p14="http://schemas.microsoft.com/office/powerpoint/2010/main" w="9525">
                   <a:solidFill>
                     <a:srgbClr val="000000"/>
                   </a:solidFill>
@@ -22812,7 +22787,7 @@
             </a:ln>
             <a:extLst>
               <a:ext uri="{91240B29-F687-4f45-9708-019B960494DF}">
-                <a14:hiddenLine xmlns:p14="http://schemas.microsoft.com/office/powerpoint/2010/main" xmlns:a14="http://schemas.microsoft.com/office/drawing/2010/main" xmlns:a16="http://schemas.microsoft.com/office/drawing/2014/main" xmlns="" w="9525">
+                <a14:hiddenLine xmlns="" xmlns:a16="http://schemas.microsoft.com/office/drawing/2014/main" xmlns:a14="http://schemas.microsoft.com/office/drawing/2010/main" xmlns:p14="http://schemas.microsoft.com/office/powerpoint/2010/main" w="9525">
                   <a:solidFill>
                     <a:srgbClr val="000000"/>
                   </a:solidFill>
@@ -22861,7 +22836,7 @@
             </a:ln>
             <a:extLst>
               <a:ext uri="{91240B29-F687-4f45-9708-019B960494DF}">
-                <a14:hiddenLine xmlns:p14="http://schemas.microsoft.com/office/powerpoint/2010/main" xmlns:a14="http://schemas.microsoft.com/office/drawing/2010/main" xmlns:a16="http://schemas.microsoft.com/office/drawing/2014/main" xmlns="" w="9525">
+                <a14:hiddenLine xmlns="" xmlns:a16="http://schemas.microsoft.com/office/drawing/2014/main" xmlns:a14="http://schemas.microsoft.com/office/drawing/2010/main" xmlns:p14="http://schemas.microsoft.com/office/powerpoint/2010/main" w="9525">
                   <a:solidFill>
                     <a:srgbClr val="000000"/>
                   </a:solidFill>
@@ -22966,7 +22941,7 @@
             </a:ln>
             <a:extLst>
               <a:ext uri="{91240B29-F687-4f45-9708-019B960494DF}">
-                <a14:hiddenLine xmlns:p14="http://schemas.microsoft.com/office/powerpoint/2010/main" xmlns:a14="http://schemas.microsoft.com/office/drawing/2010/main" xmlns:a16="http://schemas.microsoft.com/office/drawing/2014/main" xmlns="" w="9525">
+                <a14:hiddenLine xmlns="" xmlns:a16="http://schemas.microsoft.com/office/drawing/2014/main" xmlns:a14="http://schemas.microsoft.com/office/drawing/2010/main" xmlns:p14="http://schemas.microsoft.com/office/powerpoint/2010/main" w="9525">
                   <a:solidFill>
                     <a:srgbClr val="000000"/>
                   </a:solidFill>
@@ -23043,7 +23018,7 @@
             </a:ln>
             <a:extLst>
               <a:ext uri="{91240B29-F687-4f45-9708-019B960494DF}">
-                <a14:hiddenLine xmlns:p14="http://schemas.microsoft.com/office/powerpoint/2010/main" xmlns:a14="http://schemas.microsoft.com/office/drawing/2010/main" xmlns:a16="http://schemas.microsoft.com/office/drawing/2014/main" xmlns="" w="9525">
+                <a14:hiddenLine xmlns="" xmlns:a16="http://schemas.microsoft.com/office/drawing/2014/main" xmlns:a14="http://schemas.microsoft.com/office/drawing/2010/main" xmlns:p14="http://schemas.microsoft.com/office/powerpoint/2010/main" w="9525">
                   <a:solidFill>
                     <a:srgbClr val="000000"/>
                   </a:solidFill>
@@ -23120,7 +23095,7 @@
             </a:ln>
             <a:extLst>
               <a:ext uri="{91240B29-F687-4f45-9708-019B960494DF}">
-                <a14:hiddenLine xmlns:p14="http://schemas.microsoft.com/office/powerpoint/2010/main" xmlns:a14="http://schemas.microsoft.com/office/drawing/2010/main" xmlns:a16="http://schemas.microsoft.com/office/drawing/2014/main" xmlns="" w="9525">
+                <a14:hiddenLine xmlns="" xmlns:a16="http://schemas.microsoft.com/office/drawing/2014/main" xmlns:a14="http://schemas.microsoft.com/office/drawing/2010/main" xmlns:p14="http://schemas.microsoft.com/office/powerpoint/2010/main" w="9525">
                   <a:solidFill>
                     <a:srgbClr val="000000"/>
                   </a:solidFill>
@@ -23225,7 +23200,7 @@
             </a:ln>
             <a:extLst>
               <a:ext uri="{91240B29-F687-4f45-9708-019B960494DF}">
-                <a14:hiddenLine xmlns:p14="http://schemas.microsoft.com/office/powerpoint/2010/main" xmlns:a14="http://schemas.microsoft.com/office/drawing/2010/main" xmlns:a16="http://schemas.microsoft.com/office/drawing/2014/main" xmlns="" w="9525">
+                <a14:hiddenLine xmlns="" xmlns:a16="http://schemas.microsoft.com/office/drawing/2014/main" xmlns:a14="http://schemas.microsoft.com/office/drawing/2010/main" xmlns:p14="http://schemas.microsoft.com/office/powerpoint/2010/main" w="9525">
                   <a:solidFill>
                     <a:srgbClr val="000000"/>
                   </a:solidFill>
@@ -23308,7 +23283,7 @@
             </a:ln>
             <a:extLst>
               <a:ext uri="{91240B29-F687-4f45-9708-019B960494DF}">
-                <a14:hiddenLine xmlns:p14="http://schemas.microsoft.com/office/powerpoint/2010/main" xmlns:a14="http://schemas.microsoft.com/office/drawing/2010/main" xmlns:a16="http://schemas.microsoft.com/office/drawing/2014/main" xmlns="" w="9525">
+                <a14:hiddenLine xmlns="" xmlns:a16="http://schemas.microsoft.com/office/drawing/2014/main" xmlns:a14="http://schemas.microsoft.com/office/drawing/2010/main" xmlns:p14="http://schemas.microsoft.com/office/powerpoint/2010/main" w="9525">
                   <a:solidFill>
                     <a:srgbClr val="000000"/>
                   </a:solidFill>
@@ -23385,7 +23360,7 @@
             </a:ln>
             <a:extLst>
               <a:ext uri="{91240B29-F687-4f45-9708-019B960494DF}">
-                <a14:hiddenLine xmlns:p14="http://schemas.microsoft.com/office/powerpoint/2010/main" xmlns:a14="http://schemas.microsoft.com/office/drawing/2010/main" xmlns:a16="http://schemas.microsoft.com/office/drawing/2014/main" xmlns="" w="9525">
+                <a14:hiddenLine xmlns="" xmlns:a16="http://schemas.microsoft.com/office/drawing/2014/main" xmlns:a14="http://schemas.microsoft.com/office/drawing/2010/main" xmlns:p14="http://schemas.microsoft.com/office/powerpoint/2010/main" w="9525">
                   <a:solidFill>
                     <a:srgbClr val="000000"/>
                   </a:solidFill>
@@ -23490,7 +23465,7 @@
             </a:ln>
             <a:extLst>
               <a:ext uri="{91240B29-F687-4f45-9708-019B960494DF}">
-                <a14:hiddenLine xmlns:p14="http://schemas.microsoft.com/office/powerpoint/2010/main" xmlns:a14="http://schemas.microsoft.com/office/drawing/2010/main" xmlns:a16="http://schemas.microsoft.com/office/drawing/2014/main" xmlns="" w="9525">
+                <a14:hiddenLine xmlns="" xmlns:a16="http://schemas.microsoft.com/office/drawing/2014/main" xmlns:a14="http://schemas.microsoft.com/office/drawing/2010/main" xmlns:p14="http://schemas.microsoft.com/office/powerpoint/2010/main" w="9525">
                   <a:solidFill>
                     <a:srgbClr val="000000"/>
                   </a:solidFill>
@@ -23567,7 +23542,7 @@
             </a:ln>
             <a:extLst>
               <a:ext uri="{91240B29-F687-4f45-9708-019B960494DF}">
-                <a14:hiddenLine xmlns:p14="http://schemas.microsoft.com/office/powerpoint/2010/main" xmlns:a14="http://schemas.microsoft.com/office/drawing/2010/main" xmlns:a16="http://schemas.microsoft.com/office/drawing/2014/main" xmlns="" w="9525">
+                <a14:hiddenLine xmlns="" xmlns:a16="http://schemas.microsoft.com/office/drawing/2014/main" xmlns:a14="http://schemas.microsoft.com/office/drawing/2010/main" xmlns:p14="http://schemas.microsoft.com/office/powerpoint/2010/main" w="9525">
                   <a:solidFill>
                     <a:srgbClr val="000000"/>
                   </a:solidFill>
@@ -23672,7 +23647,7 @@
             </a:ln>
             <a:extLst>
               <a:ext uri="{91240B29-F687-4f45-9708-019B960494DF}">
-                <a14:hiddenLine xmlns:p14="http://schemas.microsoft.com/office/powerpoint/2010/main" xmlns:a14="http://schemas.microsoft.com/office/drawing/2010/main" xmlns:a16="http://schemas.microsoft.com/office/drawing/2014/main" xmlns="" w="9525">
+                <a14:hiddenLine xmlns="" xmlns:a16="http://schemas.microsoft.com/office/drawing/2014/main" xmlns:a14="http://schemas.microsoft.com/office/drawing/2010/main" xmlns:p14="http://schemas.microsoft.com/office/powerpoint/2010/main" w="9525">
                   <a:solidFill>
                     <a:srgbClr val="000000"/>
                   </a:solidFill>
@@ -23749,7 +23724,7 @@
             </a:ln>
             <a:extLst>
               <a:ext uri="{91240B29-F687-4f45-9708-019B960494DF}">
-                <a14:hiddenLine xmlns:p14="http://schemas.microsoft.com/office/powerpoint/2010/main" xmlns:a14="http://schemas.microsoft.com/office/drawing/2010/main" xmlns:a16="http://schemas.microsoft.com/office/drawing/2014/main" xmlns="" w="9525">
+                <a14:hiddenLine xmlns="" xmlns:a16="http://schemas.microsoft.com/office/drawing/2014/main" xmlns:a14="http://schemas.microsoft.com/office/drawing/2010/main" xmlns:p14="http://schemas.microsoft.com/office/powerpoint/2010/main" w="9525">
                   <a:solidFill>
                     <a:srgbClr val="000000"/>
                   </a:solidFill>
@@ -23854,7 +23829,7 @@
             </a:ln>
             <a:extLst>
               <a:ext uri="{91240B29-F687-4f45-9708-019B960494DF}">
-                <a14:hiddenLine xmlns:p14="http://schemas.microsoft.com/office/powerpoint/2010/main" xmlns:a14="http://schemas.microsoft.com/office/drawing/2010/main" xmlns:a16="http://schemas.microsoft.com/office/drawing/2014/main" xmlns="" w="9525">
+                <a14:hiddenLine xmlns="" xmlns:a16="http://schemas.microsoft.com/office/drawing/2014/main" xmlns:a14="http://schemas.microsoft.com/office/drawing/2010/main" xmlns:p14="http://schemas.microsoft.com/office/powerpoint/2010/main" w="9525">
                   <a:solidFill>
                     <a:srgbClr val="000000"/>
                   </a:solidFill>
@@ -23903,7 +23878,7 @@
             </a:ln>
             <a:extLst>
               <a:ext uri="{91240B29-F687-4f45-9708-019B960494DF}">
-                <a14:hiddenLine xmlns:p14="http://schemas.microsoft.com/office/powerpoint/2010/main" xmlns:a14="http://schemas.microsoft.com/office/drawing/2010/main" xmlns:a16="http://schemas.microsoft.com/office/drawing/2014/main" xmlns="" w="9525">
+                <a14:hiddenLine xmlns="" xmlns:a16="http://schemas.microsoft.com/office/drawing/2014/main" xmlns:a14="http://schemas.microsoft.com/office/drawing/2010/main" xmlns:p14="http://schemas.microsoft.com/office/powerpoint/2010/main" w="9525">
                   <a:solidFill>
                     <a:srgbClr val="000000"/>
                   </a:solidFill>
@@ -23983,7 +23958,7 @@
             </a:ln>
             <a:extLst>
               <a:ext uri="{91240B29-F687-4f45-9708-019B960494DF}">
-                <a14:hiddenLine xmlns:p14="http://schemas.microsoft.com/office/powerpoint/2010/main" xmlns:a14="http://schemas.microsoft.com/office/drawing/2010/main" xmlns:a16="http://schemas.microsoft.com/office/drawing/2014/main" xmlns="" w="9525">
+                <a14:hiddenLine xmlns="" xmlns:a16="http://schemas.microsoft.com/office/drawing/2014/main" xmlns:a14="http://schemas.microsoft.com/office/drawing/2010/main" xmlns:p14="http://schemas.microsoft.com/office/powerpoint/2010/main" w="9525">
                   <a:solidFill>
                     <a:srgbClr val="000000"/>
                   </a:solidFill>
@@ -24088,7 +24063,7 @@
             </a:ln>
             <a:extLst>
               <a:ext uri="{91240B29-F687-4f45-9708-019B960494DF}">
-                <a14:hiddenLine xmlns:p14="http://schemas.microsoft.com/office/powerpoint/2010/main" xmlns:a14="http://schemas.microsoft.com/office/drawing/2010/main" xmlns:a16="http://schemas.microsoft.com/office/drawing/2014/main" xmlns="" w="9525">
+                <a14:hiddenLine xmlns="" xmlns:a16="http://schemas.microsoft.com/office/drawing/2014/main" xmlns:a14="http://schemas.microsoft.com/office/drawing/2010/main" xmlns:p14="http://schemas.microsoft.com/office/powerpoint/2010/main" w="9525">
                   <a:solidFill>
                     <a:srgbClr val="000000"/>
                   </a:solidFill>
@@ -24165,7 +24140,7 @@
             </a:ln>
             <a:extLst>
               <a:ext uri="{91240B29-F687-4f45-9708-019B960494DF}">
-                <a14:hiddenLine xmlns:p14="http://schemas.microsoft.com/office/powerpoint/2010/main" xmlns:a14="http://schemas.microsoft.com/office/drawing/2010/main" xmlns:a16="http://schemas.microsoft.com/office/drawing/2014/main" xmlns="" w="9525">
+                <a14:hiddenLine xmlns="" xmlns:a16="http://schemas.microsoft.com/office/drawing/2014/main" xmlns:a14="http://schemas.microsoft.com/office/drawing/2010/main" xmlns:p14="http://schemas.microsoft.com/office/powerpoint/2010/main" w="9525">
                   <a:solidFill>
                     <a:srgbClr val="000000"/>
                   </a:solidFill>
@@ -24270,7 +24245,7 @@
             </a:ln>
             <a:extLst>
               <a:ext uri="{91240B29-F687-4f45-9708-019B960494DF}">
-                <a14:hiddenLine xmlns:p14="http://schemas.microsoft.com/office/powerpoint/2010/main" xmlns:a14="http://schemas.microsoft.com/office/drawing/2010/main" xmlns:a16="http://schemas.microsoft.com/office/drawing/2014/main" xmlns="" w="9525">
+                <a14:hiddenLine xmlns="" xmlns:a16="http://schemas.microsoft.com/office/drawing/2014/main" xmlns:a14="http://schemas.microsoft.com/office/drawing/2010/main" xmlns:p14="http://schemas.microsoft.com/office/powerpoint/2010/main" w="9525">
                   <a:solidFill>
                     <a:srgbClr val="000000"/>
                   </a:solidFill>
@@ -24375,7 +24350,7 @@
             </a:ln>
             <a:extLst>
               <a:ext uri="{91240B29-F687-4f45-9708-019B960494DF}">
-                <a14:hiddenLine xmlns:p14="http://schemas.microsoft.com/office/powerpoint/2010/main" xmlns:a14="http://schemas.microsoft.com/office/drawing/2010/main" xmlns:a16="http://schemas.microsoft.com/office/drawing/2014/main" xmlns="" w="9525">
+                <a14:hiddenLine xmlns="" xmlns:a16="http://schemas.microsoft.com/office/drawing/2014/main" xmlns:a14="http://schemas.microsoft.com/office/drawing/2010/main" xmlns:p14="http://schemas.microsoft.com/office/powerpoint/2010/main" w="9525">
                   <a:solidFill>
                     <a:srgbClr val="000000"/>
                   </a:solidFill>
@@ -24455,7 +24430,7 @@
             </a:ln>
             <a:extLst>
               <a:ext uri="{91240B29-F687-4f45-9708-019B960494DF}">
-                <a14:hiddenLine xmlns:p14="http://schemas.microsoft.com/office/powerpoint/2010/main" xmlns:a14="http://schemas.microsoft.com/office/drawing/2010/main" xmlns:a16="http://schemas.microsoft.com/office/drawing/2014/main" xmlns="" w="9525">
+                <a14:hiddenLine xmlns="" xmlns:a16="http://schemas.microsoft.com/office/drawing/2014/main" xmlns:a14="http://schemas.microsoft.com/office/drawing/2010/main" xmlns:p14="http://schemas.microsoft.com/office/powerpoint/2010/main" w="9525">
                   <a:solidFill>
                     <a:srgbClr val="000000"/>
                   </a:solidFill>
@@ -24532,7 +24507,7 @@
             </a:ln>
             <a:extLst>
               <a:ext uri="{91240B29-F687-4f45-9708-019B960494DF}">
-                <a14:hiddenLine xmlns:p14="http://schemas.microsoft.com/office/powerpoint/2010/main" xmlns:a14="http://schemas.microsoft.com/office/drawing/2010/main" xmlns:a16="http://schemas.microsoft.com/office/drawing/2014/main" xmlns="" w="9525">
+                <a14:hiddenLine xmlns="" xmlns:a16="http://schemas.microsoft.com/office/drawing/2014/main" xmlns:a14="http://schemas.microsoft.com/office/drawing/2010/main" xmlns:p14="http://schemas.microsoft.com/office/powerpoint/2010/main" w="9525">
                   <a:solidFill>
                     <a:srgbClr val="000000"/>
                   </a:solidFill>
@@ -24637,7 +24612,7 @@
             </a:ln>
             <a:extLst>
               <a:ext uri="{91240B29-F687-4f45-9708-019B960494DF}">
-                <a14:hiddenLine xmlns:p14="http://schemas.microsoft.com/office/powerpoint/2010/main" xmlns:a14="http://schemas.microsoft.com/office/drawing/2010/main" xmlns:a16="http://schemas.microsoft.com/office/drawing/2014/main" xmlns="" w="9525">
+                <a14:hiddenLine xmlns="" xmlns:a16="http://schemas.microsoft.com/office/drawing/2014/main" xmlns:a14="http://schemas.microsoft.com/office/drawing/2010/main" xmlns:p14="http://schemas.microsoft.com/office/powerpoint/2010/main" w="9525">
                   <a:solidFill>
                     <a:srgbClr val="000000"/>
                   </a:solidFill>
@@ -24742,7 +24717,7 @@
             </a:ln>
             <a:extLst>
               <a:ext uri="{91240B29-F687-4f45-9708-019B960494DF}">
-                <a14:hiddenLine xmlns:p14="http://schemas.microsoft.com/office/powerpoint/2010/main" xmlns:a14="http://schemas.microsoft.com/office/drawing/2010/main" xmlns:a16="http://schemas.microsoft.com/office/drawing/2014/main" xmlns="" w="9525">
+                <a14:hiddenLine xmlns="" xmlns:a16="http://schemas.microsoft.com/office/drawing/2014/main" xmlns:a14="http://schemas.microsoft.com/office/drawing/2010/main" xmlns:p14="http://schemas.microsoft.com/office/powerpoint/2010/main" w="9525">
                   <a:solidFill>
                     <a:srgbClr val="000000"/>
                   </a:solidFill>
@@ -24819,7 +24794,7 @@
             </a:ln>
             <a:extLst>
               <a:ext uri="{91240B29-F687-4f45-9708-019B960494DF}">
-                <a14:hiddenLine xmlns:p14="http://schemas.microsoft.com/office/powerpoint/2010/main" xmlns:a14="http://schemas.microsoft.com/office/drawing/2010/main" xmlns:a16="http://schemas.microsoft.com/office/drawing/2014/main" xmlns="" w="9525">
+                <a14:hiddenLine xmlns="" xmlns:a16="http://schemas.microsoft.com/office/drawing/2014/main" xmlns:a14="http://schemas.microsoft.com/office/drawing/2010/main" xmlns:p14="http://schemas.microsoft.com/office/powerpoint/2010/main" w="9525">
                   <a:solidFill>
                     <a:srgbClr val="000000"/>
                   </a:solidFill>
@@ -24954,7 +24929,7 @@
             </a:ln>
             <a:extLst>
               <a:ext uri="{91240B29-F687-4f45-9708-019B960494DF}">
-                <a14:hiddenLine xmlns:p14="http://schemas.microsoft.com/office/powerpoint/2010/main" xmlns:a14="http://schemas.microsoft.com/office/drawing/2010/main" xmlns:a16="http://schemas.microsoft.com/office/drawing/2014/main" xmlns="" w="9525">
+                <a14:hiddenLine xmlns="" xmlns:a16="http://schemas.microsoft.com/office/drawing/2014/main" xmlns:a14="http://schemas.microsoft.com/office/drawing/2010/main" xmlns:p14="http://schemas.microsoft.com/office/powerpoint/2010/main" w="9525">
                   <a:solidFill>
                     <a:srgbClr val="000000"/>
                   </a:solidFill>
@@ -25037,7 +25012,7 @@
             </a:ln>
             <a:extLst>
               <a:ext uri="{91240B29-F687-4f45-9708-019B960494DF}">
-                <a14:hiddenLine xmlns:p14="http://schemas.microsoft.com/office/powerpoint/2010/main" xmlns:a14="http://schemas.microsoft.com/office/drawing/2010/main" xmlns:a16="http://schemas.microsoft.com/office/drawing/2014/main" xmlns="" w="9525">
+                <a14:hiddenLine xmlns="" xmlns:a16="http://schemas.microsoft.com/office/drawing/2014/main" xmlns:a14="http://schemas.microsoft.com/office/drawing/2010/main" xmlns:p14="http://schemas.microsoft.com/office/powerpoint/2010/main" w="9525">
                   <a:solidFill>
                     <a:srgbClr val="000000"/>
                   </a:solidFill>
@@ -25142,7 +25117,7 @@
             </a:ln>
             <a:extLst>
               <a:ext uri="{91240B29-F687-4f45-9708-019B960494DF}">
-                <a14:hiddenLine xmlns:p14="http://schemas.microsoft.com/office/powerpoint/2010/main" xmlns:a14="http://schemas.microsoft.com/office/drawing/2010/main" xmlns:a16="http://schemas.microsoft.com/office/drawing/2014/main" xmlns="" w="9525">
+                <a14:hiddenLine xmlns="" xmlns:a16="http://schemas.microsoft.com/office/drawing/2014/main" xmlns:a14="http://schemas.microsoft.com/office/drawing/2010/main" xmlns:p14="http://schemas.microsoft.com/office/powerpoint/2010/main" w="9525">
                   <a:solidFill>
                     <a:srgbClr val="000000"/>
                   </a:solidFill>
@@ -25177,6 +25152,92 @@
       </p:transition>
     </mc:Fallback>
   </mc:AlternateContent>
+  <p:timing>
+    <p:tnLst>
+      <p:par>
+        <p:cTn id="1" dur="indefinite" restart="never" nodeType="tmRoot">
+          <p:childTnLst>
+            <p:seq concurrent="1" nextAc="seek">
+              <p:cTn id="2" dur="indefinite" nodeType="mainSeq">
+                <p:childTnLst>
+                  <p:par>
+                    <p:cTn id="3" fill="hold">
+                      <p:stCondLst>
+                        <p:cond delay="indefinite"/>
+                        <p:cond evt="onBegin" delay="0">
+                          <p:tn val="2"/>
+                        </p:cond>
+                      </p:stCondLst>
+                      <p:childTnLst>
+                        <p:par>
+                          <p:cTn id="4" fill="hold">
+                            <p:stCondLst>
+                              <p:cond delay="0"/>
+                            </p:stCondLst>
+                            <p:childTnLst>
+                              <p:par>
+                                <p:cTn id="5" presetID="6" presetClass="entr" presetSubtype="16" fill="hold" nodeType="withEffect">
+                                  <p:stCondLst>
+                                    <p:cond delay="750"/>
+                                  </p:stCondLst>
+                                  <p:childTnLst>
+                                    <p:set>
+                                      <p:cBhvr>
+                                        <p:cTn id="6" dur="1" fill="hold">
+                                          <p:stCondLst>
+                                            <p:cond delay="0"/>
+                                          </p:stCondLst>
+                                        </p:cTn>
+                                        <p:tgtEl>
+                                          <p:spTgt spid="5125"/>
+                                        </p:tgtEl>
+                                        <p:attrNameLst>
+                                          <p:attrName>style.visibility</p:attrName>
+                                        </p:attrNameLst>
+                                      </p:cBhvr>
+                                      <p:to>
+                                        <p:strVal val="visible"/>
+                                      </p:to>
+                                    </p:set>
+                                    <p:animEffect transition="in" filter="circle(in)">
+                                      <p:cBhvr>
+                                        <p:cTn id="7" dur="2500"/>
+                                        <p:tgtEl>
+                                          <p:spTgt spid="5125"/>
+                                        </p:tgtEl>
+                                      </p:cBhvr>
+                                    </p:animEffect>
+                                  </p:childTnLst>
+                                </p:cTn>
+                              </p:par>
+                            </p:childTnLst>
+                          </p:cTn>
+                        </p:par>
+                      </p:childTnLst>
+                    </p:cTn>
+                  </p:par>
+                </p:childTnLst>
+              </p:cTn>
+              <p:prevCondLst>
+                <p:cond evt="onPrev" delay="0">
+                  <p:tgtEl>
+                    <p:sldTgt/>
+                  </p:tgtEl>
+                </p:cond>
+              </p:prevCondLst>
+              <p:nextCondLst>
+                <p:cond evt="onNext" delay="0">
+                  <p:tgtEl>
+                    <p:sldTgt/>
+                  </p:tgtEl>
+                </p:cond>
+              </p:nextCondLst>
+            </p:seq>
+          </p:childTnLst>
+        </p:cTn>
+      </p:par>
+    </p:tnLst>
+  </p:timing>
 </p:sld>
 </file>
 
@@ -25510,9 +25571,9 @@
           <p:nvPr/>
         </p:nvSpPr>
         <p:spPr>
-          <a:xfrm rot="4474566">
-            <a:off x="3311669" y="2877112"/>
-            <a:ext cx="3458278" cy="258619"/>
+          <a:xfrm rot="4460462">
+            <a:off x="3316509" y="2954722"/>
+            <a:ext cx="3458278" cy="135658"/>
           </a:xfrm>
           <a:prstGeom prst="rightArrow">
             <a:avLst/>
@@ -25557,8 +25618,8 @@
         </p:nvSpPr>
         <p:spPr>
           <a:xfrm rot="4123635">
-            <a:off x="3450373" y="2957625"/>
-            <a:ext cx="3430401" cy="258619"/>
+            <a:off x="3443704" y="3036006"/>
+            <a:ext cx="3406412" cy="127829"/>
           </a:xfrm>
           <a:prstGeom prst="rightArrow">
             <a:avLst/>
@@ -25602,9 +25663,9 @@
           <p:nvPr/>
         </p:nvSpPr>
         <p:spPr>
-          <a:xfrm rot="3805181">
-            <a:off x="3674847" y="3041771"/>
-            <a:ext cx="3247034" cy="258619"/>
+          <a:xfrm rot="3762888">
+            <a:off x="3613356" y="3140394"/>
+            <a:ext cx="3338703" cy="108084"/>
           </a:xfrm>
           <a:prstGeom prst="rightArrow">
             <a:avLst/>
@@ -25632,6 +25693,1153 @@
           <a:p>
             <a:pPr algn="ctr"/>
             <a:endParaRPr lang="pl-PL"/>
+          </a:p>
+        </p:txBody>
+      </p:sp>
+      <p:cxnSp>
+        <p:nvCxnSpPr>
+          <p:cNvPr id="5" name="Łącznik: zakrzywiony 4">
+            <a:extLst>
+              <a:ext uri="{FF2B5EF4-FFF2-40B4-BE49-F238E27FC236}">
+                <a16:creationId xmlns:a16="http://schemas.microsoft.com/office/drawing/2014/main" id="{907A9480-1B75-4843-A261-71EE614731B3}"/>
+              </a:ext>
+            </a:extLst>
+          </p:cNvPr>
+          <p:cNvCxnSpPr>
+            <a:cxnSpLocks/>
+          </p:cNvCxnSpPr>
+          <p:nvPr/>
+        </p:nvCxnSpPr>
+        <p:spPr>
+          <a:xfrm rot="10800000" flipV="1">
+            <a:off x="1553117" y="1147481"/>
+            <a:ext cx="435074" cy="157683"/>
+          </a:xfrm>
+          <a:prstGeom prst="curvedConnector3">
+            <a:avLst/>
+          </a:prstGeom>
+          <a:ln>
+            <a:tailEnd type="triangle"/>
+          </a:ln>
+        </p:spPr>
+        <p:style>
+          <a:lnRef idx="1">
+            <a:schemeClr val="accent1"/>
+          </a:lnRef>
+          <a:fillRef idx="0">
+            <a:schemeClr val="accent1"/>
+          </a:fillRef>
+          <a:effectRef idx="0">
+            <a:schemeClr val="accent1"/>
+          </a:effectRef>
+          <a:fontRef idx="minor">
+            <a:schemeClr val="tx1"/>
+          </a:fontRef>
+        </p:style>
+      </p:cxnSp>
+      <p:cxnSp>
+        <p:nvCxnSpPr>
+          <p:cNvPr id="8" name="Łącznik: zakrzywiony 7">
+            <a:extLst>
+              <a:ext uri="{FF2B5EF4-FFF2-40B4-BE49-F238E27FC236}">
+                <a16:creationId xmlns:a16="http://schemas.microsoft.com/office/drawing/2014/main" id="{EE2598CB-7212-4243-8AB5-E6AF088907D7}"/>
+              </a:ext>
+            </a:extLst>
+          </p:cNvPr>
+          <p:cNvCxnSpPr>
+            <a:cxnSpLocks/>
+          </p:cNvCxnSpPr>
+          <p:nvPr/>
+        </p:nvCxnSpPr>
+        <p:spPr>
+          <a:xfrm rot="10800000" flipV="1">
+            <a:off x="1870745" y="1208015"/>
+            <a:ext cx="234892" cy="97152"/>
+          </a:xfrm>
+          <a:prstGeom prst="curvedConnector3">
+            <a:avLst/>
+          </a:prstGeom>
+          <a:ln>
+            <a:tailEnd type="triangle"/>
+          </a:ln>
+        </p:spPr>
+        <p:style>
+          <a:lnRef idx="1">
+            <a:schemeClr val="accent1"/>
+          </a:lnRef>
+          <a:fillRef idx="0">
+            <a:schemeClr val="accent1"/>
+          </a:fillRef>
+          <a:effectRef idx="0">
+            <a:schemeClr val="accent1"/>
+          </a:effectRef>
+          <a:fontRef idx="minor">
+            <a:schemeClr val="tx1"/>
+          </a:fontRef>
+        </p:style>
+      </p:cxnSp>
+      <p:cxnSp>
+        <p:nvCxnSpPr>
+          <p:cNvPr id="10" name="Łącznik: zakrzywiony 9">
+            <a:extLst>
+              <a:ext uri="{FF2B5EF4-FFF2-40B4-BE49-F238E27FC236}">
+                <a16:creationId xmlns:a16="http://schemas.microsoft.com/office/drawing/2014/main" id="{81C32DC7-915D-4EEA-BFF4-D410905B8D3C}"/>
+              </a:ext>
+            </a:extLst>
+          </p:cNvPr>
+          <p:cNvCxnSpPr>
+            <a:cxnSpLocks/>
+          </p:cNvCxnSpPr>
+          <p:nvPr/>
+        </p:nvCxnSpPr>
+        <p:spPr>
+          <a:xfrm rot="16200000" flipH="1">
+            <a:off x="2157867" y="1231560"/>
+            <a:ext cx="97150" cy="50060"/>
+          </a:xfrm>
+          <a:prstGeom prst="curvedConnector3">
+            <a:avLst/>
+          </a:prstGeom>
+          <a:ln>
+            <a:tailEnd type="triangle"/>
+          </a:ln>
+        </p:spPr>
+        <p:style>
+          <a:lnRef idx="1">
+            <a:schemeClr val="accent1"/>
+          </a:lnRef>
+          <a:fillRef idx="0">
+            <a:schemeClr val="accent1"/>
+          </a:fillRef>
+          <a:effectRef idx="0">
+            <a:schemeClr val="accent1"/>
+          </a:effectRef>
+          <a:fontRef idx="minor">
+            <a:schemeClr val="tx1"/>
+          </a:fontRef>
+        </p:style>
+      </p:cxnSp>
+      <p:cxnSp>
+        <p:nvCxnSpPr>
+          <p:cNvPr id="16" name="Łącznik: zakrzywiony 15">
+            <a:extLst>
+              <a:ext uri="{FF2B5EF4-FFF2-40B4-BE49-F238E27FC236}">
+                <a16:creationId xmlns:a16="http://schemas.microsoft.com/office/drawing/2014/main" id="{AEB7EA42-F0C1-4710-A923-37D8BADFC131}"/>
+              </a:ext>
+            </a:extLst>
+          </p:cNvPr>
+          <p:cNvCxnSpPr>
+            <a:cxnSpLocks/>
+          </p:cNvCxnSpPr>
+          <p:nvPr/>
+        </p:nvCxnSpPr>
+        <p:spPr>
+          <a:xfrm>
+            <a:off x="2264962" y="1226323"/>
+            <a:ext cx="400544" cy="130336"/>
+          </a:xfrm>
+          <a:prstGeom prst="curvedConnector3">
+            <a:avLst>
+              <a:gd name="adj1" fmla="val 36571"/>
+            </a:avLst>
+          </a:prstGeom>
+          <a:ln>
+            <a:tailEnd type="triangle"/>
+          </a:ln>
+        </p:spPr>
+        <p:style>
+          <a:lnRef idx="1">
+            <a:schemeClr val="accent1"/>
+          </a:lnRef>
+          <a:fillRef idx="0">
+            <a:schemeClr val="accent1"/>
+          </a:fillRef>
+          <a:effectRef idx="0">
+            <a:schemeClr val="accent1"/>
+          </a:effectRef>
+          <a:fontRef idx="minor">
+            <a:schemeClr val="tx1"/>
+          </a:fontRef>
+        </p:style>
+      </p:cxnSp>
+      <p:cxnSp>
+        <p:nvCxnSpPr>
+          <p:cNvPr id="24" name="Łącznik: zakrzywiony 23">
+            <a:extLst>
+              <a:ext uri="{FF2B5EF4-FFF2-40B4-BE49-F238E27FC236}">
+                <a16:creationId xmlns:a16="http://schemas.microsoft.com/office/drawing/2014/main" id="{82A8778A-C417-4BD4-A524-5C4204A7D5E5}"/>
+              </a:ext>
+            </a:extLst>
+          </p:cNvPr>
+          <p:cNvCxnSpPr>
+            <a:cxnSpLocks/>
+          </p:cNvCxnSpPr>
+          <p:nvPr/>
+        </p:nvCxnSpPr>
+        <p:spPr>
+          <a:xfrm>
+            <a:off x="2347788" y="1208014"/>
+            <a:ext cx="669979" cy="154621"/>
+          </a:xfrm>
+          <a:prstGeom prst="curvedConnector3">
+            <a:avLst>
+              <a:gd name="adj1" fmla="val 72301"/>
+            </a:avLst>
+          </a:prstGeom>
+          <a:ln>
+            <a:tailEnd type="triangle"/>
+          </a:ln>
+        </p:spPr>
+        <p:style>
+          <a:lnRef idx="1">
+            <a:schemeClr val="accent1"/>
+          </a:lnRef>
+          <a:fillRef idx="0">
+            <a:schemeClr val="accent1"/>
+          </a:fillRef>
+          <a:effectRef idx="0">
+            <a:schemeClr val="accent1"/>
+          </a:effectRef>
+          <a:fontRef idx="minor">
+            <a:schemeClr val="tx1"/>
+          </a:fontRef>
+        </p:style>
+      </p:cxnSp>
+      <p:cxnSp>
+        <p:nvCxnSpPr>
+          <p:cNvPr id="29" name="Łącznik: zakrzywiony 28">
+            <a:extLst>
+              <a:ext uri="{FF2B5EF4-FFF2-40B4-BE49-F238E27FC236}">
+                <a16:creationId xmlns:a16="http://schemas.microsoft.com/office/drawing/2014/main" id="{30E5294D-25A1-4F42-8D4D-C11A43D540F4}"/>
+              </a:ext>
+            </a:extLst>
+          </p:cNvPr>
+          <p:cNvCxnSpPr/>
+          <p:nvPr/>
+        </p:nvCxnSpPr>
+        <p:spPr>
+          <a:xfrm>
+            <a:off x="2465234" y="1099671"/>
+            <a:ext cx="889788" cy="256988"/>
+          </a:xfrm>
+          <a:prstGeom prst="curvedConnector3">
+            <a:avLst>
+              <a:gd name="adj1" fmla="val 75524"/>
+            </a:avLst>
+          </a:prstGeom>
+          <a:ln>
+            <a:tailEnd type="triangle"/>
+          </a:ln>
+        </p:spPr>
+        <p:style>
+          <a:lnRef idx="1">
+            <a:schemeClr val="accent1"/>
+          </a:lnRef>
+          <a:fillRef idx="0">
+            <a:schemeClr val="accent1"/>
+          </a:fillRef>
+          <a:effectRef idx="0">
+            <a:schemeClr val="accent1"/>
+          </a:effectRef>
+          <a:fontRef idx="minor">
+            <a:schemeClr val="tx1"/>
+          </a:fontRef>
+        </p:style>
+      </p:cxnSp>
+      <p:cxnSp>
+        <p:nvCxnSpPr>
+          <p:cNvPr id="66" name="Łącznik: zakrzywiony 65">
+            <a:extLst>
+              <a:ext uri="{FF2B5EF4-FFF2-40B4-BE49-F238E27FC236}">
+                <a16:creationId xmlns:a16="http://schemas.microsoft.com/office/drawing/2014/main" id="{6E0B6F42-7E83-403A-88C2-5073C1A0ADDE}"/>
+              </a:ext>
+            </a:extLst>
+          </p:cNvPr>
+          <p:cNvCxnSpPr>
+            <a:cxnSpLocks/>
+          </p:cNvCxnSpPr>
+          <p:nvPr/>
+        </p:nvCxnSpPr>
+        <p:spPr>
+          <a:xfrm>
+            <a:off x="2540000" y="1059780"/>
+            <a:ext cx="1226760" cy="296879"/>
+          </a:xfrm>
+          <a:prstGeom prst="curvedConnector3">
+            <a:avLst>
+              <a:gd name="adj1" fmla="val 69487"/>
+            </a:avLst>
+          </a:prstGeom>
+          <a:ln>
+            <a:tailEnd type="triangle"/>
+          </a:ln>
+        </p:spPr>
+        <p:style>
+          <a:lnRef idx="1">
+            <a:schemeClr val="accent1"/>
+          </a:lnRef>
+          <a:fillRef idx="0">
+            <a:schemeClr val="accent1"/>
+          </a:fillRef>
+          <a:effectRef idx="0">
+            <a:schemeClr val="accent1"/>
+          </a:effectRef>
+          <a:fontRef idx="minor">
+            <a:schemeClr val="tx1"/>
+          </a:fontRef>
+        </p:style>
+      </p:cxnSp>
+      <p:cxnSp>
+        <p:nvCxnSpPr>
+          <p:cNvPr id="71" name="Łącznik: zakrzywiony 70">
+            <a:extLst>
+              <a:ext uri="{FF2B5EF4-FFF2-40B4-BE49-F238E27FC236}">
+                <a16:creationId xmlns:a16="http://schemas.microsoft.com/office/drawing/2014/main" id="{BB2441D8-4F19-40E2-82E9-7D4A2C607A96}"/>
+              </a:ext>
+            </a:extLst>
+          </p:cNvPr>
+          <p:cNvCxnSpPr>
+            <a:cxnSpLocks/>
+          </p:cNvCxnSpPr>
+          <p:nvPr/>
+        </p:nvCxnSpPr>
+        <p:spPr>
+          <a:xfrm rot="10800000" flipV="1">
+            <a:off x="3912742" y="1398491"/>
+            <a:ext cx="510045" cy="137462"/>
+          </a:xfrm>
+          <a:prstGeom prst="curvedConnector3">
+            <a:avLst>
+              <a:gd name="adj1" fmla="val 64061"/>
+            </a:avLst>
+          </a:prstGeom>
+          <a:ln>
+            <a:tailEnd type="triangle"/>
+          </a:ln>
+        </p:spPr>
+        <p:style>
+          <a:lnRef idx="1">
+            <a:schemeClr val="accent3"/>
+          </a:lnRef>
+          <a:fillRef idx="0">
+            <a:schemeClr val="accent3"/>
+          </a:fillRef>
+          <a:effectRef idx="0">
+            <a:schemeClr val="accent3"/>
+          </a:effectRef>
+          <a:fontRef idx="minor">
+            <a:schemeClr val="tx1"/>
+          </a:fontRef>
+        </p:style>
+      </p:cxnSp>
+      <p:cxnSp>
+        <p:nvCxnSpPr>
+          <p:cNvPr id="73" name="Łącznik: zakrzywiony 72">
+            <a:extLst>
+              <a:ext uri="{FF2B5EF4-FFF2-40B4-BE49-F238E27FC236}">
+                <a16:creationId xmlns:a16="http://schemas.microsoft.com/office/drawing/2014/main" id="{02E888D3-A744-4C75-931F-2E53C90D4113}"/>
+              </a:ext>
+            </a:extLst>
+          </p:cNvPr>
+          <p:cNvCxnSpPr>
+            <a:cxnSpLocks/>
+          </p:cNvCxnSpPr>
+          <p:nvPr/>
+        </p:nvCxnSpPr>
+        <p:spPr>
+          <a:xfrm rot="10800000" flipV="1">
+            <a:off x="1542142" y="1398491"/>
+            <a:ext cx="295113" cy="149413"/>
+          </a:xfrm>
+          <a:prstGeom prst="curvedConnector3">
+            <a:avLst/>
+          </a:prstGeom>
+          <a:ln>
+            <a:tailEnd type="triangle"/>
+          </a:ln>
+        </p:spPr>
+        <p:style>
+          <a:lnRef idx="1">
+            <a:schemeClr val="accent5"/>
+          </a:lnRef>
+          <a:fillRef idx="0">
+            <a:schemeClr val="accent5"/>
+          </a:fillRef>
+          <a:effectRef idx="0">
+            <a:schemeClr val="accent5"/>
+          </a:effectRef>
+          <a:fontRef idx="minor">
+            <a:schemeClr val="tx1"/>
+          </a:fontRef>
+        </p:style>
+      </p:cxnSp>
+      <p:cxnSp>
+        <p:nvCxnSpPr>
+          <p:cNvPr id="75" name="Łącznik: zakrzywiony 74">
+            <a:extLst>
+              <a:ext uri="{FF2B5EF4-FFF2-40B4-BE49-F238E27FC236}">
+                <a16:creationId xmlns:a16="http://schemas.microsoft.com/office/drawing/2014/main" id="{25A99F57-43A5-4268-8229-8532234AC06D}"/>
+              </a:ext>
+            </a:extLst>
+          </p:cNvPr>
+          <p:cNvCxnSpPr>
+            <a:cxnSpLocks/>
+          </p:cNvCxnSpPr>
+          <p:nvPr/>
+        </p:nvCxnSpPr>
+        <p:spPr>
+          <a:xfrm rot="10800000" flipV="1">
+            <a:off x="1870745" y="1398492"/>
+            <a:ext cx="286694" cy="149413"/>
+          </a:xfrm>
+          <a:prstGeom prst="curvedConnector3">
+            <a:avLst>
+              <a:gd name="adj1" fmla="val 60423"/>
+            </a:avLst>
+          </a:prstGeom>
+          <a:ln>
+            <a:tailEnd type="triangle"/>
+          </a:ln>
+        </p:spPr>
+        <p:style>
+          <a:lnRef idx="1">
+            <a:schemeClr val="accent5"/>
+          </a:lnRef>
+          <a:fillRef idx="0">
+            <a:schemeClr val="accent5"/>
+          </a:fillRef>
+          <a:effectRef idx="0">
+            <a:schemeClr val="accent5"/>
+          </a:effectRef>
+          <a:fontRef idx="minor">
+            <a:schemeClr val="tx1"/>
+          </a:fontRef>
+        </p:style>
+      </p:cxnSp>
+      <p:sp>
+        <p:nvSpPr>
+          <p:cNvPr id="79" name="pole tekstowe 78">
+            <a:extLst>
+              <a:ext uri="{FF2B5EF4-FFF2-40B4-BE49-F238E27FC236}">
+                <a16:creationId xmlns:a16="http://schemas.microsoft.com/office/drawing/2014/main" id="{A69C3E77-C7FC-44A5-A329-25FFF9FE4F8E}"/>
+              </a:ext>
+            </a:extLst>
+          </p:cNvPr>
+          <p:cNvSpPr txBox="1"/>
+          <p:nvPr/>
+        </p:nvSpPr>
+        <p:spPr>
+          <a:xfrm>
+            <a:off x="2256178" y="832674"/>
+            <a:ext cx="685704" cy="246221"/>
+          </a:xfrm>
+          <a:prstGeom prst="rect">
+            <a:avLst/>
+          </a:prstGeom>
+          <a:noFill/>
+        </p:spPr>
+        <p:txBody>
+          <a:bodyPr wrap="square" rtlCol="0">
+            <a:spAutoFit/>
+          </a:bodyPr>
+          <a:lstStyle/>
+          <a:p>
+            <a:r>
+              <a:rPr lang="pl-PL" sz="1000" dirty="0">
+                <a:solidFill>
+                  <a:schemeClr val="tx1">
+                    <a:lumMod val="50000"/>
+                  </a:schemeClr>
+                </a:solidFill>
+                <a:latin typeface="Arial" panose="020B0604020202020204" pitchFamily="34" charset="0"/>
+                <a:cs typeface="Arial" panose="020B0604020202020204" pitchFamily="34" charset="0"/>
+              </a:rPr>
+              <a:t>m = 10</a:t>
+            </a:r>
+            <a:endParaRPr lang="pl-PL" sz="800" dirty="0">
+              <a:solidFill>
+                <a:schemeClr val="tx1">
+                  <a:lumMod val="50000"/>
+                </a:schemeClr>
+              </a:solidFill>
+              <a:latin typeface="Arial" panose="020B0604020202020204" pitchFamily="34" charset="0"/>
+              <a:cs typeface="Arial" panose="020B0604020202020204" pitchFamily="34" charset="0"/>
+            </a:endParaRPr>
+          </a:p>
+        </p:txBody>
+      </p:sp>
+      <p:sp>
+        <p:nvSpPr>
+          <p:cNvPr id="86" name="Prostokąt 85">
+            <a:extLst>
+              <a:ext uri="{FF2B5EF4-FFF2-40B4-BE49-F238E27FC236}">
+                <a16:creationId xmlns:a16="http://schemas.microsoft.com/office/drawing/2014/main" id="{DBAD0333-931E-47DB-88D2-72091AF5B751}"/>
+              </a:ext>
+            </a:extLst>
+          </p:cNvPr>
+          <p:cNvSpPr/>
+          <p:nvPr/>
+        </p:nvSpPr>
+        <p:spPr>
+          <a:xfrm>
+            <a:off x="1255059" y="860612"/>
+            <a:ext cx="431652" cy="193542"/>
+          </a:xfrm>
+          <a:prstGeom prst="rect">
+            <a:avLst/>
+          </a:prstGeom>
+          <a:noFill/>
+          <a:ln>
+            <a:solidFill>
+              <a:srgbClr val="FFC000"/>
+            </a:solidFill>
+          </a:ln>
+        </p:spPr>
+        <p:style>
+          <a:lnRef idx="2">
+            <a:schemeClr val="accent2">
+              <a:shade val="50000"/>
+            </a:schemeClr>
+          </a:lnRef>
+          <a:fillRef idx="1">
+            <a:schemeClr val="accent2"/>
+          </a:fillRef>
+          <a:effectRef idx="0">
+            <a:schemeClr val="accent2"/>
+          </a:effectRef>
+          <a:fontRef idx="minor">
+            <a:schemeClr val="lt1"/>
+          </a:fontRef>
+        </p:style>
+        <p:txBody>
+          <a:bodyPr rtlCol="0" anchor="ctr"/>
+          <a:lstStyle/>
+          <a:p>
+            <a:pPr algn="ctr"/>
+            <a:endParaRPr lang="pl-PL">
+              <a:ln>
+                <a:solidFill>
+                  <a:srgbClr val="FFC000"/>
+                </a:solidFill>
+              </a:ln>
+            </a:endParaRPr>
+          </a:p>
+        </p:txBody>
+      </p:sp>
+      <p:sp>
+        <p:nvSpPr>
+          <p:cNvPr id="58" name="Prostokąt 57">
+            <a:extLst>
+              <a:ext uri="{FF2B5EF4-FFF2-40B4-BE49-F238E27FC236}">
+                <a16:creationId xmlns:a16="http://schemas.microsoft.com/office/drawing/2014/main" id="{7116D77E-CEBD-43C8-9DBB-EA8A60DE7F85}"/>
+              </a:ext>
+            </a:extLst>
+          </p:cNvPr>
+          <p:cNvSpPr/>
+          <p:nvPr/>
+        </p:nvSpPr>
+        <p:spPr>
+          <a:xfrm>
+            <a:off x="1980017" y="1250464"/>
+            <a:ext cx="431652" cy="193542"/>
+          </a:xfrm>
+          <a:prstGeom prst="rect">
+            <a:avLst/>
+          </a:prstGeom>
+          <a:noFill/>
+          <a:ln>
+            <a:solidFill>
+              <a:srgbClr val="FFC000"/>
+            </a:solidFill>
+          </a:ln>
+        </p:spPr>
+        <p:style>
+          <a:lnRef idx="2">
+            <a:schemeClr val="accent2">
+              <a:shade val="50000"/>
+            </a:schemeClr>
+          </a:lnRef>
+          <a:fillRef idx="1">
+            <a:schemeClr val="accent2"/>
+          </a:fillRef>
+          <a:effectRef idx="0">
+            <a:schemeClr val="accent2"/>
+          </a:effectRef>
+          <a:fontRef idx="minor">
+            <a:schemeClr val="lt1"/>
+          </a:fontRef>
+        </p:style>
+        <p:txBody>
+          <a:bodyPr rtlCol="0" anchor="ctr"/>
+          <a:lstStyle/>
+          <a:p>
+            <a:pPr algn="ctr"/>
+            <a:endParaRPr lang="pl-PL">
+              <a:ln>
+                <a:solidFill>
+                  <a:srgbClr val="FFC000"/>
+                </a:solidFill>
+              </a:ln>
+            </a:endParaRPr>
+          </a:p>
+        </p:txBody>
+      </p:sp>
+      <p:sp>
+        <p:nvSpPr>
+          <p:cNvPr id="60" name="Prostokąt 59">
+            <a:extLst>
+              <a:ext uri="{FF2B5EF4-FFF2-40B4-BE49-F238E27FC236}">
+                <a16:creationId xmlns:a16="http://schemas.microsoft.com/office/drawing/2014/main" id="{B6249EE8-6838-492A-A61A-F4F33BF51820}"/>
+              </a:ext>
+            </a:extLst>
+          </p:cNvPr>
+          <p:cNvSpPr/>
+          <p:nvPr/>
+        </p:nvSpPr>
+        <p:spPr>
+          <a:xfrm>
+            <a:off x="1749760" y="854635"/>
+            <a:ext cx="431652" cy="205496"/>
+          </a:xfrm>
+          <a:prstGeom prst="rect">
+            <a:avLst/>
+          </a:prstGeom>
+          <a:noFill/>
+          <a:ln/>
+        </p:spPr>
+        <p:style>
+          <a:lnRef idx="2">
+            <a:schemeClr val="accent4"/>
+          </a:lnRef>
+          <a:fillRef idx="1">
+            <a:schemeClr val="lt1"/>
+          </a:fillRef>
+          <a:effectRef idx="0">
+            <a:schemeClr val="accent4"/>
+          </a:effectRef>
+          <a:fontRef idx="minor">
+            <a:schemeClr val="dk1"/>
+          </a:fontRef>
+        </p:style>
+        <p:txBody>
+          <a:bodyPr rtlCol="0" anchor="ctr"/>
+          <a:lstStyle/>
+          <a:p>
+            <a:pPr algn="ctr"/>
+            <a:endParaRPr lang="pl-PL">
+              <a:ln>
+                <a:solidFill>
+                  <a:srgbClr val="FFC000"/>
+                </a:solidFill>
+              </a:ln>
+            </a:endParaRPr>
+          </a:p>
+        </p:txBody>
+      </p:sp>
+      <p:sp>
+        <p:nvSpPr>
+          <p:cNvPr id="62" name="Prostokąt 61">
+            <a:extLst>
+              <a:ext uri="{FF2B5EF4-FFF2-40B4-BE49-F238E27FC236}">
+                <a16:creationId xmlns:a16="http://schemas.microsoft.com/office/drawing/2014/main" id="{5D3B96A3-8FEA-4F97-8C35-0B806225659B}"/>
+              </a:ext>
+            </a:extLst>
+          </p:cNvPr>
+          <p:cNvSpPr/>
+          <p:nvPr/>
+        </p:nvSpPr>
+        <p:spPr>
+          <a:xfrm>
+            <a:off x="3509976" y="1250464"/>
+            <a:ext cx="431652" cy="205496"/>
+          </a:xfrm>
+          <a:prstGeom prst="rect">
+            <a:avLst/>
+          </a:prstGeom>
+          <a:noFill/>
+          <a:ln/>
+        </p:spPr>
+        <p:style>
+          <a:lnRef idx="2">
+            <a:schemeClr val="accent4"/>
+          </a:lnRef>
+          <a:fillRef idx="1">
+            <a:schemeClr val="lt1"/>
+          </a:fillRef>
+          <a:effectRef idx="0">
+            <a:schemeClr val="accent4"/>
+          </a:effectRef>
+          <a:fontRef idx="minor">
+            <a:schemeClr val="dk1"/>
+          </a:fontRef>
+        </p:style>
+        <p:txBody>
+          <a:bodyPr rtlCol="0" anchor="ctr"/>
+          <a:lstStyle/>
+          <a:p>
+            <a:pPr algn="ctr"/>
+            <a:endParaRPr lang="pl-PL">
+              <a:ln>
+                <a:solidFill>
+                  <a:srgbClr val="FFC000"/>
+                </a:solidFill>
+              </a:ln>
+            </a:endParaRPr>
+          </a:p>
+        </p:txBody>
+      </p:sp>
+      <p:sp>
+        <p:nvSpPr>
+          <p:cNvPr id="63" name="Prostokąt 62">
+            <a:extLst>
+              <a:ext uri="{FF2B5EF4-FFF2-40B4-BE49-F238E27FC236}">
+                <a16:creationId xmlns:a16="http://schemas.microsoft.com/office/drawing/2014/main" id="{28D178B1-1D65-42C3-9598-2BEB911B4B8A}"/>
+              </a:ext>
+            </a:extLst>
+          </p:cNvPr>
+          <p:cNvSpPr/>
+          <p:nvPr/>
+        </p:nvSpPr>
+        <p:spPr>
+          <a:xfrm>
+            <a:off x="4300681" y="1253911"/>
+            <a:ext cx="212941" cy="205496"/>
+          </a:xfrm>
+          <a:prstGeom prst="rect">
+            <a:avLst/>
+          </a:prstGeom>
+          <a:noFill/>
+          <a:ln>
+            <a:solidFill>
+              <a:srgbClr val="00B050"/>
+            </a:solidFill>
+          </a:ln>
+        </p:spPr>
+        <p:style>
+          <a:lnRef idx="2">
+            <a:schemeClr val="accent4"/>
+          </a:lnRef>
+          <a:fillRef idx="1">
+            <a:schemeClr val="lt1"/>
+          </a:fillRef>
+          <a:effectRef idx="0">
+            <a:schemeClr val="accent4"/>
+          </a:effectRef>
+          <a:fontRef idx="minor">
+            <a:schemeClr val="dk1"/>
+          </a:fontRef>
+        </p:style>
+        <p:txBody>
+          <a:bodyPr rtlCol="0" anchor="ctr"/>
+          <a:lstStyle/>
+          <a:p>
+            <a:pPr algn="ctr"/>
+            <a:endParaRPr lang="pl-PL">
+              <a:ln>
+                <a:solidFill>
+                  <a:srgbClr val="FFC000"/>
+                </a:solidFill>
+              </a:ln>
+            </a:endParaRPr>
+          </a:p>
+        </p:txBody>
+      </p:sp>
+      <p:cxnSp>
+        <p:nvCxnSpPr>
+          <p:cNvPr id="88" name="Łącznik: zakrzywiony 87">
+            <a:extLst>
+              <a:ext uri="{FF2B5EF4-FFF2-40B4-BE49-F238E27FC236}">
+                <a16:creationId xmlns:a16="http://schemas.microsoft.com/office/drawing/2014/main" id="{1BE25107-D508-4EAD-A43D-9A148AF1F26F}"/>
+              </a:ext>
+            </a:extLst>
+          </p:cNvPr>
+          <p:cNvCxnSpPr>
+            <a:cxnSpLocks/>
+          </p:cNvCxnSpPr>
+          <p:nvPr/>
+        </p:nvCxnSpPr>
+        <p:spPr>
+          <a:xfrm rot="10800000" flipV="1">
+            <a:off x="2363199" y="1405084"/>
+            <a:ext cx="295113" cy="149413"/>
+          </a:xfrm>
+          <a:prstGeom prst="curvedConnector3">
+            <a:avLst/>
+          </a:prstGeom>
+          <a:ln>
+            <a:tailEnd type="triangle"/>
+          </a:ln>
+        </p:spPr>
+        <p:style>
+          <a:lnRef idx="1">
+            <a:schemeClr val="accent5"/>
+          </a:lnRef>
+          <a:fillRef idx="0">
+            <a:schemeClr val="accent5"/>
+          </a:fillRef>
+          <a:effectRef idx="0">
+            <a:schemeClr val="accent5"/>
+          </a:effectRef>
+          <a:fontRef idx="minor">
+            <a:schemeClr val="tx1"/>
+          </a:fontRef>
+        </p:style>
+      </p:cxnSp>
+      <p:cxnSp>
+        <p:nvCxnSpPr>
+          <p:cNvPr id="90" name="Łącznik: zakrzywiony 89">
+            <a:extLst>
+              <a:ext uri="{FF2B5EF4-FFF2-40B4-BE49-F238E27FC236}">
+                <a16:creationId xmlns:a16="http://schemas.microsoft.com/office/drawing/2014/main" id="{97143C90-42D1-4BEB-A6B3-654EF3D34B49}"/>
+              </a:ext>
+            </a:extLst>
+          </p:cNvPr>
+          <p:cNvCxnSpPr>
+            <a:cxnSpLocks/>
+          </p:cNvCxnSpPr>
+          <p:nvPr/>
+        </p:nvCxnSpPr>
+        <p:spPr>
+          <a:xfrm rot="10800000" flipV="1">
+            <a:off x="2749288" y="1406314"/>
+            <a:ext cx="295113" cy="149413"/>
+          </a:xfrm>
+          <a:prstGeom prst="curvedConnector3">
+            <a:avLst/>
+          </a:prstGeom>
+          <a:ln>
+            <a:tailEnd type="triangle"/>
+          </a:ln>
+        </p:spPr>
+        <p:style>
+          <a:lnRef idx="1">
+            <a:schemeClr val="accent5"/>
+          </a:lnRef>
+          <a:fillRef idx="0">
+            <a:schemeClr val="accent5"/>
+          </a:fillRef>
+          <a:effectRef idx="0">
+            <a:schemeClr val="accent5"/>
+          </a:effectRef>
+          <a:fontRef idx="minor">
+            <a:schemeClr val="tx1"/>
+          </a:fontRef>
+        </p:style>
+      </p:cxnSp>
+      <p:cxnSp>
+        <p:nvCxnSpPr>
+          <p:cNvPr id="92" name="Łącznik: zakrzywiony 91">
+            <a:extLst>
+              <a:ext uri="{FF2B5EF4-FFF2-40B4-BE49-F238E27FC236}">
+                <a16:creationId xmlns:a16="http://schemas.microsoft.com/office/drawing/2014/main" id="{5EF05CEA-AE43-4C17-946C-F73BB0FA39D3}"/>
+              </a:ext>
+            </a:extLst>
+          </p:cNvPr>
+          <p:cNvCxnSpPr>
+            <a:cxnSpLocks/>
+          </p:cNvCxnSpPr>
+          <p:nvPr/>
+        </p:nvCxnSpPr>
+        <p:spPr>
+          <a:xfrm rot="10800000" flipV="1">
+            <a:off x="3089147" y="1405085"/>
+            <a:ext cx="295113" cy="149413"/>
+          </a:xfrm>
+          <a:prstGeom prst="curvedConnector3">
+            <a:avLst/>
+          </a:prstGeom>
+          <a:ln>
+            <a:tailEnd type="triangle"/>
+          </a:ln>
+        </p:spPr>
+        <p:style>
+          <a:lnRef idx="1">
+            <a:schemeClr val="accent5"/>
+          </a:lnRef>
+          <a:fillRef idx="0">
+            <a:schemeClr val="accent5"/>
+          </a:fillRef>
+          <a:effectRef idx="0">
+            <a:schemeClr val="accent5"/>
+          </a:effectRef>
+          <a:fontRef idx="minor">
+            <a:schemeClr val="tx1"/>
+          </a:fontRef>
+        </p:style>
+      </p:cxnSp>
+      <p:cxnSp>
+        <p:nvCxnSpPr>
+          <p:cNvPr id="93" name="Łącznik: zakrzywiony 92">
+            <a:extLst>
+              <a:ext uri="{FF2B5EF4-FFF2-40B4-BE49-F238E27FC236}">
+                <a16:creationId xmlns:a16="http://schemas.microsoft.com/office/drawing/2014/main" id="{B754C592-6D37-4345-BDD4-EAA274D7D8F4}"/>
+              </a:ext>
+            </a:extLst>
+          </p:cNvPr>
+          <p:cNvCxnSpPr>
+            <a:cxnSpLocks/>
+          </p:cNvCxnSpPr>
+          <p:nvPr/>
+        </p:nvCxnSpPr>
+        <p:spPr>
+          <a:xfrm rot="10800000" flipV="1">
+            <a:off x="3453427" y="1405084"/>
+            <a:ext cx="295113" cy="149413"/>
+          </a:xfrm>
+          <a:prstGeom prst="curvedConnector3">
+            <a:avLst/>
+          </a:prstGeom>
+          <a:ln>
+            <a:tailEnd type="triangle"/>
+          </a:ln>
+        </p:spPr>
+        <p:style>
+          <a:lnRef idx="1">
+            <a:schemeClr val="accent5"/>
+          </a:lnRef>
+          <a:fillRef idx="0">
+            <a:schemeClr val="accent5"/>
+          </a:fillRef>
+          <a:effectRef idx="0">
+            <a:schemeClr val="accent5"/>
+          </a:effectRef>
+          <a:fontRef idx="minor">
+            <a:schemeClr val="tx1"/>
+          </a:fontRef>
+        </p:style>
+      </p:cxnSp>
+      <p:sp>
+        <p:nvSpPr>
+          <p:cNvPr id="95" name="Prostokąt 94">
+            <a:extLst>
+              <a:ext uri="{FF2B5EF4-FFF2-40B4-BE49-F238E27FC236}">
+                <a16:creationId xmlns:a16="http://schemas.microsoft.com/office/drawing/2014/main" id="{3148DF57-2F65-4428-92FA-53A727A0996E}"/>
+              </a:ext>
+            </a:extLst>
+          </p:cNvPr>
+          <p:cNvSpPr/>
+          <p:nvPr/>
+        </p:nvSpPr>
+        <p:spPr>
+          <a:xfrm>
+            <a:off x="2317636" y="854594"/>
+            <a:ext cx="431652" cy="205496"/>
+          </a:xfrm>
+          <a:prstGeom prst="rect">
+            <a:avLst/>
+          </a:prstGeom>
+          <a:noFill/>
+          <a:ln>
+            <a:solidFill>
+              <a:schemeClr val="bg2">
+                <a:lumMod val="60000"/>
+                <a:lumOff val="40000"/>
+              </a:schemeClr>
+            </a:solidFill>
+          </a:ln>
+        </p:spPr>
+        <p:style>
+          <a:lnRef idx="2">
+            <a:schemeClr val="accent4"/>
+          </a:lnRef>
+          <a:fillRef idx="1">
+            <a:schemeClr val="lt1"/>
+          </a:fillRef>
+          <a:effectRef idx="0">
+            <a:schemeClr val="accent4"/>
+          </a:effectRef>
+          <a:fontRef idx="minor">
+            <a:schemeClr val="dk1"/>
+          </a:fontRef>
+        </p:style>
+        <p:txBody>
+          <a:bodyPr rtlCol="0" anchor="ctr"/>
+          <a:lstStyle/>
+          <a:p>
+            <a:pPr algn="ctr"/>
+            <a:endParaRPr lang="pl-PL">
+              <a:ln>
+                <a:solidFill>
+                  <a:srgbClr val="FFC000"/>
+                </a:solidFill>
+              </a:ln>
+            </a:endParaRPr>
+          </a:p>
+        </p:txBody>
+      </p:sp>
+      <p:sp>
+        <p:nvSpPr>
+          <p:cNvPr id="96" name="Prostokąt 95">
+            <a:extLst>
+              <a:ext uri="{FF2B5EF4-FFF2-40B4-BE49-F238E27FC236}">
+                <a16:creationId xmlns:a16="http://schemas.microsoft.com/office/drawing/2014/main" id="{E727B29B-8D29-45E6-A8B7-1286B8392E2A}"/>
+              </a:ext>
+            </a:extLst>
+          </p:cNvPr>
+          <p:cNvSpPr/>
+          <p:nvPr/>
+        </p:nvSpPr>
+        <p:spPr>
+          <a:xfrm>
+            <a:off x="1969809" y="1634339"/>
+            <a:ext cx="431652" cy="205496"/>
+          </a:xfrm>
+          <a:prstGeom prst="rect">
+            <a:avLst/>
+          </a:prstGeom>
+          <a:noFill/>
+          <a:ln>
+            <a:solidFill>
+              <a:schemeClr val="bg2">
+                <a:lumMod val="60000"/>
+                <a:lumOff val="40000"/>
+              </a:schemeClr>
+            </a:solidFill>
+          </a:ln>
+        </p:spPr>
+        <p:style>
+          <a:lnRef idx="2">
+            <a:schemeClr val="accent4"/>
+          </a:lnRef>
+          <a:fillRef idx="1">
+            <a:schemeClr val="lt1"/>
+          </a:fillRef>
+          <a:effectRef idx="0">
+            <a:schemeClr val="accent4"/>
+          </a:effectRef>
+          <a:fontRef idx="minor">
+            <a:schemeClr val="dk1"/>
+          </a:fontRef>
+        </p:style>
+        <p:txBody>
+          <a:bodyPr rtlCol="0" anchor="ctr"/>
+          <a:lstStyle/>
+          <a:p>
+            <a:pPr algn="ctr"/>
+            <a:endParaRPr lang="pl-PL">
+              <a:ln>
+                <a:solidFill>
+                  <a:srgbClr val="FFC000"/>
+                </a:solidFill>
+              </a:ln>
+            </a:endParaRPr>
+          </a:p>
+        </p:txBody>
+      </p:sp>
+      <p:sp>
+        <p:nvSpPr>
+          <p:cNvPr id="97" name="Prostokąt 96">
+            <a:extLst>
+              <a:ext uri="{FF2B5EF4-FFF2-40B4-BE49-F238E27FC236}">
+                <a16:creationId xmlns:a16="http://schemas.microsoft.com/office/drawing/2014/main" id="{4B6A3AD5-7D62-49ED-937B-71F00134D271}"/>
+              </a:ext>
+            </a:extLst>
+          </p:cNvPr>
+          <p:cNvSpPr/>
+          <p:nvPr/>
+        </p:nvSpPr>
+        <p:spPr>
+          <a:xfrm>
+            <a:off x="3509976" y="1634294"/>
+            <a:ext cx="431652" cy="205496"/>
+          </a:xfrm>
+          <a:prstGeom prst="rect">
+            <a:avLst/>
+          </a:prstGeom>
+          <a:noFill/>
+          <a:ln>
+            <a:solidFill>
+              <a:schemeClr val="bg2">
+                <a:lumMod val="60000"/>
+                <a:lumOff val="40000"/>
+              </a:schemeClr>
+            </a:solidFill>
+          </a:ln>
+        </p:spPr>
+        <p:style>
+          <a:lnRef idx="2">
+            <a:schemeClr val="accent4"/>
+          </a:lnRef>
+          <a:fillRef idx="1">
+            <a:schemeClr val="lt1"/>
+          </a:fillRef>
+          <a:effectRef idx="0">
+            <a:schemeClr val="accent4"/>
+          </a:effectRef>
+          <a:fontRef idx="minor">
+            <a:schemeClr val="dk1"/>
+          </a:fontRef>
+        </p:style>
+        <p:txBody>
+          <a:bodyPr rtlCol="0" anchor="ctr"/>
+          <a:lstStyle/>
+          <a:p>
+            <a:pPr algn="ctr"/>
+            <a:endParaRPr lang="pl-PL">
+              <a:ln>
+                <a:solidFill>
+                  <a:srgbClr val="FFC000"/>
+                </a:solidFill>
+              </a:ln>
+            </a:endParaRPr>
+          </a:p>
+        </p:txBody>
+      </p:sp>
+      <p:sp>
+        <p:nvSpPr>
+          <p:cNvPr id="99" name="Prostokąt 98">
+            <a:extLst>
+              <a:ext uri="{FF2B5EF4-FFF2-40B4-BE49-F238E27FC236}">
+                <a16:creationId xmlns:a16="http://schemas.microsoft.com/office/drawing/2014/main" id="{38D978B7-8259-47EA-972E-F369A252322B}"/>
+              </a:ext>
+            </a:extLst>
+          </p:cNvPr>
+          <p:cNvSpPr/>
+          <p:nvPr/>
+        </p:nvSpPr>
+        <p:spPr>
+          <a:xfrm>
+            <a:off x="4316316" y="1634294"/>
+            <a:ext cx="212941" cy="205496"/>
+          </a:xfrm>
+          <a:prstGeom prst="rect">
+            <a:avLst/>
+          </a:prstGeom>
+          <a:noFill/>
+          <a:ln>
+            <a:solidFill>
+              <a:schemeClr val="accent2">
+                <a:lumMod val="75000"/>
+              </a:schemeClr>
+            </a:solidFill>
+          </a:ln>
+        </p:spPr>
+        <p:style>
+          <a:lnRef idx="2">
+            <a:schemeClr val="accent4"/>
+          </a:lnRef>
+          <a:fillRef idx="1">
+            <a:schemeClr val="lt1"/>
+          </a:fillRef>
+          <a:effectRef idx="0">
+            <a:schemeClr val="accent4"/>
+          </a:effectRef>
+          <a:fontRef idx="minor">
+            <a:schemeClr val="dk1"/>
+          </a:fontRef>
+        </p:style>
+        <p:txBody>
+          <a:bodyPr rtlCol="0" anchor="ctr"/>
+          <a:lstStyle/>
+          <a:p>
+            <a:pPr algn="ctr"/>
+            <a:endParaRPr lang="pl-PL">
+              <a:ln>
+                <a:solidFill>
+                  <a:srgbClr val="FFC000"/>
+                </a:solidFill>
+              </a:ln>
+            </a:endParaRPr>
           </a:p>
         </p:txBody>
       </p:sp>
@@ -25678,7 +26886,7 @@
                             </p:stCondLst>
                             <p:childTnLst>
                               <p:par>
-                                <p:cTn id="5" presetID="10" presetClass="entr" presetSubtype="0" fill="hold" grpId="0" nodeType="clickEffect">
+                                <p:cTn id="5" presetID="1" presetClass="entr" presetSubtype="0" fill="hold" nodeType="clickEffect">
                                   <p:stCondLst>
                                     <p:cond delay="0"/>
                                   </p:stCondLst>
@@ -25686,6 +26894,1572 @@
                                     <p:set>
                                       <p:cBhvr>
                                         <p:cTn id="6" dur="1" fill="hold">
+                                          <p:stCondLst>
+                                            <p:cond delay="0"/>
+                                          </p:stCondLst>
+                                        </p:cTn>
+                                        <p:tgtEl>
+                                          <p:spTgt spid="5"/>
+                                        </p:tgtEl>
+                                        <p:attrNameLst>
+                                          <p:attrName>style.visibility</p:attrName>
+                                        </p:attrNameLst>
+                                      </p:cBhvr>
+                                      <p:to>
+                                        <p:strVal val="visible"/>
+                                      </p:to>
+                                    </p:set>
+                                  </p:childTnLst>
+                                </p:cTn>
+                              </p:par>
+                            </p:childTnLst>
+                          </p:cTn>
+                        </p:par>
+                      </p:childTnLst>
+                    </p:cTn>
+                  </p:par>
+                  <p:par>
+                    <p:cTn id="7" fill="hold">
+                      <p:stCondLst>
+                        <p:cond delay="indefinite"/>
+                      </p:stCondLst>
+                      <p:childTnLst>
+                        <p:par>
+                          <p:cTn id="8" fill="hold">
+                            <p:stCondLst>
+                              <p:cond delay="0"/>
+                            </p:stCondLst>
+                            <p:childTnLst>
+                              <p:par>
+                                <p:cTn id="9" presetID="1" presetClass="entr" presetSubtype="0" fill="hold" nodeType="clickEffect">
+                                  <p:stCondLst>
+                                    <p:cond delay="0"/>
+                                  </p:stCondLst>
+                                  <p:childTnLst>
+                                    <p:set>
+                                      <p:cBhvr>
+                                        <p:cTn id="10" dur="1" fill="hold">
+                                          <p:stCondLst>
+                                            <p:cond delay="0"/>
+                                          </p:stCondLst>
+                                        </p:cTn>
+                                        <p:tgtEl>
+                                          <p:spTgt spid="8"/>
+                                        </p:tgtEl>
+                                        <p:attrNameLst>
+                                          <p:attrName>style.visibility</p:attrName>
+                                        </p:attrNameLst>
+                                      </p:cBhvr>
+                                      <p:to>
+                                        <p:strVal val="visible"/>
+                                      </p:to>
+                                    </p:set>
+                                  </p:childTnLst>
+                                </p:cTn>
+                              </p:par>
+                            </p:childTnLst>
+                          </p:cTn>
+                        </p:par>
+                      </p:childTnLst>
+                    </p:cTn>
+                  </p:par>
+                  <p:par>
+                    <p:cTn id="11" fill="hold">
+                      <p:stCondLst>
+                        <p:cond delay="indefinite"/>
+                      </p:stCondLst>
+                      <p:childTnLst>
+                        <p:par>
+                          <p:cTn id="12" fill="hold">
+                            <p:stCondLst>
+                              <p:cond delay="0"/>
+                            </p:stCondLst>
+                            <p:childTnLst>
+                              <p:par>
+                                <p:cTn id="13" presetID="1" presetClass="entr" presetSubtype="0" fill="hold" nodeType="clickEffect">
+                                  <p:stCondLst>
+                                    <p:cond delay="0"/>
+                                  </p:stCondLst>
+                                  <p:childTnLst>
+                                    <p:set>
+                                      <p:cBhvr>
+                                        <p:cTn id="14" dur="1" fill="hold">
+                                          <p:stCondLst>
+                                            <p:cond delay="0"/>
+                                          </p:stCondLst>
+                                        </p:cTn>
+                                        <p:tgtEl>
+                                          <p:spTgt spid="10"/>
+                                        </p:tgtEl>
+                                        <p:attrNameLst>
+                                          <p:attrName>style.visibility</p:attrName>
+                                        </p:attrNameLst>
+                                      </p:cBhvr>
+                                      <p:to>
+                                        <p:strVal val="visible"/>
+                                      </p:to>
+                                    </p:set>
+                                  </p:childTnLst>
+                                </p:cTn>
+                              </p:par>
+                              <p:par>
+                                <p:cTn id="15" presetID="1" presetClass="entr" presetSubtype="0" fill="hold" nodeType="withEffect">
+                                  <p:stCondLst>
+                                    <p:cond delay="0"/>
+                                  </p:stCondLst>
+                                  <p:childTnLst>
+                                    <p:set>
+                                      <p:cBhvr>
+                                        <p:cTn id="16" dur="1" fill="hold">
+                                          <p:stCondLst>
+                                            <p:cond delay="0"/>
+                                          </p:stCondLst>
+                                        </p:cTn>
+                                        <p:tgtEl>
+                                          <p:spTgt spid="16"/>
+                                        </p:tgtEl>
+                                        <p:attrNameLst>
+                                          <p:attrName>style.visibility</p:attrName>
+                                        </p:attrNameLst>
+                                      </p:cBhvr>
+                                      <p:to>
+                                        <p:strVal val="visible"/>
+                                      </p:to>
+                                    </p:set>
+                                  </p:childTnLst>
+                                </p:cTn>
+                              </p:par>
+                              <p:par>
+                                <p:cTn id="17" presetID="1" presetClass="entr" presetSubtype="0" fill="hold" nodeType="withEffect">
+                                  <p:stCondLst>
+                                    <p:cond delay="0"/>
+                                  </p:stCondLst>
+                                  <p:childTnLst>
+                                    <p:set>
+                                      <p:cBhvr>
+                                        <p:cTn id="18" dur="1" fill="hold">
+                                          <p:stCondLst>
+                                            <p:cond delay="0"/>
+                                          </p:stCondLst>
+                                        </p:cTn>
+                                        <p:tgtEl>
+                                          <p:spTgt spid="24"/>
+                                        </p:tgtEl>
+                                        <p:attrNameLst>
+                                          <p:attrName>style.visibility</p:attrName>
+                                        </p:attrNameLst>
+                                      </p:cBhvr>
+                                      <p:to>
+                                        <p:strVal val="visible"/>
+                                      </p:to>
+                                    </p:set>
+                                  </p:childTnLst>
+                                </p:cTn>
+                              </p:par>
+                              <p:par>
+                                <p:cTn id="19" presetID="1" presetClass="entr" presetSubtype="0" fill="hold" nodeType="withEffect">
+                                  <p:stCondLst>
+                                    <p:cond delay="0"/>
+                                  </p:stCondLst>
+                                  <p:childTnLst>
+                                    <p:set>
+                                      <p:cBhvr>
+                                        <p:cTn id="20" dur="1" fill="hold">
+                                          <p:stCondLst>
+                                            <p:cond delay="0"/>
+                                          </p:stCondLst>
+                                        </p:cTn>
+                                        <p:tgtEl>
+                                          <p:spTgt spid="29"/>
+                                        </p:tgtEl>
+                                        <p:attrNameLst>
+                                          <p:attrName>style.visibility</p:attrName>
+                                        </p:attrNameLst>
+                                      </p:cBhvr>
+                                      <p:to>
+                                        <p:strVal val="visible"/>
+                                      </p:to>
+                                    </p:set>
+                                  </p:childTnLst>
+                                </p:cTn>
+                              </p:par>
+                              <p:par>
+                                <p:cTn id="21" presetID="1" presetClass="entr" presetSubtype="0" fill="hold" nodeType="withEffect">
+                                  <p:stCondLst>
+                                    <p:cond delay="0"/>
+                                  </p:stCondLst>
+                                  <p:childTnLst>
+                                    <p:set>
+                                      <p:cBhvr>
+                                        <p:cTn id="22" dur="1" fill="hold">
+                                          <p:stCondLst>
+                                            <p:cond delay="0"/>
+                                          </p:stCondLst>
+                                        </p:cTn>
+                                        <p:tgtEl>
+                                          <p:spTgt spid="66"/>
+                                        </p:tgtEl>
+                                        <p:attrNameLst>
+                                          <p:attrName>style.visibility</p:attrName>
+                                        </p:attrNameLst>
+                                      </p:cBhvr>
+                                      <p:to>
+                                        <p:strVal val="visible"/>
+                                      </p:to>
+                                    </p:set>
+                                  </p:childTnLst>
+                                </p:cTn>
+                              </p:par>
+                            </p:childTnLst>
+                          </p:cTn>
+                        </p:par>
+                      </p:childTnLst>
+                    </p:cTn>
+                  </p:par>
+                  <p:par>
+                    <p:cTn id="23" fill="hold">
+                      <p:stCondLst>
+                        <p:cond delay="indefinite"/>
+                      </p:stCondLst>
+                      <p:childTnLst>
+                        <p:par>
+                          <p:cTn id="24" fill="hold">
+                            <p:stCondLst>
+                              <p:cond delay="0"/>
+                            </p:stCondLst>
+                            <p:childTnLst>
+                              <p:par>
+                                <p:cTn id="25" presetID="1" presetClass="exit" presetSubtype="0" fill="hold" nodeType="clickEffect">
+                                  <p:stCondLst>
+                                    <p:cond delay="0"/>
+                                  </p:stCondLst>
+                                  <p:childTnLst>
+                                    <p:set>
+                                      <p:cBhvr>
+                                        <p:cTn id="26" dur="1" fill="hold">
+                                          <p:stCondLst>
+                                            <p:cond delay="0"/>
+                                          </p:stCondLst>
+                                        </p:cTn>
+                                        <p:tgtEl>
+                                          <p:spTgt spid="5"/>
+                                        </p:tgtEl>
+                                        <p:attrNameLst>
+                                          <p:attrName>style.visibility</p:attrName>
+                                        </p:attrNameLst>
+                                      </p:cBhvr>
+                                      <p:to>
+                                        <p:strVal val="hidden"/>
+                                      </p:to>
+                                    </p:set>
+                                  </p:childTnLst>
+                                </p:cTn>
+                              </p:par>
+                              <p:par>
+                                <p:cTn id="27" presetID="1" presetClass="exit" presetSubtype="0" fill="hold" nodeType="withEffect">
+                                  <p:stCondLst>
+                                    <p:cond delay="0"/>
+                                  </p:stCondLst>
+                                  <p:childTnLst>
+                                    <p:set>
+                                      <p:cBhvr>
+                                        <p:cTn id="28" dur="1" fill="hold">
+                                          <p:stCondLst>
+                                            <p:cond delay="0"/>
+                                          </p:stCondLst>
+                                        </p:cTn>
+                                        <p:tgtEl>
+                                          <p:spTgt spid="8"/>
+                                        </p:tgtEl>
+                                        <p:attrNameLst>
+                                          <p:attrName>style.visibility</p:attrName>
+                                        </p:attrNameLst>
+                                      </p:cBhvr>
+                                      <p:to>
+                                        <p:strVal val="hidden"/>
+                                      </p:to>
+                                    </p:set>
+                                  </p:childTnLst>
+                                </p:cTn>
+                              </p:par>
+                              <p:par>
+                                <p:cTn id="29" presetID="1" presetClass="exit" presetSubtype="0" fill="hold" nodeType="withEffect">
+                                  <p:stCondLst>
+                                    <p:cond delay="0"/>
+                                  </p:stCondLst>
+                                  <p:childTnLst>
+                                    <p:set>
+                                      <p:cBhvr>
+                                        <p:cTn id="30" dur="1" fill="hold">
+                                          <p:stCondLst>
+                                            <p:cond delay="0"/>
+                                          </p:stCondLst>
+                                        </p:cTn>
+                                        <p:tgtEl>
+                                          <p:spTgt spid="10"/>
+                                        </p:tgtEl>
+                                        <p:attrNameLst>
+                                          <p:attrName>style.visibility</p:attrName>
+                                        </p:attrNameLst>
+                                      </p:cBhvr>
+                                      <p:to>
+                                        <p:strVal val="hidden"/>
+                                      </p:to>
+                                    </p:set>
+                                  </p:childTnLst>
+                                </p:cTn>
+                              </p:par>
+                              <p:par>
+                                <p:cTn id="31" presetID="1" presetClass="exit" presetSubtype="0" fill="hold" nodeType="withEffect">
+                                  <p:stCondLst>
+                                    <p:cond delay="0"/>
+                                  </p:stCondLst>
+                                  <p:childTnLst>
+                                    <p:set>
+                                      <p:cBhvr>
+                                        <p:cTn id="32" dur="1" fill="hold">
+                                          <p:stCondLst>
+                                            <p:cond delay="0"/>
+                                          </p:stCondLst>
+                                        </p:cTn>
+                                        <p:tgtEl>
+                                          <p:spTgt spid="16"/>
+                                        </p:tgtEl>
+                                        <p:attrNameLst>
+                                          <p:attrName>style.visibility</p:attrName>
+                                        </p:attrNameLst>
+                                      </p:cBhvr>
+                                      <p:to>
+                                        <p:strVal val="hidden"/>
+                                      </p:to>
+                                    </p:set>
+                                  </p:childTnLst>
+                                </p:cTn>
+                              </p:par>
+                              <p:par>
+                                <p:cTn id="33" presetID="1" presetClass="exit" presetSubtype="0" fill="hold" nodeType="withEffect">
+                                  <p:stCondLst>
+                                    <p:cond delay="0"/>
+                                  </p:stCondLst>
+                                  <p:childTnLst>
+                                    <p:set>
+                                      <p:cBhvr>
+                                        <p:cTn id="34" dur="1" fill="hold">
+                                          <p:stCondLst>
+                                            <p:cond delay="0"/>
+                                          </p:stCondLst>
+                                        </p:cTn>
+                                        <p:tgtEl>
+                                          <p:spTgt spid="24"/>
+                                        </p:tgtEl>
+                                        <p:attrNameLst>
+                                          <p:attrName>style.visibility</p:attrName>
+                                        </p:attrNameLst>
+                                      </p:cBhvr>
+                                      <p:to>
+                                        <p:strVal val="hidden"/>
+                                      </p:to>
+                                    </p:set>
+                                  </p:childTnLst>
+                                </p:cTn>
+                              </p:par>
+                              <p:par>
+                                <p:cTn id="35" presetID="1" presetClass="exit" presetSubtype="0" fill="hold" nodeType="withEffect">
+                                  <p:stCondLst>
+                                    <p:cond delay="0"/>
+                                  </p:stCondLst>
+                                  <p:childTnLst>
+                                    <p:set>
+                                      <p:cBhvr>
+                                        <p:cTn id="36" dur="1" fill="hold">
+                                          <p:stCondLst>
+                                            <p:cond delay="0"/>
+                                          </p:stCondLst>
+                                        </p:cTn>
+                                        <p:tgtEl>
+                                          <p:spTgt spid="29"/>
+                                        </p:tgtEl>
+                                        <p:attrNameLst>
+                                          <p:attrName>style.visibility</p:attrName>
+                                        </p:attrNameLst>
+                                      </p:cBhvr>
+                                      <p:to>
+                                        <p:strVal val="hidden"/>
+                                      </p:to>
+                                    </p:set>
+                                  </p:childTnLst>
+                                </p:cTn>
+                              </p:par>
+                              <p:par>
+                                <p:cTn id="37" presetID="1" presetClass="exit" presetSubtype="0" fill="hold" nodeType="withEffect">
+                                  <p:stCondLst>
+                                    <p:cond delay="0"/>
+                                  </p:stCondLst>
+                                  <p:childTnLst>
+                                    <p:set>
+                                      <p:cBhvr>
+                                        <p:cTn id="38" dur="1" fill="hold">
+                                          <p:stCondLst>
+                                            <p:cond delay="0"/>
+                                          </p:stCondLst>
+                                        </p:cTn>
+                                        <p:tgtEl>
+                                          <p:spTgt spid="66"/>
+                                        </p:tgtEl>
+                                        <p:attrNameLst>
+                                          <p:attrName>style.visibility</p:attrName>
+                                        </p:attrNameLst>
+                                      </p:cBhvr>
+                                      <p:to>
+                                        <p:strVal val="hidden"/>
+                                      </p:to>
+                                    </p:set>
+                                  </p:childTnLst>
+                                </p:cTn>
+                              </p:par>
+                            </p:childTnLst>
+                          </p:cTn>
+                        </p:par>
+                      </p:childTnLst>
+                    </p:cTn>
+                  </p:par>
+                  <p:par>
+                    <p:cTn id="39" fill="hold">
+                      <p:stCondLst>
+                        <p:cond delay="indefinite"/>
+                      </p:stCondLst>
+                      <p:childTnLst>
+                        <p:par>
+                          <p:cTn id="40" fill="hold">
+                            <p:stCondLst>
+                              <p:cond delay="0"/>
+                            </p:stCondLst>
+                            <p:childTnLst>
+                              <p:par>
+                                <p:cTn id="41" presetID="16" presetClass="entr" presetSubtype="21" fill="hold" grpId="0" nodeType="clickEffect">
+                                  <p:stCondLst>
+                                    <p:cond delay="0"/>
+                                  </p:stCondLst>
+                                  <p:childTnLst>
+                                    <p:set>
+                                      <p:cBhvr>
+                                        <p:cTn id="42" dur="1" fill="hold">
+                                          <p:stCondLst>
+                                            <p:cond delay="0"/>
+                                          </p:stCondLst>
+                                        </p:cTn>
+                                        <p:tgtEl>
+                                          <p:spTgt spid="86"/>
+                                        </p:tgtEl>
+                                        <p:attrNameLst>
+                                          <p:attrName>style.visibility</p:attrName>
+                                        </p:attrNameLst>
+                                      </p:cBhvr>
+                                      <p:to>
+                                        <p:strVal val="visible"/>
+                                      </p:to>
+                                    </p:set>
+                                    <p:animEffect transition="in" filter="barn(inVertical)">
+                                      <p:cBhvr>
+                                        <p:cTn id="43" dur="500"/>
+                                        <p:tgtEl>
+                                          <p:spTgt spid="86"/>
+                                        </p:tgtEl>
+                                      </p:cBhvr>
+                                    </p:animEffect>
+                                  </p:childTnLst>
+                                </p:cTn>
+                              </p:par>
+                              <p:par>
+                                <p:cTn id="44" presetID="16" presetClass="entr" presetSubtype="21" fill="hold" grpId="0" nodeType="withEffect">
+                                  <p:stCondLst>
+                                    <p:cond delay="1000"/>
+                                  </p:stCondLst>
+                                  <p:childTnLst>
+                                    <p:set>
+                                      <p:cBhvr>
+                                        <p:cTn id="45" dur="1" fill="hold">
+                                          <p:stCondLst>
+                                            <p:cond delay="0"/>
+                                          </p:stCondLst>
+                                        </p:cTn>
+                                        <p:tgtEl>
+                                          <p:spTgt spid="58"/>
+                                        </p:tgtEl>
+                                        <p:attrNameLst>
+                                          <p:attrName>style.visibility</p:attrName>
+                                        </p:attrNameLst>
+                                      </p:cBhvr>
+                                      <p:to>
+                                        <p:strVal val="visible"/>
+                                      </p:to>
+                                    </p:set>
+                                    <p:animEffect transition="in" filter="barn(inVertical)">
+                                      <p:cBhvr>
+                                        <p:cTn id="46" dur="500"/>
+                                        <p:tgtEl>
+                                          <p:spTgt spid="58"/>
+                                        </p:tgtEl>
+                                      </p:cBhvr>
+                                    </p:animEffect>
+                                  </p:childTnLst>
+                                </p:cTn>
+                              </p:par>
+                            </p:childTnLst>
+                          </p:cTn>
+                        </p:par>
+                      </p:childTnLst>
+                    </p:cTn>
+                  </p:par>
+                  <p:par>
+                    <p:cTn id="47" fill="hold">
+                      <p:stCondLst>
+                        <p:cond delay="indefinite"/>
+                      </p:stCondLst>
+                      <p:childTnLst>
+                        <p:par>
+                          <p:cTn id="48" fill="hold">
+                            <p:stCondLst>
+                              <p:cond delay="0"/>
+                            </p:stCondLst>
+                            <p:childTnLst>
+                              <p:par>
+                                <p:cTn id="49" presetID="16" presetClass="entr" presetSubtype="21" fill="hold" grpId="0" nodeType="clickEffect">
+                                  <p:stCondLst>
+                                    <p:cond delay="0"/>
+                                  </p:stCondLst>
+                                  <p:childTnLst>
+                                    <p:set>
+                                      <p:cBhvr>
+                                        <p:cTn id="50" dur="1" fill="hold">
+                                          <p:stCondLst>
+                                            <p:cond delay="0"/>
+                                          </p:stCondLst>
+                                        </p:cTn>
+                                        <p:tgtEl>
+                                          <p:spTgt spid="60"/>
+                                        </p:tgtEl>
+                                        <p:attrNameLst>
+                                          <p:attrName>style.visibility</p:attrName>
+                                        </p:attrNameLst>
+                                      </p:cBhvr>
+                                      <p:to>
+                                        <p:strVal val="visible"/>
+                                      </p:to>
+                                    </p:set>
+                                    <p:animEffect transition="in" filter="barn(inVertical)">
+                                      <p:cBhvr>
+                                        <p:cTn id="51" dur="500"/>
+                                        <p:tgtEl>
+                                          <p:spTgt spid="60"/>
+                                        </p:tgtEl>
+                                      </p:cBhvr>
+                                    </p:animEffect>
+                                  </p:childTnLst>
+                                </p:cTn>
+                              </p:par>
+                              <p:par>
+                                <p:cTn id="52" presetID="16" presetClass="entr" presetSubtype="21" fill="hold" grpId="0" nodeType="withEffect">
+                                  <p:stCondLst>
+                                    <p:cond delay="1000"/>
+                                  </p:stCondLst>
+                                  <p:childTnLst>
+                                    <p:set>
+                                      <p:cBhvr>
+                                        <p:cTn id="53" dur="1" fill="hold">
+                                          <p:stCondLst>
+                                            <p:cond delay="0"/>
+                                          </p:stCondLst>
+                                        </p:cTn>
+                                        <p:tgtEl>
+                                          <p:spTgt spid="62"/>
+                                        </p:tgtEl>
+                                        <p:attrNameLst>
+                                          <p:attrName>style.visibility</p:attrName>
+                                        </p:attrNameLst>
+                                      </p:cBhvr>
+                                      <p:to>
+                                        <p:strVal val="visible"/>
+                                      </p:to>
+                                    </p:set>
+                                    <p:animEffect transition="in" filter="barn(inVertical)">
+                                      <p:cBhvr>
+                                        <p:cTn id="54" dur="500"/>
+                                        <p:tgtEl>
+                                          <p:spTgt spid="62"/>
+                                        </p:tgtEl>
+                                      </p:cBhvr>
+                                    </p:animEffect>
+                                  </p:childTnLst>
+                                </p:cTn>
+                              </p:par>
+                            </p:childTnLst>
+                          </p:cTn>
+                        </p:par>
+                      </p:childTnLst>
+                    </p:cTn>
+                  </p:par>
+                  <p:par>
+                    <p:cTn id="55" fill="hold">
+                      <p:stCondLst>
+                        <p:cond delay="indefinite"/>
+                      </p:stCondLst>
+                      <p:childTnLst>
+                        <p:par>
+                          <p:cTn id="56" fill="hold">
+                            <p:stCondLst>
+                              <p:cond delay="0"/>
+                            </p:stCondLst>
+                            <p:childTnLst>
+                              <p:par>
+                                <p:cTn id="57" presetID="16" presetClass="entr" presetSubtype="21" fill="hold" grpId="0" nodeType="clickEffect">
+                                  <p:stCondLst>
+                                    <p:cond delay="0"/>
+                                  </p:stCondLst>
+                                  <p:childTnLst>
+                                    <p:set>
+                                      <p:cBhvr>
+                                        <p:cTn id="58" dur="1" fill="hold">
+                                          <p:stCondLst>
+                                            <p:cond delay="0"/>
+                                          </p:stCondLst>
+                                        </p:cTn>
+                                        <p:tgtEl>
+                                          <p:spTgt spid="63"/>
+                                        </p:tgtEl>
+                                        <p:attrNameLst>
+                                          <p:attrName>style.visibility</p:attrName>
+                                        </p:attrNameLst>
+                                      </p:cBhvr>
+                                      <p:to>
+                                        <p:strVal val="visible"/>
+                                      </p:to>
+                                    </p:set>
+                                    <p:animEffect transition="in" filter="barn(inVertical)">
+                                      <p:cBhvr>
+                                        <p:cTn id="59" dur="500"/>
+                                        <p:tgtEl>
+                                          <p:spTgt spid="63"/>
+                                        </p:tgtEl>
+                                      </p:cBhvr>
+                                    </p:animEffect>
+                                  </p:childTnLst>
+                                </p:cTn>
+                              </p:par>
+                            </p:childTnLst>
+                          </p:cTn>
+                        </p:par>
+                      </p:childTnLst>
+                    </p:cTn>
+                  </p:par>
+                  <p:par>
+                    <p:cTn id="60" fill="hold">
+                      <p:stCondLst>
+                        <p:cond delay="indefinite"/>
+                      </p:stCondLst>
+                      <p:childTnLst>
+                        <p:par>
+                          <p:cTn id="61" fill="hold">
+                            <p:stCondLst>
+                              <p:cond delay="0"/>
+                            </p:stCondLst>
+                            <p:childTnLst>
+                              <p:par>
+                                <p:cTn id="62" presetID="1" presetClass="entr" presetSubtype="0" fill="hold" nodeType="clickEffect">
+                                  <p:stCondLst>
+                                    <p:cond delay="0"/>
+                                  </p:stCondLst>
+                                  <p:childTnLst>
+                                    <p:set>
+                                      <p:cBhvr>
+                                        <p:cTn id="63" dur="1" fill="hold">
+                                          <p:stCondLst>
+                                            <p:cond delay="0"/>
+                                          </p:stCondLst>
+                                        </p:cTn>
+                                        <p:tgtEl>
+                                          <p:spTgt spid="73"/>
+                                        </p:tgtEl>
+                                        <p:attrNameLst>
+                                          <p:attrName>style.visibility</p:attrName>
+                                        </p:attrNameLst>
+                                      </p:cBhvr>
+                                      <p:to>
+                                        <p:strVal val="visible"/>
+                                      </p:to>
+                                    </p:set>
+                                  </p:childTnLst>
+                                </p:cTn>
+                              </p:par>
+                            </p:childTnLst>
+                          </p:cTn>
+                        </p:par>
+                      </p:childTnLst>
+                    </p:cTn>
+                  </p:par>
+                  <p:par>
+                    <p:cTn id="64" fill="hold">
+                      <p:stCondLst>
+                        <p:cond delay="indefinite"/>
+                      </p:stCondLst>
+                      <p:childTnLst>
+                        <p:par>
+                          <p:cTn id="65" fill="hold">
+                            <p:stCondLst>
+                              <p:cond delay="0"/>
+                            </p:stCondLst>
+                            <p:childTnLst>
+                              <p:par>
+                                <p:cTn id="66" presetID="1" presetClass="entr" presetSubtype="0" fill="hold" nodeType="clickEffect">
+                                  <p:stCondLst>
+                                    <p:cond delay="0"/>
+                                  </p:stCondLst>
+                                  <p:childTnLst>
+                                    <p:set>
+                                      <p:cBhvr>
+                                        <p:cTn id="67" dur="1" fill="hold">
+                                          <p:stCondLst>
+                                            <p:cond delay="0"/>
+                                          </p:stCondLst>
+                                        </p:cTn>
+                                        <p:tgtEl>
+                                          <p:spTgt spid="75"/>
+                                        </p:tgtEl>
+                                        <p:attrNameLst>
+                                          <p:attrName>style.visibility</p:attrName>
+                                        </p:attrNameLst>
+                                      </p:cBhvr>
+                                      <p:to>
+                                        <p:strVal val="visible"/>
+                                      </p:to>
+                                    </p:set>
+                                  </p:childTnLst>
+                                </p:cTn>
+                              </p:par>
+                            </p:childTnLst>
+                          </p:cTn>
+                        </p:par>
+                      </p:childTnLst>
+                    </p:cTn>
+                  </p:par>
+                  <p:par>
+                    <p:cTn id="68" fill="hold">
+                      <p:stCondLst>
+                        <p:cond delay="indefinite"/>
+                      </p:stCondLst>
+                      <p:childTnLst>
+                        <p:par>
+                          <p:cTn id="69" fill="hold">
+                            <p:stCondLst>
+                              <p:cond delay="0"/>
+                            </p:stCondLst>
+                            <p:childTnLst>
+                              <p:par>
+                                <p:cTn id="70" presetID="1" presetClass="entr" presetSubtype="0" fill="hold" nodeType="clickEffect">
+                                  <p:stCondLst>
+                                    <p:cond delay="0"/>
+                                  </p:stCondLst>
+                                  <p:childTnLst>
+                                    <p:set>
+                                      <p:cBhvr>
+                                        <p:cTn id="71" dur="1" fill="hold">
+                                          <p:stCondLst>
+                                            <p:cond delay="0"/>
+                                          </p:stCondLst>
+                                        </p:cTn>
+                                        <p:tgtEl>
+                                          <p:spTgt spid="88"/>
+                                        </p:tgtEl>
+                                        <p:attrNameLst>
+                                          <p:attrName>style.visibility</p:attrName>
+                                        </p:attrNameLst>
+                                      </p:cBhvr>
+                                      <p:to>
+                                        <p:strVal val="visible"/>
+                                      </p:to>
+                                    </p:set>
+                                  </p:childTnLst>
+                                </p:cTn>
+                              </p:par>
+                              <p:par>
+                                <p:cTn id="72" presetID="1" presetClass="entr" presetSubtype="0" fill="hold" nodeType="withEffect">
+                                  <p:stCondLst>
+                                    <p:cond delay="0"/>
+                                  </p:stCondLst>
+                                  <p:childTnLst>
+                                    <p:set>
+                                      <p:cBhvr>
+                                        <p:cTn id="73" dur="1" fill="hold">
+                                          <p:stCondLst>
+                                            <p:cond delay="0"/>
+                                          </p:stCondLst>
+                                        </p:cTn>
+                                        <p:tgtEl>
+                                          <p:spTgt spid="90"/>
+                                        </p:tgtEl>
+                                        <p:attrNameLst>
+                                          <p:attrName>style.visibility</p:attrName>
+                                        </p:attrNameLst>
+                                      </p:cBhvr>
+                                      <p:to>
+                                        <p:strVal val="visible"/>
+                                      </p:to>
+                                    </p:set>
+                                  </p:childTnLst>
+                                </p:cTn>
+                              </p:par>
+                              <p:par>
+                                <p:cTn id="74" presetID="1" presetClass="entr" presetSubtype="0" fill="hold" nodeType="withEffect">
+                                  <p:stCondLst>
+                                    <p:cond delay="0"/>
+                                  </p:stCondLst>
+                                  <p:childTnLst>
+                                    <p:set>
+                                      <p:cBhvr>
+                                        <p:cTn id="75" dur="1" fill="hold">
+                                          <p:stCondLst>
+                                            <p:cond delay="0"/>
+                                          </p:stCondLst>
+                                        </p:cTn>
+                                        <p:tgtEl>
+                                          <p:spTgt spid="92"/>
+                                        </p:tgtEl>
+                                        <p:attrNameLst>
+                                          <p:attrName>style.visibility</p:attrName>
+                                        </p:attrNameLst>
+                                      </p:cBhvr>
+                                      <p:to>
+                                        <p:strVal val="visible"/>
+                                      </p:to>
+                                    </p:set>
+                                  </p:childTnLst>
+                                </p:cTn>
+                              </p:par>
+                              <p:par>
+                                <p:cTn id="76" presetID="1" presetClass="entr" presetSubtype="0" fill="hold" nodeType="withEffect">
+                                  <p:stCondLst>
+                                    <p:cond delay="0"/>
+                                  </p:stCondLst>
+                                  <p:childTnLst>
+                                    <p:set>
+                                      <p:cBhvr>
+                                        <p:cTn id="77" dur="1" fill="hold">
+                                          <p:stCondLst>
+                                            <p:cond delay="0"/>
+                                          </p:stCondLst>
+                                        </p:cTn>
+                                        <p:tgtEl>
+                                          <p:spTgt spid="93"/>
+                                        </p:tgtEl>
+                                        <p:attrNameLst>
+                                          <p:attrName>style.visibility</p:attrName>
+                                        </p:attrNameLst>
+                                      </p:cBhvr>
+                                      <p:to>
+                                        <p:strVal val="visible"/>
+                                      </p:to>
+                                    </p:set>
+                                  </p:childTnLst>
+                                </p:cTn>
+                              </p:par>
+                            </p:childTnLst>
+                          </p:cTn>
+                        </p:par>
+                      </p:childTnLst>
+                    </p:cTn>
+                  </p:par>
+                  <p:par>
+                    <p:cTn id="78" fill="hold">
+                      <p:stCondLst>
+                        <p:cond delay="indefinite"/>
+                      </p:stCondLst>
+                      <p:childTnLst>
+                        <p:par>
+                          <p:cTn id="79" fill="hold">
+                            <p:stCondLst>
+                              <p:cond delay="0"/>
+                            </p:stCondLst>
+                            <p:childTnLst>
+                              <p:par>
+                                <p:cTn id="80" presetID="1" presetClass="entr" presetSubtype="0" fill="hold" nodeType="clickEffect">
+                                  <p:stCondLst>
+                                    <p:cond delay="0"/>
+                                  </p:stCondLst>
+                                  <p:childTnLst>
+                                    <p:set>
+                                      <p:cBhvr>
+                                        <p:cTn id="81" dur="1" fill="hold">
+                                          <p:stCondLst>
+                                            <p:cond delay="0"/>
+                                          </p:stCondLst>
+                                        </p:cTn>
+                                        <p:tgtEl>
+                                          <p:spTgt spid="71"/>
+                                        </p:tgtEl>
+                                        <p:attrNameLst>
+                                          <p:attrName>style.visibility</p:attrName>
+                                        </p:attrNameLst>
+                                      </p:cBhvr>
+                                      <p:to>
+                                        <p:strVal val="visible"/>
+                                      </p:to>
+                                    </p:set>
+                                  </p:childTnLst>
+                                </p:cTn>
+                              </p:par>
+                            </p:childTnLst>
+                          </p:cTn>
+                        </p:par>
+                      </p:childTnLst>
+                    </p:cTn>
+                  </p:par>
+                  <p:par>
+                    <p:cTn id="82" fill="hold">
+                      <p:stCondLst>
+                        <p:cond delay="indefinite"/>
+                      </p:stCondLst>
+                      <p:childTnLst>
+                        <p:par>
+                          <p:cTn id="83" fill="hold">
+                            <p:stCondLst>
+                              <p:cond delay="0"/>
+                            </p:stCondLst>
+                            <p:childTnLst>
+                              <p:par>
+                                <p:cTn id="84" presetID="1" presetClass="exit" presetSubtype="0" fill="hold" grpId="1" nodeType="clickEffect">
+                                  <p:stCondLst>
+                                    <p:cond delay="0"/>
+                                  </p:stCondLst>
+                                  <p:childTnLst>
+                                    <p:set>
+                                      <p:cBhvr>
+                                        <p:cTn id="85" dur="1" fill="hold">
+                                          <p:stCondLst>
+                                            <p:cond delay="0"/>
+                                          </p:stCondLst>
+                                        </p:cTn>
+                                        <p:tgtEl>
+                                          <p:spTgt spid="86"/>
+                                        </p:tgtEl>
+                                        <p:attrNameLst>
+                                          <p:attrName>style.visibility</p:attrName>
+                                        </p:attrNameLst>
+                                      </p:cBhvr>
+                                      <p:to>
+                                        <p:strVal val="hidden"/>
+                                      </p:to>
+                                    </p:set>
+                                  </p:childTnLst>
+                                </p:cTn>
+                              </p:par>
+                              <p:par>
+                                <p:cTn id="86" presetID="1" presetClass="exit" presetSubtype="0" fill="hold" grpId="1" nodeType="withEffect">
+                                  <p:stCondLst>
+                                    <p:cond delay="0"/>
+                                  </p:stCondLst>
+                                  <p:childTnLst>
+                                    <p:set>
+                                      <p:cBhvr>
+                                        <p:cTn id="87" dur="1" fill="hold">
+                                          <p:stCondLst>
+                                            <p:cond delay="0"/>
+                                          </p:stCondLst>
+                                        </p:cTn>
+                                        <p:tgtEl>
+                                          <p:spTgt spid="58"/>
+                                        </p:tgtEl>
+                                        <p:attrNameLst>
+                                          <p:attrName>style.visibility</p:attrName>
+                                        </p:attrNameLst>
+                                      </p:cBhvr>
+                                      <p:to>
+                                        <p:strVal val="hidden"/>
+                                      </p:to>
+                                    </p:set>
+                                  </p:childTnLst>
+                                </p:cTn>
+                              </p:par>
+                              <p:par>
+                                <p:cTn id="88" presetID="1" presetClass="exit" presetSubtype="0" fill="hold" grpId="1" nodeType="withEffect">
+                                  <p:stCondLst>
+                                    <p:cond delay="0"/>
+                                  </p:stCondLst>
+                                  <p:childTnLst>
+                                    <p:set>
+                                      <p:cBhvr>
+                                        <p:cTn id="89" dur="1" fill="hold">
+                                          <p:stCondLst>
+                                            <p:cond delay="0"/>
+                                          </p:stCondLst>
+                                        </p:cTn>
+                                        <p:tgtEl>
+                                          <p:spTgt spid="60"/>
+                                        </p:tgtEl>
+                                        <p:attrNameLst>
+                                          <p:attrName>style.visibility</p:attrName>
+                                        </p:attrNameLst>
+                                      </p:cBhvr>
+                                      <p:to>
+                                        <p:strVal val="hidden"/>
+                                      </p:to>
+                                    </p:set>
+                                  </p:childTnLst>
+                                </p:cTn>
+                              </p:par>
+                              <p:par>
+                                <p:cTn id="90" presetID="1" presetClass="exit" presetSubtype="0" fill="hold" grpId="1" nodeType="withEffect">
+                                  <p:stCondLst>
+                                    <p:cond delay="0"/>
+                                  </p:stCondLst>
+                                  <p:childTnLst>
+                                    <p:set>
+                                      <p:cBhvr>
+                                        <p:cTn id="91" dur="1" fill="hold">
+                                          <p:stCondLst>
+                                            <p:cond delay="0"/>
+                                          </p:stCondLst>
+                                        </p:cTn>
+                                        <p:tgtEl>
+                                          <p:spTgt spid="62"/>
+                                        </p:tgtEl>
+                                        <p:attrNameLst>
+                                          <p:attrName>style.visibility</p:attrName>
+                                        </p:attrNameLst>
+                                      </p:cBhvr>
+                                      <p:to>
+                                        <p:strVal val="hidden"/>
+                                      </p:to>
+                                    </p:set>
+                                  </p:childTnLst>
+                                </p:cTn>
+                              </p:par>
+                              <p:par>
+                                <p:cTn id="92" presetID="1" presetClass="exit" presetSubtype="0" fill="hold" grpId="1" nodeType="withEffect">
+                                  <p:stCondLst>
+                                    <p:cond delay="0"/>
+                                  </p:stCondLst>
+                                  <p:childTnLst>
+                                    <p:set>
+                                      <p:cBhvr>
+                                        <p:cTn id="93" dur="1" fill="hold">
+                                          <p:stCondLst>
+                                            <p:cond delay="0"/>
+                                          </p:stCondLst>
+                                        </p:cTn>
+                                        <p:tgtEl>
+                                          <p:spTgt spid="63"/>
+                                        </p:tgtEl>
+                                        <p:attrNameLst>
+                                          <p:attrName>style.visibility</p:attrName>
+                                        </p:attrNameLst>
+                                      </p:cBhvr>
+                                      <p:to>
+                                        <p:strVal val="hidden"/>
+                                      </p:to>
+                                    </p:set>
+                                  </p:childTnLst>
+                                </p:cTn>
+                              </p:par>
+                              <p:par>
+                                <p:cTn id="94" presetID="1" presetClass="exit" presetSubtype="0" fill="hold" nodeType="withEffect">
+                                  <p:stCondLst>
+                                    <p:cond delay="0"/>
+                                  </p:stCondLst>
+                                  <p:childTnLst>
+                                    <p:set>
+                                      <p:cBhvr>
+                                        <p:cTn id="95" dur="1" fill="hold">
+                                          <p:stCondLst>
+                                            <p:cond delay="0"/>
+                                          </p:stCondLst>
+                                        </p:cTn>
+                                        <p:tgtEl>
+                                          <p:spTgt spid="73"/>
+                                        </p:tgtEl>
+                                        <p:attrNameLst>
+                                          <p:attrName>style.visibility</p:attrName>
+                                        </p:attrNameLst>
+                                      </p:cBhvr>
+                                      <p:to>
+                                        <p:strVal val="hidden"/>
+                                      </p:to>
+                                    </p:set>
+                                  </p:childTnLst>
+                                </p:cTn>
+                              </p:par>
+                              <p:par>
+                                <p:cTn id="96" presetID="1" presetClass="exit" presetSubtype="0" fill="hold" nodeType="withEffect">
+                                  <p:stCondLst>
+                                    <p:cond delay="0"/>
+                                  </p:stCondLst>
+                                  <p:childTnLst>
+                                    <p:set>
+                                      <p:cBhvr>
+                                        <p:cTn id="97" dur="1" fill="hold">
+                                          <p:stCondLst>
+                                            <p:cond delay="0"/>
+                                          </p:stCondLst>
+                                        </p:cTn>
+                                        <p:tgtEl>
+                                          <p:spTgt spid="75"/>
+                                        </p:tgtEl>
+                                        <p:attrNameLst>
+                                          <p:attrName>style.visibility</p:attrName>
+                                        </p:attrNameLst>
+                                      </p:cBhvr>
+                                      <p:to>
+                                        <p:strVal val="hidden"/>
+                                      </p:to>
+                                    </p:set>
+                                  </p:childTnLst>
+                                </p:cTn>
+                              </p:par>
+                              <p:par>
+                                <p:cTn id="98" presetID="1" presetClass="exit" presetSubtype="0" fill="hold" nodeType="withEffect">
+                                  <p:stCondLst>
+                                    <p:cond delay="0"/>
+                                  </p:stCondLst>
+                                  <p:childTnLst>
+                                    <p:set>
+                                      <p:cBhvr>
+                                        <p:cTn id="99" dur="1" fill="hold">
+                                          <p:stCondLst>
+                                            <p:cond delay="0"/>
+                                          </p:stCondLst>
+                                        </p:cTn>
+                                        <p:tgtEl>
+                                          <p:spTgt spid="88"/>
+                                        </p:tgtEl>
+                                        <p:attrNameLst>
+                                          <p:attrName>style.visibility</p:attrName>
+                                        </p:attrNameLst>
+                                      </p:cBhvr>
+                                      <p:to>
+                                        <p:strVal val="hidden"/>
+                                      </p:to>
+                                    </p:set>
+                                  </p:childTnLst>
+                                </p:cTn>
+                              </p:par>
+                              <p:par>
+                                <p:cTn id="100" presetID="1" presetClass="exit" presetSubtype="0" fill="hold" nodeType="withEffect">
+                                  <p:stCondLst>
+                                    <p:cond delay="0"/>
+                                  </p:stCondLst>
+                                  <p:childTnLst>
+                                    <p:set>
+                                      <p:cBhvr>
+                                        <p:cTn id="101" dur="1" fill="hold">
+                                          <p:stCondLst>
+                                            <p:cond delay="0"/>
+                                          </p:stCondLst>
+                                        </p:cTn>
+                                        <p:tgtEl>
+                                          <p:spTgt spid="90"/>
+                                        </p:tgtEl>
+                                        <p:attrNameLst>
+                                          <p:attrName>style.visibility</p:attrName>
+                                        </p:attrNameLst>
+                                      </p:cBhvr>
+                                      <p:to>
+                                        <p:strVal val="hidden"/>
+                                      </p:to>
+                                    </p:set>
+                                  </p:childTnLst>
+                                </p:cTn>
+                              </p:par>
+                              <p:par>
+                                <p:cTn id="102" presetID="1" presetClass="exit" presetSubtype="0" fill="hold" nodeType="withEffect">
+                                  <p:stCondLst>
+                                    <p:cond delay="0"/>
+                                  </p:stCondLst>
+                                  <p:childTnLst>
+                                    <p:set>
+                                      <p:cBhvr>
+                                        <p:cTn id="103" dur="1" fill="hold">
+                                          <p:stCondLst>
+                                            <p:cond delay="0"/>
+                                          </p:stCondLst>
+                                        </p:cTn>
+                                        <p:tgtEl>
+                                          <p:spTgt spid="92"/>
+                                        </p:tgtEl>
+                                        <p:attrNameLst>
+                                          <p:attrName>style.visibility</p:attrName>
+                                        </p:attrNameLst>
+                                      </p:cBhvr>
+                                      <p:to>
+                                        <p:strVal val="hidden"/>
+                                      </p:to>
+                                    </p:set>
+                                  </p:childTnLst>
+                                </p:cTn>
+                              </p:par>
+                              <p:par>
+                                <p:cTn id="104" presetID="1" presetClass="exit" presetSubtype="0" fill="hold" nodeType="withEffect">
+                                  <p:stCondLst>
+                                    <p:cond delay="0"/>
+                                  </p:stCondLst>
+                                  <p:childTnLst>
+                                    <p:set>
+                                      <p:cBhvr>
+                                        <p:cTn id="105" dur="1" fill="hold">
+                                          <p:stCondLst>
+                                            <p:cond delay="0"/>
+                                          </p:stCondLst>
+                                        </p:cTn>
+                                        <p:tgtEl>
+                                          <p:spTgt spid="93"/>
+                                        </p:tgtEl>
+                                        <p:attrNameLst>
+                                          <p:attrName>style.visibility</p:attrName>
+                                        </p:attrNameLst>
+                                      </p:cBhvr>
+                                      <p:to>
+                                        <p:strVal val="hidden"/>
+                                      </p:to>
+                                    </p:set>
+                                  </p:childTnLst>
+                                </p:cTn>
+                              </p:par>
+                              <p:par>
+                                <p:cTn id="106" presetID="1" presetClass="exit" presetSubtype="0" fill="hold" nodeType="withEffect">
+                                  <p:stCondLst>
+                                    <p:cond delay="0"/>
+                                  </p:stCondLst>
+                                  <p:childTnLst>
+                                    <p:set>
+                                      <p:cBhvr>
+                                        <p:cTn id="107" dur="1" fill="hold">
+                                          <p:stCondLst>
+                                            <p:cond delay="0"/>
+                                          </p:stCondLst>
+                                        </p:cTn>
+                                        <p:tgtEl>
+                                          <p:spTgt spid="71"/>
+                                        </p:tgtEl>
+                                        <p:attrNameLst>
+                                          <p:attrName>style.visibility</p:attrName>
+                                        </p:attrNameLst>
+                                      </p:cBhvr>
+                                      <p:to>
+                                        <p:strVal val="hidden"/>
+                                      </p:to>
+                                    </p:set>
+                                  </p:childTnLst>
+                                </p:cTn>
+                              </p:par>
+                            </p:childTnLst>
+                          </p:cTn>
+                        </p:par>
+                      </p:childTnLst>
+                    </p:cTn>
+                  </p:par>
+                  <p:par>
+                    <p:cTn id="108" fill="hold">
+                      <p:stCondLst>
+                        <p:cond delay="indefinite"/>
+                      </p:stCondLst>
+                      <p:childTnLst>
+                        <p:par>
+                          <p:cTn id="109" fill="hold">
+                            <p:stCondLst>
+                              <p:cond delay="0"/>
+                            </p:stCondLst>
+                            <p:childTnLst>
+                              <p:par>
+                                <p:cTn id="110" presetID="16" presetClass="entr" presetSubtype="21" fill="hold" grpId="0" nodeType="clickEffect">
+                                  <p:stCondLst>
+                                    <p:cond delay="0"/>
+                                  </p:stCondLst>
+                                  <p:childTnLst>
+                                    <p:set>
+                                      <p:cBhvr>
+                                        <p:cTn id="111" dur="1" fill="hold">
+                                          <p:stCondLst>
+                                            <p:cond delay="0"/>
+                                          </p:stCondLst>
+                                        </p:cTn>
+                                        <p:tgtEl>
+                                          <p:spTgt spid="95"/>
+                                        </p:tgtEl>
+                                        <p:attrNameLst>
+                                          <p:attrName>style.visibility</p:attrName>
+                                        </p:attrNameLst>
+                                      </p:cBhvr>
+                                      <p:to>
+                                        <p:strVal val="visible"/>
+                                      </p:to>
+                                    </p:set>
+                                    <p:animEffect transition="in" filter="barn(inVertical)">
+                                      <p:cBhvr>
+                                        <p:cTn id="112" dur="500"/>
+                                        <p:tgtEl>
+                                          <p:spTgt spid="95"/>
+                                        </p:tgtEl>
+                                      </p:cBhvr>
+                                    </p:animEffect>
+                                  </p:childTnLst>
+                                </p:cTn>
+                              </p:par>
+                              <p:par>
+                                <p:cTn id="113" presetID="16" presetClass="entr" presetSubtype="21" fill="hold" grpId="0" nodeType="withEffect">
+                                  <p:stCondLst>
+                                    <p:cond delay="750"/>
+                                  </p:stCondLst>
+                                  <p:childTnLst>
+                                    <p:set>
+                                      <p:cBhvr>
+                                        <p:cTn id="114" dur="1" fill="hold">
+                                          <p:stCondLst>
+                                            <p:cond delay="0"/>
+                                          </p:stCondLst>
+                                        </p:cTn>
+                                        <p:tgtEl>
+                                          <p:spTgt spid="96"/>
+                                        </p:tgtEl>
+                                        <p:attrNameLst>
+                                          <p:attrName>style.visibility</p:attrName>
+                                        </p:attrNameLst>
+                                      </p:cBhvr>
+                                      <p:to>
+                                        <p:strVal val="visible"/>
+                                      </p:to>
+                                    </p:set>
+                                    <p:animEffect transition="in" filter="barn(inVertical)">
+                                      <p:cBhvr>
+                                        <p:cTn id="115" dur="500"/>
+                                        <p:tgtEl>
+                                          <p:spTgt spid="96"/>
+                                        </p:tgtEl>
+                                      </p:cBhvr>
+                                    </p:animEffect>
+                                  </p:childTnLst>
+                                </p:cTn>
+                              </p:par>
+                              <p:par>
+                                <p:cTn id="116" presetID="16" presetClass="entr" presetSubtype="21" fill="hold" grpId="0" nodeType="withEffect">
+                                  <p:stCondLst>
+                                    <p:cond delay="1500"/>
+                                  </p:stCondLst>
+                                  <p:childTnLst>
+                                    <p:set>
+                                      <p:cBhvr>
+                                        <p:cTn id="117" dur="1" fill="hold">
+                                          <p:stCondLst>
+                                            <p:cond delay="0"/>
+                                          </p:stCondLst>
+                                        </p:cTn>
+                                        <p:tgtEl>
+                                          <p:spTgt spid="97"/>
+                                        </p:tgtEl>
+                                        <p:attrNameLst>
+                                          <p:attrName>style.visibility</p:attrName>
+                                        </p:attrNameLst>
+                                      </p:cBhvr>
+                                      <p:to>
+                                        <p:strVal val="visible"/>
+                                      </p:to>
+                                    </p:set>
+                                    <p:animEffect transition="in" filter="barn(inVertical)">
+                                      <p:cBhvr>
+                                        <p:cTn id="118" dur="500"/>
+                                        <p:tgtEl>
+                                          <p:spTgt spid="97"/>
+                                        </p:tgtEl>
+                                      </p:cBhvr>
+                                    </p:animEffect>
+                                  </p:childTnLst>
+                                </p:cTn>
+                              </p:par>
+                              <p:par>
+                                <p:cTn id="119" presetID="16" presetClass="entr" presetSubtype="21" fill="hold" grpId="0" nodeType="withEffect">
+                                  <p:stCondLst>
+                                    <p:cond delay="2000"/>
+                                  </p:stCondLst>
+                                  <p:childTnLst>
+                                    <p:set>
+                                      <p:cBhvr>
+                                        <p:cTn id="120" dur="1" fill="hold">
+                                          <p:stCondLst>
+                                            <p:cond delay="0"/>
+                                          </p:stCondLst>
+                                        </p:cTn>
+                                        <p:tgtEl>
+                                          <p:spTgt spid="99"/>
+                                        </p:tgtEl>
+                                        <p:attrNameLst>
+                                          <p:attrName>style.visibility</p:attrName>
+                                        </p:attrNameLst>
+                                      </p:cBhvr>
+                                      <p:to>
+                                        <p:strVal val="visible"/>
+                                      </p:to>
+                                    </p:set>
+                                    <p:animEffect transition="in" filter="barn(inVertical)">
+                                      <p:cBhvr>
+                                        <p:cTn id="121" dur="500"/>
+                                        <p:tgtEl>
+                                          <p:spTgt spid="99"/>
+                                        </p:tgtEl>
+                                      </p:cBhvr>
+                                    </p:animEffect>
+                                  </p:childTnLst>
+                                </p:cTn>
+                              </p:par>
+                            </p:childTnLst>
+                          </p:cTn>
+                        </p:par>
+                      </p:childTnLst>
+                    </p:cTn>
+                  </p:par>
+                  <p:par>
+                    <p:cTn id="122" fill="hold">
+                      <p:stCondLst>
+                        <p:cond delay="indefinite"/>
+                      </p:stCondLst>
+                      <p:childTnLst>
+                        <p:par>
+                          <p:cTn id="123" fill="hold">
+                            <p:stCondLst>
+                              <p:cond delay="0"/>
+                            </p:stCondLst>
+                            <p:childTnLst>
+                              <p:par>
+                                <p:cTn id="124" presetID="1" presetClass="exit" presetSubtype="0" fill="hold" grpId="1" nodeType="clickEffect">
+                                  <p:stCondLst>
+                                    <p:cond delay="0"/>
+                                  </p:stCondLst>
+                                  <p:childTnLst>
+                                    <p:set>
+                                      <p:cBhvr>
+                                        <p:cTn id="125" dur="1" fill="hold">
+                                          <p:stCondLst>
+                                            <p:cond delay="0"/>
+                                          </p:stCondLst>
+                                        </p:cTn>
+                                        <p:tgtEl>
+                                          <p:spTgt spid="95"/>
+                                        </p:tgtEl>
+                                        <p:attrNameLst>
+                                          <p:attrName>style.visibility</p:attrName>
+                                        </p:attrNameLst>
+                                      </p:cBhvr>
+                                      <p:to>
+                                        <p:strVal val="hidden"/>
+                                      </p:to>
+                                    </p:set>
+                                  </p:childTnLst>
+                                </p:cTn>
+                              </p:par>
+                              <p:par>
+                                <p:cTn id="126" presetID="1" presetClass="exit" presetSubtype="0" fill="hold" grpId="1" nodeType="withEffect">
+                                  <p:stCondLst>
+                                    <p:cond delay="0"/>
+                                  </p:stCondLst>
+                                  <p:childTnLst>
+                                    <p:set>
+                                      <p:cBhvr>
+                                        <p:cTn id="127" dur="1" fill="hold">
+                                          <p:stCondLst>
+                                            <p:cond delay="0"/>
+                                          </p:stCondLst>
+                                        </p:cTn>
+                                        <p:tgtEl>
+                                          <p:spTgt spid="96"/>
+                                        </p:tgtEl>
+                                        <p:attrNameLst>
+                                          <p:attrName>style.visibility</p:attrName>
+                                        </p:attrNameLst>
+                                      </p:cBhvr>
+                                      <p:to>
+                                        <p:strVal val="hidden"/>
+                                      </p:to>
+                                    </p:set>
+                                  </p:childTnLst>
+                                </p:cTn>
+                              </p:par>
+                              <p:par>
+                                <p:cTn id="128" presetID="1" presetClass="exit" presetSubtype="0" fill="hold" grpId="1" nodeType="withEffect">
+                                  <p:stCondLst>
+                                    <p:cond delay="0"/>
+                                  </p:stCondLst>
+                                  <p:childTnLst>
+                                    <p:set>
+                                      <p:cBhvr>
+                                        <p:cTn id="129" dur="1" fill="hold">
+                                          <p:stCondLst>
+                                            <p:cond delay="0"/>
+                                          </p:stCondLst>
+                                        </p:cTn>
+                                        <p:tgtEl>
+                                          <p:spTgt spid="97"/>
+                                        </p:tgtEl>
+                                        <p:attrNameLst>
+                                          <p:attrName>style.visibility</p:attrName>
+                                        </p:attrNameLst>
+                                      </p:cBhvr>
+                                      <p:to>
+                                        <p:strVal val="hidden"/>
+                                      </p:to>
+                                    </p:set>
+                                  </p:childTnLst>
+                                </p:cTn>
+                              </p:par>
+                              <p:par>
+                                <p:cTn id="130" presetID="1" presetClass="exit" presetSubtype="0" fill="hold" grpId="1" nodeType="withEffect">
+                                  <p:stCondLst>
+                                    <p:cond delay="0"/>
+                                  </p:stCondLst>
+                                  <p:childTnLst>
+                                    <p:set>
+                                      <p:cBhvr>
+                                        <p:cTn id="131" dur="1" fill="hold">
+                                          <p:stCondLst>
+                                            <p:cond delay="0"/>
+                                          </p:stCondLst>
+                                        </p:cTn>
+                                        <p:tgtEl>
+                                          <p:spTgt spid="99"/>
+                                        </p:tgtEl>
+                                        <p:attrNameLst>
+                                          <p:attrName>style.visibility</p:attrName>
+                                        </p:attrNameLst>
+                                      </p:cBhvr>
+                                      <p:to>
+                                        <p:strVal val="hidden"/>
+                                      </p:to>
+                                    </p:set>
+                                  </p:childTnLst>
+                                </p:cTn>
+                              </p:par>
+                            </p:childTnLst>
+                          </p:cTn>
+                        </p:par>
+                      </p:childTnLst>
+                    </p:cTn>
+                  </p:par>
+                  <p:par>
+                    <p:cTn id="132" fill="hold">
+                      <p:stCondLst>
+                        <p:cond delay="indefinite"/>
+                      </p:stCondLst>
+                      <p:childTnLst>
+                        <p:par>
+                          <p:cTn id="133" fill="hold">
+                            <p:stCondLst>
+                              <p:cond delay="0"/>
+                            </p:stCondLst>
+                            <p:childTnLst>
+                              <p:par>
+                                <p:cTn id="134" presetID="10" presetClass="entr" presetSubtype="0" fill="hold" grpId="0" nodeType="clickEffect">
+                                  <p:stCondLst>
+                                    <p:cond delay="0"/>
+                                  </p:stCondLst>
+                                  <p:childTnLst>
+                                    <p:set>
+                                      <p:cBhvr>
+                                        <p:cTn id="135" dur="1" fill="hold">
                                           <p:stCondLst>
                                             <p:cond delay="0"/>
                                           </p:stCondLst>
@@ -25703,7 +28477,7 @@
                                     </p:set>
                                     <p:animEffect transition="in" filter="fade">
                                       <p:cBhvr>
-                                        <p:cTn id="7" dur="500"/>
+                                        <p:cTn id="136" dur="500"/>
                                         <p:tgtEl>
                                           <p:spTgt spid="87"/>
                                         </p:tgtEl>
@@ -25719,26 +28493,26 @@
                     </p:cTn>
                   </p:par>
                   <p:par>
-                    <p:cTn id="8" fill="hold">
+                    <p:cTn id="137" fill="hold">
                       <p:stCondLst>
                         <p:cond delay="indefinite"/>
                       </p:stCondLst>
                       <p:childTnLst>
                         <p:par>
-                          <p:cTn id="9" fill="hold">
+                          <p:cTn id="138" fill="hold">
                             <p:stCondLst>
                               <p:cond delay="0"/>
                             </p:stCondLst>
                             <p:childTnLst>
                               <p:par>
-                                <p:cTn id="10" presetID="10" presetClass="entr" presetSubtype="0" fill="hold" grpId="0" nodeType="clickEffect">
+                                <p:cTn id="139" presetID="10" presetClass="entr" presetSubtype="0" fill="hold" grpId="0" nodeType="clickEffect">
                                   <p:stCondLst>
                                     <p:cond delay="0"/>
                                   </p:stCondLst>
                                   <p:childTnLst>
                                     <p:set>
                                       <p:cBhvr>
-                                        <p:cTn id="11" dur="1" fill="hold">
+                                        <p:cTn id="140" dur="1" fill="hold">
                                           <p:stCondLst>
                                             <p:cond delay="0"/>
                                           </p:stCondLst>
@@ -25756,7 +28530,7 @@
                                     </p:set>
                                     <p:animEffect transition="in" filter="fade">
                                       <p:cBhvr>
-                                        <p:cTn id="12" dur="500"/>
+                                        <p:cTn id="141" dur="500"/>
                                         <p:tgtEl>
                                           <p:spTgt spid="89"/>
                                         </p:tgtEl>
@@ -25772,26 +28546,26 @@
                     </p:cTn>
                   </p:par>
                   <p:par>
-                    <p:cTn id="13" fill="hold">
+                    <p:cTn id="142" fill="hold">
                       <p:stCondLst>
                         <p:cond delay="indefinite"/>
                       </p:stCondLst>
                       <p:childTnLst>
                         <p:par>
-                          <p:cTn id="14" fill="hold">
+                          <p:cTn id="143" fill="hold">
                             <p:stCondLst>
                               <p:cond delay="0"/>
                             </p:stCondLst>
                             <p:childTnLst>
                               <p:par>
-                                <p:cTn id="15" presetID="10" presetClass="entr" presetSubtype="0" fill="hold" grpId="0" nodeType="clickEffect">
+                                <p:cTn id="144" presetID="10" presetClass="entr" presetSubtype="0" fill="hold" grpId="0" nodeType="clickEffect">
                                   <p:stCondLst>
                                     <p:cond delay="0"/>
                                   </p:stCondLst>
                                   <p:childTnLst>
                                     <p:set>
                                       <p:cBhvr>
-                                        <p:cTn id="16" dur="1" fill="hold">
+                                        <p:cTn id="145" dur="1" fill="hold">
                                           <p:stCondLst>
                                             <p:cond delay="0"/>
                                           </p:stCondLst>
@@ -25809,7 +28583,7 @@
                                     </p:set>
                                     <p:animEffect transition="in" filter="fade">
                                       <p:cBhvr>
-                                        <p:cTn id="17" dur="500"/>
+                                        <p:cTn id="146" dur="500"/>
                                         <p:tgtEl>
                                           <p:spTgt spid="91"/>
                                         </p:tgtEl>
@@ -25849,6 +28623,24 @@
       <p:bldP spid="87" grpId="0" animBg="1"/>
       <p:bldP spid="89" grpId="0" animBg="1"/>
       <p:bldP spid="91" grpId="0" animBg="1"/>
+      <p:bldP spid="86" grpId="0" animBg="1"/>
+      <p:bldP spid="86" grpId="1" animBg="1"/>
+      <p:bldP spid="58" grpId="0" animBg="1"/>
+      <p:bldP spid="58" grpId="1" animBg="1"/>
+      <p:bldP spid="60" grpId="0" animBg="1"/>
+      <p:bldP spid="60" grpId="1" animBg="1"/>
+      <p:bldP spid="62" grpId="0" animBg="1"/>
+      <p:bldP spid="62" grpId="1" animBg="1"/>
+      <p:bldP spid="63" grpId="0" animBg="1"/>
+      <p:bldP spid="63" grpId="1" animBg="1"/>
+      <p:bldP spid="95" grpId="0" animBg="1"/>
+      <p:bldP spid="95" grpId="1" animBg="1"/>
+      <p:bldP spid="96" grpId="0" animBg="1"/>
+      <p:bldP spid="96" grpId="1" animBg="1"/>
+      <p:bldP spid="97" grpId="0" animBg="1"/>
+      <p:bldP spid="97" grpId="1" animBg="1"/>
+      <p:bldP spid="99" grpId="0" animBg="1"/>
+      <p:bldP spid="99" grpId="1" animBg="1"/>
     </p:bldLst>
   </p:timing>
 </p:sld>

--- a/Python_LFG/JDSZW1DE-19-Prezentacja.pptx
+++ b/Python_LFG/JDSZW1DE-19-Prezentacja.pptx
@@ -13,6 +13,11 @@
     <p:sldId id="261" r:id="rId7"/>
     <p:sldId id="262" r:id="rId8"/>
     <p:sldId id="263" r:id="rId9"/>
+    <p:sldId id="264" r:id="rId10"/>
+    <p:sldId id="265" r:id="rId11"/>
+    <p:sldId id="266" r:id="rId12"/>
+    <p:sldId id="267" r:id="rId13"/>
+    <p:sldId id="268" r:id="rId14"/>
   </p:sldIdLst>
   <p:sldSz cx="12192000" cy="6858000"/>
   <p:notesSz cx="6858000" cy="9144000"/>
@@ -3762,6 +3767,509 @@
       </p:transition>
     </mc:Fallback>
   </mc:AlternateContent>
+</p:sld>
+</file>
+
+<file path=ppt/slides/slide10.xml><?xml version="1.0" encoding="utf-8"?>
+<p:sld xmlns:a="http://schemas.openxmlformats.org/drawingml/2006/main" xmlns:r="http://schemas.openxmlformats.org/officeDocument/2006/relationships" xmlns:p="http://schemas.openxmlformats.org/presentationml/2006/main">
+  <p:cSld>
+    <p:spTree>
+      <p:nvGrpSpPr>
+        <p:cNvPr id="1" name=""/>
+        <p:cNvGrpSpPr/>
+        <p:nvPr/>
+      </p:nvGrpSpPr>
+      <p:grpSpPr>
+        <a:xfrm>
+          <a:off x="0" y="0"/>
+          <a:ext cx="0" cy="0"/>
+          <a:chOff x="0" y="0"/>
+          <a:chExt cx="0" cy="0"/>
+        </a:xfrm>
+      </p:grpSpPr>
+      <p:sp>
+        <p:nvSpPr>
+          <p:cNvPr id="2" name="Title 1">
+            <a:extLst>
+              <a:ext uri="{FF2B5EF4-FFF2-40B4-BE49-F238E27FC236}">
+                <a16:creationId xmlns:a16="http://schemas.microsoft.com/office/drawing/2014/main" id="{2993276F-1CA2-45F2-B9C6-A6DCEEF5153B}"/>
+              </a:ext>
+            </a:extLst>
+          </p:cNvPr>
+          <p:cNvSpPr>
+            <a:spLocks noGrp="1"/>
+          </p:cNvSpPr>
+          <p:nvPr>
+            <p:ph type="title"/>
+          </p:nvPr>
+        </p:nvSpPr>
+        <p:spPr/>
+        <p:txBody>
+          <a:bodyPr/>
+          <a:lstStyle/>
+          <a:p>
+            <a:pPr algn="ctr"/>
+            <a:r>
+              <a:rPr lang="pl-PL" dirty="0"/>
+              <a:t>Implementacja opóźnionego generatora </a:t>
+            </a:r>
+            <a:br>
+              <a:rPr lang="pl-PL" dirty="0"/>
+            </a:br>
+            <a:r>
+              <a:rPr lang="pl-PL" dirty="0"/>
+              <a:t>fibonacciego</a:t>
+            </a:r>
+          </a:p>
+        </p:txBody>
+      </p:sp>
+      <p:pic>
+        <p:nvPicPr>
+          <p:cNvPr id="11" name="Picture 10">
+            <a:extLst>
+              <a:ext uri="{FF2B5EF4-FFF2-40B4-BE49-F238E27FC236}">
+                <a16:creationId xmlns:a16="http://schemas.microsoft.com/office/drawing/2014/main" id="{0AF4672D-4E93-4BA6-AC33-B2372F0FFAE5}"/>
+              </a:ext>
+            </a:extLst>
+          </p:cNvPr>
+          <p:cNvPicPr>
+            <a:picLocks noChangeAspect="1"/>
+          </p:cNvPicPr>
+          <p:nvPr/>
+        </p:nvPicPr>
+        <p:blipFill>
+          <a:blip r:embed="rId2"/>
+          <a:stretch>
+            <a:fillRect/>
+          </a:stretch>
+        </p:blipFill>
+        <p:spPr>
+          <a:xfrm>
+            <a:off x="1366891" y="1969194"/>
+            <a:ext cx="9772650" cy="3562350"/>
+          </a:xfrm>
+          <a:prstGeom prst="rect">
+            <a:avLst/>
+          </a:prstGeom>
+        </p:spPr>
+      </p:pic>
+    </p:spTree>
+    <p:extLst>
+      <p:ext uri="{BB962C8B-B14F-4D97-AF65-F5344CB8AC3E}">
+        <p14:creationId xmlns:p14="http://schemas.microsoft.com/office/powerpoint/2010/main" val="123679078"/>
+      </p:ext>
+    </p:extLst>
+  </p:cSld>
+  <p:clrMapOvr>
+    <a:masterClrMapping/>
+  </p:clrMapOvr>
+  <mc:AlternateContent xmlns:mc="http://schemas.openxmlformats.org/markup-compatibility/2006">
+    <mc:Choice xmlns:p159="http://schemas.microsoft.com/office/powerpoint/2015/09/main" Requires="p159">
+      <p:transition xmlns:p14="http://schemas.microsoft.com/office/powerpoint/2010/main" spd="slow" p14:dur="2000">
+        <p159:morph option="byObject"/>
+      </p:transition>
+    </mc:Choice>
+    <mc:Fallback>
+      <p:transition spd="slow">
+        <p:fade/>
+      </p:transition>
+    </mc:Fallback>
+  </mc:AlternateContent>
+</p:sld>
+</file>
+
+<file path=ppt/slides/slide11.xml><?xml version="1.0" encoding="utf-8"?>
+<p:sld xmlns:a="http://schemas.openxmlformats.org/drawingml/2006/main" xmlns:r="http://schemas.openxmlformats.org/officeDocument/2006/relationships" xmlns:p="http://schemas.openxmlformats.org/presentationml/2006/main">
+  <p:cSld>
+    <p:spTree>
+      <p:nvGrpSpPr>
+        <p:cNvPr id="1" name=""/>
+        <p:cNvGrpSpPr/>
+        <p:nvPr/>
+      </p:nvGrpSpPr>
+      <p:grpSpPr>
+        <a:xfrm>
+          <a:off x="0" y="0"/>
+          <a:ext cx="0" cy="0"/>
+          <a:chOff x="0" y="0"/>
+          <a:chExt cx="0" cy="0"/>
+        </a:xfrm>
+      </p:grpSpPr>
+      <p:sp>
+        <p:nvSpPr>
+          <p:cNvPr id="2" name="Title 1">
+            <a:extLst>
+              <a:ext uri="{FF2B5EF4-FFF2-40B4-BE49-F238E27FC236}">
+                <a16:creationId xmlns:a16="http://schemas.microsoft.com/office/drawing/2014/main" id="{2993276F-1CA2-45F2-B9C6-A6DCEEF5153B}"/>
+              </a:ext>
+            </a:extLst>
+          </p:cNvPr>
+          <p:cNvSpPr>
+            <a:spLocks noGrp="1"/>
+          </p:cNvSpPr>
+          <p:nvPr>
+            <p:ph type="title"/>
+          </p:nvPr>
+        </p:nvSpPr>
+        <p:spPr/>
+        <p:txBody>
+          <a:bodyPr/>
+          <a:lstStyle/>
+          <a:p>
+            <a:pPr algn="ctr"/>
+            <a:r>
+              <a:rPr lang="pl-PL" dirty="0"/>
+              <a:t>Implementacja opóźnionego generatora </a:t>
+            </a:r>
+            <a:br>
+              <a:rPr lang="pl-PL" dirty="0"/>
+            </a:br>
+            <a:r>
+              <a:rPr lang="pl-PL" dirty="0"/>
+              <a:t>fibonacciego</a:t>
+            </a:r>
+          </a:p>
+        </p:txBody>
+      </p:sp>
+      <p:pic>
+        <p:nvPicPr>
+          <p:cNvPr id="3" name="Picture 2">
+            <a:extLst>
+              <a:ext uri="{FF2B5EF4-FFF2-40B4-BE49-F238E27FC236}">
+                <a16:creationId xmlns:a16="http://schemas.microsoft.com/office/drawing/2014/main" id="{D1D3C918-46A6-435D-8BCF-29886D40315D}"/>
+              </a:ext>
+            </a:extLst>
+          </p:cNvPr>
+          <p:cNvPicPr>
+            <a:picLocks noChangeAspect="1"/>
+          </p:cNvPicPr>
+          <p:nvPr/>
+        </p:nvPicPr>
+        <p:blipFill>
+          <a:blip r:embed="rId2"/>
+          <a:stretch>
+            <a:fillRect/>
+          </a:stretch>
+        </p:blipFill>
+        <p:spPr>
+          <a:xfrm>
+            <a:off x="1219200" y="2011524"/>
+            <a:ext cx="9753600" cy="3581400"/>
+          </a:xfrm>
+          <a:prstGeom prst="rect">
+            <a:avLst/>
+          </a:prstGeom>
+        </p:spPr>
+      </p:pic>
+    </p:spTree>
+    <p:extLst>
+      <p:ext uri="{BB962C8B-B14F-4D97-AF65-F5344CB8AC3E}">
+        <p14:creationId xmlns:p14="http://schemas.microsoft.com/office/powerpoint/2010/main" val="2106536709"/>
+      </p:ext>
+    </p:extLst>
+  </p:cSld>
+  <p:clrMapOvr>
+    <a:masterClrMapping/>
+  </p:clrMapOvr>
+  <mc:AlternateContent xmlns:mc="http://schemas.openxmlformats.org/markup-compatibility/2006">
+    <mc:Choice xmlns:p159="http://schemas.microsoft.com/office/powerpoint/2015/09/main" Requires="p159">
+      <p:transition xmlns:p14="http://schemas.microsoft.com/office/powerpoint/2010/main" spd="slow" p14:dur="2000">
+        <p159:morph option="byObject"/>
+      </p:transition>
+    </mc:Choice>
+    <mc:Fallback>
+      <p:transition spd="slow">
+        <p:fade/>
+      </p:transition>
+    </mc:Fallback>
+  </mc:AlternateContent>
+</p:sld>
+</file>
+
+<file path=ppt/slides/slide12.xml><?xml version="1.0" encoding="utf-8"?>
+<p:sld xmlns:a="http://schemas.openxmlformats.org/drawingml/2006/main" xmlns:r="http://schemas.openxmlformats.org/officeDocument/2006/relationships" xmlns:p="http://schemas.openxmlformats.org/presentationml/2006/main">
+  <p:cSld>
+    <p:spTree>
+      <p:nvGrpSpPr>
+        <p:cNvPr id="1" name=""/>
+        <p:cNvGrpSpPr/>
+        <p:nvPr/>
+      </p:nvGrpSpPr>
+      <p:grpSpPr>
+        <a:xfrm>
+          <a:off x="0" y="0"/>
+          <a:ext cx="0" cy="0"/>
+          <a:chOff x="0" y="0"/>
+          <a:chExt cx="0" cy="0"/>
+        </a:xfrm>
+      </p:grpSpPr>
+      <p:sp>
+        <p:nvSpPr>
+          <p:cNvPr id="2" name="Title 1">
+            <a:extLst>
+              <a:ext uri="{FF2B5EF4-FFF2-40B4-BE49-F238E27FC236}">
+                <a16:creationId xmlns:a16="http://schemas.microsoft.com/office/drawing/2014/main" id="{2993276F-1CA2-45F2-B9C6-A6DCEEF5153B}"/>
+              </a:ext>
+            </a:extLst>
+          </p:cNvPr>
+          <p:cNvSpPr>
+            <a:spLocks noGrp="1"/>
+          </p:cNvSpPr>
+          <p:nvPr>
+            <p:ph type="title"/>
+          </p:nvPr>
+        </p:nvSpPr>
+        <p:spPr/>
+        <p:txBody>
+          <a:bodyPr/>
+          <a:lstStyle/>
+          <a:p>
+            <a:pPr algn="ctr"/>
+            <a:r>
+              <a:rPr lang="pl-PL" dirty="0"/>
+              <a:t>Testowanie rozkładów normalnych</a:t>
+            </a:r>
+          </a:p>
+        </p:txBody>
+      </p:sp>
+      <p:pic>
+        <p:nvPicPr>
+          <p:cNvPr id="4" name="Picture 3">
+            <a:extLst>
+              <a:ext uri="{FF2B5EF4-FFF2-40B4-BE49-F238E27FC236}">
+                <a16:creationId xmlns:a16="http://schemas.microsoft.com/office/drawing/2014/main" id="{53CD9045-18D5-4E60-9700-C9BA5EBCC65B}"/>
+              </a:ext>
+            </a:extLst>
+          </p:cNvPr>
+          <p:cNvPicPr>
+            <a:picLocks noChangeAspect="1"/>
+          </p:cNvPicPr>
+          <p:nvPr/>
+        </p:nvPicPr>
+        <p:blipFill>
+          <a:blip r:embed="rId2"/>
+          <a:stretch>
+            <a:fillRect/>
+          </a:stretch>
+        </p:blipFill>
+        <p:spPr>
+          <a:xfrm>
+            <a:off x="3190875" y="3912884"/>
+            <a:ext cx="5810250" cy="504825"/>
+          </a:xfrm>
+          <a:prstGeom prst="rect">
+            <a:avLst/>
+          </a:prstGeom>
+        </p:spPr>
+      </p:pic>
+      <p:sp>
+        <p:nvSpPr>
+          <p:cNvPr id="5" name="Content Placeholder 2">
+            <a:extLst>
+              <a:ext uri="{FF2B5EF4-FFF2-40B4-BE49-F238E27FC236}">
+                <a16:creationId xmlns:a16="http://schemas.microsoft.com/office/drawing/2014/main" id="{B9849674-E767-4A9B-9A54-026EFB6EC0BB}"/>
+              </a:ext>
+            </a:extLst>
+          </p:cNvPr>
+          <p:cNvSpPr>
+            <a:spLocks noGrp="1"/>
+          </p:cNvSpPr>
+          <p:nvPr>
+            <p:ph idx="1"/>
+          </p:nvPr>
+        </p:nvSpPr>
+        <p:spPr>
+          <a:xfrm>
+            <a:off x="1451579" y="2015732"/>
+            <a:ext cx="9603275" cy="1735174"/>
+          </a:xfrm>
+        </p:spPr>
+        <p:txBody>
+          <a:bodyPr/>
+          <a:lstStyle/>
+          <a:p>
+            <a:r>
+              <a:rPr lang="pl-PL" dirty="0"/>
+              <a:t>Testowanie rozkładów normlanych testem t-Studenta </a:t>
+            </a:r>
+          </a:p>
+          <a:p>
+            <a:r>
+              <a:rPr lang="pl-PL" dirty="0"/>
+              <a:t>Porównanie średnich z rozkładów normalnych</a:t>
+            </a:r>
+          </a:p>
+          <a:p>
+            <a:r>
+              <a:rPr lang="pl-PL" dirty="0"/>
+              <a:t>Założenie, że średnie rozkładów są sobie równe</a:t>
+            </a:r>
+          </a:p>
+        </p:txBody>
+      </p:sp>
+    </p:spTree>
+    <p:extLst>
+      <p:ext uri="{BB962C8B-B14F-4D97-AF65-F5344CB8AC3E}">
+        <p14:creationId xmlns:p14="http://schemas.microsoft.com/office/powerpoint/2010/main" val="2163087953"/>
+      </p:ext>
+    </p:extLst>
+  </p:cSld>
+  <p:clrMapOvr>
+    <a:masterClrMapping/>
+  </p:clrMapOvr>
+  <mc:AlternateContent xmlns:mc="http://schemas.openxmlformats.org/markup-compatibility/2006">
+    <mc:Choice xmlns:p159="http://schemas.microsoft.com/office/powerpoint/2015/09/main" Requires="p159">
+      <p:transition xmlns:p14="http://schemas.microsoft.com/office/powerpoint/2010/main" spd="slow" p14:dur="2000">
+        <p159:morph option="byObject"/>
+      </p:transition>
+    </mc:Choice>
+    <mc:Fallback>
+      <p:transition spd="slow">
+        <p:fade/>
+      </p:transition>
+    </mc:Fallback>
+  </mc:AlternateContent>
+</p:sld>
+</file>
+
+<file path=ppt/slides/slide13.xml><?xml version="1.0" encoding="utf-8"?>
+<p:sld xmlns:a="http://schemas.openxmlformats.org/drawingml/2006/main" xmlns:r="http://schemas.openxmlformats.org/officeDocument/2006/relationships" xmlns:p="http://schemas.openxmlformats.org/presentationml/2006/main">
+  <p:cSld>
+    <p:spTree>
+      <p:nvGrpSpPr>
+        <p:cNvPr id="1" name=""/>
+        <p:cNvGrpSpPr/>
+        <p:nvPr/>
+      </p:nvGrpSpPr>
+      <p:grpSpPr>
+        <a:xfrm>
+          <a:off x="0" y="0"/>
+          <a:ext cx="0" cy="0"/>
+          <a:chOff x="0" y="0"/>
+          <a:chExt cx="0" cy="0"/>
+        </a:xfrm>
+      </p:grpSpPr>
+      <p:sp>
+        <p:nvSpPr>
+          <p:cNvPr id="2" name="Title 1">
+            <a:extLst>
+              <a:ext uri="{FF2B5EF4-FFF2-40B4-BE49-F238E27FC236}">
+                <a16:creationId xmlns:a16="http://schemas.microsoft.com/office/drawing/2014/main" id="{2E94F888-BE95-40CA-AAA6-88AE7BE9850F}"/>
+              </a:ext>
+            </a:extLst>
+          </p:cNvPr>
+          <p:cNvSpPr>
+            <a:spLocks noGrp="1"/>
+          </p:cNvSpPr>
+          <p:nvPr>
+            <p:ph type="title"/>
+          </p:nvPr>
+        </p:nvSpPr>
+        <p:spPr/>
+        <p:txBody>
+          <a:bodyPr/>
+          <a:lstStyle/>
+          <a:p>
+            <a:pPr algn="ctr"/>
+            <a:r>
+              <a:rPr lang="pl-PL" dirty="0"/>
+              <a:t>Test Chi-Kwadrat</a:t>
+            </a:r>
+          </a:p>
+        </p:txBody>
+      </p:sp>
+      <p:sp>
+        <p:nvSpPr>
+          <p:cNvPr id="3" name="Content Placeholder 2">
+            <a:extLst>
+              <a:ext uri="{FF2B5EF4-FFF2-40B4-BE49-F238E27FC236}">
+                <a16:creationId xmlns:a16="http://schemas.microsoft.com/office/drawing/2014/main" id="{EEAEF6E7-DB04-4686-A4F6-E3A085CFD68D}"/>
+              </a:ext>
+            </a:extLst>
+          </p:cNvPr>
+          <p:cNvSpPr>
+            <a:spLocks noGrp="1"/>
+          </p:cNvSpPr>
+          <p:nvPr>
+            <p:ph idx="1"/>
+          </p:nvPr>
+        </p:nvSpPr>
+        <p:spPr/>
+        <p:txBody>
+          <a:bodyPr/>
+          <a:lstStyle/>
+          <a:p>
+            <a:r>
+              <a:rPr lang="pl-PL" dirty="0"/>
+              <a:t>Służy do porównania ze sobą zaobserowanego rozkładu naszej zmiennej (Opóźniony generator Fibonacciego) z teoretycznym rozkładem (Python).</a:t>
+            </a:r>
+          </a:p>
+          <a:p>
+            <a:r>
+              <a:rPr lang="pl-PL" dirty="0"/>
+              <a:t>Sprawdzenie równoliczności grup</a:t>
+            </a:r>
+          </a:p>
+          <a:p>
+            <a:r>
+              <a:rPr lang="pl-PL" dirty="0"/>
+              <a:t>Porównanie występowania obserwacji z ich teoretycznym występowaniem</a:t>
+            </a:r>
+          </a:p>
+          <a:p>
+            <a:pPr marL="0" indent="0">
+              <a:buNone/>
+            </a:pPr>
+            <a:r>
+              <a:rPr lang="pl-PL" dirty="0"/>
+              <a:t> </a:t>
+            </a:r>
+          </a:p>
+          <a:p>
+            <a:endParaRPr lang="pl-PL" dirty="0"/>
+          </a:p>
+        </p:txBody>
+      </p:sp>
+      <p:pic>
+        <p:nvPicPr>
+          <p:cNvPr id="7" name="Picture 6">
+            <a:extLst>
+              <a:ext uri="{FF2B5EF4-FFF2-40B4-BE49-F238E27FC236}">
+                <a16:creationId xmlns:a16="http://schemas.microsoft.com/office/drawing/2014/main" id="{3B3D782A-0F91-4DEC-A05E-AF3E60A1D997}"/>
+              </a:ext>
+            </a:extLst>
+          </p:cNvPr>
+          <p:cNvPicPr>
+            <a:picLocks noChangeAspect="1"/>
+          </p:cNvPicPr>
+          <p:nvPr/>
+        </p:nvPicPr>
+        <p:blipFill>
+          <a:blip r:embed="rId2"/>
+          <a:stretch>
+            <a:fillRect/>
+          </a:stretch>
+        </p:blipFill>
+        <p:spPr>
+          <a:xfrm>
+            <a:off x="3686228" y="4120261"/>
+            <a:ext cx="5133975" cy="295275"/>
+          </a:xfrm>
+          <a:prstGeom prst="rect">
+            <a:avLst/>
+          </a:prstGeom>
+        </p:spPr>
+      </p:pic>
+    </p:spTree>
+    <p:extLst>
+      <p:ext uri="{BB962C8B-B14F-4D97-AF65-F5344CB8AC3E}">
+        <p14:creationId xmlns:p14="http://schemas.microsoft.com/office/powerpoint/2010/main" val="2674392093"/>
+      </p:ext>
+    </p:extLst>
+  </p:cSld>
+  <p:clrMapOvr>
+    <a:masterClrMapping/>
+  </p:clrMapOvr>
 </p:sld>
 </file>
 
@@ -6054,6 +6562,92 @@
       </p:transition>
     </mc:Fallback>
   </mc:AlternateContent>
+  <p:timing>
+    <p:tnLst>
+      <p:par>
+        <p:cTn id="1" dur="indefinite" restart="never" nodeType="tmRoot">
+          <p:childTnLst>
+            <p:seq concurrent="1" nextAc="seek">
+              <p:cTn id="2" dur="indefinite" nodeType="mainSeq">
+                <p:childTnLst>
+                  <p:par>
+                    <p:cTn id="3" fill="hold">
+                      <p:stCondLst>
+                        <p:cond delay="indefinite"/>
+                        <p:cond evt="onBegin" delay="0">
+                          <p:tn val="2"/>
+                        </p:cond>
+                      </p:stCondLst>
+                      <p:childTnLst>
+                        <p:par>
+                          <p:cTn id="4" fill="hold">
+                            <p:stCondLst>
+                              <p:cond delay="0"/>
+                            </p:stCondLst>
+                            <p:childTnLst>
+                              <p:par>
+                                <p:cTn id="5" presetID="6" presetClass="entr" presetSubtype="16" fill="hold" nodeType="withEffect">
+                                  <p:stCondLst>
+                                    <p:cond delay="0"/>
+                                  </p:stCondLst>
+                                  <p:childTnLst>
+                                    <p:set>
+                                      <p:cBhvr>
+                                        <p:cTn id="6" dur="1" fill="hold">
+                                          <p:stCondLst>
+                                            <p:cond delay="0"/>
+                                          </p:stCondLst>
+                                        </p:cTn>
+                                        <p:tgtEl>
+                                          <p:spTgt spid="5125"/>
+                                        </p:tgtEl>
+                                        <p:attrNameLst>
+                                          <p:attrName>style.visibility</p:attrName>
+                                        </p:attrNameLst>
+                                      </p:cBhvr>
+                                      <p:to>
+                                        <p:strVal val="visible"/>
+                                      </p:to>
+                                    </p:set>
+                                    <p:animEffect transition="in" filter="circle(in)">
+                                      <p:cBhvr>
+                                        <p:cTn id="7" dur="1000"/>
+                                        <p:tgtEl>
+                                          <p:spTgt spid="5125"/>
+                                        </p:tgtEl>
+                                      </p:cBhvr>
+                                    </p:animEffect>
+                                  </p:childTnLst>
+                                </p:cTn>
+                              </p:par>
+                            </p:childTnLst>
+                          </p:cTn>
+                        </p:par>
+                      </p:childTnLst>
+                    </p:cTn>
+                  </p:par>
+                </p:childTnLst>
+              </p:cTn>
+              <p:prevCondLst>
+                <p:cond evt="onPrev" delay="0">
+                  <p:tgtEl>
+                    <p:sldTgt/>
+                  </p:tgtEl>
+                </p:cond>
+              </p:prevCondLst>
+              <p:nextCondLst>
+                <p:cond evt="onNext" delay="0">
+                  <p:tgtEl>
+                    <p:sldTgt/>
+                  </p:tgtEl>
+                </p:cond>
+              </p:nextCondLst>
+            </p:seq>
+          </p:childTnLst>
+        </p:cTn>
+      </p:par>
+    </p:tnLst>
+  </p:timing>
 </p:sld>
 </file>
 
@@ -6725,6 +7319,176 @@
       <p:bldP spid="91" grpId="0" animBg="1"/>
     </p:bldLst>
   </p:timing>
+</p:sld>
+</file>
+
+<file path=ppt/slides/slide9.xml><?xml version="1.0" encoding="utf-8"?>
+<p:sld xmlns:a="http://schemas.openxmlformats.org/drawingml/2006/main" xmlns:r="http://schemas.openxmlformats.org/officeDocument/2006/relationships" xmlns:p="http://schemas.openxmlformats.org/presentationml/2006/main">
+  <p:cSld>
+    <p:spTree>
+      <p:nvGrpSpPr>
+        <p:cNvPr id="1" name=""/>
+        <p:cNvGrpSpPr/>
+        <p:nvPr/>
+      </p:nvGrpSpPr>
+      <p:grpSpPr>
+        <a:xfrm>
+          <a:off x="0" y="0"/>
+          <a:ext cx="0" cy="0"/>
+          <a:chOff x="0" y="0"/>
+          <a:chExt cx="0" cy="0"/>
+        </a:xfrm>
+      </p:grpSpPr>
+      <p:sp>
+        <p:nvSpPr>
+          <p:cNvPr id="2" name="Title 1">
+            <a:extLst>
+              <a:ext uri="{FF2B5EF4-FFF2-40B4-BE49-F238E27FC236}">
+                <a16:creationId xmlns:a16="http://schemas.microsoft.com/office/drawing/2014/main" id="{2993276F-1CA2-45F2-B9C6-A6DCEEF5153B}"/>
+              </a:ext>
+            </a:extLst>
+          </p:cNvPr>
+          <p:cNvSpPr>
+            <a:spLocks noGrp="1"/>
+          </p:cNvSpPr>
+          <p:nvPr>
+            <p:ph type="title"/>
+          </p:nvPr>
+        </p:nvSpPr>
+        <p:spPr/>
+        <p:txBody>
+          <a:bodyPr/>
+          <a:lstStyle/>
+          <a:p>
+            <a:pPr algn="ctr"/>
+            <a:r>
+              <a:rPr lang="pl-PL" dirty="0"/>
+              <a:t>Implementacja opóźnionego generatora </a:t>
+            </a:r>
+            <a:br>
+              <a:rPr lang="pl-PL" dirty="0"/>
+            </a:br>
+            <a:r>
+              <a:rPr lang="pl-PL" dirty="0"/>
+              <a:t>fibonacciego</a:t>
+            </a:r>
+          </a:p>
+        </p:txBody>
+      </p:sp>
+      <p:pic>
+        <p:nvPicPr>
+          <p:cNvPr id="4" name="Content Placeholder 3">
+            <a:extLst>
+              <a:ext uri="{FF2B5EF4-FFF2-40B4-BE49-F238E27FC236}">
+                <a16:creationId xmlns:a16="http://schemas.microsoft.com/office/drawing/2014/main" id="{8A2AA828-4951-4161-8D40-45CAA638F081}"/>
+              </a:ext>
+            </a:extLst>
+          </p:cNvPr>
+          <p:cNvPicPr>
+            <a:picLocks noGrp="1" noChangeAspect="1"/>
+          </p:cNvPicPr>
+          <p:nvPr>
+            <p:ph idx="1"/>
+          </p:nvPr>
+        </p:nvPicPr>
+        <p:blipFill>
+          <a:blip r:embed="rId2"/>
+          <a:stretch>
+            <a:fillRect/>
+          </a:stretch>
+        </p:blipFill>
+        <p:spPr>
+          <a:xfrm>
+            <a:off x="2757487" y="2207289"/>
+            <a:ext cx="6677025" cy="704850"/>
+          </a:xfrm>
+          <a:prstGeom prst="rect">
+            <a:avLst/>
+          </a:prstGeom>
+        </p:spPr>
+      </p:pic>
+      <p:pic>
+        <p:nvPicPr>
+          <p:cNvPr id="5" name="Picture 4">
+            <a:extLst>
+              <a:ext uri="{FF2B5EF4-FFF2-40B4-BE49-F238E27FC236}">
+                <a16:creationId xmlns:a16="http://schemas.microsoft.com/office/drawing/2014/main" id="{15F1D11B-C520-4BB9-902F-6E1ABCEE829D}"/>
+              </a:ext>
+            </a:extLst>
+          </p:cNvPr>
+          <p:cNvPicPr>
+            <a:picLocks noChangeAspect="1"/>
+          </p:cNvPicPr>
+          <p:nvPr/>
+        </p:nvPicPr>
+        <p:blipFill>
+          <a:blip r:embed="rId3"/>
+          <a:stretch>
+            <a:fillRect/>
+          </a:stretch>
+        </p:blipFill>
+        <p:spPr>
+          <a:xfrm>
+            <a:off x="4110036" y="3003997"/>
+            <a:ext cx="3971925" cy="2000250"/>
+          </a:xfrm>
+          <a:prstGeom prst="rect">
+            <a:avLst/>
+          </a:prstGeom>
+        </p:spPr>
+      </p:pic>
+      <p:pic>
+        <p:nvPicPr>
+          <p:cNvPr id="6" name="Content Placeholder 8">
+            <a:extLst>
+              <a:ext uri="{FF2B5EF4-FFF2-40B4-BE49-F238E27FC236}">
+                <a16:creationId xmlns:a16="http://schemas.microsoft.com/office/drawing/2014/main" id="{C989C12F-C8B9-427A-95D6-0208E1568A24}"/>
+              </a:ext>
+            </a:extLst>
+          </p:cNvPr>
+          <p:cNvPicPr>
+            <a:picLocks noChangeAspect="1"/>
+          </p:cNvPicPr>
+          <p:nvPr/>
+        </p:nvPicPr>
+        <p:blipFill>
+          <a:blip r:embed="rId4"/>
+          <a:stretch>
+            <a:fillRect/>
+          </a:stretch>
+        </p:blipFill>
+        <p:spPr>
+          <a:xfrm>
+            <a:off x="3376610" y="5096105"/>
+            <a:ext cx="5438775" cy="1504950"/>
+          </a:xfrm>
+          <a:prstGeom prst="rect">
+            <a:avLst/>
+          </a:prstGeom>
+        </p:spPr>
+      </p:pic>
+    </p:spTree>
+    <p:extLst>
+      <p:ext uri="{BB962C8B-B14F-4D97-AF65-F5344CB8AC3E}">
+        <p14:creationId xmlns:p14="http://schemas.microsoft.com/office/powerpoint/2010/main" val="2452561167"/>
+      </p:ext>
+    </p:extLst>
+  </p:cSld>
+  <p:clrMapOvr>
+    <a:masterClrMapping/>
+  </p:clrMapOvr>
+  <mc:AlternateContent xmlns:mc="http://schemas.openxmlformats.org/markup-compatibility/2006">
+    <mc:Choice xmlns:p159="http://schemas.microsoft.com/office/powerpoint/2015/09/main" Requires="p159">
+      <p:transition xmlns:p14="http://schemas.microsoft.com/office/powerpoint/2010/main" spd="slow" p14:dur="2000">
+        <p159:morph option="byObject"/>
+      </p:transition>
+    </mc:Choice>
+    <mc:Fallback>
+      <p:transition spd="slow">
+        <p:fade/>
+      </p:transition>
+    </mc:Fallback>
+  </mc:AlternateContent>
 </p:sld>
 </file>
 

--- a/Python_LFG/JDSZW1DE-19-Prezentacja.pptx
+++ b/Python_LFG/JDSZW1DE-19-Prezentacja.pptx
@@ -263,7 +263,7 @@
           <a:p>
             <a:fld id="{48A87A34-81AB-432B-8DAE-1953F412C126}" type="datetimeFigureOut">
               <a:rPr lang="en-US" smtClean="0"/>
-              <a:t>7/20/2019</a:t>
+              <a:t>7/21/2019</a:t>
             </a:fld>
             <a:endParaRPr lang="en-US" dirty="0"/>
           </a:p>
@@ -474,7 +474,7 @@
           <a:p>
             <a:fld id="{48A87A34-81AB-432B-8DAE-1953F412C126}" type="datetimeFigureOut">
               <a:rPr lang="en-US" smtClean="0"/>
-              <a:t>7/20/2019</a:t>
+              <a:t>7/21/2019</a:t>
             </a:fld>
             <a:endParaRPr lang="en-US" dirty="0"/>
           </a:p>
@@ -689,7 +689,7 @@
           <a:p>
             <a:fld id="{48A87A34-81AB-432B-8DAE-1953F412C126}" type="datetimeFigureOut">
               <a:rPr lang="en-US" smtClean="0"/>
-              <a:t>7/20/2019</a:t>
+              <a:t>7/21/2019</a:t>
             </a:fld>
             <a:endParaRPr lang="en-US" dirty="0"/>
           </a:p>
@@ -890,7 +890,7 @@
           <a:p>
             <a:fld id="{48A87A34-81AB-432B-8DAE-1953F412C126}" type="datetimeFigureOut">
               <a:rPr lang="en-US" smtClean="0"/>
-              <a:t>7/20/2019</a:t>
+              <a:t>7/21/2019</a:t>
             </a:fld>
             <a:endParaRPr lang="en-US" dirty="0"/>
           </a:p>
@@ -1169,7 +1169,7 @@
           <a:p>
             <a:fld id="{48A87A34-81AB-432B-8DAE-1953F412C126}" type="datetimeFigureOut">
               <a:rPr lang="en-US" smtClean="0"/>
-              <a:t>7/20/2019</a:t>
+              <a:t>7/21/2019</a:t>
             </a:fld>
             <a:endParaRPr lang="en-US" dirty="0"/>
           </a:p>
@@ -1437,7 +1437,7 @@
           <a:p>
             <a:fld id="{48A87A34-81AB-432B-8DAE-1953F412C126}" type="datetimeFigureOut">
               <a:rPr lang="en-US" smtClean="0"/>
-              <a:t>7/20/2019</a:t>
+              <a:t>7/21/2019</a:t>
             </a:fld>
             <a:endParaRPr lang="en-US" dirty="0"/>
           </a:p>
@@ -1853,7 +1853,7 @@
           <a:p>
             <a:fld id="{48A87A34-81AB-432B-8DAE-1953F412C126}" type="datetimeFigureOut">
               <a:rPr lang="en-US" smtClean="0"/>
-              <a:t>7/20/2019</a:t>
+              <a:t>7/21/2019</a:t>
             </a:fld>
             <a:endParaRPr lang="en-US" dirty="0"/>
           </a:p>
@@ -2002,7 +2002,7 @@
           <a:p>
             <a:fld id="{48A87A34-81AB-432B-8DAE-1953F412C126}" type="datetimeFigureOut">
               <a:rPr lang="en-US" smtClean="0"/>
-              <a:t>7/20/2019</a:t>
+              <a:t>7/21/2019</a:t>
             </a:fld>
             <a:endParaRPr lang="en-US" dirty="0"/>
           </a:p>
@@ -2128,7 +2128,7 @@
           <a:p>
             <a:fld id="{48A87A34-81AB-432B-8DAE-1953F412C126}" type="datetimeFigureOut">
               <a:rPr lang="en-US" smtClean="0"/>
-              <a:t>7/20/2019</a:t>
+              <a:t>7/21/2019</a:t>
             </a:fld>
             <a:endParaRPr lang="en-US" dirty="0"/>
           </a:p>
@@ -2379,7 +2379,7 @@
           <a:p>
             <a:fld id="{48A87A34-81AB-432B-8DAE-1953F412C126}" type="datetimeFigureOut">
               <a:rPr lang="en-US" smtClean="0"/>
-              <a:t>7/20/2019</a:t>
+              <a:t>7/21/2019</a:t>
             </a:fld>
             <a:endParaRPr lang="en-US" dirty="0"/>
           </a:p>
@@ -2824,7 +2824,7 @@
           <a:p>
             <a:fld id="{48A87A34-81AB-432B-8DAE-1953F412C126}" type="datetimeFigureOut">
               <a:rPr lang="en-US" smtClean="0"/>
-              <a:t>7/20/2019</a:t>
+              <a:t>7/21/2019</a:t>
             </a:fld>
             <a:endParaRPr lang="en-US" dirty="0"/>
           </a:p>
@@ -3152,7 +3152,7 @@
             <a:fld id="{48A87A34-81AB-432B-8DAE-1953F412C126}" type="datetimeFigureOut">
               <a:rPr lang="en-US" smtClean="0"/>
               <a:pPr/>
-              <a:t>7/20/2019</a:t>
+              <a:t>7/21/2019</a:t>
             </a:fld>
             <a:endParaRPr lang="en-US" dirty="0"/>
           </a:p>
@@ -3863,13 +3863,13 @@
   <p:clrMapOvr>
     <a:masterClrMapping/>
   </p:clrMapOvr>
-  <mc:AlternateContent xmlns:mc="http://schemas.openxmlformats.org/markup-compatibility/2006">
-    <mc:Choice xmlns:p159="http://schemas.microsoft.com/office/powerpoint/2015/09/main" Requires="p159">
+  <mc:AlternateContent xmlns:mc="http://schemas.openxmlformats.org/markup-compatibility/2006" xmlns:p159="http://schemas.microsoft.com/office/powerpoint/2015/09/main">
+    <mc:Choice Requires="p159">
       <p:transition xmlns:p14="http://schemas.microsoft.com/office/powerpoint/2010/main" spd="slow" p14:dur="2000">
         <p159:morph option="byObject"/>
       </p:transition>
     </mc:Choice>
-    <mc:Fallback>
+    <mc:Fallback xmlns="">
       <p:transition spd="slow">
         <p:fade/>
       </p:transition>
@@ -3971,13 +3971,13 @@
   <p:clrMapOvr>
     <a:masterClrMapping/>
   </p:clrMapOvr>
-  <mc:AlternateContent xmlns:mc="http://schemas.openxmlformats.org/markup-compatibility/2006">
-    <mc:Choice xmlns:p159="http://schemas.microsoft.com/office/powerpoint/2015/09/main" Requires="p159">
+  <mc:AlternateContent xmlns:mc="http://schemas.openxmlformats.org/markup-compatibility/2006" xmlns:p159="http://schemas.microsoft.com/office/powerpoint/2015/09/main">
+    <mc:Choice Requires="p159">
       <p:transition xmlns:p14="http://schemas.microsoft.com/office/powerpoint/2010/main" spd="slow" p14:dur="2000">
         <p159:morph option="byObject"/>
       </p:transition>
     </mc:Choice>
-    <mc:Fallback>
+    <mc:Fallback xmlns="">
       <p:transition spd="slow">
         <p:fade/>
       </p:transition>
@@ -4117,13 +4117,13 @@
   <p:clrMapOvr>
     <a:masterClrMapping/>
   </p:clrMapOvr>
-  <mc:AlternateContent xmlns:mc="http://schemas.openxmlformats.org/markup-compatibility/2006">
-    <mc:Choice xmlns:p159="http://schemas.microsoft.com/office/powerpoint/2015/09/main" Requires="p159">
+  <mc:AlternateContent xmlns:mc="http://schemas.openxmlformats.org/markup-compatibility/2006" xmlns:p159="http://schemas.microsoft.com/office/powerpoint/2015/09/main">
+    <mc:Choice Requires="p159">
       <p:transition xmlns:p14="http://schemas.microsoft.com/office/powerpoint/2010/main" spd="slow" p14:dur="2000">
         <p159:morph option="byObject"/>
       </p:transition>
     </mc:Choice>
-    <mc:Fallback>
+    <mc:Fallback xmlns="">
       <p:transition spd="slow">
         <p:fade/>
       </p:transition>
@@ -4348,7 +4348,15 @@
           <a:p>
             <a:r>
               <a:rPr lang="pl-PL" dirty="0"/>
-              <a:t>Umownie wyrazem zerowym jest liczba 0, a wyrazami pierwszym jest 1 </a:t>
+              <a:t>Umownie wyrazem zerowym jest liczba 0, </a:t>
+            </a:r>
+            <a:r>
+              <a:rPr lang="pl-PL"/>
+              <a:t>a wyrazem </a:t>
+            </a:r>
+            <a:r>
+              <a:rPr lang="pl-PL" dirty="0"/>
+              <a:t>pierwszym jest 1 </a:t>
             </a:r>
           </a:p>
           <a:p>
@@ -6907,7 +6915,7 @@
         </p:blipFill>
         <p:spPr>
           <a:xfrm>
-            <a:off x="1141412" y="712502"/>
+            <a:off x="1110168" y="670557"/>
             <a:ext cx="3425199" cy="4840332"/>
           </a:xfrm>
           <a:prstGeom prst="round2DiagRect">
@@ -6967,10 +6975,10 @@
       </p:pic>
       <p:sp>
         <p:nvSpPr>
-          <p:cNvPr id="87" name="Arrow: Right 86">
+          <p:cNvPr id="3" name="Rectangle 2">
             <a:extLst>
               <a:ext uri="{FF2B5EF4-FFF2-40B4-BE49-F238E27FC236}">
-                <a16:creationId xmlns:a16="http://schemas.microsoft.com/office/drawing/2014/main" id="{D63EDF94-258A-4485-B856-6D95DB064D3B}"/>
+                <a16:creationId xmlns:a16="http://schemas.microsoft.com/office/drawing/2014/main" id="{19A8C6B0-A6A0-42C0-8E53-6BFE99760321}"/>
               </a:ext>
             </a:extLst>
           </p:cNvPr>
@@ -6978,25 +6986,31 @@
           <p:nvPr/>
         </p:nvSpPr>
         <p:spPr>
-          <a:xfrm rot="4474566">
-            <a:off x="3311669" y="2877112"/>
-            <a:ext cx="3458278" cy="258619"/>
+          <a:xfrm>
+            <a:off x="1216404" y="813732"/>
+            <a:ext cx="419449" cy="220233"/>
           </a:xfrm>
-          <a:prstGeom prst="rightArrow">
+          <a:prstGeom prst="rect">
             <a:avLst/>
           </a:prstGeom>
+          <a:noFill/>
+          <a:ln>
+            <a:solidFill>
+              <a:srgbClr val="92D050"/>
+            </a:solidFill>
+          </a:ln>
         </p:spPr>
         <p:style>
           <a:lnRef idx="2">
-            <a:schemeClr val="accent2">
+            <a:schemeClr val="accent1">
               <a:shade val="50000"/>
             </a:schemeClr>
           </a:lnRef>
           <a:fillRef idx="1">
-            <a:schemeClr val="accent2"/>
+            <a:schemeClr val="accent1"/>
           </a:fillRef>
           <a:effectRef idx="0">
-            <a:schemeClr val="accent2"/>
+            <a:schemeClr val="accent1"/>
           </a:effectRef>
           <a:fontRef idx="minor">
             <a:schemeClr val="lt1"/>
@@ -7013,10 +7027,10 @@
       </p:sp>
       <p:sp>
         <p:nvSpPr>
-          <p:cNvPr id="89" name="Arrow: Right 88">
+          <p:cNvPr id="9" name="Rectangle 8">
             <a:extLst>
               <a:ext uri="{FF2B5EF4-FFF2-40B4-BE49-F238E27FC236}">
-                <a16:creationId xmlns:a16="http://schemas.microsoft.com/office/drawing/2014/main" id="{1B90CBFE-38EF-40C8-BD0D-01D08903DE2C}"/>
+                <a16:creationId xmlns:a16="http://schemas.microsoft.com/office/drawing/2014/main" id="{9DF13284-3D37-4D15-BAD9-BCEA51166269}"/>
               </a:ext>
             </a:extLst>
           </p:cNvPr>
@@ -7024,25 +7038,31 @@
           <p:nvPr/>
         </p:nvSpPr>
         <p:spPr>
-          <a:xfrm rot="4123635">
-            <a:off x="3450373" y="2957625"/>
-            <a:ext cx="3430401" cy="258619"/>
+          <a:xfrm>
+            <a:off x="1951812" y="1215184"/>
+            <a:ext cx="419449" cy="187353"/>
           </a:xfrm>
-          <a:prstGeom prst="rightArrow">
+          <a:prstGeom prst="rect">
             <a:avLst/>
           </a:prstGeom>
+          <a:noFill/>
+          <a:ln>
+            <a:solidFill>
+              <a:srgbClr val="92D050"/>
+            </a:solidFill>
+          </a:ln>
         </p:spPr>
         <p:style>
           <a:lnRef idx="2">
-            <a:schemeClr val="accent4">
+            <a:schemeClr val="accent1">
               <a:shade val="50000"/>
             </a:schemeClr>
           </a:lnRef>
           <a:fillRef idx="1">
-            <a:schemeClr val="accent4"/>
+            <a:schemeClr val="accent1"/>
           </a:fillRef>
           <a:effectRef idx="0">
-            <a:schemeClr val="accent4"/>
+            <a:schemeClr val="accent1"/>
           </a:effectRef>
           <a:fontRef idx="minor">
             <a:schemeClr val="lt1"/>
@@ -7059,10 +7079,10 @@
       </p:sp>
       <p:sp>
         <p:nvSpPr>
-          <p:cNvPr id="91" name="Arrow: Right 90">
+          <p:cNvPr id="10" name="Rectangle 9">
             <a:extLst>
               <a:ext uri="{FF2B5EF4-FFF2-40B4-BE49-F238E27FC236}">
-                <a16:creationId xmlns:a16="http://schemas.microsoft.com/office/drawing/2014/main" id="{5D34FABE-CE1D-4BEF-8929-483C5F323F42}"/>
+                <a16:creationId xmlns:a16="http://schemas.microsoft.com/office/drawing/2014/main" id="{D503AE12-EDE1-490D-B254-C9B328702CAD}"/>
               </a:ext>
             </a:extLst>
           </p:cNvPr>
@@ -7070,11 +7090,986 @@
           <p:nvPr/>
         </p:nvSpPr>
         <p:spPr>
-          <a:xfrm rot="3805181">
-            <a:off x="3674847" y="3041771"/>
-            <a:ext cx="3247034" cy="258619"/>
+          <a:xfrm>
+            <a:off x="1742089" y="823520"/>
+            <a:ext cx="419449" cy="210446"/>
           </a:xfrm>
-          <a:prstGeom prst="rightArrow">
+          <a:prstGeom prst="rect">
+            <a:avLst/>
+          </a:prstGeom>
+          <a:noFill/>
+          <a:ln>
+            <a:solidFill>
+              <a:srgbClr val="00B0F0"/>
+            </a:solidFill>
+          </a:ln>
+        </p:spPr>
+        <p:style>
+          <a:lnRef idx="2">
+            <a:schemeClr val="accent1">
+              <a:shade val="50000"/>
+            </a:schemeClr>
+          </a:lnRef>
+          <a:fillRef idx="1">
+            <a:schemeClr val="accent1"/>
+          </a:fillRef>
+          <a:effectRef idx="0">
+            <a:schemeClr val="accent1"/>
+          </a:effectRef>
+          <a:fontRef idx="minor">
+            <a:schemeClr val="lt1"/>
+          </a:fontRef>
+        </p:style>
+        <p:txBody>
+          <a:bodyPr rtlCol="0" anchor="ctr"/>
+          <a:lstStyle/>
+          <a:p>
+            <a:pPr algn="ctr"/>
+            <a:endParaRPr lang="pl-PL"/>
+          </a:p>
+        </p:txBody>
+      </p:sp>
+      <p:sp>
+        <p:nvSpPr>
+          <p:cNvPr id="11" name="Rectangle 10">
+            <a:extLst>
+              <a:ext uri="{FF2B5EF4-FFF2-40B4-BE49-F238E27FC236}">
+                <a16:creationId xmlns:a16="http://schemas.microsoft.com/office/drawing/2014/main" id="{D03E3DB6-B446-4135-AAF1-169A365FB64E}"/>
+              </a:ext>
+            </a:extLst>
+          </p:cNvPr>
+          <p:cNvSpPr/>
+          <p:nvPr/>
+        </p:nvSpPr>
+        <p:spPr>
+          <a:xfrm>
+            <a:off x="3480008" y="1195609"/>
+            <a:ext cx="419449" cy="206928"/>
+          </a:xfrm>
+          <a:prstGeom prst="rect">
+            <a:avLst/>
+          </a:prstGeom>
+          <a:noFill/>
+          <a:ln>
+            <a:solidFill>
+              <a:srgbClr val="00B0F0"/>
+            </a:solidFill>
+          </a:ln>
+        </p:spPr>
+        <p:style>
+          <a:lnRef idx="2">
+            <a:schemeClr val="accent1">
+              <a:shade val="50000"/>
+            </a:schemeClr>
+          </a:lnRef>
+          <a:fillRef idx="1">
+            <a:schemeClr val="accent1"/>
+          </a:fillRef>
+          <a:effectRef idx="0">
+            <a:schemeClr val="accent1"/>
+          </a:effectRef>
+          <a:fontRef idx="minor">
+            <a:schemeClr val="lt1"/>
+          </a:fontRef>
+        </p:style>
+        <p:txBody>
+          <a:bodyPr rtlCol="0" anchor="ctr"/>
+          <a:lstStyle/>
+          <a:p>
+            <a:pPr algn="ctr"/>
+            <a:endParaRPr lang="pl-PL"/>
+          </a:p>
+        </p:txBody>
+      </p:sp>
+      <p:sp>
+        <p:nvSpPr>
+          <p:cNvPr id="5" name="TextBox 4">
+            <a:extLst>
+              <a:ext uri="{FF2B5EF4-FFF2-40B4-BE49-F238E27FC236}">
+                <a16:creationId xmlns:a16="http://schemas.microsoft.com/office/drawing/2014/main" id="{1BA9EB05-F485-45AD-B381-BE58C017A7E8}"/>
+              </a:ext>
+            </a:extLst>
+          </p:cNvPr>
+          <p:cNvSpPr txBox="1"/>
+          <p:nvPr/>
+        </p:nvSpPr>
+        <p:spPr>
+          <a:xfrm>
+            <a:off x="2228522" y="803133"/>
+            <a:ext cx="746620" cy="230832"/>
+          </a:xfrm>
+          <a:prstGeom prst="rect">
+            <a:avLst/>
+          </a:prstGeom>
+          <a:noFill/>
+        </p:spPr>
+        <p:txBody>
+          <a:bodyPr wrap="square" rtlCol="0">
+            <a:spAutoFit/>
+          </a:bodyPr>
+          <a:lstStyle/>
+          <a:p>
+            <a:r>
+              <a:rPr lang="pl-PL" sz="900" dirty="0">
+                <a:solidFill>
+                  <a:srgbClr val="717171"/>
+                </a:solidFill>
+                <a:latin typeface="Arial" panose="020B0604020202020204" pitchFamily="34" charset="0"/>
+                <a:cs typeface="Arial" panose="020B0604020202020204" pitchFamily="34" charset="0"/>
+              </a:rPr>
+              <a:t>m = 10</a:t>
+            </a:r>
+          </a:p>
+        </p:txBody>
+      </p:sp>
+      <p:sp>
+        <p:nvSpPr>
+          <p:cNvPr id="13" name="Rectangle 12">
+            <a:extLst>
+              <a:ext uri="{FF2B5EF4-FFF2-40B4-BE49-F238E27FC236}">
+                <a16:creationId xmlns:a16="http://schemas.microsoft.com/office/drawing/2014/main" id="{A2E785D8-605D-4843-88DA-03CB900F0382}"/>
+              </a:ext>
+            </a:extLst>
+          </p:cNvPr>
+          <p:cNvSpPr/>
+          <p:nvPr/>
+        </p:nvSpPr>
+        <p:spPr>
+          <a:xfrm>
+            <a:off x="1951813" y="1411104"/>
+            <a:ext cx="419449" cy="187353"/>
+          </a:xfrm>
+          <a:prstGeom prst="rect">
+            <a:avLst/>
+          </a:prstGeom>
+          <a:noFill/>
+          <a:ln>
+            <a:solidFill>
+              <a:srgbClr val="92D050"/>
+            </a:solidFill>
+          </a:ln>
+        </p:spPr>
+        <p:style>
+          <a:lnRef idx="2">
+            <a:schemeClr val="accent1">
+              <a:shade val="50000"/>
+            </a:schemeClr>
+          </a:lnRef>
+          <a:fillRef idx="1">
+            <a:schemeClr val="accent1"/>
+          </a:fillRef>
+          <a:effectRef idx="0">
+            <a:schemeClr val="accent1"/>
+          </a:effectRef>
+          <a:fontRef idx="minor">
+            <a:schemeClr val="lt1"/>
+          </a:fontRef>
+        </p:style>
+        <p:txBody>
+          <a:bodyPr rtlCol="0" anchor="ctr"/>
+          <a:lstStyle/>
+          <a:p>
+            <a:pPr algn="ctr"/>
+            <a:endParaRPr lang="pl-PL"/>
+          </a:p>
+        </p:txBody>
+      </p:sp>
+      <p:sp>
+        <p:nvSpPr>
+          <p:cNvPr id="14" name="Rectangle 13">
+            <a:extLst>
+              <a:ext uri="{FF2B5EF4-FFF2-40B4-BE49-F238E27FC236}">
+                <a16:creationId xmlns:a16="http://schemas.microsoft.com/office/drawing/2014/main" id="{3A572E28-1448-4391-A63C-FAB6B4F2EA39}"/>
+              </a:ext>
+            </a:extLst>
+          </p:cNvPr>
+          <p:cNvSpPr/>
+          <p:nvPr/>
+        </p:nvSpPr>
+        <p:spPr>
+          <a:xfrm>
+            <a:off x="1951813" y="1607024"/>
+            <a:ext cx="419449" cy="187353"/>
+          </a:xfrm>
+          <a:prstGeom prst="rect">
+            <a:avLst/>
+          </a:prstGeom>
+          <a:noFill/>
+          <a:ln>
+            <a:solidFill>
+              <a:srgbClr val="92D050"/>
+            </a:solidFill>
+          </a:ln>
+        </p:spPr>
+        <p:style>
+          <a:lnRef idx="2">
+            <a:schemeClr val="accent1">
+              <a:shade val="50000"/>
+            </a:schemeClr>
+          </a:lnRef>
+          <a:fillRef idx="1">
+            <a:schemeClr val="accent1"/>
+          </a:fillRef>
+          <a:effectRef idx="0">
+            <a:schemeClr val="accent1"/>
+          </a:effectRef>
+          <a:fontRef idx="minor">
+            <a:schemeClr val="lt1"/>
+          </a:fontRef>
+        </p:style>
+        <p:txBody>
+          <a:bodyPr rtlCol="0" anchor="ctr"/>
+          <a:lstStyle/>
+          <a:p>
+            <a:pPr algn="ctr"/>
+            <a:endParaRPr lang="pl-PL"/>
+          </a:p>
+        </p:txBody>
+      </p:sp>
+      <p:sp>
+        <p:nvSpPr>
+          <p:cNvPr id="15" name="Rectangle 14">
+            <a:extLst>
+              <a:ext uri="{FF2B5EF4-FFF2-40B4-BE49-F238E27FC236}">
+                <a16:creationId xmlns:a16="http://schemas.microsoft.com/office/drawing/2014/main" id="{3ED21A1B-C65A-47CF-AC86-79AD7DCDF84E}"/>
+              </a:ext>
+            </a:extLst>
+          </p:cNvPr>
+          <p:cNvSpPr/>
+          <p:nvPr/>
+        </p:nvSpPr>
+        <p:spPr>
+          <a:xfrm>
+            <a:off x="3480003" y="1407621"/>
+            <a:ext cx="419449" cy="206928"/>
+          </a:xfrm>
+          <a:prstGeom prst="rect">
+            <a:avLst/>
+          </a:prstGeom>
+          <a:noFill/>
+          <a:ln>
+            <a:solidFill>
+              <a:srgbClr val="00B0F0"/>
+            </a:solidFill>
+          </a:ln>
+        </p:spPr>
+        <p:style>
+          <a:lnRef idx="2">
+            <a:schemeClr val="accent1">
+              <a:shade val="50000"/>
+            </a:schemeClr>
+          </a:lnRef>
+          <a:fillRef idx="1">
+            <a:schemeClr val="accent1"/>
+          </a:fillRef>
+          <a:effectRef idx="0">
+            <a:schemeClr val="accent1"/>
+          </a:effectRef>
+          <a:fontRef idx="minor">
+            <a:schemeClr val="lt1"/>
+          </a:fontRef>
+        </p:style>
+        <p:txBody>
+          <a:bodyPr rtlCol="0" anchor="ctr"/>
+          <a:lstStyle/>
+          <a:p>
+            <a:pPr algn="ctr"/>
+            <a:endParaRPr lang="pl-PL"/>
+          </a:p>
+        </p:txBody>
+      </p:sp>
+      <p:sp>
+        <p:nvSpPr>
+          <p:cNvPr id="16" name="Rectangle 15">
+            <a:extLst>
+              <a:ext uri="{FF2B5EF4-FFF2-40B4-BE49-F238E27FC236}">
+                <a16:creationId xmlns:a16="http://schemas.microsoft.com/office/drawing/2014/main" id="{09F58AB3-86EA-40D1-83E3-62E4AE465178}"/>
+              </a:ext>
+            </a:extLst>
+          </p:cNvPr>
+          <p:cNvSpPr/>
+          <p:nvPr/>
+        </p:nvSpPr>
+        <p:spPr>
+          <a:xfrm>
+            <a:off x="3480003" y="1607024"/>
+            <a:ext cx="419449" cy="206928"/>
+          </a:xfrm>
+          <a:prstGeom prst="rect">
+            <a:avLst/>
+          </a:prstGeom>
+          <a:noFill/>
+          <a:ln>
+            <a:solidFill>
+              <a:srgbClr val="00B0F0"/>
+            </a:solidFill>
+          </a:ln>
+        </p:spPr>
+        <p:style>
+          <a:lnRef idx="2">
+            <a:schemeClr val="accent1">
+              <a:shade val="50000"/>
+            </a:schemeClr>
+          </a:lnRef>
+          <a:fillRef idx="1">
+            <a:schemeClr val="accent1"/>
+          </a:fillRef>
+          <a:effectRef idx="0">
+            <a:schemeClr val="accent1"/>
+          </a:effectRef>
+          <a:fontRef idx="minor">
+            <a:schemeClr val="lt1"/>
+          </a:fontRef>
+        </p:style>
+        <p:txBody>
+          <a:bodyPr rtlCol="0" anchor="ctr"/>
+          <a:lstStyle/>
+          <a:p>
+            <a:pPr algn="ctr"/>
+            <a:endParaRPr lang="pl-PL"/>
+          </a:p>
+        </p:txBody>
+      </p:sp>
+      <p:cxnSp>
+        <p:nvCxnSpPr>
+          <p:cNvPr id="8" name="Connector: Curved 7">
+            <a:extLst>
+              <a:ext uri="{FF2B5EF4-FFF2-40B4-BE49-F238E27FC236}">
+                <a16:creationId xmlns:a16="http://schemas.microsoft.com/office/drawing/2014/main" id="{C1D89AB0-0368-4B49-9E22-086E9DED3309}"/>
+              </a:ext>
+            </a:extLst>
+          </p:cNvPr>
+          <p:cNvCxnSpPr>
+            <a:cxnSpLocks/>
+            <a:stCxn id="9" idx="0"/>
+            <a:endCxn id="11" idx="0"/>
+          </p:cNvCxnSpPr>
+          <p:nvPr/>
+        </p:nvCxnSpPr>
+        <p:spPr>
+          <a:xfrm rot="5400000" flipH="1" flipV="1">
+            <a:off x="2915848" y="441299"/>
+            <a:ext cx="19575" cy="1528196"/>
+          </a:xfrm>
+          <a:prstGeom prst="curvedConnector3">
+            <a:avLst>
+              <a:gd name="adj1" fmla="val 1267816"/>
+            </a:avLst>
+          </a:prstGeom>
+          <a:ln>
+            <a:tailEnd type="triangle"/>
+          </a:ln>
+        </p:spPr>
+        <p:style>
+          <a:lnRef idx="1">
+            <a:schemeClr val="accent1"/>
+          </a:lnRef>
+          <a:fillRef idx="0">
+            <a:schemeClr val="accent1"/>
+          </a:fillRef>
+          <a:effectRef idx="0">
+            <a:schemeClr val="accent1"/>
+          </a:effectRef>
+          <a:fontRef idx="minor">
+            <a:schemeClr val="tx1"/>
+          </a:fontRef>
+        </p:style>
+      </p:cxnSp>
+      <p:cxnSp>
+        <p:nvCxnSpPr>
+          <p:cNvPr id="18" name="Connector: Curved 17">
+            <a:extLst>
+              <a:ext uri="{FF2B5EF4-FFF2-40B4-BE49-F238E27FC236}">
+                <a16:creationId xmlns:a16="http://schemas.microsoft.com/office/drawing/2014/main" id="{B3064257-E642-44FD-8385-62507E8AF962}"/>
+              </a:ext>
+            </a:extLst>
+          </p:cNvPr>
+          <p:cNvCxnSpPr>
+            <a:cxnSpLocks/>
+            <a:stCxn id="11" idx="0"/>
+            <a:endCxn id="55" idx="0"/>
+          </p:cNvCxnSpPr>
+          <p:nvPr/>
+        </p:nvCxnSpPr>
+        <p:spPr>
+          <a:xfrm rot="16200000" flipH="1">
+            <a:off x="4032979" y="852362"/>
+            <a:ext cx="8567" cy="695061"/>
+          </a:xfrm>
+          <a:prstGeom prst="curvedConnector3">
+            <a:avLst>
+              <a:gd name="adj1" fmla="val -2668379"/>
+            </a:avLst>
+          </a:prstGeom>
+          <a:ln>
+            <a:tailEnd type="triangle"/>
+          </a:ln>
+        </p:spPr>
+        <p:style>
+          <a:lnRef idx="1">
+            <a:schemeClr val="accent1"/>
+          </a:lnRef>
+          <a:fillRef idx="0">
+            <a:schemeClr val="accent1"/>
+          </a:fillRef>
+          <a:effectRef idx="0">
+            <a:schemeClr val="accent1"/>
+          </a:effectRef>
+          <a:fontRef idx="minor">
+            <a:schemeClr val="tx1"/>
+          </a:fontRef>
+        </p:style>
+      </p:cxnSp>
+      <p:cxnSp>
+        <p:nvCxnSpPr>
+          <p:cNvPr id="22" name="Connector: Curved 21">
+            <a:extLst>
+              <a:ext uri="{FF2B5EF4-FFF2-40B4-BE49-F238E27FC236}">
+                <a16:creationId xmlns:a16="http://schemas.microsoft.com/office/drawing/2014/main" id="{C3F81739-DFB5-4597-87A5-BDE18EA743DC}"/>
+              </a:ext>
+            </a:extLst>
+          </p:cNvPr>
+          <p:cNvCxnSpPr>
+            <a:cxnSpLocks/>
+          </p:cNvCxnSpPr>
+          <p:nvPr/>
+        </p:nvCxnSpPr>
+        <p:spPr>
+          <a:xfrm rot="10800000" flipV="1">
+            <a:off x="1507119" y="1107345"/>
+            <a:ext cx="444697" cy="159229"/>
+          </a:xfrm>
+          <a:prstGeom prst="curvedConnector3">
+            <a:avLst>
+              <a:gd name="adj1" fmla="val 50000"/>
+            </a:avLst>
+          </a:prstGeom>
+          <a:ln>
+            <a:tailEnd type="triangle"/>
+          </a:ln>
+        </p:spPr>
+        <p:style>
+          <a:lnRef idx="1">
+            <a:schemeClr val="accent1"/>
+          </a:lnRef>
+          <a:fillRef idx="0">
+            <a:schemeClr val="accent1"/>
+          </a:fillRef>
+          <a:effectRef idx="0">
+            <a:schemeClr val="accent1"/>
+          </a:effectRef>
+          <a:fontRef idx="minor">
+            <a:schemeClr val="tx1"/>
+          </a:fontRef>
+        </p:style>
+      </p:cxnSp>
+      <p:cxnSp>
+        <p:nvCxnSpPr>
+          <p:cNvPr id="26" name="Connector: Curved 25">
+            <a:extLst>
+              <a:ext uri="{FF2B5EF4-FFF2-40B4-BE49-F238E27FC236}">
+                <a16:creationId xmlns:a16="http://schemas.microsoft.com/office/drawing/2014/main" id="{3A56978A-D55F-4C35-8AFF-42766D22B84D}"/>
+              </a:ext>
+            </a:extLst>
+          </p:cNvPr>
+          <p:cNvCxnSpPr/>
+          <p:nvPr/>
+        </p:nvCxnSpPr>
+        <p:spPr>
+          <a:xfrm rot="10800000" flipV="1">
+            <a:off x="1863640" y="1186959"/>
+            <a:ext cx="200052" cy="112113"/>
+          </a:xfrm>
+          <a:prstGeom prst="curvedConnector3">
+            <a:avLst/>
+          </a:prstGeom>
+          <a:ln>
+            <a:tailEnd type="triangle"/>
+          </a:ln>
+        </p:spPr>
+        <p:style>
+          <a:lnRef idx="1">
+            <a:schemeClr val="accent1"/>
+          </a:lnRef>
+          <a:fillRef idx="0">
+            <a:schemeClr val="accent1"/>
+          </a:fillRef>
+          <a:effectRef idx="0">
+            <a:schemeClr val="accent1"/>
+          </a:effectRef>
+          <a:fontRef idx="minor">
+            <a:schemeClr val="tx1"/>
+          </a:fontRef>
+        </p:style>
+      </p:cxnSp>
+      <p:cxnSp>
+        <p:nvCxnSpPr>
+          <p:cNvPr id="28" name="Connector: Curved 27">
+            <a:extLst>
+              <a:ext uri="{FF2B5EF4-FFF2-40B4-BE49-F238E27FC236}">
+                <a16:creationId xmlns:a16="http://schemas.microsoft.com/office/drawing/2014/main" id="{30B7C286-9D1B-4FB4-A581-08CAB3BC05A5}"/>
+              </a:ext>
+            </a:extLst>
+          </p:cNvPr>
+          <p:cNvCxnSpPr>
+            <a:cxnSpLocks/>
+          </p:cNvCxnSpPr>
+          <p:nvPr/>
+        </p:nvCxnSpPr>
+        <p:spPr>
+          <a:xfrm rot="5400000">
+            <a:off x="2095955" y="1246191"/>
+            <a:ext cx="118464" cy="12700"/>
+          </a:xfrm>
+          <a:prstGeom prst="curvedConnector3">
+            <a:avLst/>
+          </a:prstGeom>
+          <a:ln>
+            <a:tailEnd type="triangle"/>
+          </a:ln>
+        </p:spPr>
+        <p:style>
+          <a:lnRef idx="1">
+            <a:schemeClr val="accent1"/>
+          </a:lnRef>
+          <a:fillRef idx="0">
+            <a:schemeClr val="accent1"/>
+          </a:fillRef>
+          <a:effectRef idx="0">
+            <a:schemeClr val="accent1"/>
+          </a:effectRef>
+          <a:fontRef idx="minor">
+            <a:schemeClr val="tx1"/>
+          </a:fontRef>
+        </p:style>
+      </p:cxnSp>
+      <p:cxnSp>
+        <p:nvCxnSpPr>
+          <p:cNvPr id="30" name="Connector: Curved 29">
+            <a:extLst>
+              <a:ext uri="{FF2B5EF4-FFF2-40B4-BE49-F238E27FC236}">
+                <a16:creationId xmlns:a16="http://schemas.microsoft.com/office/drawing/2014/main" id="{4EAA2F47-232E-44F4-94CF-949E7F576ACD}"/>
+              </a:ext>
+            </a:extLst>
+          </p:cNvPr>
+          <p:cNvCxnSpPr/>
+          <p:nvPr/>
+        </p:nvCxnSpPr>
+        <p:spPr>
+          <a:xfrm>
+            <a:off x="2249033" y="1145997"/>
+            <a:ext cx="404591" cy="160677"/>
+          </a:xfrm>
+          <a:prstGeom prst="curvedConnector3">
+            <a:avLst/>
+          </a:prstGeom>
+          <a:ln>
+            <a:tailEnd type="triangle"/>
+          </a:ln>
+        </p:spPr>
+        <p:style>
+          <a:lnRef idx="1">
+            <a:schemeClr val="accent1"/>
+          </a:lnRef>
+          <a:fillRef idx="0">
+            <a:schemeClr val="accent1"/>
+          </a:fillRef>
+          <a:effectRef idx="0">
+            <a:schemeClr val="accent1"/>
+          </a:effectRef>
+          <a:fontRef idx="minor">
+            <a:schemeClr val="tx1"/>
+          </a:fontRef>
+        </p:style>
+      </p:cxnSp>
+      <p:cxnSp>
+        <p:nvCxnSpPr>
+          <p:cNvPr id="32" name="Connector: Curved 31">
+            <a:extLst>
+              <a:ext uri="{FF2B5EF4-FFF2-40B4-BE49-F238E27FC236}">
+                <a16:creationId xmlns:a16="http://schemas.microsoft.com/office/drawing/2014/main" id="{991D9A33-5C2E-4109-91ED-1D22D1B83C31}"/>
+              </a:ext>
+            </a:extLst>
+          </p:cNvPr>
+          <p:cNvCxnSpPr/>
+          <p:nvPr/>
+        </p:nvCxnSpPr>
+        <p:spPr>
+          <a:xfrm>
+            <a:off x="2335198" y="1145996"/>
+            <a:ext cx="636832" cy="153077"/>
+          </a:xfrm>
+          <a:prstGeom prst="curvedConnector3">
+            <a:avLst>
+              <a:gd name="adj1" fmla="val 68442"/>
+            </a:avLst>
+          </a:prstGeom>
+          <a:ln>
+            <a:tailEnd type="triangle"/>
+          </a:ln>
+        </p:spPr>
+        <p:style>
+          <a:lnRef idx="1">
+            <a:schemeClr val="accent1"/>
+          </a:lnRef>
+          <a:fillRef idx="0">
+            <a:schemeClr val="accent1"/>
+          </a:fillRef>
+          <a:effectRef idx="0">
+            <a:schemeClr val="accent1"/>
+          </a:effectRef>
+          <a:fontRef idx="minor">
+            <a:schemeClr val="tx1"/>
+          </a:fontRef>
+        </p:style>
+      </p:cxnSp>
+      <p:cxnSp>
+        <p:nvCxnSpPr>
+          <p:cNvPr id="35" name="Connector: Curved 34">
+            <a:extLst>
+              <a:ext uri="{FF2B5EF4-FFF2-40B4-BE49-F238E27FC236}">
+                <a16:creationId xmlns:a16="http://schemas.microsoft.com/office/drawing/2014/main" id="{216C720C-5D80-46AD-8DD1-07D2DCB11ECE}"/>
+              </a:ext>
+            </a:extLst>
+          </p:cNvPr>
+          <p:cNvCxnSpPr>
+            <a:cxnSpLocks/>
+          </p:cNvCxnSpPr>
+          <p:nvPr/>
+        </p:nvCxnSpPr>
+        <p:spPr>
+          <a:xfrm>
+            <a:off x="2411727" y="1055346"/>
+            <a:ext cx="906074" cy="243727"/>
+          </a:xfrm>
+          <a:prstGeom prst="curvedConnector3">
+            <a:avLst>
+              <a:gd name="adj1" fmla="val 65740"/>
+            </a:avLst>
+          </a:prstGeom>
+          <a:ln>
+            <a:tailEnd type="triangle"/>
+          </a:ln>
+        </p:spPr>
+        <p:style>
+          <a:lnRef idx="1">
+            <a:schemeClr val="accent1"/>
+          </a:lnRef>
+          <a:fillRef idx="0">
+            <a:schemeClr val="accent1"/>
+          </a:fillRef>
+          <a:effectRef idx="0">
+            <a:schemeClr val="accent1"/>
+          </a:effectRef>
+          <a:fontRef idx="minor">
+            <a:schemeClr val="tx1"/>
+          </a:fontRef>
+        </p:style>
+      </p:cxnSp>
+      <p:cxnSp>
+        <p:nvCxnSpPr>
+          <p:cNvPr id="40" name="Connector: Curved 39">
+            <a:extLst>
+              <a:ext uri="{FF2B5EF4-FFF2-40B4-BE49-F238E27FC236}">
+                <a16:creationId xmlns:a16="http://schemas.microsoft.com/office/drawing/2014/main" id="{3329DFD6-43F6-4BE1-8CC0-FB7F18B3217D}"/>
+              </a:ext>
+            </a:extLst>
+          </p:cNvPr>
+          <p:cNvCxnSpPr>
+            <a:cxnSpLocks/>
+          </p:cNvCxnSpPr>
+          <p:nvPr/>
+        </p:nvCxnSpPr>
+        <p:spPr>
+          <a:xfrm>
+            <a:off x="2517583" y="1091118"/>
+            <a:ext cx="1159459" cy="207955"/>
+          </a:xfrm>
+          <a:prstGeom prst="curvedConnector3">
+            <a:avLst>
+              <a:gd name="adj1" fmla="val 79665"/>
+            </a:avLst>
+          </a:prstGeom>
+          <a:ln>
+            <a:tailEnd type="triangle"/>
+          </a:ln>
+        </p:spPr>
+        <p:style>
+          <a:lnRef idx="1">
+            <a:schemeClr val="accent1"/>
+          </a:lnRef>
+          <a:fillRef idx="0">
+            <a:schemeClr val="accent1"/>
+          </a:fillRef>
+          <a:effectRef idx="0">
+            <a:schemeClr val="accent1"/>
+          </a:effectRef>
+          <a:fontRef idx="minor">
+            <a:schemeClr val="tx1"/>
+          </a:fontRef>
+        </p:style>
+      </p:cxnSp>
+      <p:cxnSp>
+        <p:nvCxnSpPr>
+          <p:cNvPr id="51" name="Straight Arrow Connector 50">
+            <a:extLst>
+              <a:ext uri="{FF2B5EF4-FFF2-40B4-BE49-F238E27FC236}">
+                <a16:creationId xmlns:a16="http://schemas.microsoft.com/office/drawing/2014/main" id="{D830C14A-C188-42B3-AA44-ED96464D0A9C}"/>
+              </a:ext>
+            </a:extLst>
+          </p:cNvPr>
+          <p:cNvCxnSpPr>
+            <a:cxnSpLocks/>
+          </p:cNvCxnSpPr>
+          <p:nvPr/>
+        </p:nvCxnSpPr>
+        <p:spPr>
+          <a:xfrm flipH="1">
+            <a:off x="3899452" y="1402537"/>
+            <a:ext cx="476527" cy="115487"/>
+          </a:xfrm>
+          <a:prstGeom prst="straightConnector1">
+            <a:avLst/>
+          </a:prstGeom>
+          <a:ln>
+            <a:tailEnd type="triangle"/>
+          </a:ln>
+        </p:spPr>
+        <p:style>
+          <a:lnRef idx="1">
+            <a:schemeClr val="accent1"/>
+          </a:lnRef>
+          <a:fillRef idx="0">
+            <a:schemeClr val="accent1"/>
+          </a:fillRef>
+          <a:effectRef idx="0">
+            <a:schemeClr val="accent1"/>
+          </a:effectRef>
+          <a:fontRef idx="minor">
+            <a:schemeClr val="tx1"/>
+          </a:fontRef>
+        </p:style>
+      </p:cxnSp>
+      <p:sp>
+        <p:nvSpPr>
+          <p:cNvPr id="55" name="Rectangle 54">
+            <a:extLst>
+              <a:ext uri="{FF2B5EF4-FFF2-40B4-BE49-F238E27FC236}">
+                <a16:creationId xmlns:a16="http://schemas.microsoft.com/office/drawing/2014/main" id="{6B13B1E3-A17C-4773-A161-F175D0D71B02}"/>
+              </a:ext>
+            </a:extLst>
+          </p:cNvPr>
+          <p:cNvSpPr/>
+          <p:nvPr/>
+        </p:nvSpPr>
+        <p:spPr>
+          <a:xfrm>
+            <a:off x="4273589" y="1204176"/>
+            <a:ext cx="222410" cy="206928"/>
+          </a:xfrm>
+          <a:prstGeom prst="rect">
+            <a:avLst/>
+          </a:prstGeom>
+          <a:noFill/>
+          <a:ln>
+            <a:solidFill>
+              <a:srgbClr val="C00000"/>
+            </a:solidFill>
+          </a:ln>
+        </p:spPr>
+        <p:style>
+          <a:lnRef idx="2">
+            <a:schemeClr val="accent1">
+              <a:shade val="50000"/>
+            </a:schemeClr>
+          </a:lnRef>
+          <a:fillRef idx="1">
+            <a:schemeClr val="accent1"/>
+          </a:fillRef>
+          <a:effectRef idx="0">
+            <a:schemeClr val="accent1"/>
+          </a:effectRef>
+          <a:fontRef idx="minor">
+            <a:schemeClr val="lt1"/>
+          </a:fontRef>
+        </p:style>
+        <p:txBody>
+          <a:bodyPr rtlCol="0" anchor="ctr"/>
+          <a:lstStyle/>
+          <a:p>
+            <a:pPr algn="ctr"/>
+            <a:endParaRPr lang="pl-PL"/>
+          </a:p>
+        </p:txBody>
+      </p:sp>
+      <p:sp>
+        <p:nvSpPr>
+          <p:cNvPr id="60" name="Rectangle 59">
+            <a:extLst>
+              <a:ext uri="{FF2B5EF4-FFF2-40B4-BE49-F238E27FC236}">
+                <a16:creationId xmlns:a16="http://schemas.microsoft.com/office/drawing/2014/main" id="{9A16295F-0154-4508-B869-5A97ABE7B7CE}"/>
+              </a:ext>
+            </a:extLst>
+          </p:cNvPr>
+          <p:cNvSpPr/>
+          <p:nvPr/>
+        </p:nvSpPr>
+        <p:spPr>
+          <a:xfrm>
+            <a:off x="2267774" y="827014"/>
+            <a:ext cx="419449" cy="210446"/>
+          </a:xfrm>
+          <a:prstGeom prst="rect">
+            <a:avLst/>
+          </a:prstGeom>
+          <a:noFill/>
+          <a:ln>
+            <a:solidFill>
+              <a:srgbClr val="FF0000"/>
+            </a:solidFill>
+          </a:ln>
+        </p:spPr>
+        <p:style>
+          <a:lnRef idx="2">
+            <a:schemeClr val="accent1">
+              <a:shade val="50000"/>
+            </a:schemeClr>
+          </a:lnRef>
+          <a:fillRef idx="1">
+            <a:schemeClr val="accent1"/>
+          </a:fillRef>
+          <a:effectRef idx="0">
+            <a:schemeClr val="accent1"/>
+          </a:effectRef>
+          <a:fontRef idx="minor">
+            <a:schemeClr val="lt1"/>
+          </a:fontRef>
+        </p:style>
+        <p:txBody>
+          <a:bodyPr rtlCol="0" anchor="ctr"/>
+          <a:lstStyle/>
+          <a:p>
+            <a:pPr algn="ctr"/>
+            <a:endParaRPr lang="pl-PL"/>
+          </a:p>
+        </p:txBody>
+      </p:sp>
+      <p:sp>
+        <p:nvSpPr>
+          <p:cNvPr id="61" name="Rectangle 60">
+            <a:extLst>
+              <a:ext uri="{FF2B5EF4-FFF2-40B4-BE49-F238E27FC236}">
+                <a16:creationId xmlns:a16="http://schemas.microsoft.com/office/drawing/2014/main" id="{377EE290-A5CE-4D09-851D-BC4D21637507}"/>
+              </a:ext>
+            </a:extLst>
+          </p:cNvPr>
+          <p:cNvSpPr/>
+          <p:nvPr/>
+        </p:nvSpPr>
+        <p:spPr>
+          <a:xfrm>
+            <a:off x="4273589" y="1597236"/>
+            <a:ext cx="222410" cy="206928"/>
+          </a:xfrm>
+          <a:prstGeom prst="rect">
+            <a:avLst/>
+          </a:prstGeom>
+          <a:noFill/>
+          <a:ln>
+            <a:solidFill>
+              <a:srgbClr val="C00000"/>
+            </a:solidFill>
+          </a:ln>
+        </p:spPr>
+        <p:style>
+          <a:lnRef idx="2">
+            <a:schemeClr val="accent1">
+              <a:shade val="50000"/>
+            </a:schemeClr>
+          </a:lnRef>
+          <a:fillRef idx="1">
+            <a:schemeClr val="accent1"/>
+          </a:fillRef>
+          <a:effectRef idx="0">
+            <a:schemeClr val="accent1"/>
+          </a:effectRef>
+          <a:fontRef idx="minor">
+            <a:schemeClr val="lt1"/>
+          </a:fontRef>
+        </p:style>
+        <p:txBody>
+          <a:bodyPr rtlCol="0" anchor="ctr"/>
+          <a:lstStyle/>
+          <a:p>
+            <a:pPr algn="ctr"/>
+            <a:endParaRPr lang="pl-PL"/>
+          </a:p>
+        </p:txBody>
+      </p:sp>
+      <p:sp>
+        <p:nvSpPr>
+          <p:cNvPr id="57" name="Arrow: Down 56">
+            <a:extLst>
+              <a:ext uri="{FF2B5EF4-FFF2-40B4-BE49-F238E27FC236}">
+                <a16:creationId xmlns:a16="http://schemas.microsoft.com/office/drawing/2014/main" id="{6F6BBD8A-F2E2-45EA-9BEA-CA72537D0CFE}"/>
+              </a:ext>
+            </a:extLst>
+          </p:cNvPr>
+          <p:cNvSpPr/>
+          <p:nvPr/>
+        </p:nvSpPr>
+        <p:spPr>
+          <a:xfrm rot="20751654">
+            <a:off x="5038468" y="1234272"/>
+            <a:ext cx="88479" cy="3534437"/>
+          </a:xfrm>
+          <a:prstGeom prst="downArrow">
+            <a:avLst/>
+          </a:prstGeom>
+        </p:spPr>
+        <p:style>
+          <a:lnRef idx="2">
+            <a:schemeClr val="accent1">
+              <a:shade val="50000"/>
+            </a:schemeClr>
+          </a:lnRef>
+          <a:fillRef idx="1">
+            <a:schemeClr val="accent1"/>
+          </a:fillRef>
+          <a:effectRef idx="0">
+            <a:schemeClr val="accent1"/>
+          </a:effectRef>
+          <a:fontRef idx="minor">
+            <a:schemeClr val="lt1"/>
+          </a:fontRef>
+        </p:style>
+        <p:txBody>
+          <a:bodyPr rtlCol="0" anchor="ctr"/>
+          <a:lstStyle/>
+          <a:p>
+            <a:pPr algn="ctr"/>
+            <a:endParaRPr lang="pl-PL"/>
+          </a:p>
+        </p:txBody>
+      </p:sp>
+      <p:sp>
+        <p:nvSpPr>
+          <p:cNvPr id="63" name="Arrow: Down 62">
+            <a:extLst>
+              <a:ext uri="{FF2B5EF4-FFF2-40B4-BE49-F238E27FC236}">
+                <a16:creationId xmlns:a16="http://schemas.microsoft.com/office/drawing/2014/main" id="{9C9E263E-85DB-495A-B37A-48EC818C96BE}"/>
+              </a:ext>
+            </a:extLst>
+          </p:cNvPr>
+          <p:cNvSpPr/>
+          <p:nvPr/>
+        </p:nvSpPr>
+        <p:spPr>
+          <a:xfrm rot="20359890">
+            <a:off x="5137520" y="1392536"/>
+            <a:ext cx="86021" cy="3427701"/>
+          </a:xfrm>
+          <a:prstGeom prst="downArrow">
             <a:avLst/>
           </a:prstGeom>
         </p:spPr>
@@ -7089,6 +8084,52 @@
           </a:fillRef>
           <a:effectRef idx="0">
             <a:schemeClr val="accent5"/>
+          </a:effectRef>
+          <a:fontRef idx="minor">
+            <a:schemeClr val="lt1"/>
+          </a:fontRef>
+        </p:style>
+        <p:txBody>
+          <a:bodyPr rtlCol="0" anchor="ctr"/>
+          <a:lstStyle/>
+          <a:p>
+            <a:pPr algn="ctr"/>
+            <a:endParaRPr lang="pl-PL"/>
+          </a:p>
+        </p:txBody>
+      </p:sp>
+      <p:sp>
+        <p:nvSpPr>
+          <p:cNvPr id="64" name="Arrow: Down 63">
+            <a:extLst>
+              <a:ext uri="{FF2B5EF4-FFF2-40B4-BE49-F238E27FC236}">
+                <a16:creationId xmlns:a16="http://schemas.microsoft.com/office/drawing/2014/main" id="{F3779A26-2760-45E3-94AB-57C0E45C7E35}"/>
+              </a:ext>
+            </a:extLst>
+          </p:cNvPr>
+          <p:cNvSpPr/>
+          <p:nvPr/>
+        </p:nvSpPr>
+        <p:spPr>
+          <a:xfrm rot="19980768">
+            <a:off x="5236932" y="1464950"/>
+            <a:ext cx="86021" cy="3427701"/>
+          </a:xfrm>
+          <a:prstGeom prst="downArrow">
+            <a:avLst/>
+          </a:prstGeom>
+        </p:spPr>
+        <p:style>
+          <a:lnRef idx="2">
+            <a:schemeClr val="dk1">
+              <a:shade val="50000"/>
+            </a:schemeClr>
+          </a:lnRef>
+          <a:fillRef idx="1">
+            <a:schemeClr val="dk1"/>
+          </a:fillRef>
+          <a:effectRef idx="0">
+            <a:schemeClr val="dk1"/>
           </a:effectRef>
           <a:fontRef idx="minor">
             <a:schemeClr val="lt1"/>
@@ -7146,7 +8187,7 @@
                             </p:stCondLst>
                             <p:childTnLst>
                               <p:par>
-                                <p:cTn id="5" presetID="10" presetClass="entr" presetSubtype="0" fill="hold" grpId="0" nodeType="clickEffect">
+                                <p:cTn id="5" presetID="1" presetClass="entr" presetSubtype="0" fill="hold" nodeType="clickEffect">
                                   <p:stCondLst>
                                     <p:cond delay="0"/>
                                   </p:stCondLst>
@@ -7159,7 +8200,7 @@
                                           </p:stCondLst>
                                         </p:cTn>
                                         <p:tgtEl>
-                                          <p:spTgt spid="87"/>
+                                          <p:spTgt spid="22"/>
                                         </p:tgtEl>
                                         <p:attrNameLst>
                                           <p:attrName>style.visibility</p:attrName>
@@ -7169,11 +8210,658 @@
                                         <p:strVal val="visible"/>
                                       </p:to>
                                     </p:set>
-                                    <p:animEffect transition="in" filter="fade">
-                                      <p:cBhvr>
-                                        <p:cTn id="7" dur="500"/>
-                                        <p:tgtEl>
-                                          <p:spTgt spid="87"/>
+                                  </p:childTnLst>
+                                </p:cTn>
+                              </p:par>
+                            </p:childTnLst>
+                          </p:cTn>
+                        </p:par>
+                        <p:par>
+                          <p:cTn id="7" fill="hold">
+                            <p:stCondLst>
+                              <p:cond delay="0"/>
+                            </p:stCondLst>
+                            <p:childTnLst>
+                              <p:par>
+                                <p:cTn id="8" presetID="1" presetClass="entr" presetSubtype="0" fill="hold" nodeType="afterEffect">
+                                  <p:stCondLst>
+                                    <p:cond delay="750"/>
+                                  </p:stCondLst>
+                                  <p:childTnLst>
+                                    <p:set>
+                                      <p:cBhvr>
+                                        <p:cTn id="9" dur="1" fill="hold">
+                                          <p:stCondLst>
+                                            <p:cond delay="0"/>
+                                          </p:stCondLst>
+                                        </p:cTn>
+                                        <p:tgtEl>
+                                          <p:spTgt spid="26"/>
+                                        </p:tgtEl>
+                                        <p:attrNameLst>
+                                          <p:attrName>style.visibility</p:attrName>
+                                        </p:attrNameLst>
+                                      </p:cBhvr>
+                                      <p:to>
+                                        <p:strVal val="visible"/>
+                                      </p:to>
+                                    </p:set>
+                                  </p:childTnLst>
+                                </p:cTn>
+                              </p:par>
+                            </p:childTnLst>
+                          </p:cTn>
+                        </p:par>
+                        <p:par>
+                          <p:cTn id="10" fill="hold">
+                            <p:stCondLst>
+                              <p:cond delay="750"/>
+                            </p:stCondLst>
+                            <p:childTnLst>
+                              <p:par>
+                                <p:cTn id="11" presetID="1" presetClass="entr" presetSubtype="0" fill="hold" nodeType="afterEffect">
+                                  <p:stCondLst>
+                                    <p:cond delay="750"/>
+                                  </p:stCondLst>
+                                  <p:childTnLst>
+                                    <p:set>
+                                      <p:cBhvr>
+                                        <p:cTn id="12" dur="1" fill="hold">
+                                          <p:stCondLst>
+                                            <p:cond delay="0"/>
+                                          </p:stCondLst>
+                                        </p:cTn>
+                                        <p:tgtEl>
+                                          <p:spTgt spid="28"/>
+                                        </p:tgtEl>
+                                        <p:attrNameLst>
+                                          <p:attrName>style.visibility</p:attrName>
+                                        </p:attrNameLst>
+                                      </p:cBhvr>
+                                      <p:to>
+                                        <p:strVal val="visible"/>
+                                      </p:to>
+                                    </p:set>
+                                  </p:childTnLst>
+                                </p:cTn>
+                              </p:par>
+                            </p:childTnLst>
+                          </p:cTn>
+                        </p:par>
+                        <p:par>
+                          <p:cTn id="13" fill="hold">
+                            <p:stCondLst>
+                              <p:cond delay="1500"/>
+                            </p:stCondLst>
+                            <p:childTnLst>
+                              <p:par>
+                                <p:cTn id="14" presetID="1" presetClass="entr" presetSubtype="0" fill="hold" nodeType="afterEffect">
+                                  <p:stCondLst>
+                                    <p:cond delay="750"/>
+                                  </p:stCondLst>
+                                  <p:childTnLst>
+                                    <p:set>
+                                      <p:cBhvr>
+                                        <p:cTn id="15" dur="1" fill="hold">
+                                          <p:stCondLst>
+                                            <p:cond delay="0"/>
+                                          </p:stCondLst>
+                                        </p:cTn>
+                                        <p:tgtEl>
+                                          <p:spTgt spid="30"/>
+                                        </p:tgtEl>
+                                        <p:attrNameLst>
+                                          <p:attrName>style.visibility</p:attrName>
+                                        </p:attrNameLst>
+                                      </p:cBhvr>
+                                      <p:to>
+                                        <p:strVal val="visible"/>
+                                      </p:to>
+                                    </p:set>
+                                  </p:childTnLst>
+                                </p:cTn>
+                              </p:par>
+                            </p:childTnLst>
+                          </p:cTn>
+                        </p:par>
+                        <p:par>
+                          <p:cTn id="16" fill="hold">
+                            <p:stCondLst>
+                              <p:cond delay="2250"/>
+                            </p:stCondLst>
+                            <p:childTnLst>
+                              <p:par>
+                                <p:cTn id="17" presetID="1" presetClass="entr" presetSubtype="0" fill="hold" nodeType="afterEffect">
+                                  <p:stCondLst>
+                                    <p:cond delay="750"/>
+                                  </p:stCondLst>
+                                  <p:childTnLst>
+                                    <p:set>
+                                      <p:cBhvr>
+                                        <p:cTn id="18" dur="1" fill="hold">
+                                          <p:stCondLst>
+                                            <p:cond delay="0"/>
+                                          </p:stCondLst>
+                                        </p:cTn>
+                                        <p:tgtEl>
+                                          <p:spTgt spid="32"/>
+                                        </p:tgtEl>
+                                        <p:attrNameLst>
+                                          <p:attrName>style.visibility</p:attrName>
+                                        </p:attrNameLst>
+                                      </p:cBhvr>
+                                      <p:to>
+                                        <p:strVal val="visible"/>
+                                      </p:to>
+                                    </p:set>
+                                  </p:childTnLst>
+                                </p:cTn>
+                              </p:par>
+                            </p:childTnLst>
+                          </p:cTn>
+                        </p:par>
+                        <p:par>
+                          <p:cTn id="19" fill="hold">
+                            <p:stCondLst>
+                              <p:cond delay="3000"/>
+                            </p:stCondLst>
+                            <p:childTnLst>
+                              <p:par>
+                                <p:cTn id="20" presetID="1" presetClass="entr" presetSubtype="0" fill="hold" nodeType="afterEffect">
+                                  <p:stCondLst>
+                                    <p:cond delay="750"/>
+                                  </p:stCondLst>
+                                  <p:childTnLst>
+                                    <p:set>
+                                      <p:cBhvr>
+                                        <p:cTn id="21" dur="1" fill="hold">
+                                          <p:stCondLst>
+                                            <p:cond delay="0"/>
+                                          </p:stCondLst>
+                                        </p:cTn>
+                                        <p:tgtEl>
+                                          <p:spTgt spid="35"/>
+                                        </p:tgtEl>
+                                        <p:attrNameLst>
+                                          <p:attrName>style.visibility</p:attrName>
+                                        </p:attrNameLst>
+                                      </p:cBhvr>
+                                      <p:to>
+                                        <p:strVal val="visible"/>
+                                      </p:to>
+                                    </p:set>
+                                  </p:childTnLst>
+                                </p:cTn>
+                              </p:par>
+                            </p:childTnLst>
+                          </p:cTn>
+                        </p:par>
+                        <p:par>
+                          <p:cTn id="22" fill="hold">
+                            <p:stCondLst>
+                              <p:cond delay="3750"/>
+                            </p:stCondLst>
+                            <p:childTnLst>
+                              <p:par>
+                                <p:cTn id="23" presetID="1" presetClass="entr" presetSubtype="0" fill="hold" nodeType="afterEffect">
+                                  <p:stCondLst>
+                                    <p:cond delay="750"/>
+                                  </p:stCondLst>
+                                  <p:childTnLst>
+                                    <p:set>
+                                      <p:cBhvr>
+                                        <p:cTn id="24" dur="1" fill="hold">
+                                          <p:stCondLst>
+                                            <p:cond delay="0"/>
+                                          </p:stCondLst>
+                                        </p:cTn>
+                                        <p:tgtEl>
+                                          <p:spTgt spid="40"/>
+                                        </p:tgtEl>
+                                        <p:attrNameLst>
+                                          <p:attrName>style.visibility</p:attrName>
+                                        </p:attrNameLst>
+                                      </p:cBhvr>
+                                      <p:to>
+                                        <p:strVal val="visible"/>
+                                      </p:to>
+                                    </p:set>
+                                  </p:childTnLst>
+                                </p:cTn>
+                              </p:par>
+                            </p:childTnLst>
+                          </p:cTn>
+                        </p:par>
+                      </p:childTnLst>
+                    </p:cTn>
+                  </p:par>
+                  <p:par>
+                    <p:cTn id="25" fill="hold">
+                      <p:stCondLst>
+                        <p:cond delay="indefinite"/>
+                      </p:stCondLst>
+                      <p:childTnLst>
+                        <p:par>
+                          <p:cTn id="26" fill="hold">
+                            <p:stCondLst>
+                              <p:cond delay="0"/>
+                            </p:stCondLst>
+                            <p:childTnLst>
+                              <p:par>
+                                <p:cTn id="27" presetID="10" presetClass="exit" presetSubtype="0" fill="hold" nodeType="clickEffect">
+                                  <p:stCondLst>
+                                    <p:cond delay="0"/>
+                                  </p:stCondLst>
+                                  <p:childTnLst>
+                                    <p:animEffect transition="out" filter="fade">
+                                      <p:cBhvr>
+                                        <p:cTn id="28" dur="500"/>
+                                        <p:tgtEl>
+                                          <p:spTgt spid="22"/>
+                                        </p:tgtEl>
+                                      </p:cBhvr>
+                                    </p:animEffect>
+                                    <p:set>
+                                      <p:cBhvr>
+                                        <p:cTn id="29" dur="1" fill="hold">
+                                          <p:stCondLst>
+                                            <p:cond delay="499"/>
+                                          </p:stCondLst>
+                                        </p:cTn>
+                                        <p:tgtEl>
+                                          <p:spTgt spid="22"/>
+                                        </p:tgtEl>
+                                        <p:attrNameLst>
+                                          <p:attrName>style.visibility</p:attrName>
+                                        </p:attrNameLst>
+                                      </p:cBhvr>
+                                      <p:to>
+                                        <p:strVal val="hidden"/>
+                                      </p:to>
+                                    </p:set>
+                                  </p:childTnLst>
+                                </p:cTn>
+                              </p:par>
+                              <p:par>
+                                <p:cTn id="30" presetID="10" presetClass="exit" presetSubtype="0" fill="hold" nodeType="withEffect">
+                                  <p:stCondLst>
+                                    <p:cond delay="0"/>
+                                  </p:stCondLst>
+                                  <p:childTnLst>
+                                    <p:animEffect transition="out" filter="fade">
+                                      <p:cBhvr>
+                                        <p:cTn id="31" dur="500"/>
+                                        <p:tgtEl>
+                                          <p:spTgt spid="26"/>
+                                        </p:tgtEl>
+                                      </p:cBhvr>
+                                    </p:animEffect>
+                                    <p:set>
+                                      <p:cBhvr>
+                                        <p:cTn id="32" dur="1" fill="hold">
+                                          <p:stCondLst>
+                                            <p:cond delay="499"/>
+                                          </p:stCondLst>
+                                        </p:cTn>
+                                        <p:tgtEl>
+                                          <p:spTgt spid="26"/>
+                                        </p:tgtEl>
+                                        <p:attrNameLst>
+                                          <p:attrName>style.visibility</p:attrName>
+                                        </p:attrNameLst>
+                                      </p:cBhvr>
+                                      <p:to>
+                                        <p:strVal val="hidden"/>
+                                      </p:to>
+                                    </p:set>
+                                  </p:childTnLst>
+                                </p:cTn>
+                              </p:par>
+                              <p:par>
+                                <p:cTn id="33" presetID="10" presetClass="exit" presetSubtype="0" fill="hold" nodeType="withEffect">
+                                  <p:stCondLst>
+                                    <p:cond delay="0"/>
+                                  </p:stCondLst>
+                                  <p:childTnLst>
+                                    <p:animEffect transition="out" filter="fade">
+                                      <p:cBhvr>
+                                        <p:cTn id="34" dur="500"/>
+                                        <p:tgtEl>
+                                          <p:spTgt spid="28"/>
+                                        </p:tgtEl>
+                                      </p:cBhvr>
+                                    </p:animEffect>
+                                    <p:set>
+                                      <p:cBhvr>
+                                        <p:cTn id="35" dur="1" fill="hold">
+                                          <p:stCondLst>
+                                            <p:cond delay="499"/>
+                                          </p:stCondLst>
+                                        </p:cTn>
+                                        <p:tgtEl>
+                                          <p:spTgt spid="28"/>
+                                        </p:tgtEl>
+                                        <p:attrNameLst>
+                                          <p:attrName>style.visibility</p:attrName>
+                                        </p:attrNameLst>
+                                      </p:cBhvr>
+                                      <p:to>
+                                        <p:strVal val="hidden"/>
+                                      </p:to>
+                                    </p:set>
+                                  </p:childTnLst>
+                                </p:cTn>
+                              </p:par>
+                              <p:par>
+                                <p:cTn id="36" presetID="10" presetClass="exit" presetSubtype="0" fill="hold" nodeType="withEffect">
+                                  <p:stCondLst>
+                                    <p:cond delay="0"/>
+                                  </p:stCondLst>
+                                  <p:childTnLst>
+                                    <p:animEffect transition="out" filter="fade">
+                                      <p:cBhvr>
+                                        <p:cTn id="37" dur="500"/>
+                                        <p:tgtEl>
+                                          <p:spTgt spid="30"/>
+                                        </p:tgtEl>
+                                      </p:cBhvr>
+                                    </p:animEffect>
+                                    <p:set>
+                                      <p:cBhvr>
+                                        <p:cTn id="38" dur="1" fill="hold">
+                                          <p:stCondLst>
+                                            <p:cond delay="499"/>
+                                          </p:stCondLst>
+                                        </p:cTn>
+                                        <p:tgtEl>
+                                          <p:spTgt spid="30"/>
+                                        </p:tgtEl>
+                                        <p:attrNameLst>
+                                          <p:attrName>style.visibility</p:attrName>
+                                        </p:attrNameLst>
+                                      </p:cBhvr>
+                                      <p:to>
+                                        <p:strVal val="hidden"/>
+                                      </p:to>
+                                    </p:set>
+                                  </p:childTnLst>
+                                </p:cTn>
+                              </p:par>
+                              <p:par>
+                                <p:cTn id="39" presetID="10" presetClass="exit" presetSubtype="0" fill="hold" nodeType="withEffect">
+                                  <p:stCondLst>
+                                    <p:cond delay="0"/>
+                                  </p:stCondLst>
+                                  <p:childTnLst>
+                                    <p:animEffect transition="out" filter="fade">
+                                      <p:cBhvr>
+                                        <p:cTn id="40" dur="500"/>
+                                        <p:tgtEl>
+                                          <p:spTgt spid="32"/>
+                                        </p:tgtEl>
+                                      </p:cBhvr>
+                                    </p:animEffect>
+                                    <p:set>
+                                      <p:cBhvr>
+                                        <p:cTn id="41" dur="1" fill="hold">
+                                          <p:stCondLst>
+                                            <p:cond delay="499"/>
+                                          </p:stCondLst>
+                                        </p:cTn>
+                                        <p:tgtEl>
+                                          <p:spTgt spid="32"/>
+                                        </p:tgtEl>
+                                        <p:attrNameLst>
+                                          <p:attrName>style.visibility</p:attrName>
+                                        </p:attrNameLst>
+                                      </p:cBhvr>
+                                      <p:to>
+                                        <p:strVal val="hidden"/>
+                                      </p:to>
+                                    </p:set>
+                                  </p:childTnLst>
+                                </p:cTn>
+                              </p:par>
+                              <p:par>
+                                <p:cTn id="42" presetID="10" presetClass="exit" presetSubtype="0" fill="hold" nodeType="withEffect">
+                                  <p:stCondLst>
+                                    <p:cond delay="0"/>
+                                  </p:stCondLst>
+                                  <p:childTnLst>
+                                    <p:animEffect transition="out" filter="fade">
+                                      <p:cBhvr>
+                                        <p:cTn id="43" dur="500"/>
+                                        <p:tgtEl>
+                                          <p:spTgt spid="35"/>
+                                        </p:tgtEl>
+                                      </p:cBhvr>
+                                    </p:animEffect>
+                                    <p:set>
+                                      <p:cBhvr>
+                                        <p:cTn id="44" dur="1" fill="hold">
+                                          <p:stCondLst>
+                                            <p:cond delay="499"/>
+                                          </p:stCondLst>
+                                        </p:cTn>
+                                        <p:tgtEl>
+                                          <p:spTgt spid="35"/>
+                                        </p:tgtEl>
+                                        <p:attrNameLst>
+                                          <p:attrName>style.visibility</p:attrName>
+                                        </p:attrNameLst>
+                                      </p:cBhvr>
+                                      <p:to>
+                                        <p:strVal val="hidden"/>
+                                      </p:to>
+                                    </p:set>
+                                  </p:childTnLst>
+                                </p:cTn>
+                              </p:par>
+                              <p:par>
+                                <p:cTn id="45" presetID="10" presetClass="exit" presetSubtype="0" fill="hold" nodeType="withEffect">
+                                  <p:stCondLst>
+                                    <p:cond delay="0"/>
+                                  </p:stCondLst>
+                                  <p:childTnLst>
+                                    <p:animEffect transition="out" filter="fade">
+                                      <p:cBhvr>
+                                        <p:cTn id="46" dur="500"/>
+                                        <p:tgtEl>
+                                          <p:spTgt spid="40"/>
+                                        </p:tgtEl>
+                                      </p:cBhvr>
+                                    </p:animEffect>
+                                    <p:set>
+                                      <p:cBhvr>
+                                        <p:cTn id="47" dur="1" fill="hold">
+                                          <p:stCondLst>
+                                            <p:cond delay="499"/>
+                                          </p:stCondLst>
+                                        </p:cTn>
+                                        <p:tgtEl>
+                                          <p:spTgt spid="40"/>
+                                        </p:tgtEl>
+                                        <p:attrNameLst>
+                                          <p:attrName>style.visibility</p:attrName>
+                                        </p:attrNameLst>
+                                      </p:cBhvr>
+                                      <p:to>
+                                        <p:strVal val="hidden"/>
+                                      </p:to>
+                                    </p:set>
+                                  </p:childTnLst>
+                                </p:cTn>
+                              </p:par>
+                            </p:childTnLst>
+                          </p:cTn>
+                        </p:par>
+                        <p:par>
+                          <p:cTn id="48" fill="hold">
+                            <p:stCondLst>
+                              <p:cond delay="500"/>
+                            </p:stCondLst>
+                            <p:childTnLst>
+                              <p:par>
+                                <p:cTn id="49" presetID="22" presetClass="entr" presetSubtype="4" fill="hold" grpId="0" nodeType="afterEffect">
+                                  <p:stCondLst>
+                                    <p:cond delay="500"/>
+                                  </p:stCondLst>
+                                  <p:childTnLst>
+                                    <p:set>
+                                      <p:cBhvr>
+                                        <p:cTn id="50" dur="1" fill="hold">
+                                          <p:stCondLst>
+                                            <p:cond delay="0"/>
+                                          </p:stCondLst>
+                                        </p:cTn>
+                                        <p:tgtEl>
+                                          <p:spTgt spid="3"/>
+                                        </p:tgtEl>
+                                        <p:attrNameLst>
+                                          <p:attrName>style.visibility</p:attrName>
+                                        </p:attrNameLst>
+                                      </p:cBhvr>
+                                      <p:to>
+                                        <p:strVal val="visible"/>
+                                      </p:to>
+                                    </p:set>
+                                    <p:animEffect transition="in" filter="wipe(down)">
+                                      <p:cBhvr>
+                                        <p:cTn id="51" dur="500"/>
+                                        <p:tgtEl>
+                                          <p:spTgt spid="3"/>
+                                        </p:tgtEl>
+                                      </p:cBhvr>
+                                    </p:animEffect>
+                                  </p:childTnLst>
+                                </p:cTn>
+                              </p:par>
+                            </p:childTnLst>
+                          </p:cTn>
+                        </p:par>
+                        <p:par>
+                          <p:cTn id="52" fill="hold">
+                            <p:stCondLst>
+                              <p:cond delay="1500"/>
+                            </p:stCondLst>
+                            <p:childTnLst>
+                              <p:par>
+                                <p:cTn id="53" presetID="22" presetClass="entr" presetSubtype="4" fill="hold" grpId="0" nodeType="afterEffect">
+                                  <p:stCondLst>
+                                    <p:cond delay="500"/>
+                                  </p:stCondLst>
+                                  <p:childTnLst>
+                                    <p:set>
+                                      <p:cBhvr>
+                                        <p:cTn id="54" dur="1" fill="hold">
+                                          <p:stCondLst>
+                                            <p:cond delay="0"/>
+                                          </p:stCondLst>
+                                        </p:cTn>
+                                        <p:tgtEl>
+                                          <p:spTgt spid="9"/>
+                                        </p:tgtEl>
+                                        <p:attrNameLst>
+                                          <p:attrName>style.visibility</p:attrName>
+                                        </p:attrNameLst>
+                                      </p:cBhvr>
+                                      <p:to>
+                                        <p:strVal val="visible"/>
+                                      </p:to>
+                                    </p:set>
+                                    <p:animEffect transition="in" filter="wipe(down)">
+                                      <p:cBhvr>
+                                        <p:cTn id="55" dur="500"/>
+                                        <p:tgtEl>
+                                          <p:spTgt spid="9"/>
+                                        </p:tgtEl>
+                                      </p:cBhvr>
+                                    </p:animEffect>
+                                  </p:childTnLst>
+                                </p:cTn>
+                              </p:par>
+                            </p:childTnLst>
+                          </p:cTn>
+                        </p:par>
+                        <p:par>
+                          <p:cTn id="56" fill="hold">
+                            <p:stCondLst>
+                              <p:cond delay="2500"/>
+                            </p:stCondLst>
+                            <p:childTnLst>
+                              <p:par>
+                                <p:cTn id="57" presetID="22" presetClass="entr" presetSubtype="4" fill="hold" grpId="0" nodeType="afterEffect">
+                                  <p:stCondLst>
+                                    <p:cond delay="500"/>
+                                  </p:stCondLst>
+                                  <p:childTnLst>
+                                    <p:set>
+                                      <p:cBhvr>
+                                        <p:cTn id="58" dur="1" fill="hold">
+                                          <p:stCondLst>
+                                            <p:cond delay="0"/>
+                                          </p:stCondLst>
+                                        </p:cTn>
+                                        <p:tgtEl>
+                                          <p:spTgt spid="13"/>
+                                        </p:tgtEl>
+                                        <p:attrNameLst>
+                                          <p:attrName>style.visibility</p:attrName>
+                                        </p:attrNameLst>
+                                      </p:cBhvr>
+                                      <p:to>
+                                        <p:strVal val="visible"/>
+                                      </p:to>
+                                    </p:set>
+                                    <p:animEffect transition="in" filter="wipe(down)">
+                                      <p:cBhvr>
+                                        <p:cTn id="59" dur="500"/>
+                                        <p:tgtEl>
+                                          <p:spTgt spid="13"/>
+                                        </p:tgtEl>
+                                      </p:cBhvr>
+                                    </p:animEffect>
+                                  </p:childTnLst>
+                                </p:cTn>
+                              </p:par>
+                            </p:childTnLst>
+                          </p:cTn>
+                        </p:par>
+                        <p:par>
+                          <p:cTn id="60" fill="hold">
+                            <p:stCondLst>
+                              <p:cond delay="3500"/>
+                            </p:stCondLst>
+                            <p:childTnLst>
+                              <p:par>
+                                <p:cTn id="61" presetID="22" presetClass="entr" presetSubtype="4" fill="hold" grpId="0" nodeType="afterEffect">
+                                  <p:stCondLst>
+                                    <p:cond delay="500"/>
+                                  </p:stCondLst>
+                                  <p:childTnLst>
+                                    <p:set>
+                                      <p:cBhvr>
+                                        <p:cTn id="62" dur="1" fill="hold">
+                                          <p:stCondLst>
+                                            <p:cond delay="0"/>
+                                          </p:stCondLst>
+                                        </p:cTn>
+                                        <p:tgtEl>
+                                          <p:spTgt spid="14"/>
+                                        </p:tgtEl>
+                                        <p:attrNameLst>
+                                          <p:attrName>style.visibility</p:attrName>
+                                        </p:attrNameLst>
+                                      </p:cBhvr>
+                                      <p:to>
+                                        <p:strVal val="visible"/>
+                                      </p:to>
+                                    </p:set>
+                                    <p:animEffect transition="in" filter="wipe(down)">
+                                      <p:cBhvr>
+                                        <p:cTn id="63" dur="500"/>
+                                        <p:tgtEl>
+                                          <p:spTgt spid="14"/>
                                         </p:tgtEl>
                                       </p:cBhvr>
                                     </p:animEffect>
@@ -7187,32 +8875,32 @@
                     </p:cTn>
                   </p:par>
                   <p:par>
-                    <p:cTn id="8" fill="hold">
+                    <p:cTn id="64" fill="hold">
                       <p:stCondLst>
                         <p:cond delay="indefinite"/>
                       </p:stCondLst>
                       <p:childTnLst>
                         <p:par>
-                          <p:cTn id="9" fill="hold">
+                          <p:cTn id="65" fill="hold">
                             <p:stCondLst>
                               <p:cond delay="0"/>
                             </p:stCondLst>
                             <p:childTnLst>
                               <p:par>
-                                <p:cTn id="10" presetID="10" presetClass="entr" presetSubtype="0" fill="hold" grpId="0" nodeType="clickEffect">
+                                <p:cTn id="66" presetID="22" presetClass="entr" presetSubtype="4" fill="hold" grpId="0" nodeType="clickEffect">
                                   <p:stCondLst>
                                     <p:cond delay="0"/>
                                   </p:stCondLst>
                                   <p:childTnLst>
                                     <p:set>
                                       <p:cBhvr>
-                                        <p:cTn id="11" dur="1" fill="hold">
+                                        <p:cTn id="67" dur="1" fill="hold">
                                           <p:stCondLst>
                                             <p:cond delay="0"/>
                                           </p:stCondLst>
                                         </p:cTn>
                                         <p:tgtEl>
-                                          <p:spTgt spid="89"/>
+                                          <p:spTgt spid="10"/>
                                         </p:tgtEl>
                                         <p:attrNameLst>
                                           <p:attrName>style.visibility</p:attrName>
@@ -7222,11 +8910,143 @@
                                         <p:strVal val="visible"/>
                                       </p:to>
                                     </p:set>
-                                    <p:animEffect transition="in" filter="fade">
-                                      <p:cBhvr>
-                                        <p:cTn id="12" dur="500"/>
-                                        <p:tgtEl>
-                                          <p:spTgt spid="89"/>
+                                    <p:animEffect transition="in" filter="wipe(down)">
+                                      <p:cBhvr>
+                                        <p:cTn id="68" dur="500"/>
+                                        <p:tgtEl>
+                                          <p:spTgt spid="10"/>
+                                        </p:tgtEl>
+                                      </p:cBhvr>
+                                    </p:animEffect>
+                                  </p:childTnLst>
+                                </p:cTn>
+                              </p:par>
+                            </p:childTnLst>
+                          </p:cTn>
+                        </p:par>
+                        <p:par>
+                          <p:cTn id="69" fill="hold">
+                            <p:stCondLst>
+                              <p:cond delay="500"/>
+                            </p:stCondLst>
+                            <p:childTnLst>
+                              <p:par>
+                                <p:cTn id="70" presetID="22" presetClass="entr" presetSubtype="4" fill="hold" grpId="0" nodeType="afterEffect">
+                                  <p:stCondLst>
+                                    <p:cond delay="500"/>
+                                  </p:stCondLst>
+                                  <p:childTnLst>
+                                    <p:set>
+                                      <p:cBhvr>
+                                        <p:cTn id="71" dur="1" fill="hold">
+                                          <p:stCondLst>
+                                            <p:cond delay="0"/>
+                                          </p:stCondLst>
+                                        </p:cTn>
+                                        <p:tgtEl>
+                                          <p:spTgt spid="11"/>
+                                        </p:tgtEl>
+                                        <p:attrNameLst>
+                                          <p:attrName>style.visibility</p:attrName>
+                                        </p:attrNameLst>
+                                      </p:cBhvr>
+                                      <p:to>
+                                        <p:strVal val="visible"/>
+                                      </p:to>
+                                    </p:set>
+                                    <p:animEffect transition="in" filter="wipe(down)">
+                                      <p:cBhvr>
+                                        <p:cTn id="72" dur="500"/>
+                                        <p:tgtEl>
+                                          <p:spTgt spid="11"/>
+                                        </p:tgtEl>
+                                      </p:cBhvr>
+                                    </p:animEffect>
+                                  </p:childTnLst>
+                                </p:cTn>
+                              </p:par>
+                            </p:childTnLst>
+                          </p:cTn>
+                        </p:par>
+                        <p:par>
+                          <p:cTn id="73" fill="hold">
+                            <p:stCondLst>
+                              <p:cond delay="1500"/>
+                            </p:stCondLst>
+                            <p:childTnLst>
+                              <p:par>
+                                <p:cTn id="74" presetID="22" presetClass="entr" presetSubtype="4" fill="hold" grpId="0" nodeType="afterEffect">
+                                  <p:stCondLst>
+                                    <p:cond delay="500"/>
+                                  </p:stCondLst>
+                                  <p:childTnLst>
+                                    <p:set>
+                                      <p:cBhvr>
+                                        <p:cTn id="75" dur="1" fill="hold">
+                                          <p:stCondLst>
+                                            <p:cond delay="0"/>
+                                          </p:stCondLst>
+                                        </p:cTn>
+                                        <p:tgtEl>
+                                          <p:spTgt spid="15"/>
+                                        </p:tgtEl>
+                                        <p:attrNameLst>
+                                          <p:attrName>style.visibility</p:attrName>
+                                        </p:attrNameLst>
+                                      </p:cBhvr>
+                                      <p:to>
+                                        <p:strVal val="visible"/>
+                                      </p:to>
+                                    </p:set>
+                                    <p:animEffect transition="in" filter="wipe(down)">
+                                      <p:cBhvr>
+                                        <p:cTn id="76" dur="500"/>
+                                        <p:tgtEl>
+                                          <p:spTgt spid="15"/>
+                                        </p:tgtEl>
+                                      </p:cBhvr>
+                                    </p:animEffect>
+                                  </p:childTnLst>
+                                </p:cTn>
+                              </p:par>
+                            </p:childTnLst>
+                          </p:cTn>
+                        </p:par>
+                        <p:par>
+                          <p:cTn id="77" fill="hold">
+                            <p:stCondLst>
+                              <p:cond delay="2500"/>
+                            </p:stCondLst>
+                            <p:childTnLst>
+                              <p:par>
+                                <p:cTn id="78" presetID="22" presetClass="entr" presetSubtype="4" fill="hold" grpId="0" nodeType="afterEffect">
+                                  <p:stCondLst>
+                                    <p:cond delay="500"/>
+                                  </p:stCondLst>
+                                  <p:childTnLst>
+                                    <p:set>
+                                      <p:cBhvr>
+                                        <p:cTn id="79" dur="1" fill="hold">
+                                          <p:stCondLst>
+                                            <p:cond delay="0"/>
+                                          </p:stCondLst>
+                                        </p:cTn>
+                                        <p:tgtEl>
+                                          <p:spTgt spid="16"/>
+                                        </p:tgtEl>
+                                        <p:attrNameLst>
+                                          <p:attrName>style.visibility</p:attrName>
+                                        </p:attrNameLst>
+                                      </p:cBhvr>
+                                      <p:to>
+                                        <p:strVal val="visible"/>
+                                      </p:to>
+                                    </p:set>
+                                    <p:animEffect transition="in" filter="wipe(down)">
+                                      <p:cBhvr>
+                                        <p:cTn id="80" dur="500"/>
+                                        <p:tgtEl>
+                                          <p:spTgt spid="16"/>
                                         </p:tgtEl>
                                       </p:cBhvr>
                                     </p:animEffect>
@@ -7240,32 +9060,803 @@
                     </p:cTn>
                   </p:par>
                   <p:par>
-                    <p:cTn id="13" fill="hold">
+                    <p:cTn id="81" fill="hold">
                       <p:stCondLst>
                         <p:cond delay="indefinite"/>
                       </p:stCondLst>
                       <p:childTnLst>
                         <p:par>
-                          <p:cTn id="14" fill="hold">
+                          <p:cTn id="82" fill="hold">
                             <p:stCondLst>
                               <p:cond delay="0"/>
                             </p:stCondLst>
                             <p:childTnLst>
                               <p:par>
-                                <p:cTn id="15" presetID="10" presetClass="entr" presetSubtype="0" fill="hold" grpId="0" nodeType="clickEffect">
+                                <p:cTn id="83" presetID="22" presetClass="exit" presetSubtype="4" fill="hold" grpId="1" nodeType="clickEffect">
+                                  <p:stCondLst>
+                                    <p:cond delay="0"/>
+                                  </p:stCondLst>
+                                  <p:childTnLst>
+                                    <p:animEffect transition="out" filter="wipe(down)">
+                                      <p:cBhvr>
+                                        <p:cTn id="84" dur="500"/>
+                                        <p:tgtEl>
+                                          <p:spTgt spid="13"/>
+                                        </p:tgtEl>
+                                      </p:cBhvr>
+                                    </p:animEffect>
+                                    <p:set>
+                                      <p:cBhvr>
+                                        <p:cTn id="85" dur="1" fill="hold">
+                                          <p:stCondLst>
+                                            <p:cond delay="499"/>
+                                          </p:stCondLst>
+                                        </p:cTn>
+                                        <p:tgtEl>
+                                          <p:spTgt spid="13"/>
+                                        </p:tgtEl>
+                                        <p:attrNameLst>
+                                          <p:attrName>style.visibility</p:attrName>
+                                        </p:attrNameLst>
+                                      </p:cBhvr>
+                                      <p:to>
+                                        <p:strVal val="hidden"/>
+                                      </p:to>
+                                    </p:set>
+                                  </p:childTnLst>
+                                </p:cTn>
+                              </p:par>
+                              <p:par>
+                                <p:cTn id="86" presetID="22" presetClass="exit" presetSubtype="4" fill="hold" grpId="1" nodeType="withEffect">
+                                  <p:stCondLst>
+                                    <p:cond delay="0"/>
+                                  </p:stCondLst>
+                                  <p:childTnLst>
+                                    <p:animEffect transition="out" filter="wipe(down)">
+                                      <p:cBhvr>
+                                        <p:cTn id="87" dur="500"/>
+                                        <p:tgtEl>
+                                          <p:spTgt spid="14"/>
+                                        </p:tgtEl>
+                                      </p:cBhvr>
+                                    </p:animEffect>
+                                    <p:set>
+                                      <p:cBhvr>
+                                        <p:cTn id="88" dur="1" fill="hold">
+                                          <p:stCondLst>
+                                            <p:cond delay="499"/>
+                                          </p:stCondLst>
+                                        </p:cTn>
+                                        <p:tgtEl>
+                                          <p:spTgt spid="14"/>
+                                        </p:tgtEl>
+                                        <p:attrNameLst>
+                                          <p:attrName>style.visibility</p:attrName>
+                                        </p:attrNameLst>
+                                      </p:cBhvr>
+                                      <p:to>
+                                        <p:strVal val="hidden"/>
+                                      </p:to>
+                                    </p:set>
+                                  </p:childTnLst>
+                                </p:cTn>
+                              </p:par>
+                              <p:par>
+                                <p:cTn id="89" presetID="22" presetClass="exit" presetSubtype="4" fill="hold" grpId="1" nodeType="withEffect">
+                                  <p:stCondLst>
+                                    <p:cond delay="0"/>
+                                  </p:stCondLst>
+                                  <p:childTnLst>
+                                    <p:animEffect transition="out" filter="wipe(down)">
+                                      <p:cBhvr>
+                                        <p:cTn id="90" dur="500"/>
+                                        <p:tgtEl>
+                                          <p:spTgt spid="15"/>
+                                        </p:tgtEl>
+                                      </p:cBhvr>
+                                    </p:animEffect>
+                                    <p:set>
+                                      <p:cBhvr>
+                                        <p:cTn id="91" dur="1" fill="hold">
+                                          <p:stCondLst>
+                                            <p:cond delay="499"/>
+                                          </p:stCondLst>
+                                        </p:cTn>
+                                        <p:tgtEl>
+                                          <p:spTgt spid="15"/>
+                                        </p:tgtEl>
+                                        <p:attrNameLst>
+                                          <p:attrName>style.visibility</p:attrName>
+                                        </p:attrNameLst>
+                                      </p:cBhvr>
+                                      <p:to>
+                                        <p:strVal val="hidden"/>
+                                      </p:to>
+                                    </p:set>
+                                  </p:childTnLst>
+                                </p:cTn>
+                              </p:par>
+                              <p:par>
+                                <p:cTn id="92" presetID="22" presetClass="exit" presetSubtype="4" fill="hold" grpId="1" nodeType="withEffect">
+                                  <p:stCondLst>
+                                    <p:cond delay="0"/>
+                                  </p:stCondLst>
+                                  <p:childTnLst>
+                                    <p:animEffect transition="out" filter="wipe(down)">
+                                      <p:cBhvr>
+                                        <p:cTn id="93" dur="500"/>
+                                        <p:tgtEl>
+                                          <p:spTgt spid="16"/>
+                                        </p:tgtEl>
+                                      </p:cBhvr>
+                                    </p:animEffect>
+                                    <p:set>
+                                      <p:cBhvr>
+                                        <p:cTn id="94" dur="1" fill="hold">
+                                          <p:stCondLst>
+                                            <p:cond delay="499"/>
+                                          </p:stCondLst>
+                                        </p:cTn>
+                                        <p:tgtEl>
+                                          <p:spTgt spid="16"/>
+                                        </p:tgtEl>
+                                        <p:attrNameLst>
+                                          <p:attrName>style.visibility</p:attrName>
+                                        </p:attrNameLst>
+                                      </p:cBhvr>
+                                      <p:to>
+                                        <p:strVal val="hidden"/>
+                                      </p:to>
+                                    </p:set>
+                                  </p:childTnLst>
+                                </p:cTn>
+                              </p:par>
+                            </p:childTnLst>
+                          </p:cTn>
+                        </p:par>
+                        <p:par>
+                          <p:cTn id="95" fill="hold">
+                            <p:stCondLst>
+                              <p:cond delay="500"/>
+                            </p:stCondLst>
+                            <p:childTnLst>
+                              <p:par>
+                                <p:cTn id="96" presetID="31" presetClass="entr" presetSubtype="0" fill="hold" nodeType="afterEffect">
+                                  <p:stCondLst>
+                                    <p:cond delay="500"/>
+                                  </p:stCondLst>
+                                  <p:childTnLst>
+                                    <p:set>
+                                      <p:cBhvr>
+                                        <p:cTn id="97" dur="1" fill="hold">
+                                          <p:stCondLst>
+                                            <p:cond delay="0"/>
+                                          </p:stCondLst>
+                                        </p:cTn>
+                                        <p:tgtEl>
+                                          <p:spTgt spid="8"/>
+                                        </p:tgtEl>
+                                        <p:attrNameLst>
+                                          <p:attrName>style.visibility</p:attrName>
+                                        </p:attrNameLst>
+                                      </p:cBhvr>
+                                      <p:to>
+                                        <p:strVal val="visible"/>
+                                      </p:to>
+                                    </p:set>
+                                    <p:anim calcmode="lin" valueType="num">
+                                      <p:cBhvr>
+                                        <p:cTn id="98" dur="1000" fill="hold"/>
+                                        <p:tgtEl>
+                                          <p:spTgt spid="8"/>
+                                        </p:tgtEl>
+                                        <p:attrNameLst>
+                                          <p:attrName>ppt_w</p:attrName>
+                                        </p:attrNameLst>
+                                      </p:cBhvr>
+                                      <p:tavLst>
+                                        <p:tav tm="0">
+                                          <p:val>
+                                            <p:fltVal val="0"/>
+                                          </p:val>
+                                        </p:tav>
+                                        <p:tav tm="100000">
+                                          <p:val>
+                                            <p:strVal val="#ppt_w"/>
+                                          </p:val>
+                                        </p:tav>
+                                      </p:tavLst>
+                                    </p:anim>
+                                    <p:anim calcmode="lin" valueType="num">
+                                      <p:cBhvr>
+                                        <p:cTn id="99" dur="1000" fill="hold"/>
+                                        <p:tgtEl>
+                                          <p:spTgt spid="8"/>
+                                        </p:tgtEl>
+                                        <p:attrNameLst>
+                                          <p:attrName>ppt_h</p:attrName>
+                                        </p:attrNameLst>
+                                      </p:cBhvr>
+                                      <p:tavLst>
+                                        <p:tav tm="0">
+                                          <p:val>
+                                            <p:fltVal val="0"/>
+                                          </p:val>
+                                        </p:tav>
+                                        <p:tav tm="100000">
+                                          <p:val>
+                                            <p:strVal val="#ppt_h"/>
+                                          </p:val>
+                                        </p:tav>
+                                      </p:tavLst>
+                                    </p:anim>
+                                    <p:anim calcmode="lin" valueType="num">
+                                      <p:cBhvr>
+                                        <p:cTn id="100" dur="1000" fill="hold"/>
+                                        <p:tgtEl>
+                                          <p:spTgt spid="8"/>
+                                        </p:tgtEl>
+                                        <p:attrNameLst>
+                                          <p:attrName>style.rotation</p:attrName>
+                                        </p:attrNameLst>
+                                      </p:cBhvr>
+                                      <p:tavLst>
+                                        <p:tav tm="0">
+                                          <p:val>
+                                            <p:fltVal val="90"/>
+                                          </p:val>
+                                        </p:tav>
+                                        <p:tav tm="100000">
+                                          <p:val>
+                                            <p:fltVal val="0"/>
+                                          </p:val>
+                                        </p:tav>
+                                      </p:tavLst>
+                                    </p:anim>
+                                    <p:animEffect transition="in" filter="fade">
+                                      <p:cBhvr>
+                                        <p:cTn id="101" dur="1000"/>
+                                        <p:tgtEl>
+                                          <p:spTgt spid="8"/>
+                                        </p:tgtEl>
+                                      </p:cBhvr>
+                                    </p:animEffect>
+                                  </p:childTnLst>
+                                </p:cTn>
+                              </p:par>
+                            </p:childTnLst>
+                          </p:cTn>
+                        </p:par>
+                        <p:par>
+                          <p:cTn id="102" fill="hold">
+                            <p:stCondLst>
+                              <p:cond delay="2000"/>
+                            </p:stCondLst>
+                            <p:childTnLst>
+                              <p:par>
+                                <p:cTn id="103" presetID="31" presetClass="entr" presetSubtype="0" fill="hold" nodeType="afterEffect">
+                                  <p:stCondLst>
+                                    <p:cond delay="1000"/>
+                                  </p:stCondLst>
+                                  <p:childTnLst>
+                                    <p:set>
+                                      <p:cBhvr>
+                                        <p:cTn id="104" dur="1" fill="hold">
+                                          <p:stCondLst>
+                                            <p:cond delay="0"/>
+                                          </p:stCondLst>
+                                        </p:cTn>
+                                        <p:tgtEl>
+                                          <p:spTgt spid="18"/>
+                                        </p:tgtEl>
+                                        <p:attrNameLst>
+                                          <p:attrName>style.visibility</p:attrName>
+                                        </p:attrNameLst>
+                                      </p:cBhvr>
+                                      <p:to>
+                                        <p:strVal val="visible"/>
+                                      </p:to>
+                                    </p:set>
+                                    <p:anim calcmode="lin" valueType="num">
+                                      <p:cBhvr>
+                                        <p:cTn id="105" dur="1000" fill="hold"/>
+                                        <p:tgtEl>
+                                          <p:spTgt spid="18"/>
+                                        </p:tgtEl>
+                                        <p:attrNameLst>
+                                          <p:attrName>ppt_w</p:attrName>
+                                        </p:attrNameLst>
+                                      </p:cBhvr>
+                                      <p:tavLst>
+                                        <p:tav tm="0">
+                                          <p:val>
+                                            <p:fltVal val="0"/>
+                                          </p:val>
+                                        </p:tav>
+                                        <p:tav tm="100000">
+                                          <p:val>
+                                            <p:strVal val="#ppt_w"/>
+                                          </p:val>
+                                        </p:tav>
+                                      </p:tavLst>
+                                    </p:anim>
+                                    <p:anim calcmode="lin" valueType="num">
+                                      <p:cBhvr>
+                                        <p:cTn id="106" dur="1000" fill="hold"/>
+                                        <p:tgtEl>
+                                          <p:spTgt spid="18"/>
+                                        </p:tgtEl>
+                                        <p:attrNameLst>
+                                          <p:attrName>ppt_h</p:attrName>
+                                        </p:attrNameLst>
+                                      </p:cBhvr>
+                                      <p:tavLst>
+                                        <p:tav tm="0">
+                                          <p:val>
+                                            <p:fltVal val="0"/>
+                                          </p:val>
+                                        </p:tav>
+                                        <p:tav tm="100000">
+                                          <p:val>
+                                            <p:strVal val="#ppt_h"/>
+                                          </p:val>
+                                        </p:tav>
+                                      </p:tavLst>
+                                    </p:anim>
+                                    <p:anim calcmode="lin" valueType="num">
+                                      <p:cBhvr>
+                                        <p:cTn id="107" dur="1000" fill="hold"/>
+                                        <p:tgtEl>
+                                          <p:spTgt spid="18"/>
+                                        </p:tgtEl>
+                                        <p:attrNameLst>
+                                          <p:attrName>style.rotation</p:attrName>
+                                        </p:attrNameLst>
+                                      </p:cBhvr>
+                                      <p:tavLst>
+                                        <p:tav tm="0">
+                                          <p:val>
+                                            <p:fltVal val="90"/>
+                                          </p:val>
+                                        </p:tav>
+                                        <p:tav tm="100000">
+                                          <p:val>
+                                            <p:fltVal val="0"/>
+                                          </p:val>
+                                        </p:tav>
+                                      </p:tavLst>
+                                    </p:anim>
+                                    <p:animEffect transition="in" filter="fade">
+                                      <p:cBhvr>
+                                        <p:cTn id="108" dur="1000"/>
+                                        <p:tgtEl>
+                                          <p:spTgt spid="18"/>
+                                        </p:tgtEl>
+                                      </p:cBhvr>
+                                    </p:animEffect>
+                                  </p:childTnLst>
+                                </p:cTn>
+                              </p:par>
+                            </p:childTnLst>
+                          </p:cTn>
+                        </p:par>
+                        <p:par>
+                          <p:cTn id="109" fill="hold">
+                            <p:stCondLst>
+                              <p:cond delay="4000"/>
+                            </p:stCondLst>
+                            <p:childTnLst>
+                              <p:par>
+                                <p:cTn id="110" presetID="10" presetClass="entr" presetSubtype="0" fill="hold" grpId="0" nodeType="afterEffect">
+                                  <p:stCondLst>
+                                    <p:cond delay="750"/>
+                                  </p:stCondLst>
+                                  <p:childTnLst>
+                                    <p:set>
+                                      <p:cBhvr>
+                                        <p:cTn id="111" dur="1" fill="hold">
+                                          <p:stCondLst>
+                                            <p:cond delay="0"/>
+                                          </p:stCondLst>
+                                        </p:cTn>
+                                        <p:tgtEl>
+                                          <p:spTgt spid="55"/>
+                                        </p:tgtEl>
+                                        <p:attrNameLst>
+                                          <p:attrName>style.visibility</p:attrName>
+                                        </p:attrNameLst>
+                                      </p:cBhvr>
+                                      <p:to>
+                                        <p:strVal val="visible"/>
+                                      </p:to>
+                                    </p:set>
+                                    <p:animEffect transition="in" filter="fade">
+                                      <p:cBhvr>
+                                        <p:cTn id="112" dur="500"/>
+                                        <p:tgtEl>
+                                          <p:spTgt spid="55"/>
+                                        </p:tgtEl>
+                                      </p:cBhvr>
+                                    </p:animEffect>
+                                  </p:childTnLst>
+                                </p:cTn>
+                              </p:par>
+                            </p:childTnLst>
+                          </p:cTn>
+                        </p:par>
+                      </p:childTnLst>
+                    </p:cTn>
+                  </p:par>
+                  <p:par>
+                    <p:cTn id="113" fill="hold">
+                      <p:stCondLst>
+                        <p:cond delay="indefinite"/>
+                      </p:stCondLst>
+                      <p:childTnLst>
+                        <p:par>
+                          <p:cTn id="114" fill="hold">
+                            <p:stCondLst>
+                              <p:cond delay="0"/>
+                            </p:stCondLst>
+                            <p:childTnLst>
+                              <p:par>
+                                <p:cTn id="115" presetID="10" presetClass="exit" presetSubtype="0" fill="hold" nodeType="clickEffect">
+                                  <p:stCondLst>
+                                    <p:cond delay="0"/>
+                                  </p:stCondLst>
+                                  <p:childTnLst>
+                                    <p:animEffect transition="out" filter="fade">
+                                      <p:cBhvr>
+                                        <p:cTn id="116" dur="500"/>
+                                        <p:tgtEl>
+                                          <p:spTgt spid="8"/>
+                                        </p:tgtEl>
+                                      </p:cBhvr>
+                                    </p:animEffect>
+                                    <p:set>
+                                      <p:cBhvr>
+                                        <p:cTn id="117" dur="1" fill="hold">
+                                          <p:stCondLst>
+                                            <p:cond delay="499"/>
+                                          </p:stCondLst>
+                                        </p:cTn>
+                                        <p:tgtEl>
+                                          <p:spTgt spid="8"/>
+                                        </p:tgtEl>
+                                        <p:attrNameLst>
+                                          <p:attrName>style.visibility</p:attrName>
+                                        </p:attrNameLst>
+                                      </p:cBhvr>
+                                      <p:to>
+                                        <p:strVal val="hidden"/>
+                                      </p:to>
+                                    </p:set>
+                                  </p:childTnLst>
+                                </p:cTn>
+                              </p:par>
+                              <p:par>
+                                <p:cTn id="118" presetID="10" presetClass="exit" presetSubtype="0" fill="hold" nodeType="withEffect">
+                                  <p:stCondLst>
+                                    <p:cond delay="0"/>
+                                  </p:stCondLst>
+                                  <p:childTnLst>
+                                    <p:animEffect transition="out" filter="fade">
+                                      <p:cBhvr>
+                                        <p:cTn id="119" dur="500"/>
+                                        <p:tgtEl>
+                                          <p:spTgt spid="18"/>
+                                        </p:tgtEl>
+                                      </p:cBhvr>
+                                    </p:animEffect>
+                                    <p:set>
+                                      <p:cBhvr>
+                                        <p:cTn id="120" dur="1" fill="hold">
+                                          <p:stCondLst>
+                                            <p:cond delay="499"/>
+                                          </p:stCondLst>
+                                        </p:cTn>
+                                        <p:tgtEl>
+                                          <p:spTgt spid="18"/>
+                                        </p:tgtEl>
+                                        <p:attrNameLst>
+                                          <p:attrName>style.visibility</p:attrName>
+                                        </p:attrNameLst>
+                                      </p:cBhvr>
+                                      <p:to>
+                                        <p:strVal val="hidden"/>
+                                      </p:to>
+                                    </p:set>
+                                  </p:childTnLst>
+                                </p:cTn>
+                              </p:par>
+                              <p:par>
+                                <p:cTn id="121" presetID="10" presetClass="exit" presetSubtype="0" fill="hold" grpId="1" nodeType="withEffect">
+                                  <p:stCondLst>
+                                    <p:cond delay="0"/>
+                                  </p:stCondLst>
+                                  <p:childTnLst>
+                                    <p:animEffect transition="out" filter="fade">
+                                      <p:cBhvr>
+                                        <p:cTn id="122" dur="500"/>
+                                        <p:tgtEl>
+                                          <p:spTgt spid="9"/>
+                                        </p:tgtEl>
+                                      </p:cBhvr>
+                                    </p:animEffect>
+                                    <p:set>
+                                      <p:cBhvr>
+                                        <p:cTn id="123" dur="1" fill="hold">
+                                          <p:stCondLst>
+                                            <p:cond delay="499"/>
+                                          </p:stCondLst>
+                                        </p:cTn>
+                                        <p:tgtEl>
+                                          <p:spTgt spid="9"/>
+                                        </p:tgtEl>
+                                        <p:attrNameLst>
+                                          <p:attrName>style.visibility</p:attrName>
+                                        </p:attrNameLst>
+                                      </p:cBhvr>
+                                      <p:to>
+                                        <p:strVal val="hidden"/>
+                                      </p:to>
+                                    </p:set>
+                                  </p:childTnLst>
+                                </p:cTn>
+                              </p:par>
+                              <p:par>
+                                <p:cTn id="124" presetID="10" presetClass="exit" presetSubtype="0" fill="hold" grpId="1" nodeType="withEffect">
+                                  <p:stCondLst>
+                                    <p:cond delay="0"/>
+                                  </p:stCondLst>
+                                  <p:childTnLst>
+                                    <p:animEffect transition="out" filter="fade">
+                                      <p:cBhvr>
+                                        <p:cTn id="125" dur="500"/>
+                                        <p:tgtEl>
+                                          <p:spTgt spid="11"/>
+                                        </p:tgtEl>
+                                      </p:cBhvr>
+                                    </p:animEffect>
+                                    <p:set>
+                                      <p:cBhvr>
+                                        <p:cTn id="126" dur="1" fill="hold">
+                                          <p:stCondLst>
+                                            <p:cond delay="499"/>
+                                          </p:stCondLst>
+                                        </p:cTn>
+                                        <p:tgtEl>
+                                          <p:spTgt spid="11"/>
+                                        </p:tgtEl>
+                                        <p:attrNameLst>
+                                          <p:attrName>style.visibility</p:attrName>
+                                        </p:attrNameLst>
+                                      </p:cBhvr>
+                                      <p:to>
+                                        <p:strVal val="hidden"/>
+                                      </p:to>
+                                    </p:set>
+                                  </p:childTnLst>
+                                </p:cTn>
+                              </p:par>
+                            </p:childTnLst>
+                          </p:cTn>
+                        </p:par>
+                        <p:par>
+                          <p:cTn id="127" fill="hold">
+                            <p:stCondLst>
+                              <p:cond delay="500"/>
+                            </p:stCondLst>
+                            <p:childTnLst>
+                              <p:par>
+                                <p:cTn id="128" presetID="10" presetClass="entr" presetSubtype="0" fill="hold" nodeType="afterEffect">
+                                  <p:stCondLst>
+                                    <p:cond delay="750"/>
+                                  </p:stCondLst>
+                                  <p:childTnLst>
+                                    <p:set>
+                                      <p:cBhvr>
+                                        <p:cTn id="129" dur="1" fill="hold">
+                                          <p:stCondLst>
+                                            <p:cond delay="0"/>
+                                          </p:stCondLst>
+                                        </p:cTn>
+                                        <p:tgtEl>
+                                          <p:spTgt spid="51"/>
+                                        </p:tgtEl>
+                                        <p:attrNameLst>
+                                          <p:attrName>style.visibility</p:attrName>
+                                        </p:attrNameLst>
+                                      </p:cBhvr>
+                                      <p:to>
+                                        <p:strVal val="visible"/>
+                                      </p:to>
+                                    </p:set>
+                                    <p:animEffect transition="in" filter="fade">
+                                      <p:cBhvr>
+                                        <p:cTn id="130" dur="500"/>
+                                        <p:tgtEl>
+                                          <p:spTgt spid="51"/>
+                                        </p:tgtEl>
+                                      </p:cBhvr>
+                                    </p:animEffect>
+                                  </p:childTnLst>
+                                </p:cTn>
+                              </p:par>
+                            </p:childTnLst>
+                          </p:cTn>
+                        </p:par>
+                      </p:childTnLst>
+                    </p:cTn>
+                  </p:par>
+                  <p:par>
+                    <p:cTn id="131" fill="hold">
+                      <p:stCondLst>
+                        <p:cond delay="indefinite"/>
+                      </p:stCondLst>
+                      <p:childTnLst>
+                        <p:par>
+                          <p:cTn id="132" fill="hold">
+                            <p:stCondLst>
+                              <p:cond delay="0"/>
+                            </p:stCondLst>
+                            <p:childTnLst>
+                              <p:par>
+                                <p:cTn id="133" presetID="10" presetClass="exit" presetSubtype="0" fill="hold" nodeType="clickEffect">
+                                  <p:stCondLst>
+                                    <p:cond delay="0"/>
+                                  </p:stCondLst>
+                                  <p:childTnLst>
+                                    <p:animEffect transition="out" filter="fade">
+                                      <p:cBhvr>
+                                        <p:cTn id="134" dur="500"/>
+                                        <p:tgtEl>
+                                          <p:spTgt spid="51"/>
+                                        </p:tgtEl>
+                                      </p:cBhvr>
+                                    </p:animEffect>
+                                    <p:set>
+                                      <p:cBhvr>
+                                        <p:cTn id="135" dur="1" fill="hold">
+                                          <p:stCondLst>
+                                            <p:cond delay="499"/>
+                                          </p:stCondLst>
+                                        </p:cTn>
+                                        <p:tgtEl>
+                                          <p:spTgt spid="51"/>
+                                        </p:tgtEl>
+                                        <p:attrNameLst>
+                                          <p:attrName>style.visibility</p:attrName>
+                                        </p:attrNameLst>
+                                      </p:cBhvr>
+                                      <p:to>
+                                        <p:strVal val="hidden"/>
+                                      </p:to>
+                                    </p:set>
+                                  </p:childTnLst>
+                                </p:cTn>
+                              </p:par>
+                            </p:childTnLst>
+                          </p:cTn>
+                        </p:par>
+                        <p:par>
+                          <p:cTn id="136" fill="hold">
+                            <p:stCondLst>
+                              <p:cond delay="500"/>
+                            </p:stCondLst>
+                            <p:childTnLst>
+                              <p:par>
+                                <p:cTn id="137" presetID="10" presetClass="exit" presetSubtype="0" fill="hold" grpId="1" nodeType="afterEffect">
+                                  <p:stCondLst>
+                                    <p:cond delay="750"/>
+                                  </p:stCondLst>
+                                  <p:childTnLst>
+                                    <p:animEffect transition="out" filter="fade">
+                                      <p:cBhvr>
+                                        <p:cTn id="138" dur="500"/>
+                                        <p:tgtEl>
+                                          <p:spTgt spid="55"/>
+                                        </p:tgtEl>
+                                      </p:cBhvr>
+                                    </p:animEffect>
+                                    <p:set>
+                                      <p:cBhvr>
+                                        <p:cTn id="139" dur="1" fill="hold">
+                                          <p:stCondLst>
+                                            <p:cond delay="499"/>
+                                          </p:stCondLst>
+                                        </p:cTn>
+                                        <p:tgtEl>
+                                          <p:spTgt spid="55"/>
+                                        </p:tgtEl>
+                                        <p:attrNameLst>
+                                          <p:attrName>style.visibility</p:attrName>
+                                        </p:attrNameLst>
+                                      </p:cBhvr>
+                                      <p:to>
+                                        <p:strVal val="hidden"/>
+                                      </p:to>
+                                    </p:set>
+                                  </p:childTnLst>
+                                </p:cTn>
+                              </p:par>
+                            </p:childTnLst>
+                          </p:cTn>
+                        </p:par>
+                      </p:childTnLst>
+                    </p:cTn>
+                  </p:par>
+                  <p:par>
+                    <p:cTn id="140" fill="hold">
+                      <p:stCondLst>
+                        <p:cond delay="indefinite"/>
+                      </p:stCondLst>
+                      <p:childTnLst>
+                        <p:par>
+                          <p:cTn id="141" fill="hold">
+                            <p:stCondLst>
+                              <p:cond delay="0"/>
+                            </p:stCondLst>
+                            <p:childTnLst>
+                              <p:par>
+                                <p:cTn id="142" presetID="22" presetClass="entr" presetSubtype="4" fill="hold" grpId="0" nodeType="clickEffect">
                                   <p:stCondLst>
                                     <p:cond delay="0"/>
                                   </p:stCondLst>
                                   <p:childTnLst>
                                     <p:set>
                                       <p:cBhvr>
-                                        <p:cTn id="16" dur="1" fill="hold">
+                                        <p:cTn id="143" dur="1" fill="hold">
                                           <p:stCondLst>
                                             <p:cond delay="0"/>
                                           </p:stCondLst>
                                         </p:cTn>
                                         <p:tgtEl>
-                                          <p:spTgt spid="91"/>
+                                          <p:spTgt spid="60"/>
+                                        </p:tgtEl>
+                                        <p:attrNameLst>
+                                          <p:attrName>style.visibility</p:attrName>
+                                        </p:attrNameLst>
+                                      </p:cBhvr>
+                                      <p:to>
+                                        <p:strVal val="visible"/>
+                                      </p:to>
+                                    </p:set>
+                                    <p:animEffect transition="in" filter="wipe(down)">
+                                      <p:cBhvr>
+                                        <p:cTn id="144" dur="500"/>
+                                        <p:tgtEl>
+                                          <p:spTgt spid="60"/>
+                                        </p:tgtEl>
+                                      </p:cBhvr>
+                                    </p:animEffect>
+                                  </p:childTnLst>
+                                </p:cTn>
+                              </p:par>
+                            </p:childTnLst>
+                          </p:cTn>
+                        </p:par>
+                        <p:par>
+                          <p:cTn id="145" fill="hold">
+                            <p:stCondLst>
+                              <p:cond delay="500"/>
+                            </p:stCondLst>
+                            <p:childTnLst>
+                              <p:par>
+                                <p:cTn id="146" presetID="10" presetClass="entr" presetSubtype="0" fill="hold" grpId="2" nodeType="afterEffect">
+                                  <p:stCondLst>
+                                    <p:cond delay="500"/>
+                                  </p:stCondLst>
+                                  <p:childTnLst>
+                                    <p:set>
+                                      <p:cBhvr>
+                                        <p:cTn id="147" dur="1" fill="hold">
+                                          <p:stCondLst>
+                                            <p:cond delay="0"/>
+                                          </p:stCondLst>
+                                        </p:cTn>
+                                        <p:tgtEl>
+                                          <p:spTgt spid="14"/>
                                         </p:tgtEl>
                                         <p:attrNameLst>
                                           <p:attrName>style.visibility</p:attrName>
@@ -7277,12 +9868,348 @@
                                     </p:set>
                                     <p:animEffect transition="in" filter="fade">
                                       <p:cBhvr>
-                                        <p:cTn id="17" dur="500"/>
-                                        <p:tgtEl>
-                                          <p:spTgt spid="91"/>
+                                        <p:cTn id="148" dur="500"/>
+                                        <p:tgtEl>
+                                          <p:spTgt spid="14"/>
                                         </p:tgtEl>
                                       </p:cBhvr>
                                     </p:animEffect>
+                                  </p:childTnLst>
+                                </p:cTn>
+                              </p:par>
+                            </p:childTnLst>
+                          </p:cTn>
+                        </p:par>
+                        <p:par>
+                          <p:cTn id="149" fill="hold">
+                            <p:stCondLst>
+                              <p:cond delay="1500"/>
+                            </p:stCondLst>
+                            <p:childTnLst>
+                              <p:par>
+                                <p:cTn id="150" presetID="10" presetClass="entr" presetSubtype="0" fill="hold" grpId="2" nodeType="afterEffect">
+                                  <p:stCondLst>
+                                    <p:cond delay="500"/>
+                                  </p:stCondLst>
+                                  <p:childTnLst>
+                                    <p:set>
+                                      <p:cBhvr>
+                                        <p:cTn id="151" dur="1" fill="hold">
+                                          <p:stCondLst>
+                                            <p:cond delay="0"/>
+                                          </p:stCondLst>
+                                        </p:cTn>
+                                        <p:tgtEl>
+                                          <p:spTgt spid="16"/>
+                                        </p:tgtEl>
+                                        <p:attrNameLst>
+                                          <p:attrName>style.visibility</p:attrName>
+                                        </p:attrNameLst>
+                                      </p:cBhvr>
+                                      <p:to>
+                                        <p:strVal val="visible"/>
+                                      </p:to>
+                                    </p:set>
+                                    <p:animEffect transition="in" filter="fade">
+                                      <p:cBhvr>
+                                        <p:cTn id="152" dur="500"/>
+                                        <p:tgtEl>
+                                          <p:spTgt spid="16"/>
+                                        </p:tgtEl>
+                                      </p:cBhvr>
+                                    </p:animEffect>
+                                  </p:childTnLst>
+                                </p:cTn>
+                              </p:par>
+                            </p:childTnLst>
+                          </p:cTn>
+                        </p:par>
+                        <p:par>
+                          <p:cTn id="153" fill="hold">
+                            <p:stCondLst>
+                              <p:cond delay="2500"/>
+                            </p:stCondLst>
+                            <p:childTnLst>
+                              <p:par>
+                                <p:cTn id="154" presetID="10" presetClass="entr" presetSubtype="0" fill="hold" grpId="0" nodeType="afterEffect">
+                                  <p:stCondLst>
+                                    <p:cond delay="500"/>
+                                  </p:stCondLst>
+                                  <p:childTnLst>
+                                    <p:set>
+                                      <p:cBhvr>
+                                        <p:cTn id="155" dur="1" fill="hold">
+                                          <p:stCondLst>
+                                            <p:cond delay="0"/>
+                                          </p:stCondLst>
+                                        </p:cTn>
+                                        <p:tgtEl>
+                                          <p:spTgt spid="61"/>
+                                        </p:tgtEl>
+                                        <p:attrNameLst>
+                                          <p:attrName>style.visibility</p:attrName>
+                                        </p:attrNameLst>
+                                      </p:cBhvr>
+                                      <p:to>
+                                        <p:strVal val="visible"/>
+                                      </p:to>
+                                    </p:set>
+                                    <p:animEffect transition="in" filter="fade">
+                                      <p:cBhvr>
+                                        <p:cTn id="156" dur="500"/>
+                                        <p:tgtEl>
+                                          <p:spTgt spid="61"/>
+                                        </p:tgtEl>
+                                      </p:cBhvr>
+                                    </p:animEffect>
+                                  </p:childTnLst>
+                                </p:cTn>
+                              </p:par>
+                            </p:childTnLst>
+                          </p:cTn>
+                        </p:par>
+                      </p:childTnLst>
+                    </p:cTn>
+                  </p:par>
+                  <p:par>
+                    <p:cTn id="157" fill="hold">
+                      <p:stCondLst>
+                        <p:cond delay="indefinite"/>
+                      </p:stCondLst>
+                      <p:childTnLst>
+                        <p:par>
+                          <p:cTn id="158" fill="hold">
+                            <p:stCondLst>
+                              <p:cond delay="0"/>
+                            </p:stCondLst>
+                            <p:childTnLst>
+                              <p:par>
+                                <p:cTn id="159" presetID="10" presetClass="exit" presetSubtype="0" fill="hold" grpId="3" nodeType="clickEffect">
+                                  <p:stCondLst>
+                                    <p:cond delay="0"/>
+                                  </p:stCondLst>
+                                  <p:childTnLst>
+                                    <p:animEffect transition="out" filter="fade">
+                                      <p:cBhvr>
+                                        <p:cTn id="160" dur="500"/>
+                                        <p:tgtEl>
+                                          <p:spTgt spid="14"/>
+                                        </p:tgtEl>
+                                      </p:cBhvr>
+                                    </p:animEffect>
+                                    <p:set>
+                                      <p:cBhvr>
+                                        <p:cTn id="161" dur="1" fill="hold">
+                                          <p:stCondLst>
+                                            <p:cond delay="499"/>
+                                          </p:stCondLst>
+                                        </p:cTn>
+                                        <p:tgtEl>
+                                          <p:spTgt spid="14"/>
+                                        </p:tgtEl>
+                                        <p:attrNameLst>
+                                          <p:attrName>style.visibility</p:attrName>
+                                        </p:attrNameLst>
+                                      </p:cBhvr>
+                                      <p:to>
+                                        <p:strVal val="hidden"/>
+                                      </p:to>
+                                    </p:set>
+                                  </p:childTnLst>
+                                </p:cTn>
+                              </p:par>
+                              <p:par>
+                                <p:cTn id="162" presetID="10" presetClass="exit" presetSubtype="0" fill="hold" grpId="3" nodeType="withEffect">
+                                  <p:stCondLst>
+                                    <p:cond delay="0"/>
+                                  </p:stCondLst>
+                                  <p:childTnLst>
+                                    <p:animEffect transition="out" filter="fade">
+                                      <p:cBhvr>
+                                        <p:cTn id="163" dur="500"/>
+                                        <p:tgtEl>
+                                          <p:spTgt spid="16"/>
+                                        </p:tgtEl>
+                                      </p:cBhvr>
+                                    </p:animEffect>
+                                    <p:set>
+                                      <p:cBhvr>
+                                        <p:cTn id="164" dur="1" fill="hold">
+                                          <p:stCondLst>
+                                            <p:cond delay="499"/>
+                                          </p:stCondLst>
+                                        </p:cTn>
+                                        <p:tgtEl>
+                                          <p:spTgt spid="16"/>
+                                        </p:tgtEl>
+                                        <p:attrNameLst>
+                                          <p:attrName>style.visibility</p:attrName>
+                                        </p:attrNameLst>
+                                      </p:cBhvr>
+                                      <p:to>
+                                        <p:strVal val="hidden"/>
+                                      </p:to>
+                                    </p:set>
+                                  </p:childTnLst>
+                                </p:cTn>
+                              </p:par>
+                              <p:par>
+                                <p:cTn id="165" presetID="10" presetClass="exit" presetSubtype="0" fill="hold" grpId="1" nodeType="withEffect">
+                                  <p:stCondLst>
+                                    <p:cond delay="0"/>
+                                  </p:stCondLst>
+                                  <p:childTnLst>
+                                    <p:animEffect transition="out" filter="fade">
+                                      <p:cBhvr>
+                                        <p:cTn id="166" dur="500"/>
+                                        <p:tgtEl>
+                                          <p:spTgt spid="61"/>
+                                        </p:tgtEl>
+                                      </p:cBhvr>
+                                    </p:animEffect>
+                                    <p:set>
+                                      <p:cBhvr>
+                                        <p:cTn id="167" dur="1" fill="hold">
+                                          <p:stCondLst>
+                                            <p:cond delay="499"/>
+                                          </p:stCondLst>
+                                        </p:cTn>
+                                        <p:tgtEl>
+                                          <p:spTgt spid="61"/>
+                                        </p:tgtEl>
+                                        <p:attrNameLst>
+                                          <p:attrName>style.visibility</p:attrName>
+                                        </p:attrNameLst>
+                                      </p:cBhvr>
+                                      <p:to>
+                                        <p:strVal val="hidden"/>
+                                      </p:to>
+                                    </p:set>
+                                  </p:childTnLst>
+                                </p:cTn>
+                              </p:par>
+                            </p:childTnLst>
+                          </p:cTn>
+                        </p:par>
+                      </p:childTnLst>
+                    </p:cTn>
+                  </p:par>
+                  <p:par>
+                    <p:cTn id="168" fill="hold">
+                      <p:stCondLst>
+                        <p:cond delay="indefinite"/>
+                      </p:stCondLst>
+                      <p:childTnLst>
+                        <p:par>
+                          <p:cTn id="169" fill="hold">
+                            <p:stCondLst>
+                              <p:cond delay="0"/>
+                            </p:stCondLst>
+                            <p:childTnLst>
+                              <p:par>
+                                <p:cTn id="170" presetID="10" presetClass="entr" presetSubtype="0" fill="hold" grpId="0" nodeType="clickEffect">
+                                  <p:stCondLst>
+                                    <p:cond delay="0"/>
+                                  </p:stCondLst>
+                                  <p:childTnLst>
+                                    <p:set>
+                                      <p:cBhvr>
+                                        <p:cTn id="171" dur="1" fill="hold">
+                                          <p:stCondLst>
+                                            <p:cond delay="0"/>
+                                          </p:stCondLst>
+                                        </p:cTn>
+                                        <p:tgtEl>
+                                          <p:spTgt spid="57"/>
+                                        </p:tgtEl>
+                                        <p:attrNameLst>
+                                          <p:attrName>style.visibility</p:attrName>
+                                        </p:attrNameLst>
+                                      </p:cBhvr>
+                                      <p:to>
+                                        <p:strVal val="visible"/>
+                                      </p:to>
+                                    </p:set>
+                                    <p:animEffect transition="in" filter="fade">
+                                      <p:cBhvr>
+                                        <p:cTn id="172" dur="500"/>
+                                        <p:tgtEl>
+                                          <p:spTgt spid="57"/>
+                                        </p:tgtEl>
+                                      </p:cBhvr>
+                                    </p:animEffect>
+                                  </p:childTnLst>
+                                </p:cTn>
+                              </p:par>
+                            </p:childTnLst>
+                          </p:cTn>
+                        </p:par>
+                        <p:par>
+                          <p:cTn id="173" fill="hold">
+                            <p:stCondLst>
+                              <p:cond delay="500"/>
+                            </p:stCondLst>
+                            <p:childTnLst>
+                              <p:par>
+                                <p:cTn id="174" presetID="1" presetClass="entr" presetSubtype="0" fill="hold" grpId="0" nodeType="afterEffect">
+                                  <p:stCondLst>
+                                    <p:cond delay="1000"/>
+                                  </p:stCondLst>
+                                  <p:childTnLst>
+                                    <p:set>
+                                      <p:cBhvr>
+                                        <p:cTn id="175" dur="1" fill="hold">
+                                          <p:stCondLst>
+                                            <p:cond delay="0"/>
+                                          </p:stCondLst>
+                                        </p:cTn>
+                                        <p:tgtEl>
+                                          <p:spTgt spid="63"/>
+                                        </p:tgtEl>
+                                        <p:attrNameLst>
+                                          <p:attrName>style.visibility</p:attrName>
+                                        </p:attrNameLst>
+                                      </p:cBhvr>
+                                      <p:to>
+                                        <p:strVal val="visible"/>
+                                      </p:to>
+                                    </p:set>
+                                  </p:childTnLst>
+                                </p:cTn>
+                              </p:par>
+                            </p:childTnLst>
+                          </p:cTn>
+                        </p:par>
+                        <p:par>
+                          <p:cTn id="176" fill="hold">
+                            <p:stCondLst>
+                              <p:cond delay="1500"/>
+                            </p:stCondLst>
+                            <p:childTnLst>
+                              <p:par>
+                                <p:cTn id="177" presetID="1" presetClass="entr" presetSubtype="0" fill="hold" grpId="0" nodeType="afterEffect">
+                                  <p:stCondLst>
+                                    <p:cond delay="750"/>
+                                  </p:stCondLst>
+                                  <p:childTnLst>
+                                    <p:set>
+                                      <p:cBhvr>
+                                        <p:cTn id="178" dur="1" fill="hold">
+                                          <p:stCondLst>
+                                            <p:cond delay="0"/>
+                                          </p:stCondLst>
+                                        </p:cTn>
+                                        <p:tgtEl>
+                                          <p:spTgt spid="64"/>
+                                        </p:tgtEl>
+                                        <p:attrNameLst>
+                                          <p:attrName>style.visibility</p:attrName>
+                                        </p:attrNameLst>
+                                      </p:cBhvr>
+                                      <p:to>
+                                        <p:strVal val="visible"/>
+                                      </p:to>
+                                    </p:set>
                                   </p:childTnLst>
                                 </p:cTn>
                               </p:par>
@@ -7314,9 +10241,32 @@
       </p:par>
     </p:tnLst>
     <p:bldLst>
-      <p:bldP spid="87" grpId="0" animBg="1"/>
-      <p:bldP spid="89" grpId="0" animBg="1"/>
-      <p:bldP spid="91" grpId="0" animBg="1"/>
+      <p:bldP spid="3" grpId="0" animBg="1"/>
+      <p:bldP spid="9" grpId="0" animBg="1"/>
+      <p:bldP spid="9" grpId="1" animBg="1"/>
+      <p:bldP spid="10" grpId="0" animBg="1"/>
+      <p:bldP spid="11" grpId="0" animBg="1"/>
+      <p:bldP spid="11" grpId="1" animBg="1"/>
+      <p:bldP spid="13" grpId="0" animBg="1"/>
+      <p:bldP spid="13" grpId="1" animBg="1"/>
+      <p:bldP spid="14" grpId="0" animBg="1"/>
+      <p:bldP spid="14" grpId="1" animBg="1"/>
+      <p:bldP spid="14" grpId="2" animBg="1"/>
+      <p:bldP spid="14" grpId="3" animBg="1"/>
+      <p:bldP spid="15" grpId="0" animBg="1"/>
+      <p:bldP spid="15" grpId="1" animBg="1"/>
+      <p:bldP spid="16" grpId="0" animBg="1"/>
+      <p:bldP spid="16" grpId="1" animBg="1"/>
+      <p:bldP spid="16" grpId="2" animBg="1"/>
+      <p:bldP spid="16" grpId="3" animBg="1"/>
+      <p:bldP spid="55" grpId="0" animBg="1"/>
+      <p:bldP spid="55" grpId="1" animBg="1"/>
+      <p:bldP spid="60" grpId="0" animBg="1"/>
+      <p:bldP spid="61" grpId="0" animBg="1"/>
+      <p:bldP spid="61" grpId="1" animBg="1"/>
+      <p:bldP spid="57" grpId="0" animBg="1"/>
+      <p:bldP spid="63" grpId="0" animBg="1"/>
+      <p:bldP spid="64" grpId="0" animBg="1"/>
     </p:bldLst>
   </p:timing>
 </p:sld>
@@ -7477,13 +10427,13 @@
   <p:clrMapOvr>
     <a:masterClrMapping/>
   </p:clrMapOvr>
-  <mc:AlternateContent xmlns:mc="http://schemas.openxmlformats.org/markup-compatibility/2006">
-    <mc:Choice xmlns:p159="http://schemas.microsoft.com/office/powerpoint/2015/09/main" Requires="p159">
+  <mc:AlternateContent xmlns:mc="http://schemas.openxmlformats.org/markup-compatibility/2006" xmlns:p159="http://schemas.microsoft.com/office/powerpoint/2015/09/main">
+    <mc:Choice Requires="p159">
       <p:transition xmlns:p14="http://schemas.microsoft.com/office/powerpoint/2010/main" spd="slow" p14:dur="2000">
         <p159:morph option="byObject"/>
       </p:transition>
     </mc:Choice>
-    <mc:Fallback>
+    <mc:Fallback xmlns="">
       <p:transition spd="slow">
         <p:fade/>
       </p:transition>

--- a/Python_LFG/JDSZW1DE-19-Prezentacja.pptx
+++ b/Python_LFG/JDSZW1DE-19-Prezentacja.pptx
@@ -8144,6 +8144,252 @@
           </a:p>
         </p:txBody>
       </p:sp>
+      <p:cxnSp>
+        <p:nvCxnSpPr>
+          <p:cNvPr id="31" name="Straight Arrow Connector 30">
+            <a:extLst>
+              <a:ext uri="{FF2B5EF4-FFF2-40B4-BE49-F238E27FC236}">
+                <a16:creationId xmlns:a16="http://schemas.microsoft.com/office/drawing/2014/main" id="{CE396F20-5927-4423-9D59-CE06BE6EE446}"/>
+              </a:ext>
+            </a:extLst>
+          </p:cNvPr>
+          <p:cNvCxnSpPr>
+            <a:cxnSpLocks/>
+          </p:cNvCxnSpPr>
+          <p:nvPr/>
+        </p:nvCxnSpPr>
+        <p:spPr>
+          <a:xfrm flipH="1">
+            <a:off x="1526480" y="1353360"/>
+            <a:ext cx="305313" cy="151420"/>
+          </a:xfrm>
+          <a:prstGeom prst="straightConnector1">
+            <a:avLst/>
+          </a:prstGeom>
+          <a:ln>
+            <a:tailEnd type="triangle"/>
+          </a:ln>
+        </p:spPr>
+        <p:style>
+          <a:lnRef idx="1">
+            <a:schemeClr val="accent1"/>
+          </a:lnRef>
+          <a:fillRef idx="0">
+            <a:schemeClr val="accent1"/>
+          </a:fillRef>
+          <a:effectRef idx="0">
+            <a:schemeClr val="accent1"/>
+          </a:effectRef>
+          <a:fontRef idx="minor">
+            <a:schemeClr val="tx1"/>
+          </a:fontRef>
+        </p:style>
+      </p:cxnSp>
+      <p:cxnSp>
+        <p:nvCxnSpPr>
+          <p:cNvPr id="33" name="Straight Arrow Connector 32">
+            <a:extLst>
+              <a:ext uri="{FF2B5EF4-FFF2-40B4-BE49-F238E27FC236}">
+                <a16:creationId xmlns:a16="http://schemas.microsoft.com/office/drawing/2014/main" id="{46AD231C-4806-440C-AB4D-BF84AF4B91D5}"/>
+              </a:ext>
+            </a:extLst>
+          </p:cNvPr>
+          <p:cNvCxnSpPr>
+            <a:cxnSpLocks/>
+          </p:cNvCxnSpPr>
+          <p:nvPr/>
+        </p:nvCxnSpPr>
+        <p:spPr>
+          <a:xfrm flipH="1">
+            <a:off x="1879062" y="1347111"/>
+            <a:ext cx="305313" cy="151420"/>
+          </a:xfrm>
+          <a:prstGeom prst="straightConnector1">
+            <a:avLst/>
+          </a:prstGeom>
+          <a:ln>
+            <a:tailEnd type="triangle"/>
+          </a:ln>
+        </p:spPr>
+        <p:style>
+          <a:lnRef idx="1">
+            <a:schemeClr val="accent1"/>
+          </a:lnRef>
+          <a:fillRef idx="0">
+            <a:schemeClr val="accent1"/>
+          </a:fillRef>
+          <a:effectRef idx="0">
+            <a:schemeClr val="accent1"/>
+          </a:effectRef>
+          <a:fontRef idx="minor">
+            <a:schemeClr val="tx1"/>
+          </a:fontRef>
+        </p:style>
+      </p:cxnSp>
+      <p:cxnSp>
+        <p:nvCxnSpPr>
+          <p:cNvPr id="34" name="Straight Arrow Connector 33">
+            <a:extLst>
+              <a:ext uri="{FF2B5EF4-FFF2-40B4-BE49-F238E27FC236}">
+                <a16:creationId xmlns:a16="http://schemas.microsoft.com/office/drawing/2014/main" id="{BD492738-09E8-4BC4-ABDB-21121CD93762}"/>
+              </a:ext>
+            </a:extLst>
+          </p:cNvPr>
+          <p:cNvCxnSpPr>
+            <a:cxnSpLocks/>
+          </p:cNvCxnSpPr>
+          <p:nvPr/>
+        </p:nvCxnSpPr>
+        <p:spPr>
+          <a:xfrm flipH="1">
+            <a:off x="2324841" y="1353360"/>
+            <a:ext cx="305313" cy="151420"/>
+          </a:xfrm>
+          <a:prstGeom prst="straightConnector1">
+            <a:avLst/>
+          </a:prstGeom>
+          <a:ln>
+            <a:tailEnd type="triangle"/>
+          </a:ln>
+        </p:spPr>
+        <p:style>
+          <a:lnRef idx="1">
+            <a:schemeClr val="accent1"/>
+          </a:lnRef>
+          <a:fillRef idx="0">
+            <a:schemeClr val="accent1"/>
+          </a:fillRef>
+          <a:effectRef idx="0">
+            <a:schemeClr val="accent1"/>
+          </a:effectRef>
+          <a:fontRef idx="minor">
+            <a:schemeClr val="tx1"/>
+          </a:fontRef>
+        </p:style>
+      </p:cxnSp>
+      <p:cxnSp>
+        <p:nvCxnSpPr>
+          <p:cNvPr id="36" name="Straight Arrow Connector 35">
+            <a:extLst>
+              <a:ext uri="{FF2B5EF4-FFF2-40B4-BE49-F238E27FC236}">
+                <a16:creationId xmlns:a16="http://schemas.microsoft.com/office/drawing/2014/main" id="{6335F76C-FEA7-461C-A5E5-B4407257EEB0}"/>
+              </a:ext>
+            </a:extLst>
+          </p:cNvPr>
+          <p:cNvCxnSpPr>
+            <a:cxnSpLocks/>
+          </p:cNvCxnSpPr>
+          <p:nvPr/>
+        </p:nvCxnSpPr>
+        <p:spPr>
+          <a:xfrm flipH="1">
+            <a:off x="2726582" y="1359665"/>
+            <a:ext cx="305313" cy="151420"/>
+          </a:xfrm>
+          <a:prstGeom prst="straightConnector1">
+            <a:avLst/>
+          </a:prstGeom>
+          <a:ln>
+            <a:tailEnd type="triangle"/>
+          </a:ln>
+        </p:spPr>
+        <p:style>
+          <a:lnRef idx="1">
+            <a:schemeClr val="accent1"/>
+          </a:lnRef>
+          <a:fillRef idx="0">
+            <a:schemeClr val="accent1"/>
+          </a:fillRef>
+          <a:effectRef idx="0">
+            <a:schemeClr val="accent1"/>
+          </a:effectRef>
+          <a:fontRef idx="minor">
+            <a:schemeClr val="tx1"/>
+          </a:fontRef>
+        </p:style>
+      </p:cxnSp>
+      <p:cxnSp>
+        <p:nvCxnSpPr>
+          <p:cNvPr id="37" name="Straight Arrow Connector 36">
+            <a:extLst>
+              <a:ext uri="{FF2B5EF4-FFF2-40B4-BE49-F238E27FC236}">
+                <a16:creationId xmlns:a16="http://schemas.microsoft.com/office/drawing/2014/main" id="{442D4B3F-F6C2-4CC8-964D-E67073CA1EBE}"/>
+              </a:ext>
+            </a:extLst>
+          </p:cNvPr>
+          <p:cNvCxnSpPr>
+            <a:cxnSpLocks/>
+          </p:cNvCxnSpPr>
+          <p:nvPr/>
+        </p:nvCxnSpPr>
+        <p:spPr>
+          <a:xfrm flipH="1">
+            <a:off x="3063435" y="1366604"/>
+            <a:ext cx="305313" cy="151420"/>
+          </a:xfrm>
+          <a:prstGeom prst="straightConnector1">
+            <a:avLst/>
+          </a:prstGeom>
+          <a:ln>
+            <a:tailEnd type="triangle"/>
+          </a:ln>
+        </p:spPr>
+        <p:style>
+          <a:lnRef idx="1">
+            <a:schemeClr val="accent1"/>
+          </a:lnRef>
+          <a:fillRef idx="0">
+            <a:schemeClr val="accent1"/>
+          </a:fillRef>
+          <a:effectRef idx="0">
+            <a:schemeClr val="accent1"/>
+          </a:effectRef>
+          <a:fontRef idx="minor">
+            <a:schemeClr val="tx1"/>
+          </a:fontRef>
+        </p:style>
+      </p:cxnSp>
+      <p:cxnSp>
+        <p:nvCxnSpPr>
+          <p:cNvPr id="38" name="Straight Arrow Connector 37">
+            <a:extLst>
+              <a:ext uri="{FF2B5EF4-FFF2-40B4-BE49-F238E27FC236}">
+                <a16:creationId xmlns:a16="http://schemas.microsoft.com/office/drawing/2014/main" id="{48D52EEB-DB4F-459B-83FD-9F1E0C4FA649}"/>
+              </a:ext>
+            </a:extLst>
+          </p:cNvPr>
+          <p:cNvCxnSpPr>
+            <a:cxnSpLocks/>
+          </p:cNvCxnSpPr>
+          <p:nvPr/>
+        </p:nvCxnSpPr>
+        <p:spPr>
+          <a:xfrm flipH="1">
+            <a:off x="3443673" y="1359665"/>
+            <a:ext cx="305313" cy="151420"/>
+          </a:xfrm>
+          <a:prstGeom prst="straightConnector1">
+            <a:avLst/>
+          </a:prstGeom>
+          <a:ln>
+            <a:tailEnd type="triangle"/>
+          </a:ln>
+        </p:spPr>
+        <p:style>
+          <a:lnRef idx="1">
+            <a:schemeClr val="accent1"/>
+          </a:lnRef>
+          <a:fillRef idx="0">
+            <a:schemeClr val="accent1"/>
+          </a:fillRef>
+          <a:effectRef idx="0">
+            <a:schemeClr val="accent1"/>
+          </a:effectRef>
+          <a:fontRef idx="minor">
+            <a:schemeClr val="tx1"/>
+          </a:fontRef>
+        </p:style>
+      </p:cxnSp>
     </p:spTree>
     <p:extLst>
       <p:ext uri="{BB962C8B-B14F-4D97-AF65-F5344CB8AC3E}">
@@ -9651,7 +9897,7 @@
                               <p:par>
                                 <p:cTn id="128" presetID="10" presetClass="entr" presetSubtype="0" fill="hold" nodeType="afterEffect">
                                   <p:stCondLst>
-                                    <p:cond delay="750"/>
+                                    <p:cond delay="500"/>
                                   </p:stCondLst>
                                   <p:childTnLst>
                                     <p:set>
@@ -9662,7 +9908,7 @@
                                           </p:stCondLst>
                                         </p:cTn>
                                         <p:tgtEl>
-                                          <p:spTgt spid="51"/>
+                                          <p:spTgt spid="31"/>
                                         </p:tgtEl>
                                         <p:attrNameLst>
                                           <p:attrName>style.visibility</p:attrName>
@@ -9675,6 +9921,270 @@
                                     <p:animEffect transition="in" filter="fade">
                                       <p:cBhvr>
                                         <p:cTn id="130" dur="500"/>
+                                        <p:tgtEl>
+                                          <p:spTgt spid="31"/>
+                                        </p:tgtEl>
+                                      </p:cBhvr>
+                                    </p:animEffect>
+                                  </p:childTnLst>
+                                </p:cTn>
+                              </p:par>
+                            </p:childTnLst>
+                          </p:cTn>
+                        </p:par>
+                        <p:par>
+                          <p:cTn id="131" fill="hold">
+                            <p:stCondLst>
+                              <p:cond delay="1500"/>
+                            </p:stCondLst>
+                            <p:childTnLst>
+                              <p:par>
+                                <p:cTn id="132" presetID="10" presetClass="entr" presetSubtype="0" fill="hold" nodeType="afterEffect">
+                                  <p:stCondLst>
+                                    <p:cond delay="500"/>
+                                  </p:stCondLst>
+                                  <p:childTnLst>
+                                    <p:set>
+                                      <p:cBhvr>
+                                        <p:cTn id="133" dur="1" fill="hold">
+                                          <p:stCondLst>
+                                            <p:cond delay="0"/>
+                                          </p:stCondLst>
+                                        </p:cTn>
+                                        <p:tgtEl>
+                                          <p:spTgt spid="33"/>
+                                        </p:tgtEl>
+                                        <p:attrNameLst>
+                                          <p:attrName>style.visibility</p:attrName>
+                                        </p:attrNameLst>
+                                      </p:cBhvr>
+                                      <p:to>
+                                        <p:strVal val="visible"/>
+                                      </p:to>
+                                    </p:set>
+                                    <p:animEffect transition="in" filter="fade">
+                                      <p:cBhvr>
+                                        <p:cTn id="134" dur="500"/>
+                                        <p:tgtEl>
+                                          <p:spTgt spid="33"/>
+                                        </p:tgtEl>
+                                      </p:cBhvr>
+                                    </p:animEffect>
+                                  </p:childTnLst>
+                                </p:cTn>
+                              </p:par>
+                            </p:childTnLst>
+                          </p:cTn>
+                        </p:par>
+                        <p:par>
+                          <p:cTn id="135" fill="hold">
+                            <p:stCondLst>
+                              <p:cond delay="2500"/>
+                            </p:stCondLst>
+                            <p:childTnLst>
+                              <p:par>
+                                <p:cTn id="136" presetID="10" presetClass="entr" presetSubtype="0" fill="hold" nodeType="afterEffect">
+                                  <p:stCondLst>
+                                    <p:cond delay="500"/>
+                                  </p:stCondLst>
+                                  <p:childTnLst>
+                                    <p:set>
+                                      <p:cBhvr>
+                                        <p:cTn id="137" dur="1" fill="hold">
+                                          <p:stCondLst>
+                                            <p:cond delay="0"/>
+                                          </p:stCondLst>
+                                        </p:cTn>
+                                        <p:tgtEl>
+                                          <p:spTgt spid="34"/>
+                                        </p:tgtEl>
+                                        <p:attrNameLst>
+                                          <p:attrName>style.visibility</p:attrName>
+                                        </p:attrNameLst>
+                                      </p:cBhvr>
+                                      <p:to>
+                                        <p:strVal val="visible"/>
+                                      </p:to>
+                                    </p:set>
+                                    <p:animEffect transition="in" filter="fade">
+                                      <p:cBhvr>
+                                        <p:cTn id="138" dur="500"/>
+                                        <p:tgtEl>
+                                          <p:spTgt spid="34"/>
+                                        </p:tgtEl>
+                                      </p:cBhvr>
+                                    </p:animEffect>
+                                  </p:childTnLst>
+                                </p:cTn>
+                              </p:par>
+                            </p:childTnLst>
+                          </p:cTn>
+                        </p:par>
+                        <p:par>
+                          <p:cTn id="139" fill="hold">
+                            <p:stCondLst>
+                              <p:cond delay="3500"/>
+                            </p:stCondLst>
+                            <p:childTnLst>
+                              <p:par>
+                                <p:cTn id="140" presetID="10" presetClass="entr" presetSubtype="0" fill="hold" nodeType="afterEffect">
+                                  <p:stCondLst>
+                                    <p:cond delay="500"/>
+                                  </p:stCondLst>
+                                  <p:childTnLst>
+                                    <p:set>
+                                      <p:cBhvr>
+                                        <p:cTn id="141" dur="1" fill="hold">
+                                          <p:stCondLst>
+                                            <p:cond delay="0"/>
+                                          </p:stCondLst>
+                                        </p:cTn>
+                                        <p:tgtEl>
+                                          <p:spTgt spid="36"/>
+                                        </p:tgtEl>
+                                        <p:attrNameLst>
+                                          <p:attrName>style.visibility</p:attrName>
+                                        </p:attrNameLst>
+                                      </p:cBhvr>
+                                      <p:to>
+                                        <p:strVal val="visible"/>
+                                      </p:to>
+                                    </p:set>
+                                    <p:animEffect transition="in" filter="fade">
+                                      <p:cBhvr>
+                                        <p:cTn id="142" dur="500"/>
+                                        <p:tgtEl>
+                                          <p:spTgt spid="36"/>
+                                        </p:tgtEl>
+                                      </p:cBhvr>
+                                    </p:animEffect>
+                                  </p:childTnLst>
+                                </p:cTn>
+                              </p:par>
+                            </p:childTnLst>
+                          </p:cTn>
+                        </p:par>
+                        <p:par>
+                          <p:cTn id="143" fill="hold">
+                            <p:stCondLst>
+                              <p:cond delay="4500"/>
+                            </p:stCondLst>
+                            <p:childTnLst>
+                              <p:par>
+                                <p:cTn id="144" presetID="10" presetClass="entr" presetSubtype="0" fill="hold" nodeType="afterEffect">
+                                  <p:stCondLst>
+                                    <p:cond delay="500"/>
+                                  </p:stCondLst>
+                                  <p:childTnLst>
+                                    <p:set>
+                                      <p:cBhvr>
+                                        <p:cTn id="145" dur="1" fill="hold">
+                                          <p:stCondLst>
+                                            <p:cond delay="0"/>
+                                          </p:stCondLst>
+                                        </p:cTn>
+                                        <p:tgtEl>
+                                          <p:spTgt spid="37"/>
+                                        </p:tgtEl>
+                                        <p:attrNameLst>
+                                          <p:attrName>style.visibility</p:attrName>
+                                        </p:attrNameLst>
+                                      </p:cBhvr>
+                                      <p:to>
+                                        <p:strVal val="visible"/>
+                                      </p:to>
+                                    </p:set>
+                                    <p:animEffect transition="in" filter="fade">
+                                      <p:cBhvr>
+                                        <p:cTn id="146" dur="500"/>
+                                        <p:tgtEl>
+                                          <p:spTgt spid="37"/>
+                                        </p:tgtEl>
+                                      </p:cBhvr>
+                                    </p:animEffect>
+                                  </p:childTnLst>
+                                </p:cTn>
+                              </p:par>
+                            </p:childTnLst>
+                          </p:cTn>
+                        </p:par>
+                        <p:par>
+                          <p:cTn id="147" fill="hold">
+                            <p:stCondLst>
+                              <p:cond delay="5500"/>
+                            </p:stCondLst>
+                            <p:childTnLst>
+                              <p:par>
+                                <p:cTn id="148" presetID="10" presetClass="entr" presetSubtype="0" fill="hold" nodeType="afterEffect">
+                                  <p:stCondLst>
+                                    <p:cond delay="500"/>
+                                  </p:stCondLst>
+                                  <p:childTnLst>
+                                    <p:set>
+                                      <p:cBhvr>
+                                        <p:cTn id="149" dur="1" fill="hold">
+                                          <p:stCondLst>
+                                            <p:cond delay="0"/>
+                                          </p:stCondLst>
+                                        </p:cTn>
+                                        <p:tgtEl>
+                                          <p:spTgt spid="38"/>
+                                        </p:tgtEl>
+                                        <p:attrNameLst>
+                                          <p:attrName>style.visibility</p:attrName>
+                                        </p:attrNameLst>
+                                      </p:cBhvr>
+                                      <p:to>
+                                        <p:strVal val="visible"/>
+                                      </p:to>
+                                    </p:set>
+                                    <p:animEffect transition="in" filter="fade">
+                                      <p:cBhvr>
+                                        <p:cTn id="150" dur="500"/>
+                                        <p:tgtEl>
+                                          <p:spTgt spid="38"/>
+                                        </p:tgtEl>
+                                      </p:cBhvr>
+                                    </p:animEffect>
+                                  </p:childTnLst>
+                                </p:cTn>
+                              </p:par>
+                            </p:childTnLst>
+                          </p:cTn>
+                        </p:par>
+                        <p:par>
+                          <p:cTn id="151" fill="hold">
+                            <p:stCondLst>
+                              <p:cond delay="6500"/>
+                            </p:stCondLst>
+                            <p:childTnLst>
+                              <p:par>
+                                <p:cTn id="152" presetID="10" presetClass="entr" presetSubtype="0" fill="hold" nodeType="afterEffect">
+                                  <p:stCondLst>
+                                    <p:cond delay="750"/>
+                                  </p:stCondLst>
+                                  <p:childTnLst>
+                                    <p:set>
+                                      <p:cBhvr>
+                                        <p:cTn id="153" dur="1" fill="hold">
+                                          <p:stCondLst>
+                                            <p:cond delay="0"/>
+                                          </p:stCondLst>
+                                        </p:cTn>
+                                        <p:tgtEl>
+                                          <p:spTgt spid="51"/>
+                                        </p:tgtEl>
+                                        <p:attrNameLst>
+                                          <p:attrName>style.visibility</p:attrName>
+                                        </p:attrNameLst>
+                                      </p:cBhvr>
+                                      <p:to>
+                                        <p:strVal val="visible"/>
+                                      </p:to>
+                                    </p:set>
+                                    <p:animEffect transition="in" filter="fade">
+                                      <p:cBhvr>
+                                        <p:cTn id="154" dur="500"/>
                                         <p:tgtEl>
                                           <p:spTgt spid="51"/>
                                         </p:tgtEl>
@@ -9690,26 +10200,26 @@
                     </p:cTn>
                   </p:par>
                   <p:par>
-                    <p:cTn id="131" fill="hold">
+                    <p:cTn id="155" fill="hold">
                       <p:stCondLst>
                         <p:cond delay="indefinite"/>
                       </p:stCondLst>
                       <p:childTnLst>
                         <p:par>
-                          <p:cTn id="132" fill="hold">
+                          <p:cTn id="156" fill="hold">
                             <p:stCondLst>
                               <p:cond delay="0"/>
                             </p:stCondLst>
                             <p:childTnLst>
                               <p:par>
-                                <p:cTn id="133" presetID="10" presetClass="exit" presetSubtype="0" fill="hold" nodeType="clickEffect">
+                                <p:cTn id="157" presetID="10" presetClass="exit" presetSubtype="0" fill="hold" nodeType="clickEffect">
                                   <p:stCondLst>
                                     <p:cond delay="0"/>
                                   </p:stCondLst>
                                   <p:childTnLst>
                                     <p:animEffect transition="out" filter="fade">
                                       <p:cBhvr>
-                                        <p:cTn id="134" dur="500"/>
+                                        <p:cTn id="158" dur="500"/>
                                         <p:tgtEl>
                                           <p:spTgt spid="51"/>
                                         </p:tgtEl>
@@ -9717,13 +10227,223 @@
                                     </p:animEffect>
                                     <p:set>
                                       <p:cBhvr>
-                                        <p:cTn id="135" dur="1" fill="hold">
+                                        <p:cTn id="159" dur="1" fill="hold">
                                           <p:stCondLst>
                                             <p:cond delay="499"/>
                                           </p:stCondLst>
                                         </p:cTn>
                                         <p:tgtEl>
                                           <p:spTgt spid="51"/>
+                                        </p:tgtEl>
+                                        <p:attrNameLst>
+                                          <p:attrName>style.visibility</p:attrName>
+                                        </p:attrNameLst>
+                                      </p:cBhvr>
+                                      <p:to>
+                                        <p:strVal val="hidden"/>
+                                      </p:to>
+                                    </p:set>
+                                  </p:childTnLst>
+                                </p:cTn>
+                              </p:par>
+                              <p:par>
+                                <p:cTn id="160" presetID="10" presetClass="exit" presetSubtype="0" fill="hold" nodeType="withEffect">
+                                  <p:stCondLst>
+                                    <p:cond delay="0"/>
+                                  </p:stCondLst>
+                                  <p:childTnLst>
+                                    <p:animEffect transition="out" filter="fade">
+                                      <p:cBhvr>
+                                        <p:cTn id="161" dur="500"/>
+                                        <p:tgtEl>
+                                          <p:spTgt spid="31"/>
+                                        </p:tgtEl>
+                                      </p:cBhvr>
+                                    </p:animEffect>
+                                    <p:set>
+                                      <p:cBhvr>
+                                        <p:cTn id="162" dur="1" fill="hold">
+                                          <p:stCondLst>
+                                            <p:cond delay="499"/>
+                                          </p:stCondLst>
+                                        </p:cTn>
+                                        <p:tgtEl>
+                                          <p:spTgt spid="31"/>
+                                        </p:tgtEl>
+                                        <p:attrNameLst>
+                                          <p:attrName>style.visibility</p:attrName>
+                                        </p:attrNameLst>
+                                      </p:cBhvr>
+                                      <p:to>
+                                        <p:strVal val="hidden"/>
+                                      </p:to>
+                                    </p:set>
+                                  </p:childTnLst>
+                                </p:cTn>
+                              </p:par>
+                              <p:par>
+                                <p:cTn id="163" presetID="10" presetClass="exit" presetSubtype="0" fill="hold" nodeType="withEffect">
+                                  <p:stCondLst>
+                                    <p:cond delay="0"/>
+                                  </p:stCondLst>
+                                  <p:childTnLst>
+                                    <p:animEffect transition="out" filter="fade">
+                                      <p:cBhvr>
+                                        <p:cTn id="164" dur="500"/>
+                                        <p:tgtEl>
+                                          <p:spTgt spid="33"/>
+                                        </p:tgtEl>
+                                      </p:cBhvr>
+                                    </p:animEffect>
+                                    <p:set>
+                                      <p:cBhvr>
+                                        <p:cTn id="165" dur="1" fill="hold">
+                                          <p:stCondLst>
+                                            <p:cond delay="499"/>
+                                          </p:stCondLst>
+                                        </p:cTn>
+                                        <p:tgtEl>
+                                          <p:spTgt spid="33"/>
+                                        </p:tgtEl>
+                                        <p:attrNameLst>
+                                          <p:attrName>style.visibility</p:attrName>
+                                        </p:attrNameLst>
+                                      </p:cBhvr>
+                                      <p:to>
+                                        <p:strVal val="hidden"/>
+                                      </p:to>
+                                    </p:set>
+                                  </p:childTnLst>
+                                </p:cTn>
+                              </p:par>
+                              <p:par>
+                                <p:cTn id="166" presetID="10" presetClass="exit" presetSubtype="0" fill="hold" nodeType="withEffect">
+                                  <p:stCondLst>
+                                    <p:cond delay="0"/>
+                                  </p:stCondLst>
+                                  <p:childTnLst>
+                                    <p:animEffect transition="out" filter="fade">
+                                      <p:cBhvr>
+                                        <p:cTn id="167" dur="500"/>
+                                        <p:tgtEl>
+                                          <p:spTgt spid="34"/>
+                                        </p:tgtEl>
+                                      </p:cBhvr>
+                                    </p:animEffect>
+                                    <p:set>
+                                      <p:cBhvr>
+                                        <p:cTn id="168" dur="1" fill="hold">
+                                          <p:stCondLst>
+                                            <p:cond delay="499"/>
+                                          </p:stCondLst>
+                                        </p:cTn>
+                                        <p:tgtEl>
+                                          <p:spTgt spid="34"/>
+                                        </p:tgtEl>
+                                        <p:attrNameLst>
+                                          <p:attrName>style.visibility</p:attrName>
+                                        </p:attrNameLst>
+                                      </p:cBhvr>
+                                      <p:to>
+                                        <p:strVal val="hidden"/>
+                                      </p:to>
+                                    </p:set>
+                                  </p:childTnLst>
+                                </p:cTn>
+                              </p:par>
+                              <p:par>
+                                <p:cTn id="169" presetID="10" presetClass="exit" presetSubtype="0" fill="hold" nodeType="withEffect">
+                                  <p:stCondLst>
+                                    <p:cond delay="0"/>
+                                  </p:stCondLst>
+                                  <p:childTnLst>
+                                    <p:animEffect transition="out" filter="fade">
+                                      <p:cBhvr>
+                                        <p:cTn id="170" dur="500"/>
+                                        <p:tgtEl>
+                                          <p:spTgt spid="36"/>
+                                        </p:tgtEl>
+                                      </p:cBhvr>
+                                    </p:animEffect>
+                                    <p:set>
+                                      <p:cBhvr>
+                                        <p:cTn id="171" dur="1" fill="hold">
+                                          <p:stCondLst>
+                                            <p:cond delay="499"/>
+                                          </p:stCondLst>
+                                        </p:cTn>
+                                        <p:tgtEl>
+                                          <p:spTgt spid="36"/>
+                                        </p:tgtEl>
+                                        <p:attrNameLst>
+                                          <p:attrName>style.visibility</p:attrName>
+                                        </p:attrNameLst>
+                                      </p:cBhvr>
+                                      <p:to>
+                                        <p:strVal val="hidden"/>
+                                      </p:to>
+                                    </p:set>
+                                  </p:childTnLst>
+                                </p:cTn>
+                              </p:par>
+                              <p:par>
+                                <p:cTn id="172" presetID="10" presetClass="exit" presetSubtype="0" fill="hold" nodeType="withEffect">
+                                  <p:stCondLst>
+                                    <p:cond delay="0"/>
+                                  </p:stCondLst>
+                                  <p:childTnLst>
+                                    <p:animEffect transition="out" filter="fade">
+                                      <p:cBhvr>
+                                        <p:cTn id="173" dur="500"/>
+                                        <p:tgtEl>
+                                          <p:spTgt spid="37"/>
+                                        </p:tgtEl>
+                                      </p:cBhvr>
+                                    </p:animEffect>
+                                    <p:set>
+                                      <p:cBhvr>
+                                        <p:cTn id="174" dur="1" fill="hold">
+                                          <p:stCondLst>
+                                            <p:cond delay="499"/>
+                                          </p:stCondLst>
+                                        </p:cTn>
+                                        <p:tgtEl>
+                                          <p:spTgt spid="37"/>
+                                        </p:tgtEl>
+                                        <p:attrNameLst>
+                                          <p:attrName>style.visibility</p:attrName>
+                                        </p:attrNameLst>
+                                      </p:cBhvr>
+                                      <p:to>
+                                        <p:strVal val="hidden"/>
+                                      </p:to>
+                                    </p:set>
+                                  </p:childTnLst>
+                                </p:cTn>
+                              </p:par>
+                              <p:par>
+                                <p:cTn id="175" presetID="10" presetClass="exit" presetSubtype="0" fill="hold" nodeType="withEffect">
+                                  <p:stCondLst>
+                                    <p:cond delay="0"/>
+                                  </p:stCondLst>
+                                  <p:childTnLst>
+                                    <p:animEffect transition="out" filter="fade">
+                                      <p:cBhvr>
+                                        <p:cTn id="176" dur="500"/>
+                                        <p:tgtEl>
+                                          <p:spTgt spid="38"/>
+                                        </p:tgtEl>
+                                      </p:cBhvr>
+                                    </p:animEffect>
+                                    <p:set>
+                                      <p:cBhvr>
+                                        <p:cTn id="177" dur="1" fill="hold">
+                                          <p:stCondLst>
+                                            <p:cond delay="499"/>
+                                          </p:stCondLst>
+                                        </p:cTn>
+                                        <p:tgtEl>
+                                          <p:spTgt spid="38"/>
                                         </p:tgtEl>
                                         <p:attrNameLst>
                                           <p:attrName>style.visibility</p:attrName>
@@ -9740,20 +10460,20 @@
                           </p:cTn>
                         </p:par>
                         <p:par>
-                          <p:cTn id="136" fill="hold">
+                          <p:cTn id="178" fill="hold">
                             <p:stCondLst>
                               <p:cond delay="500"/>
                             </p:stCondLst>
                             <p:childTnLst>
                               <p:par>
-                                <p:cTn id="137" presetID="10" presetClass="exit" presetSubtype="0" fill="hold" grpId="1" nodeType="afterEffect">
+                                <p:cTn id="179" presetID="10" presetClass="exit" presetSubtype="0" fill="hold" grpId="1" nodeType="afterEffect">
                                   <p:stCondLst>
-                                    <p:cond delay="750"/>
+                                    <p:cond delay="500"/>
                                   </p:stCondLst>
                                   <p:childTnLst>
                                     <p:animEffect transition="out" filter="fade">
                                       <p:cBhvr>
-                                        <p:cTn id="138" dur="500"/>
+                                        <p:cTn id="180" dur="500"/>
                                         <p:tgtEl>
                                           <p:spTgt spid="55"/>
                                         </p:tgtEl>
@@ -9761,7 +10481,7 @@
                                     </p:animEffect>
                                     <p:set>
                                       <p:cBhvr>
-                                        <p:cTn id="139" dur="1" fill="hold">
+                                        <p:cTn id="181" dur="1" fill="hold">
                                           <p:stCondLst>
                                             <p:cond delay="499"/>
                                           </p:stCondLst>
@@ -9787,26 +10507,26 @@
                     </p:cTn>
                   </p:par>
                   <p:par>
-                    <p:cTn id="140" fill="hold">
+                    <p:cTn id="182" fill="hold">
                       <p:stCondLst>
                         <p:cond delay="indefinite"/>
                       </p:stCondLst>
                       <p:childTnLst>
                         <p:par>
-                          <p:cTn id="141" fill="hold">
+                          <p:cTn id="183" fill="hold">
                             <p:stCondLst>
                               <p:cond delay="0"/>
                             </p:stCondLst>
                             <p:childTnLst>
                               <p:par>
-                                <p:cTn id="142" presetID="22" presetClass="entr" presetSubtype="4" fill="hold" grpId="0" nodeType="clickEffect">
+                                <p:cTn id="184" presetID="22" presetClass="entr" presetSubtype="4" fill="hold" grpId="0" nodeType="clickEffect">
                                   <p:stCondLst>
                                     <p:cond delay="0"/>
                                   </p:stCondLst>
                                   <p:childTnLst>
                                     <p:set>
                                       <p:cBhvr>
-                                        <p:cTn id="143" dur="1" fill="hold">
+                                        <p:cTn id="185" dur="1" fill="hold">
                                           <p:stCondLst>
                                             <p:cond delay="0"/>
                                           </p:stCondLst>
@@ -9824,7 +10544,7 @@
                                     </p:set>
                                     <p:animEffect transition="in" filter="wipe(down)">
                                       <p:cBhvr>
-                                        <p:cTn id="144" dur="500"/>
+                                        <p:cTn id="186" dur="500"/>
                                         <p:tgtEl>
                                           <p:spTgt spid="60"/>
                                         </p:tgtEl>
@@ -9837,20 +10557,20 @@
                           </p:cTn>
                         </p:par>
                         <p:par>
-                          <p:cTn id="145" fill="hold">
+                          <p:cTn id="187" fill="hold">
                             <p:stCondLst>
                               <p:cond delay="500"/>
                             </p:stCondLst>
                             <p:childTnLst>
                               <p:par>
-                                <p:cTn id="146" presetID="10" presetClass="entr" presetSubtype="0" fill="hold" grpId="2" nodeType="afterEffect">
+                                <p:cTn id="188" presetID="10" presetClass="entr" presetSubtype="0" fill="hold" grpId="2" nodeType="afterEffect">
                                   <p:stCondLst>
                                     <p:cond delay="500"/>
                                   </p:stCondLst>
                                   <p:childTnLst>
                                     <p:set>
                                       <p:cBhvr>
-                                        <p:cTn id="147" dur="1" fill="hold">
+                                        <p:cTn id="189" dur="1" fill="hold">
                                           <p:stCondLst>
                                             <p:cond delay="0"/>
                                           </p:stCondLst>
@@ -9868,7 +10588,7 @@
                                     </p:set>
                                     <p:animEffect transition="in" filter="fade">
                                       <p:cBhvr>
-                                        <p:cTn id="148" dur="500"/>
+                                        <p:cTn id="190" dur="500"/>
                                         <p:tgtEl>
                                           <p:spTgt spid="14"/>
                                         </p:tgtEl>
@@ -9881,20 +10601,20 @@
                           </p:cTn>
                         </p:par>
                         <p:par>
-                          <p:cTn id="149" fill="hold">
+                          <p:cTn id="191" fill="hold">
                             <p:stCondLst>
                               <p:cond delay="1500"/>
                             </p:stCondLst>
                             <p:childTnLst>
                               <p:par>
-                                <p:cTn id="150" presetID="10" presetClass="entr" presetSubtype="0" fill="hold" grpId="2" nodeType="afterEffect">
+                                <p:cTn id="192" presetID="10" presetClass="entr" presetSubtype="0" fill="hold" grpId="2" nodeType="afterEffect">
                                   <p:stCondLst>
                                     <p:cond delay="500"/>
                                   </p:stCondLst>
                                   <p:childTnLst>
                                     <p:set>
                                       <p:cBhvr>
-                                        <p:cTn id="151" dur="1" fill="hold">
+                                        <p:cTn id="193" dur="1" fill="hold">
                                           <p:stCondLst>
                                             <p:cond delay="0"/>
                                           </p:stCondLst>
@@ -9912,7 +10632,7 @@
                                     </p:set>
                                     <p:animEffect transition="in" filter="fade">
                                       <p:cBhvr>
-                                        <p:cTn id="152" dur="500"/>
+                                        <p:cTn id="194" dur="500"/>
                                         <p:tgtEl>
                                           <p:spTgt spid="16"/>
                                         </p:tgtEl>
@@ -9925,20 +10645,20 @@
                           </p:cTn>
                         </p:par>
                         <p:par>
-                          <p:cTn id="153" fill="hold">
+                          <p:cTn id="195" fill="hold">
                             <p:stCondLst>
                               <p:cond delay="2500"/>
                             </p:stCondLst>
                             <p:childTnLst>
                               <p:par>
-                                <p:cTn id="154" presetID="10" presetClass="entr" presetSubtype="0" fill="hold" grpId="0" nodeType="afterEffect">
+                                <p:cTn id="196" presetID="10" presetClass="entr" presetSubtype="0" fill="hold" grpId="0" nodeType="afterEffect">
                                   <p:stCondLst>
                                     <p:cond delay="500"/>
                                   </p:stCondLst>
                                   <p:childTnLst>
                                     <p:set>
                                       <p:cBhvr>
-                                        <p:cTn id="155" dur="1" fill="hold">
+                                        <p:cTn id="197" dur="1" fill="hold">
                                           <p:stCondLst>
                                             <p:cond delay="0"/>
                                           </p:stCondLst>
@@ -9956,7 +10676,7 @@
                                     </p:set>
                                     <p:animEffect transition="in" filter="fade">
                                       <p:cBhvr>
-                                        <p:cTn id="156" dur="500"/>
+                                        <p:cTn id="198" dur="500"/>
                                         <p:tgtEl>
                                           <p:spTgt spid="61"/>
                                         </p:tgtEl>
@@ -9972,26 +10692,26 @@
                     </p:cTn>
                   </p:par>
                   <p:par>
-                    <p:cTn id="157" fill="hold">
+                    <p:cTn id="199" fill="hold">
                       <p:stCondLst>
                         <p:cond delay="indefinite"/>
                       </p:stCondLst>
                       <p:childTnLst>
                         <p:par>
-                          <p:cTn id="158" fill="hold">
+                          <p:cTn id="200" fill="hold">
                             <p:stCondLst>
                               <p:cond delay="0"/>
                             </p:stCondLst>
                             <p:childTnLst>
                               <p:par>
-                                <p:cTn id="159" presetID="10" presetClass="exit" presetSubtype="0" fill="hold" grpId="3" nodeType="clickEffect">
+                                <p:cTn id="201" presetID="10" presetClass="exit" presetSubtype="0" fill="hold" grpId="3" nodeType="clickEffect">
                                   <p:stCondLst>
                                     <p:cond delay="0"/>
                                   </p:stCondLst>
                                   <p:childTnLst>
                                     <p:animEffect transition="out" filter="fade">
                                       <p:cBhvr>
-                                        <p:cTn id="160" dur="500"/>
+                                        <p:cTn id="202" dur="500"/>
                                         <p:tgtEl>
                                           <p:spTgt spid="14"/>
                                         </p:tgtEl>
@@ -9999,7 +10719,7 @@
                                     </p:animEffect>
                                     <p:set>
                                       <p:cBhvr>
-                                        <p:cTn id="161" dur="1" fill="hold">
+                                        <p:cTn id="203" dur="1" fill="hold">
                                           <p:stCondLst>
                                             <p:cond delay="499"/>
                                           </p:stCondLst>
@@ -10019,14 +10739,14 @@
                                 </p:cTn>
                               </p:par>
                               <p:par>
-                                <p:cTn id="162" presetID="10" presetClass="exit" presetSubtype="0" fill="hold" grpId="3" nodeType="withEffect">
+                                <p:cTn id="204" presetID="10" presetClass="exit" presetSubtype="0" fill="hold" grpId="3" nodeType="withEffect">
                                   <p:stCondLst>
                                     <p:cond delay="0"/>
                                   </p:stCondLst>
                                   <p:childTnLst>
                                     <p:animEffect transition="out" filter="fade">
                                       <p:cBhvr>
-                                        <p:cTn id="163" dur="500"/>
+                                        <p:cTn id="205" dur="500"/>
                                         <p:tgtEl>
                                           <p:spTgt spid="16"/>
                                         </p:tgtEl>
@@ -10034,7 +10754,7 @@
                                     </p:animEffect>
                                     <p:set>
                                       <p:cBhvr>
-                                        <p:cTn id="164" dur="1" fill="hold">
+                                        <p:cTn id="206" dur="1" fill="hold">
                                           <p:stCondLst>
                                             <p:cond delay="499"/>
                                           </p:stCondLst>
@@ -10054,14 +10774,14 @@
                                 </p:cTn>
                               </p:par>
                               <p:par>
-                                <p:cTn id="165" presetID="10" presetClass="exit" presetSubtype="0" fill="hold" grpId="1" nodeType="withEffect">
+                                <p:cTn id="207" presetID="10" presetClass="exit" presetSubtype="0" fill="hold" grpId="1" nodeType="withEffect">
                                   <p:stCondLst>
                                     <p:cond delay="0"/>
                                   </p:stCondLst>
                                   <p:childTnLst>
                                     <p:animEffect transition="out" filter="fade">
                                       <p:cBhvr>
-                                        <p:cTn id="166" dur="500"/>
+                                        <p:cTn id="208" dur="500"/>
                                         <p:tgtEl>
                                           <p:spTgt spid="61"/>
                                         </p:tgtEl>
@@ -10069,7 +10789,7 @@
                                     </p:animEffect>
                                     <p:set>
                                       <p:cBhvr>
-                                        <p:cTn id="167" dur="1" fill="hold">
+                                        <p:cTn id="209" dur="1" fill="hold">
                                           <p:stCondLst>
                                             <p:cond delay="499"/>
                                           </p:stCondLst>
@@ -10095,26 +10815,26 @@
                     </p:cTn>
                   </p:par>
                   <p:par>
-                    <p:cTn id="168" fill="hold">
+                    <p:cTn id="210" fill="hold">
                       <p:stCondLst>
                         <p:cond delay="indefinite"/>
                       </p:stCondLst>
                       <p:childTnLst>
                         <p:par>
-                          <p:cTn id="169" fill="hold">
+                          <p:cTn id="211" fill="hold">
                             <p:stCondLst>
                               <p:cond delay="0"/>
                             </p:stCondLst>
                             <p:childTnLst>
                               <p:par>
-                                <p:cTn id="170" presetID="10" presetClass="entr" presetSubtype="0" fill="hold" grpId="0" nodeType="clickEffect">
+                                <p:cTn id="212" presetID="10" presetClass="entr" presetSubtype="0" fill="hold" grpId="0" nodeType="clickEffect">
                                   <p:stCondLst>
                                     <p:cond delay="0"/>
                                   </p:stCondLst>
                                   <p:childTnLst>
                                     <p:set>
                                       <p:cBhvr>
-                                        <p:cTn id="171" dur="1" fill="hold">
+                                        <p:cTn id="213" dur="1" fill="hold">
                                           <p:stCondLst>
                                             <p:cond delay="0"/>
                                           </p:stCondLst>
@@ -10132,7 +10852,7 @@
                                     </p:set>
                                     <p:animEffect transition="in" filter="fade">
                                       <p:cBhvr>
-                                        <p:cTn id="172" dur="500"/>
+                                        <p:cTn id="214" dur="500"/>
                                         <p:tgtEl>
                                           <p:spTgt spid="57"/>
                                         </p:tgtEl>
@@ -10145,20 +10865,20 @@
                           </p:cTn>
                         </p:par>
                         <p:par>
-                          <p:cTn id="173" fill="hold">
+                          <p:cTn id="215" fill="hold">
                             <p:stCondLst>
                               <p:cond delay="500"/>
                             </p:stCondLst>
                             <p:childTnLst>
                               <p:par>
-                                <p:cTn id="174" presetID="1" presetClass="entr" presetSubtype="0" fill="hold" grpId="0" nodeType="afterEffect">
+                                <p:cTn id="216" presetID="1" presetClass="entr" presetSubtype="0" fill="hold" grpId="0" nodeType="afterEffect">
                                   <p:stCondLst>
                                     <p:cond delay="1000"/>
                                   </p:stCondLst>
                                   <p:childTnLst>
                                     <p:set>
                                       <p:cBhvr>
-                                        <p:cTn id="175" dur="1" fill="hold">
+                                        <p:cTn id="217" dur="1" fill="hold">
                                           <p:stCondLst>
                                             <p:cond delay="0"/>
                                           </p:stCondLst>
@@ -10181,20 +10901,20 @@
                           </p:cTn>
                         </p:par>
                         <p:par>
-                          <p:cTn id="176" fill="hold">
+                          <p:cTn id="218" fill="hold">
                             <p:stCondLst>
                               <p:cond delay="1500"/>
                             </p:stCondLst>
                             <p:childTnLst>
                               <p:par>
-                                <p:cTn id="177" presetID="1" presetClass="entr" presetSubtype="0" fill="hold" grpId="0" nodeType="afterEffect">
+                                <p:cTn id="219" presetID="1" presetClass="entr" presetSubtype="0" fill="hold" grpId="0" nodeType="afterEffect">
                                   <p:stCondLst>
                                     <p:cond delay="750"/>
                                   </p:stCondLst>
                                   <p:childTnLst>
                                     <p:set>
                                       <p:cBhvr>
-                                        <p:cTn id="178" dur="1" fill="hold">
+                                        <p:cTn id="220" dur="1" fill="hold">
                                           <p:stCondLst>
                                             <p:cond delay="0"/>
                                           </p:stCondLst>
